--- a/TUTAR_OZEN_Project_Presentation.pptx
+++ b/TUTAR_OZEN_Project_Presentation.pptx
@@ -5,7 +5,7 @@
     <p:sldMasterId id="2147483666" r:id="rId1"/>
   </p:sldMasterIdLst>
   <p:notesMasterIdLst>
-    <p:notesMasterId r:id="rId28"/>
+    <p:notesMasterId r:id="rId27"/>
   </p:notesMasterIdLst>
   <p:sldIdLst>
     <p:sldId id="266" r:id="rId2"/>
@@ -13,12 +13,12 @@
     <p:sldId id="271" r:id="rId4"/>
     <p:sldId id="257" r:id="rId5"/>
     <p:sldId id="264" r:id="rId6"/>
-    <p:sldId id="258" r:id="rId7"/>
-    <p:sldId id="259" r:id="rId8"/>
+    <p:sldId id="259" r:id="rId7"/>
+    <p:sldId id="258" r:id="rId8"/>
     <p:sldId id="267" r:id="rId9"/>
-    <p:sldId id="261" r:id="rId10"/>
-    <p:sldId id="262" r:id="rId11"/>
-    <p:sldId id="268" r:id="rId12"/>
+    <p:sldId id="262" r:id="rId10"/>
+    <p:sldId id="268" r:id="rId11"/>
+    <p:sldId id="261" r:id="rId12"/>
     <p:sldId id="269" r:id="rId13"/>
     <p:sldId id="272" r:id="rId14"/>
     <p:sldId id="273" r:id="rId15"/>
@@ -29,11 +29,10 @@
     <p:sldId id="278" r:id="rId20"/>
     <p:sldId id="279" r:id="rId21"/>
     <p:sldId id="280" r:id="rId22"/>
-    <p:sldId id="281" r:id="rId23"/>
-    <p:sldId id="282" r:id="rId24"/>
-    <p:sldId id="283" r:id="rId25"/>
-    <p:sldId id="285" r:id="rId26"/>
-    <p:sldId id="263" r:id="rId27"/>
+    <p:sldId id="282" r:id="rId23"/>
+    <p:sldId id="283" r:id="rId24"/>
+    <p:sldId id="285" r:id="rId25"/>
+    <p:sldId id="263" r:id="rId26"/>
   </p:sldIdLst>
   <p:sldSz cx="18300700" cy="10299700"/>
   <p:notesSz cx="18300700" cy="10299700"/>
@@ -154,7 +153,7 @@
 <file path=ppt/revisionInfo.xml><?xml version="1.0" encoding="utf-8"?>
 <p1510:revInfo xmlns:a="http://schemas.openxmlformats.org/drawingml/2006/main" xmlns:r="http://schemas.openxmlformats.org/officeDocument/2006/relationships" xmlns:p1510="http://schemas.microsoft.com/office/powerpoint/2015/10/main">
   <p1510:revLst>
-    <p1510:client id="{17550451-527B-45CD-9AD2-8C889FF33DF6}" v="54" dt="2024-07-10T04:05:58.576"/>
+    <p1510:client id="{2A5476DD-5B7C-4A9C-BA67-83B8752F949B}" v="44" dt="2024-07-11T14:52:48.478"/>
   </p1510:revLst>
 </p1510:revInfo>
 </file>
@@ -162,26 +161,787 @@
 <file path=ppt/changesInfos/changesInfo1.xml><?xml version="1.0" encoding="utf-8"?>
 <pc:chgInfo xmlns:a="http://schemas.openxmlformats.org/drawingml/2006/main" xmlns:r="http://schemas.openxmlformats.org/officeDocument/2006/relationships" xmlns:ac="http://schemas.microsoft.com/office/drawing/2013/main/command" xmlns:pc="http://schemas.microsoft.com/office/powerpoint/2013/main/command">
   <pc:docChgLst>
-    <pc:chgData name="Zeynep Tutar" userId="d9d1c894097c761c" providerId="LiveId" clId="{B22B19B4-5AA7-4555-9B30-938CA60154F8}"/>
-    <pc:docChg chg="modSld">
-      <pc:chgData name="Zeynep Tutar" userId="d9d1c894097c761c" providerId="LiveId" clId="{B22B19B4-5AA7-4555-9B30-938CA60154F8}" dt="2024-07-10T04:12:23.975" v="10" actId="20577"/>
+    <pc:chgData name="Zeynep Tutar" userId="d9d1c894097c761c" providerId="LiveId" clId="{2A5476DD-5B7C-4A9C-BA67-83B8752F949B}"/>
+    <pc:docChg chg="undo custSel addSld delSld modSld">
+      <pc:chgData name="Zeynep Tutar" userId="d9d1c894097c761c" providerId="LiveId" clId="{2A5476DD-5B7C-4A9C-BA67-83B8752F949B}" dt="2024-07-11T14:52:51.068" v="439" actId="1076"/>
       <pc:docMkLst>
         <pc:docMk/>
       </pc:docMkLst>
       <pc:sldChg chg="modSp mod">
-        <pc:chgData name="Zeynep Tutar" userId="d9d1c894097c761c" providerId="LiveId" clId="{B22B19B4-5AA7-4555-9B30-938CA60154F8}" dt="2024-07-10T04:12:23.975" v="10" actId="20577"/>
+        <pc:chgData name="Zeynep Tutar" userId="d9d1c894097c761c" providerId="LiveId" clId="{2A5476DD-5B7C-4A9C-BA67-83B8752F949B}" dt="2024-07-11T14:05:14.713" v="230" actId="313"/>
+        <pc:sldMkLst>
+          <pc:docMk/>
+          <pc:sldMk cId="0" sldId="257"/>
+        </pc:sldMkLst>
+        <pc:spChg chg="mod">
+          <ac:chgData name="Zeynep Tutar" userId="d9d1c894097c761c" providerId="LiveId" clId="{2A5476DD-5B7C-4A9C-BA67-83B8752F949B}" dt="2024-07-11T14:05:14.713" v="230" actId="313"/>
+          <ac:spMkLst>
+            <pc:docMk/>
+            <pc:sldMk cId="0" sldId="257"/>
+            <ac:spMk id="9" creationId="{00000000-0000-0000-0000-000000000000}"/>
+          </ac:spMkLst>
+        </pc:spChg>
+      </pc:sldChg>
+      <pc:sldChg chg="add del">
+        <pc:chgData name="Zeynep Tutar" userId="d9d1c894097c761c" providerId="LiveId" clId="{2A5476DD-5B7C-4A9C-BA67-83B8752F949B}" dt="2024-07-11T12:54:18.265" v="1"/>
+        <pc:sldMkLst>
+          <pc:docMk/>
+          <pc:sldMk cId="0" sldId="263"/>
+        </pc:sldMkLst>
+      </pc:sldChg>
+      <pc:sldChg chg="modSp mod">
+        <pc:chgData name="Zeynep Tutar" userId="d9d1c894097c761c" providerId="LiveId" clId="{2A5476DD-5B7C-4A9C-BA67-83B8752F949B}" dt="2024-07-11T13:25:59.672" v="29" actId="108"/>
+        <pc:sldMkLst>
+          <pc:docMk/>
+          <pc:sldMk cId="1912918366" sldId="268"/>
+        </pc:sldMkLst>
+        <pc:spChg chg="mod">
+          <ac:chgData name="Zeynep Tutar" userId="d9d1c894097c761c" providerId="LiveId" clId="{2A5476DD-5B7C-4A9C-BA67-83B8752F949B}" dt="2024-07-11T13:25:59.672" v="29" actId="108"/>
+          <ac:spMkLst>
+            <pc:docMk/>
+            <pc:sldMk cId="1912918366" sldId="268"/>
+            <ac:spMk id="5" creationId="{4E101EA3-8055-5A94-5EA2-BFEE46B6CB0C}"/>
+          </ac:spMkLst>
+        </pc:spChg>
+      </pc:sldChg>
+      <pc:sldChg chg="add del modNotesTx">
+        <pc:chgData name="Zeynep Tutar" userId="d9d1c894097c761c" providerId="LiveId" clId="{2A5476DD-5B7C-4A9C-BA67-83B8752F949B}" dt="2024-07-11T13:37:53.295" v="50" actId="20577"/>
+        <pc:sldMkLst>
+          <pc:docMk/>
+          <pc:sldMk cId="1707286996" sldId="272"/>
+        </pc:sldMkLst>
+      </pc:sldChg>
+      <pc:sldChg chg="modSp add del mod modNotesTx">
+        <pc:chgData name="Zeynep Tutar" userId="d9d1c894097c761c" providerId="LiveId" clId="{2A5476DD-5B7C-4A9C-BA67-83B8752F949B}" dt="2024-07-11T14:32:05.305" v="353" actId="108"/>
+        <pc:sldMkLst>
+          <pc:docMk/>
+          <pc:sldMk cId="727066555" sldId="273"/>
+        </pc:sldMkLst>
+        <pc:spChg chg="mod">
+          <ac:chgData name="Zeynep Tutar" userId="d9d1c894097c761c" providerId="LiveId" clId="{2A5476DD-5B7C-4A9C-BA67-83B8752F949B}" dt="2024-07-11T14:06:09.697" v="232" actId="20577"/>
+          <ac:spMkLst>
+            <pc:docMk/>
+            <pc:sldMk cId="727066555" sldId="273"/>
+            <ac:spMk id="27" creationId="{6BEFB6EE-929E-25DF-A6DB-8850B8EA9304}"/>
+          </ac:spMkLst>
+        </pc:spChg>
+        <pc:spChg chg="mod">
+          <ac:chgData name="Zeynep Tutar" userId="d9d1c894097c761c" providerId="LiveId" clId="{2A5476DD-5B7C-4A9C-BA67-83B8752F949B}" dt="2024-07-11T14:06:12.097" v="234" actId="20577"/>
+          <ac:spMkLst>
+            <pc:docMk/>
+            <pc:sldMk cId="727066555" sldId="273"/>
+            <ac:spMk id="29" creationId="{0C7C23AD-50F4-F648-1D71-20430BEC5700}"/>
+          </ac:spMkLst>
+        </pc:spChg>
+        <pc:picChg chg="mod">
+          <ac:chgData name="Zeynep Tutar" userId="d9d1c894097c761c" providerId="LiveId" clId="{2A5476DD-5B7C-4A9C-BA67-83B8752F949B}" dt="2024-07-11T14:32:05.305" v="353" actId="108"/>
+          <ac:picMkLst>
+            <pc:docMk/>
+            <pc:sldMk cId="727066555" sldId="273"/>
+            <ac:picMk id="25" creationId="{A8CC482B-7506-64FA-B6A7-A3E0912FBCB4}"/>
+          </ac:picMkLst>
+        </pc:picChg>
+      </pc:sldChg>
+      <pc:sldChg chg="addSp delSp modSp add del mod modNotesTx">
+        <pc:chgData name="Zeynep Tutar" userId="d9d1c894097c761c" providerId="LiveId" clId="{2A5476DD-5B7C-4A9C-BA67-83B8752F949B}" dt="2024-07-11T14:11:51.315" v="284" actId="1076"/>
+        <pc:sldMkLst>
+          <pc:docMk/>
+          <pc:sldMk cId="2759898610" sldId="274"/>
+        </pc:sldMkLst>
+        <pc:spChg chg="add del mod">
+          <ac:chgData name="Zeynep Tutar" userId="d9d1c894097c761c" providerId="LiveId" clId="{2A5476DD-5B7C-4A9C-BA67-83B8752F949B}" dt="2024-07-11T14:09:17.497" v="252" actId="478"/>
+          <ac:spMkLst>
+            <pc:docMk/>
+            <pc:sldMk cId="2759898610" sldId="274"/>
+            <ac:spMk id="6" creationId="{79A3649F-924B-1C36-AEE2-1D521535A792}"/>
+          </ac:spMkLst>
+        </pc:spChg>
+        <pc:spChg chg="add del mod">
+          <ac:chgData name="Zeynep Tutar" userId="d9d1c894097c761c" providerId="LiveId" clId="{2A5476DD-5B7C-4A9C-BA67-83B8752F949B}" dt="2024-07-11T14:09:18.328" v="253" actId="478"/>
+          <ac:spMkLst>
+            <pc:docMk/>
+            <pc:sldMk cId="2759898610" sldId="274"/>
+            <ac:spMk id="10" creationId="{6E361637-A9EC-36EA-0A20-C94DA72EFBD7}"/>
+          </ac:spMkLst>
+        </pc:spChg>
+        <pc:spChg chg="add del mod">
+          <ac:chgData name="Zeynep Tutar" userId="d9d1c894097c761c" providerId="LiveId" clId="{2A5476DD-5B7C-4A9C-BA67-83B8752F949B}" dt="2024-07-11T14:09:20.849" v="254" actId="478"/>
+          <ac:spMkLst>
+            <pc:docMk/>
+            <pc:sldMk cId="2759898610" sldId="274"/>
+            <ac:spMk id="11" creationId="{808A5AE9-0AEF-A283-D848-10BE797A8338}"/>
+          </ac:spMkLst>
+        </pc:spChg>
+        <pc:spChg chg="add mod">
+          <ac:chgData name="Zeynep Tutar" userId="d9d1c894097c761c" providerId="LiveId" clId="{2A5476DD-5B7C-4A9C-BA67-83B8752F949B}" dt="2024-07-11T14:11:46.637" v="283" actId="1076"/>
+          <ac:spMkLst>
+            <pc:docMk/>
+            <pc:sldMk cId="2759898610" sldId="274"/>
+            <ac:spMk id="12" creationId="{5795ED87-E963-9FF6-94D2-43D3C3194C70}"/>
+          </ac:spMkLst>
+        </pc:spChg>
+        <pc:spChg chg="add mod">
+          <ac:chgData name="Zeynep Tutar" userId="d9d1c894097c761c" providerId="LiveId" clId="{2A5476DD-5B7C-4A9C-BA67-83B8752F949B}" dt="2024-07-11T14:11:46.637" v="283" actId="1076"/>
+          <ac:spMkLst>
+            <pc:docMk/>
+            <pc:sldMk cId="2759898610" sldId="274"/>
+            <ac:spMk id="13" creationId="{5F9A97CD-13D1-D306-F280-A3E2C26B89F6}"/>
+          </ac:spMkLst>
+        </pc:spChg>
+        <pc:spChg chg="add mod">
+          <ac:chgData name="Zeynep Tutar" userId="d9d1c894097c761c" providerId="LiveId" clId="{2A5476DD-5B7C-4A9C-BA67-83B8752F949B}" dt="2024-07-11T14:11:46.637" v="283" actId="1076"/>
+          <ac:spMkLst>
+            <pc:docMk/>
+            <pc:sldMk cId="2759898610" sldId="274"/>
+            <ac:spMk id="14" creationId="{1D4AD6BA-8AEE-3D5F-31DE-4A626EE8D7A5}"/>
+          </ac:spMkLst>
+        </pc:spChg>
+        <pc:spChg chg="mod">
+          <ac:chgData name="Zeynep Tutar" userId="d9d1c894097c761c" providerId="LiveId" clId="{2A5476DD-5B7C-4A9C-BA67-83B8752F949B}" dt="2024-07-11T14:11:51.315" v="284" actId="1076"/>
+          <ac:spMkLst>
+            <pc:docMk/>
+            <pc:sldMk cId="2759898610" sldId="274"/>
+            <ac:spMk id="18" creationId="{BCD82616-3244-C9AB-2703-10E9D563A089}"/>
+          </ac:spMkLst>
+        </pc:spChg>
+        <pc:spChg chg="mod">
+          <ac:chgData name="Zeynep Tutar" userId="d9d1c894097c761c" providerId="LiveId" clId="{2A5476DD-5B7C-4A9C-BA67-83B8752F949B}" dt="2024-07-11T14:10:00.423" v="265" actId="1076"/>
+          <ac:spMkLst>
+            <pc:docMk/>
+            <pc:sldMk cId="2759898610" sldId="274"/>
+            <ac:spMk id="19" creationId="{5A5CF36B-3947-4EFF-2C0B-4FD9DFB9207A}"/>
+          </ac:spMkLst>
+        </pc:spChg>
+        <pc:picChg chg="mod modCrop">
+          <ac:chgData name="Zeynep Tutar" userId="d9d1c894097c761c" providerId="LiveId" clId="{2A5476DD-5B7C-4A9C-BA67-83B8752F949B}" dt="2024-07-11T14:11:46.637" v="283" actId="1076"/>
+          <ac:picMkLst>
+            <pc:docMk/>
+            <pc:sldMk cId="2759898610" sldId="274"/>
+            <ac:picMk id="8" creationId="{37DFAF3F-A370-5C4B-103C-7C816FCDBC24}"/>
+          </ac:picMkLst>
+        </pc:picChg>
+      </pc:sldChg>
+      <pc:sldChg chg="add del">
+        <pc:chgData name="Zeynep Tutar" userId="d9d1c894097c761c" providerId="LiveId" clId="{2A5476DD-5B7C-4A9C-BA67-83B8752F949B}" dt="2024-07-11T12:54:18.265" v="1"/>
+        <pc:sldMkLst>
+          <pc:docMk/>
+          <pc:sldMk cId="719659052" sldId="275"/>
+        </pc:sldMkLst>
+      </pc:sldChg>
+      <pc:sldChg chg="addSp delSp modSp add del mod modNotesTx">
+        <pc:chgData name="Zeynep Tutar" userId="d9d1c894097c761c" providerId="LiveId" clId="{2A5476DD-5B7C-4A9C-BA67-83B8752F949B}" dt="2024-07-11T14:51:22.546" v="422" actId="20577"/>
+        <pc:sldMkLst>
+          <pc:docMk/>
+          <pc:sldMk cId="3480482883" sldId="276"/>
+        </pc:sldMkLst>
+        <pc:spChg chg="add mod">
+          <ac:chgData name="Zeynep Tutar" userId="d9d1c894097c761c" providerId="LiveId" clId="{2A5476DD-5B7C-4A9C-BA67-83B8752F949B}" dt="2024-07-11T14:09:13.540" v="251" actId="207"/>
+          <ac:spMkLst>
+            <pc:docMk/>
+            <pc:sldMk cId="3480482883" sldId="276"/>
+            <ac:spMk id="2" creationId="{CB1E84BA-67BD-302A-F124-B9596322CE24}"/>
+          </ac:spMkLst>
+        </pc:spChg>
+        <pc:spChg chg="mod">
+          <ac:chgData name="Zeynep Tutar" userId="d9d1c894097c761c" providerId="LiveId" clId="{2A5476DD-5B7C-4A9C-BA67-83B8752F949B}" dt="2024-07-11T14:08:17.583" v="241" actId="14100"/>
+          <ac:spMkLst>
+            <pc:docMk/>
+            <pc:sldMk cId="3480482883" sldId="276"/>
+            <ac:spMk id="10" creationId="{92CAAA23-C345-3A3F-427A-E3718DBEEE98}"/>
+          </ac:spMkLst>
+        </pc:spChg>
+        <pc:picChg chg="del">
+          <ac:chgData name="Zeynep Tutar" userId="d9d1c894097c761c" providerId="LiveId" clId="{2A5476DD-5B7C-4A9C-BA67-83B8752F949B}" dt="2024-07-11T14:07:53.848" v="237" actId="478"/>
+          <ac:picMkLst>
+            <pc:docMk/>
+            <pc:sldMk cId="3480482883" sldId="276"/>
+            <ac:picMk id="7" creationId="{8EEEBCCC-EAA2-98CD-82FE-5AB2F3112170}"/>
+          </ac:picMkLst>
+        </pc:picChg>
+        <pc:picChg chg="mod">
+          <ac:chgData name="Zeynep Tutar" userId="d9d1c894097c761c" providerId="LiveId" clId="{2A5476DD-5B7C-4A9C-BA67-83B8752F949B}" dt="2024-07-11T14:08:23.031" v="244" actId="14100"/>
+          <ac:picMkLst>
+            <pc:docMk/>
+            <pc:sldMk cId="3480482883" sldId="276"/>
+            <ac:picMk id="15" creationId="{CAFE81F7-5FBC-25E2-7A6D-AE6F1CF7C69C}"/>
+          </ac:picMkLst>
+        </pc:picChg>
+      </pc:sldChg>
+      <pc:sldChg chg="modSp add del mod modNotesTx">
+        <pc:chgData name="Zeynep Tutar" userId="d9d1c894097c761c" providerId="LiveId" clId="{2A5476DD-5B7C-4A9C-BA67-83B8752F949B}" dt="2024-07-11T14:51:56.307" v="431" actId="20577"/>
+        <pc:sldMkLst>
+          <pc:docMk/>
+          <pc:sldMk cId="2625867631" sldId="277"/>
+        </pc:sldMkLst>
+        <pc:spChg chg="mod">
+          <ac:chgData name="Zeynep Tutar" userId="d9d1c894097c761c" providerId="LiveId" clId="{2A5476DD-5B7C-4A9C-BA67-83B8752F949B}" dt="2024-07-11T14:13:12.827" v="289" actId="1076"/>
+          <ac:spMkLst>
+            <pc:docMk/>
+            <pc:sldMk cId="2625867631" sldId="277"/>
+            <ac:spMk id="29" creationId="{3F2A7245-C3F8-F5D5-1331-ACDDAFEF6A59}"/>
+          </ac:spMkLst>
+        </pc:spChg>
+        <pc:picChg chg="mod">
+          <ac:chgData name="Zeynep Tutar" userId="d9d1c894097c761c" providerId="LiveId" clId="{2A5476DD-5B7C-4A9C-BA67-83B8752F949B}" dt="2024-07-11T14:13:17.698" v="290" actId="1076"/>
+          <ac:picMkLst>
+            <pc:docMk/>
+            <pc:sldMk cId="2625867631" sldId="277"/>
+            <ac:picMk id="8" creationId="{75E0373B-39CF-2E49-8896-8248E2A7E40F}"/>
+          </ac:picMkLst>
+        </pc:picChg>
+      </pc:sldChg>
+      <pc:sldChg chg="add del">
+        <pc:chgData name="Zeynep Tutar" userId="d9d1c894097c761c" providerId="LiveId" clId="{2A5476DD-5B7C-4A9C-BA67-83B8752F949B}" dt="2024-07-11T12:54:18.265" v="1"/>
+        <pc:sldMkLst>
+          <pc:docMk/>
+          <pc:sldMk cId="3215970965" sldId="278"/>
+        </pc:sldMkLst>
+      </pc:sldChg>
+      <pc:sldChg chg="addSp delSp modSp add del mod modNotesTx">
+        <pc:chgData name="Zeynep Tutar" userId="d9d1c894097c761c" providerId="LiveId" clId="{2A5476DD-5B7C-4A9C-BA67-83B8752F949B}" dt="2024-07-11T14:32:59.707" v="362" actId="478"/>
+        <pc:sldMkLst>
+          <pc:docMk/>
+          <pc:sldMk cId="3152381042" sldId="279"/>
+        </pc:sldMkLst>
+        <pc:spChg chg="add">
+          <ac:chgData name="Zeynep Tutar" userId="d9d1c894097c761c" providerId="LiveId" clId="{2A5476DD-5B7C-4A9C-BA67-83B8752F949B}" dt="2024-07-11T14:22:29.965" v="291"/>
+          <ac:spMkLst>
+            <pc:docMk/>
+            <pc:sldMk cId="3152381042" sldId="279"/>
+            <ac:spMk id="5" creationId="{55706DEB-0376-9280-D97F-2AFB73819F2A}"/>
+          </ac:spMkLst>
+        </pc:spChg>
+        <pc:spChg chg="add del mod">
+          <ac:chgData name="Zeynep Tutar" userId="d9d1c894097c761c" providerId="LiveId" clId="{2A5476DD-5B7C-4A9C-BA67-83B8752F949B}" dt="2024-07-11T14:26:12.738" v="302" actId="478"/>
+          <ac:spMkLst>
+            <pc:docMk/>
+            <pc:sldMk cId="3152381042" sldId="279"/>
+            <ac:spMk id="9" creationId="{0E051CD5-3B98-40CE-E165-CCF9773E3052}"/>
+          </ac:spMkLst>
+        </pc:spChg>
+        <pc:spChg chg="add del mod">
+          <ac:chgData name="Zeynep Tutar" userId="d9d1c894097c761c" providerId="LiveId" clId="{2A5476DD-5B7C-4A9C-BA67-83B8752F949B}" dt="2024-07-11T14:26:23.842" v="305" actId="478"/>
+          <ac:spMkLst>
+            <pc:docMk/>
+            <pc:sldMk cId="3152381042" sldId="279"/>
+            <ac:spMk id="12" creationId="{45874D8D-7472-29D9-16F9-42928116A6CB}"/>
+          </ac:spMkLst>
+        </pc:spChg>
+        <pc:graphicFrameChg chg="add mod">
+          <ac:chgData name="Zeynep Tutar" userId="d9d1c894097c761c" providerId="LiveId" clId="{2A5476DD-5B7C-4A9C-BA67-83B8752F949B}" dt="2024-07-11T14:28:56.474" v="328"/>
+          <ac:graphicFrameMkLst>
+            <pc:docMk/>
+            <pc:sldMk cId="3152381042" sldId="279"/>
+            <ac:graphicFrameMk id="13" creationId="{D0E7E9B8-9C83-F205-8BA5-20486578F945}"/>
+          </ac:graphicFrameMkLst>
+        </pc:graphicFrameChg>
+        <pc:graphicFrameChg chg="add mod">
+          <ac:chgData name="Zeynep Tutar" userId="d9d1c894097c761c" providerId="LiveId" clId="{2A5476DD-5B7C-4A9C-BA67-83B8752F949B}" dt="2024-07-11T14:28:56.474" v="328"/>
+          <ac:graphicFrameMkLst>
+            <pc:docMk/>
+            <pc:sldMk cId="3152381042" sldId="279"/>
+            <ac:graphicFrameMk id="14" creationId="{65CF6D4A-3EFB-E75B-9720-14996F8359FC}"/>
+          </ac:graphicFrameMkLst>
+        </pc:graphicFrameChg>
+        <pc:graphicFrameChg chg="add mod">
+          <ac:chgData name="Zeynep Tutar" userId="d9d1c894097c761c" providerId="LiveId" clId="{2A5476DD-5B7C-4A9C-BA67-83B8752F949B}" dt="2024-07-11T14:28:56.474" v="328"/>
+          <ac:graphicFrameMkLst>
+            <pc:docMk/>
+            <pc:sldMk cId="3152381042" sldId="279"/>
+            <ac:graphicFrameMk id="15" creationId="{ED94EA49-7812-6B85-F14E-2FBE4F0D1347}"/>
+          </ac:graphicFrameMkLst>
+        </pc:graphicFrameChg>
+        <pc:graphicFrameChg chg="add mod">
+          <ac:chgData name="Zeynep Tutar" userId="d9d1c894097c761c" providerId="LiveId" clId="{2A5476DD-5B7C-4A9C-BA67-83B8752F949B}" dt="2024-07-11T14:28:56.474" v="328"/>
+          <ac:graphicFrameMkLst>
+            <pc:docMk/>
+            <pc:sldMk cId="3152381042" sldId="279"/>
+            <ac:graphicFrameMk id="16" creationId="{8B3C1F86-F3D9-36D8-E7DE-8D6927DB7F02}"/>
+          </ac:graphicFrameMkLst>
+        </pc:graphicFrameChg>
+        <pc:graphicFrameChg chg="add mod">
+          <ac:chgData name="Zeynep Tutar" userId="d9d1c894097c761c" providerId="LiveId" clId="{2A5476DD-5B7C-4A9C-BA67-83B8752F949B}" dt="2024-07-11T14:28:56.474" v="328"/>
+          <ac:graphicFrameMkLst>
+            <pc:docMk/>
+            <pc:sldMk cId="3152381042" sldId="279"/>
+            <ac:graphicFrameMk id="17" creationId="{6DDCD87C-FF59-1802-B34B-93FAE64C9A62}"/>
+          </ac:graphicFrameMkLst>
+        </pc:graphicFrameChg>
+        <pc:graphicFrameChg chg="add mod">
+          <ac:chgData name="Zeynep Tutar" userId="d9d1c894097c761c" providerId="LiveId" clId="{2A5476DD-5B7C-4A9C-BA67-83B8752F949B}" dt="2024-07-11T14:28:56.474" v="328"/>
+          <ac:graphicFrameMkLst>
+            <pc:docMk/>
+            <pc:sldMk cId="3152381042" sldId="279"/>
+            <ac:graphicFrameMk id="19" creationId="{102213F3-FFC6-3CF1-A31C-807C30788E15}"/>
+          </ac:graphicFrameMkLst>
+        </pc:graphicFrameChg>
+        <pc:graphicFrameChg chg="add mod">
+          <ac:chgData name="Zeynep Tutar" userId="d9d1c894097c761c" providerId="LiveId" clId="{2A5476DD-5B7C-4A9C-BA67-83B8752F949B}" dt="2024-07-11T14:28:56.474" v="328"/>
+          <ac:graphicFrameMkLst>
+            <pc:docMk/>
+            <pc:sldMk cId="3152381042" sldId="279"/>
+            <ac:graphicFrameMk id="20" creationId="{99300173-988F-F78F-BCC0-2C0A5BF900FE}"/>
+          </ac:graphicFrameMkLst>
+        </pc:graphicFrameChg>
+        <pc:graphicFrameChg chg="add mod">
+          <ac:chgData name="Zeynep Tutar" userId="d9d1c894097c761c" providerId="LiveId" clId="{2A5476DD-5B7C-4A9C-BA67-83B8752F949B}" dt="2024-07-11T14:28:56.474" v="328"/>
+          <ac:graphicFrameMkLst>
+            <pc:docMk/>
+            <pc:sldMk cId="3152381042" sldId="279"/>
+            <ac:graphicFrameMk id="22" creationId="{47335771-A3A2-74D7-3BFD-270AB24F52C5}"/>
+          </ac:graphicFrameMkLst>
+        </pc:graphicFrameChg>
+        <pc:graphicFrameChg chg="add mod">
+          <ac:chgData name="Zeynep Tutar" userId="d9d1c894097c761c" providerId="LiveId" clId="{2A5476DD-5B7C-4A9C-BA67-83B8752F949B}" dt="2024-07-11T14:28:56.474" v="328"/>
+          <ac:graphicFrameMkLst>
+            <pc:docMk/>
+            <pc:sldMk cId="3152381042" sldId="279"/>
+            <ac:graphicFrameMk id="23" creationId="{3AE67883-1D04-17D0-E72E-6426DEF777FD}"/>
+          </ac:graphicFrameMkLst>
+        </pc:graphicFrameChg>
+        <pc:graphicFrameChg chg="add mod">
+          <ac:chgData name="Zeynep Tutar" userId="d9d1c894097c761c" providerId="LiveId" clId="{2A5476DD-5B7C-4A9C-BA67-83B8752F949B}" dt="2024-07-11T14:28:56.474" v="328"/>
+          <ac:graphicFrameMkLst>
+            <pc:docMk/>
+            <pc:sldMk cId="3152381042" sldId="279"/>
+            <ac:graphicFrameMk id="24" creationId="{E1CF9ED3-DE49-BD26-C9AA-FFE3515C8D67}"/>
+          </ac:graphicFrameMkLst>
+        </pc:graphicFrameChg>
+        <pc:graphicFrameChg chg="add mod">
+          <ac:chgData name="Zeynep Tutar" userId="d9d1c894097c761c" providerId="LiveId" clId="{2A5476DD-5B7C-4A9C-BA67-83B8752F949B}" dt="2024-07-11T14:28:56.474" v="328"/>
+          <ac:graphicFrameMkLst>
+            <pc:docMk/>
+            <pc:sldMk cId="3152381042" sldId="279"/>
+            <ac:graphicFrameMk id="25" creationId="{4C8D5F0A-E6C8-5ED8-73A4-36E93DF38E17}"/>
+          </ac:graphicFrameMkLst>
+        </pc:graphicFrameChg>
+        <pc:graphicFrameChg chg="add mod">
+          <ac:chgData name="Zeynep Tutar" userId="d9d1c894097c761c" providerId="LiveId" clId="{2A5476DD-5B7C-4A9C-BA67-83B8752F949B}" dt="2024-07-11T14:28:56.474" v="328"/>
+          <ac:graphicFrameMkLst>
+            <pc:docMk/>
+            <pc:sldMk cId="3152381042" sldId="279"/>
+            <ac:graphicFrameMk id="26" creationId="{8824408C-45CF-BA78-377A-476686A09E79}"/>
+          </ac:graphicFrameMkLst>
+        </pc:graphicFrameChg>
+        <pc:graphicFrameChg chg="add mod">
+          <ac:chgData name="Zeynep Tutar" userId="d9d1c894097c761c" providerId="LiveId" clId="{2A5476DD-5B7C-4A9C-BA67-83B8752F949B}" dt="2024-07-11T14:28:56.474" v="328"/>
+          <ac:graphicFrameMkLst>
+            <pc:docMk/>
+            <pc:sldMk cId="3152381042" sldId="279"/>
+            <ac:graphicFrameMk id="27" creationId="{1E3B0EDF-E58D-E46D-2146-ED5D670D613A}"/>
+          </ac:graphicFrameMkLst>
+        </pc:graphicFrameChg>
+        <pc:graphicFrameChg chg="add mod">
+          <ac:chgData name="Zeynep Tutar" userId="d9d1c894097c761c" providerId="LiveId" clId="{2A5476DD-5B7C-4A9C-BA67-83B8752F949B}" dt="2024-07-11T14:28:56.474" v="328"/>
+          <ac:graphicFrameMkLst>
+            <pc:docMk/>
+            <pc:sldMk cId="3152381042" sldId="279"/>
+            <ac:graphicFrameMk id="28" creationId="{EA625A41-1ABA-3C7E-6E36-DD691523928B}"/>
+          </ac:graphicFrameMkLst>
+        </pc:graphicFrameChg>
+        <pc:graphicFrameChg chg="add mod">
+          <ac:chgData name="Zeynep Tutar" userId="d9d1c894097c761c" providerId="LiveId" clId="{2A5476DD-5B7C-4A9C-BA67-83B8752F949B}" dt="2024-07-11T14:28:56.474" v="328"/>
+          <ac:graphicFrameMkLst>
+            <pc:docMk/>
+            <pc:sldMk cId="3152381042" sldId="279"/>
+            <ac:graphicFrameMk id="29" creationId="{0CF93518-5CDF-8E18-8326-5CDAC6E287ED}"/>
+          </ac:graphicFrameMkLst>
+        </pc:graphicFrameChg>
+        <pc:graphicFrameChg chg="add mod">
+          <ac:chgData name="Zeynep Tutar" userId="d9d1c894097c761c" providerId="LiveId" clId="{2A5476DD-5B7C-4A9C-BA67-83B8752F949B}" dt="2024-07-11T14:28:56.474" v="328"/>
+          <ac:graphicFrameMkLst>
+            <pc:docMk/>
+            <pc:sldMk cId="3152381042" sldId="279"/>
+            <ac:graphicFrameMk id="30" creationId="{8EBBE8AE-366E-C9D8-EFA0-49609D1678B4}"/>
+          </ac:graphicFrameMkLst>
+        </pc:graphicFrameChg>
+        <pc:graphicFrameChg chg="add mod">
+          <ac:chgData name="Zeynep Tutar" userId="d9d1c894097c761c" providerId="LiveId" clId="{2A5476DD-5B7C-4A9C-BA67-83B8752F949B}" dt="2024-07-11T14:28:56.474" v="328"/>
+          <ac:graphicFrameMkLst>
+            <pc:docMk/>
+            <pc:sldMk cId="3152381042" sldId="279"/>
+            <ac:graphicFrameMk id="31" creationId="{B03D739D-890C-C19D-B879-492C64C3E7CC}"/>
+          </ac:graphicFrameMkLst>
+        </pc:graphicFrameChg>
+        <pc:graphicFrameChg chg="add mod">
+          <ac:chgData name="Zeynep Tutar" userId="d9d1c894097c761c" providerId="LiveId" clId="{2A5476DD-5B7C-4A9C-BA67-83B8752F949B}" dt="2024-07-11T14:28:56.474" v="328"/>
+          <ac:graphicFrameMkLst>
+            <pc:docMk/>
+            <pc:sldMk cId="3152381042" sldId="279"/>
+            <ac:graphicFrameMk id="32" creationId="{47426B51-7ACD-3E99-CB9D-71BD55D93913}"/>
+          </ac:graphicFrameMkLst>
+        </pc:graphicFrameChg>
+        <pc:graphicFrameChg chg="add mod">
+          <ac:chgData name="Zeynep Tutar" userId="d9d1c894097c761c" providerId="LiveId" clId="{2A5476DD-5B7C-4A9C-BA67-83B8752F949B}" dt="2024-07-11T14:28:56.474" v="328"/>
+          <ac:graphicFrameMkLst>
+            <pc:docMk/>
+            <pc:sldMk cId="3152381042" sldId="279"/>
+            <ac:graphicFrameMk id="33" creationId="{3DB56512-770A-BAF2-5C8A-0116BF6DC52A}"/>
+          </ac:graphicFrameMkLst>
+        </pc:graphicFrameChg>
+        <pc:graphicFrameChg chg="add mod">
+          <ac:chgData name="Zeynep Tutar" userId="d9d1c894097c761c" providerId="LiveId" clId="{2A5476DD-5B7C-4A9C-BA67-83B8752F949B}" dt="2024-07-11T14:28:56.474" v="328"/>
+          <ac:graphicFrameMkLst>
+            <pc:docMk/>
+            <pc:sldMk cId="3152381042" sldId="279"/>
+            <ac:graphicFrameMk id="34" creationId="{7ECF016A-9DC1-4B78-58D8-6C7FCB867762}"/>
+          </ac:graphicFrameMkLst>
+        </pc:graphicFrameChg>
+        <pc:graphicFrameChg chg="add mod">
+          <ac:chgData name="Zeynep Tutar" userId="d9d1c894097c761c" providerId="LiveId" clId="{2A5476DD-5B7C-4A9C-BA67-83B8752F949B}" dt="2024-07-11T14:28:56.474" v="328"/>
+          <ac:graphicFrameMkLst>
+            <pc:docMk/>
+            <pc:sldMk cId="3152381042" sldId="279"/>
+            <ac:graphicFrameMk id="35" creationId="{582314E3-0827-72B4-A799-77D9D78B4C7C}"/>
+          </ac:graphicFrameMkLst>
+        </pc:graphicFrameChg>
+        <pc:graphicFrameChg chg="add mod">
+          <ac:chgData name="Zeynep Tutar" userId="d9d1c894097c761c" providerId="LiveId" clId="{2A5476DD-5B7C-4A9C-BA67-83B8752F949B}" dt="2024-07-11T14:28:56.474" v="328"/>
+          <ac:graphicFrameMkLst>
+            <pc:docMk/>
+            <pc:sldMk cId="3152381042" sldId="279"/>
+            <ac:graphicFrameMk id="36" creationId="{2549E441-3888-4988-5682-2B6FAACCCEB7}"/>
+          </ac:graphicFrameMkLst>
+        </pc:graphicFrameChg>
+        <pc:graphicFrameChg chg="add mod">
+          <ac:chgData name="Zeynep Tutar" userId="d9d1c894097c761c" providerId="LiveId" clId="{2A5476DD-5B7C-4A9C-BA67-83B8752F949B}" dt="2024-07-11T14:28:56.474" v="328"/>
+          <ac:graphicFrameMkLst>
+            <pc:docMk/>
+            <pc:sldMk cId="3152381042" sldId="279"/>
+            <ac:graphicFrameMk id="37" creationId="{F4E29000-639D-32A6-0072-847DED4D54FD}"/>
+          </ac:graphicFrameMkLst>
+        </pc:graphicFrameChg>
+        <pc:graphicFrameChg chg="add mod">
+          <ac:chgData name="Zeynep Tutar" userId="d9d1c894097c761c" providerId="LiveId" clId="{2A5476DD-5B7C-4A9C-BA67-83B8752F949B}" dt="2024-07-11T14:28:56.474" v="328"/>
+          <ac:graphicFrameMkLst>
+            <pc:docMk/>
+            <pc:sldMk cId="3152381042" sldId="279"/>
+            <ac:graphicFrameMk id="38" creationId="{388B58B4-C1CB-6A81-15D9-9C3D304FBFA5}"/>
+          </ac:graphicFrameMkLst>
+        </pc:graphicFrameChg>
+        <pc:graphicFrameChg chg="add mod">
+          <ac:chgData name="Zeynep Tutar" userId="d9d1c894097c761c" providerId="LiveId" clId="{2A5476DD-5B7C-4A9C-BA67-83B8752F949B}" dt="2024-07-11T14:28:56.474" v="328"/>
+          <ac:graphicFrameMkLst>
+            <pc:docMk/>
+            <pc:sldMk cId="3152381042" sldId="279"/>
+            <ac:graphicFrameMk id="39" creationId="{B7F29A67-4A95-2F44-C626-6FF283F16C72}"/>
+          </ac:graphicFrameMkLst>
+        </pc:graphicFrameChg>
+        <pc:graphicFrameChg chg="add mod">
+          <ac:chgData name="Zeynep Tutar" userId="d9d1c894097c761c" providerId="LiveId" clId="{2A5476DD-5B7C-4A9C-BA67-83B8752F949B}" dt="2024-07-11T14:28:56.474" v="328"/>
+          <ac:graphicFrameMkLst>
+            <pc:docMk/>
+            <pc:sldMk cId="3152381042" sldId="279"/>
+            <ac:graphicFrameMk id="40" creationId="{7927B3C0-EC32-5552-B506-5E23F73245BE}"/>
+          </ac:graphicFrameMkLst>
+        </pc:graphicFrameChg>
+        <pc:graphicFrameChg chg="add mod modGraphic">
+          <ac:chgData name="Zeynep Tutar" userId="d9d1c894097c761c" providerId="LiveId" clId="{2A5476DD-5B7C-4A9C-BA67-83B8752F949B}" dt="2024-07-11T14:29:05.339" v="332" actId="6549"/>
+          <ac:graphicFrameMkLst>
+            <pc:docMk/>
+            <pc:sldMk cId="3152381042" sldId="279"/>
+            <ac:graphicFrameMk id="41" creationId="{365024C5-1BEA-3349-9786-96E612944A20}"/>
+          </ac:graphicFrameMkLst>
+        </pc:graphicFrameChg>
+        <pc:graphicFrameChg chg="add del mod">
+          <ac:chgData name="Zeynep Tutar" userId="d9d1c894097c761c" providerId="LiveId" clId="{2A5476DD-5B7C-4A9C-BA67-83B8752F949B}" dt="2024-07-11T14:29:05.595" v="333" actId="478"/>
+          <ac:graphicFrameMkLst>
+            <pc:docMk/>
+            <pc:sldMk cId="3152381042" sldId="279"/>
+            <ac:graphicFrameMk id="42" creationId="{1E118CAF-5EFE-39B8-E8A0-F6E846A23258}"/>
+          </ac:graphicFrameMkLst>
+        </pc:graphicFrameChg>
+        <pc:graphicFrameChg chg="add del mod">
+          <ac:chgData name="Zeynep Tutar" userId="d9d1c894097c761c" providerId="LiveId" clId="{2A5476DD-5B7C-4A9C-BA67-83B8752F949B}" dt="2024-07-11T14:29:05.899" v="334" actId="478"/>
+          <ac:graphicFrameMkLst>
+            <pc:docMk/>
+            <pc:sldMk cId="3152381042" sldId="279"/>
+            <ac:graphicFrameMk id="43" creationId="{FB5D0323-6471-ACC0-83E9-5CC1BBF6EF1B}"/>
+          </ac:graphicFrameMkLst>
+        </pc:graphicFrameChg>
+        <pc:graphicFrameChg chg="add mod">
+          <ac:chgData name="Zeynep Tutar" userId="d9d1c894097c761c" providerId="LiveId" clId="{2A5476DD-5B7C-4A9C-BA67-83B8752F949B}" dt="2024-07-11T14:30:52.370" v="335"/>
+          <ac:graphicFrameMkLst>
+            <pc:docMk/>
+            <pc:sldMk cId="3152381042" sldId="279"/>
+            <ac:graphicFrameMk id="44" creationId="{7A124592-6FC7-E646-C3CF-38B491179AF6}"/>
+          </ac:graphicFrameMkLst>
+        </pc:graphicFrameChg>
+        <pc:graphicFrameChg chg="add del mod modGraphic">
+          <ac:chgData name="Zeynep Tutar" userId="d9d1c894097c761c" providerId="LiveId" clId="{2A5476DD-5B7C-4A9C-BA67-83B8752F949B}" dt="2024-07-11T14:31:08.450" v="339" actId="478"/>
+          <ac:graphicFrameMkLst>
+            <pc:docMk/>
+            <pc:sldMk cId="3152381042" sldId="279"/>
+            <ac:graphicFrameMk id="45" creationId="{2DCCFF34-FA98-B134-56AF-EC388911F380}"/>
+          </ac:graphicFrameMkLst>
+        </pc:graphicFrameChg>
+        <pc:graphicFrameChg chg="add del mod">
+          <ac:chgData name="Zeynep Tutar" userId="d9d1c894097c761c" providerId="LiveId" clId="{2A5476DD-5B7C-4A9C-BA67-83B8752F949B}" dt="2024-07-11T14:31:28.777" v="345" actId="478"/>
+          <ac:graphicFrameMkLst>
+            <pc:docMk/>
+            <pc:sldMk cId="3152381042" sldId="279"/>
+            <ac:graphicFrameMk id="46" creationId="{116098C9-B6A3-DD4E-67D0-E5D586518918}"/>
+          </ac:graphicFrameMkLst>
+        </pc:graphicFrameChg>
+        <pc:graphicFrameChg chg="add mod">
+          <ac:chgData name="Zeynep Tutar" userId="d9d1c894097c761c" providerId="LiveId" clId="{2A5476DD-5B7C-4A9C-BA67-83B8752F949B}" dt="2024-07-11T14:31:29.870" v="346"/>
+          <ac:graphicFrameMkLst>
+            <pc:docMk/>
+            <pc:sldMk cId="3152381042" sldId="279"/>
+            <ac:graphicFrameMk id="48" creationId="{A42C0510-C527-BC29-C6DF-73EDA52CEB59}"/>
+          </ac:graphicFrameMkLst>
+        </pc:graphicFrameChg>
+        <pc:graphicFrameChg chg="add del mod modGraphic">
+          <ac:chgData name="Zeynep Tutar" userId="d9d1c894097c761c" providerId="LiveId" clId="{2A5476DD-5B7C-4A9C-BA67-83B8752F949B}" dt="2024-07-11T14:32:59.707" v="362" actId="478"/>
+          <ac:graphicFrameMkLst>
+            <pc:docMk/>
+            <pc:sldMk cId="3152381042" sldId="279"/>
+            <ac:graphicFrameMk id="49" creationId="{0224F659-5142-0A24-454D-448C36146C4E}"/>
+          </ac:graphicFrameMkLst>
+        </pc:graphicFrameChg>
+      </pc:sldChg>
+      <pc:sldChg chg="addSp delSp modSp add del mod modNotesTx">
+        <pc:chgData name="Zeynep Tutar" userId="d9d1c894097c761c" providerId="LiveId" clId="{2A5476DD-5B7C-4A9C-BA67-83B8752F949B}" dt="2024-07-11T14:52:19.195" v="435" actId="20577"/>
+        <pc:sldMkLst>
+          <pc:docMk/>
+          <pc:sldMk cId="4150390644" sldId="280"/>
+        </pc:sldMkLst>
+        <pc:spChg chg="add mod">
+          <ac:chgData name="Zeynep Tutar" userId="d9d1c894097c761c" providerId="LiveId" clId="{2A5476DD-5B7C-4A9C-BA67-83B8752F949B}" dt="2024-07-11T14:38:21.148" v="379" actId="1076"/>
+          <ac:spMkLst>
+            <pc:docMk/>
+            <pc:sldMk cId="4150390644" sldId="280"/>
+            <ac:spMk id="11" creationId="{4962A022-FBEC-B813-0EDF-D171C5AEAB32}"/>
+          </ac:spMkLst>
+        </pc:spChg>
+        <pc:spChg chg="add mod">
+          <ac:chgData name="Zeynep Tutar" userId="d9d1c894097c761c" providerId="LiveId" clId="{2A5476DD-5B7C-4A9C-BA67-83B8752F949B}" dt="2024-07-11T14:38:29.889" v="380" actId="1076"/>
+          <ac:spMkLst>
+            <pc:docMk/>
+            <pc:sldMk cId="4150390644" sldId="280"/>
+            <ac:spMk id="12" creationId="{8D4E3ADE-0B42-2C2B-27E9-C72ED1D79DB6}"/>
+          </ac:spMkLst>
+        </pc:spChg>
+        <pc:spChg chg="add mod">
+          <ac:chgData name="Zeynep Tutar" userId="d9d1c894097c761c" providerId="LiveId" clId="{2A5476DD-5B7C-4A9C-BA67-83B8752F949B}" dt="2024-07-11T14:38:29.889" v="380" actId="1076"/>
+          <ac:spMkLst>
+            <pc:docMk/>
+            <pc:sldMk cId="4150390644" sldId="280"/>
+            <ac:spMk id="13" creationId="{1BE3DA93-3D1F-A5C5-0926-16F09D918E12}"/>
+          </ac:spMkLst>
+        </pc:spChg>
+        <pc:spChg chg="add mod">
+          <ac:chgData name="Zeynep Tutar" userId="d9d1c894097c761c" providerId="LiveId" clId="{2A5476DD-5B7C-4A9C-BA67-83B8752F949B}" dt="2024-07-11T14:42:43.680" v="392" actId="207"/>
+          <ac:spMkLst>
+            <pc:docMk/>
+            <pc:sldMk cId="4150390644" sldId="280"/>
+            <ac:spMk id="14" creationId="{94ABA77A-284C-0B0E-1DE3-0B2059B754E5}"/>
+          </ac:spMkLst>
+        </pc:spChg>
+        <pc:spChg chg="add mod">
+          <ac:chgData name="Zeynep Tutar" userId="d9d1c894097c761c" providerId="LiveId" clId="{2A5476DD-5B7C-4A9C-BA67-83B8752F949B}" dt="2024-07-11T14:38:29.889" v="380" actId="1076"/>
+          <ac:spMkLst>
+            <pc:docMk/>
+            <pc:sldMk cId="4150390644" sldId="280"/>
+            <ac:spMk id="15" creationId="{A04723AD-AEF7-46D3-FF81-3091CBAC5501}"/>
+          </ac:spMkLst>
+        </pc:spChg>
+        <pc:spChg chg="add mod">
+          <ac:chgData name="Zeynep Tutar" userId="d9d1c894097c761c" providerId="LiveId" clId="{2A5476DD-5B7C-4A9C-BA67-83B8752F949B}" dt="2024-07-11T14:38:29.889" v="380" actId="1076"/>
+          <ac:spMkLst>
+            <pc:docMk/>
+            <pc:sldMk cId="4150390644" sldId="280"/>
+            <ac:spMk id="16" creationId="{638A8FDF-DF0C-A7D6-32FE-568C61B80550}"/>
+          </ac:spMkLst>
+        </pc:spChg>
+        <pc:spChg chg="del mod">
+          <ac:chgData name="Zeynep Tutar" userId="d9d1c894097c761c" providerId="LiveId" clId="{2A5476DD-5B7C-4A9C-BA67-83B8752F949B}" dt="2024-07-11T14:36:41.953" v="363" actId="478"/>
+          <ac:spMkLst>
+            <pc:docMk/>
+            <pc:sldMk cId="4150390644" sldId="280"/>
+            <ac:spMk id="20" creationId="{49EBE1F7-E095-01C4-2C7A-3AF738321340}"/>
+          </ac:spMkLst>
+        </pc:spChg>
+        <pc:spChg chg="mod">
+          <ac:chgData name="Zeynep Tutar" userId="d9d1c894097c761c" providerId="LiveId" clId="{2A5476DD-5B7C-4A9C-BA67-83B8752F949B}" dt="2024-07-11T14:37:59.500" v="375" actId="1076"/>
+          <ac:spMkLst>
+            <pc:docMk/>
+            <pc:sldMk cId="4150390644" sldId="280"/>
+            <ac:spMk id="21" creationId="{4D4908C6-3A51-B7CF-A061-7D5292AFA8D2}"/>
+          </ac:spMkLst>
+        </pc:spChg>
+        <pc:spChg chg="mod">
+          <ac:chgData name="Zeynep Tutar" userId="d9d1c894097c761c" providerId="LiveId" clId="{2A5476DD-5B7C-4A9C-BA67-83B8752F949B}" dt="2024-07-11T14:37:59.500" v="375" actId="1076"/>
+          <ac:spMkLst>
+            <pc:docMk/>
+            <pc:sldMk cId="4150390644" sldId="280"/>
+            <ac:spMk id="47" creationId="{4E817E52-E6F0-B1EB-082F-9425EC567B65}"/>
+          </ac:spMkLst>
+        </pc:spChg>
+        <pc:picChg chg="add mod">
+          <ac:chgData name="Zeynep Tutar" userId="d9d1c894097c761c" providerId="LiveId" clId="{2A5476DD-5B7C-4A9C-BA67-83B8752F949B}" dt="2024-07-11T14:38:21.148" v="379" actId="1076"/>
+          <ac:picMkLst>
+            <pc:docMk/>
+            <pc:sldMk cId="4150390644" sldId="280"/>
+            <ac:picMk id="5" creationId="{F84E18CD-058B-D179-75E8-6458C3035247}"/>
+          </ac:picMkLst>
+        </pc:picChg>
+        <pc:picChg chg="mod ord modCrop">
+          <ac:chgData name="Zeynep Tutar" userId="d9d1c894097c761c" providerId="LiveId" clId="{2A5476DD-5B7C-4A9C-BA67-83B8752F949B}" dt="2024-07-11T14:38:06.233" v="376" actId="1076"/>
+          <ac:picMkLst>
+            <pc:docMk/>
+            <pc:sldMk cId="4150390644" sldId="280"/>
+            <ac:picMk id="6" creationId="{2131B295-410E-094C-13E8-FE84B0E01383}"/>
+          </ac:picMkLst>
+        </pc:picChg>
+        <pc:picChg chg="add mod">
+          <ac:chgData name="Zeynep Tutar" userId="d9d1c894097c761c" providerId="LiveId" clId="{2A5476DD-5B7C-4A9C-BA67-83B8752F949B}" dt="2024-07-11T14:38:29.889" v="380" actId="1076"/>
+          <ac:picMkLst>
+            <pc:docMk/>
+            <pc:sldMk cId="4150390644" sldId="280"/>
+            <ac:picMk id="8" creationId="{C59C15E4-7E3C-F717-7D7E-F1C4BA8BB9CB}"/>
+          </ac:picMkLst>
+        </pc:picChg>
+        <pc:picChg chg="add mod">
+          <ac:chgData name="Zeynep Tutar" userId="d9d1c894097c761c" providerId="LiveId" clId="{2A5476DD-5B7C-4A9C-BA67-83B8752F949B}" dt="2024-07-11T14:38:29.889" v="380" actId="1076"/>
+          <ac:picMkLst>
+            <pc:docMk/>
+            <pc:sldMk cId="4150390644" sldId="280"/>
+            <ac:picMk id="9" creationId="{3F795AA3-81F1-F783-A5FE-40A740BAA21E}"/>
+          </ac:picMkLst>
+        </pc:picChg>
+        <pc:picChg chg="add mod modCrop">
+          <ac:chgData name="Zeynep Tutar" userId="d9d1c894097c761c" providerId="LiveId" clId="{2A5476DD-5B7C-4A9C-BA67-83B8752F949B}" dt="2024-07-11T14:38:21.148" v="379" actId="1076"/>
+          <ac:picMkLst>
+            <pc:docMk/>
+            <pc:sldMk cId="4150390644" sldId="280"/>
+            <ac:picMk id="10" creationId="{55B7994E-296B-DBBE-10BC-1E3065317753}"/>
+          </ac:picMkLst>
+        </pc:picChg>
+      </pc:sldChg>
+      <pc:sldChg chg="add del modNotesTx">
+        <pc:chgData name="Zeynep Tutar" userId="d9d1c894097c761c" providerId="LiveId" clId="{2A5476DD-5B7C-4A9C-BA67-83B8752F949B}" dt="2024-07-11T14:39:58.241" v="388" actId="47"/>
+        <pc:sldMkLst>
+          <pc:docMk/>
+          <pc:sldMk cId="481437715" sldId="281"/>
+        </pc:sldMkLst>
+      </pc:sldChg>
+      <pc:sldChg chg="modSp add del mod">
+        <pc:chgData name="Zeynep Tutar" userId="d9d1c894097c761c" providerId="LiveId" clId="{2A5476DD-5B7C-4A9C-BA67-83B8752F949B}" dt="2024-07-11T14:42:16.045" v="390" actId="20577"/>
+        <pc:sldMkLst>
+          <pc:docMk/>
+          <pc:sldMk cId="1240072374" sldId="282"/>
+        </pc:sldMkLst>
+        <pc:spChg chg="mod">
+          <ac:chgData name="Zeynep Tutar" userId="d9d1c894097c761c" providerId="LiveId" clId="{2A5476DD-5B7C-4A9C-BA67-83B8752F949B}" dt="2024-07-11T13:50:43.601" v="92" actId="14100"/>
+          <ac:spMkLst>
+            <pc:docMk/>
+            <pc:sldMk cId="1240072374" sldId="282"/>
+            <ac:spMk id="5" creationId="{EF275E82-8D43-A110-810A-F04DFC17A989}"/>
+          </ac:spMkLst>
+        </pc:spChg>
+        <pc:spChg chg="mod">
+          <ac:chgData name="Zeynep Tutar" userId="d9d1c894097c761c" providerId="LiveId" clId="{2A5476DD-5B7C-4A9C-BA67-83B8752F949B}" dt="2024-07-11T14:42:16.045" v="390" actId="20577"/>
+          <ac:spMkLst>
+            <pc:docMk/>
+            <pc:sldMk cId="1240072374" sldId="282"/>
+            <ac:spMk id="9" creationId="{00000000-0000-0000-0000-000000000000}"/>
+          </ac:spMkLst>
+        </pc:spChg>
+      </pc:sldChg>
+      <pc:sldChg chg="add del">
+        <pc:chgData name="Zeynep Tutar" userId="d9d1c894097c761c" providerId="LiveId" clId="{2A5476DD-5B7C-4A9C-BA67-83B8752F949B}" dt="2024-07-11T12:54:18.265" v="1"/>
+        <pc:sldMkLst>
+          <pc:docMk/>
+          <pc:sldMk cId="811411929" sldId="283"/>
+        </pc:sldMkLst>
+      </pc:sldChg>
+      <pc:sldChg chg="addSp delSp modSp add del mod modNotesTx">
+        <pc:chgData name="Zeynep Tutar" userId="d9d1c894097c761c" providerId="LiveId" clId="{2A5476DD-5B7C-4A9C-BA67-83B8752F949B}" dt="2024-07-11T14:52:51.068" v="439" actId="1076"/>
         <pc:sldMkLst>
           <pc:docMk/>
           <pc:sldMk cId="2527608240" sldId="285"/>
         </pc:sldMkLst>
+        <pc:spChg chg="del mod">
+          <ac:chgData name="Zeynep Tutar" userId="d9d1c894097c761c" providerId="LiveId" clId="{2A5476DD-5B7C-4A9C-BA67-83B8752F949B}" dt="2024-07-11T13:51:50.760" v="100" actId="478"/>
+          <ac:spMkLst>
+            <pc:docMk/>
+            <pc:sldMk cId="2527608240" sldId="285"/>
+            <ac:spMk id="6" creationId="{BFB085B7-742F-8030-7D4C-77018B0573B7}"/>
+          </ac:spMkLst>
+        </pc:spChg>
         <pc:spChg chg="mod">
-          <ac:chgData name="Zeynep Tutar" userId="d9d1c894097c761c" providerId="LiveId" clId="{B22B19B4-5AA7-4555-9B30-938CA60154F8}" dt="2024-07-10T04:12:23.975" v="10" actId="20577"/>
+          <ac:chgData name="Zeynep Tutar" userId="d9d1c894097c761c" providerId="LiveId" clId="{2A5476DD-5B7C-4A9C-BA67-83B8752F949B}" dt="2024-07-11T13:48:17.103" v="90" actId="1076"/>
           <ac:spMkLst>
             <pc:docMk/>
             <pc:sldMk cId="2527608240" sldId="285"/>
             <ac:spMk id="7" creationId="{81D92FC0-CD5F-7A85-CE53-4F67F9711374}"/>
           </ac:spMkLst>
         </pc:spChg>
+        <pc:spChg chg="mod">
+          <ac:chgData name="Zeynep Tutar" userId="d9d1c894097c761c" providerId="LiveId" clId="{2A5476DD-5B7C-4A9C-BA67-83B8752F949B}" dt="2024-07-11T14:43:01.275" v="394" actId="207"/>
+          <ac:spMkLst>
+            <pc:docMk/>
+            <pc:sldMk cId="2527608240" sldId="285"/>
+            <ac:spMk id="8" creationId="{89AE960C-07DF-BD12-8479-6CBA8236814B}"/>
+          </ac:spMkLst>
+        </pc:spChg>
+        <pc:spChg chg="del mod">
+          <ac:chgData name="Zeynep Tutar" userId="d9d1c894097c761c" providerId="LiveId" clId="{2A5476DD-5B7C-4A9C-BA67-83B8752F949B}" dt="2024-07-11T13:51:50.192" v="99" actId="478"/>
+          <ac:spMkLst>
+            <pc:docMk/>
+            <pc:sldMk cId="2527608240" sldId="285"/>
+            <ac:spMk id="10" creationId="{6114EF28-7E5A-2CC3-BE4A-90CE020A550C}"/>
+          </ac:spMkLst>
+        </pc:spChg>
+        <pc:spChg chg="del mod">
+          <ac:chgData name="Zeynep Tutar" userId="d9d1c894097c761c" providerId="LiveId" clId="{2A5476DD-5B7C-4A9C-BA67-83B8752F949B}" dt="2024-07-11T14:43:04.586" v="395" actId="478"/>
+          <ac:spMkLst>
+            <pc:docMk/>
+            <pc:sldMk cId="2527608240" sldId="285"/>
+            <ac:spMk id="11" creationId="{FA074D44-4BF6-2F32-8884-9E727CA46F20}"/>
+          </ac:spMkLst>
+        </pc:spChg>
+        <pc:spChg chg="add del mod">
+          <ac:chgData name="Zeynep Tutar" userId="d9d1c894097c761c" providerId="LiveId" clId="{2A5476DD-5B7C-4A9C-BA67-83B8752F949B}" dt="2024-07-11T13:51:28.376" v="98" actId="478"/>
+          <ac:spMkLst>
+            <pc:docMk/>
+            <pc:sldMk cId="2527608240" sldId="285"/>
+            <ac:spMk id="12" creationId="{23A8B9BB-2EAF-EC39-1F54-B632054CCEF6}"/>
+          </ac:spMkLst>
+        </pc:spChg>
+        <pc:spChg chg="add mod">
+          <ac:chgData name="Zeynep Tutar" userId="d9d1c894097c761c" providerId="LiveId" clId="{2A5476DD-5B7C-4A9C-BA67-83B8752F949B}" dt="2024-07-11T14:43:10.922" v="397" actId="1076"/>
+          <ac:spMkLst>
+            <pc:docMk/>
+            <pc:sldMk cId="2527608240" sldId="285"/>
+            <ac:spMk id="14" creationId="{AD631A9B-1071-5930-CFCC-122AB3DB8F98}"/>
+          </ac:spMkLst>
+        </pc:spChg>
+        <pc:spChg chg="add mod">
+          <ac:chgData name="Zeynep Tutar" userId="d9d1c894097c761c" providerId="LiveId" clId="{2A5476DD-5B7C-4A9C-BA67-83B8752F949B}" dt="2024-07-11T14:52:46.902" v="437" actId="1076"/>
+          <ac:spMkLst>
+            <pc:docMk/>
+            <pc:sldMk cId="2527608240" sldId="285"/>
+            <ac:spMk id="15" creationId="{603C3CE6-04BC-8DEC-6551-FEB99A8F8E17}"/>
+          </ac:spMkLst>
+        </pc:spChg>
+        <pc:spChg chg="add mod">
+          <ac:chgData name="Zeynep Tutar" userId="d9d1c894097c761c" providerId="LiveId" clId="{2A5476DD-5B7C-4A9C-BA67-83B8752F949B}" dt="2024-07-11T14:52:51.068" v="439" actId="1076"/>
+          <ac:spMkLst>
+            <pc:docMk/>
+            <pc:sldMk cId="2527608240" sldId="285"/>
+            <ac:spMk id="16" creationId="{E29A69E0-1F85-EFF4-D7BD-D10E9B2F355F}"/>
+          </ac:spMkLst>
+        </pc:spChg>
+        <pc:picChg chg="mod">
+          <ac:chgData name="Zeynep Tutar" userId="d9d1c894097c761c" providerId="LiveId" clId="{2A5476DD-5B7C-4A9C-BA67-83B8752F949B}" dt="2024-07-11T13:46:33.083" v="82" actId="1076"/>
+          <ac:picMkLst>
+            <pc:docMk/>
+            <pc:sldMk cId="2527608240" sldId="285"/>
+            <ac:picMk id="9" creationId="{A0BE9C71-E712-D7FD-8B94-06BA2062A5DB}"/>
+          </ac:picMkLst>
+        </pc:picChg>
       </pc:sldChg>
     </pc:docChg>
   </pc:docChgLst>
@@ -1265,7 +2025,7 @@
           <a:p>
             <a:fld id="{D51D2287-EC81-4AD7-8BE1-0A74222B7D84}" type="datetimeFigureOut">
               <a:rPr lang="tr-TR" smtClean="0"/>
-              <a:t>10.07.2024</a:t>
+              <a:t>11.07.2024</a:t>
             </a:fld>
             <a:endParaRPr lang="tr-TR"/>
           </a:p>
@@ -1577,7 +2337,7 @@
           <a:bodyPr/>
           <a:lstStyle/>
           <a:p>
-            <a:endParaRPr lang="tr-TR" dirty="0"/>
+            <a:endParaRPr lang="en-US"/>
           </a:p>
         </p:txBody>
       </p:sp>
@@ -1598,6 +2358,185 @@
           <a:p>
             <a:fld id="{28328521-71C5-4FF4-A309-290FBEE7AB2C}" type="slidenum">
               <a:rPr lang="tr-TR" smtClean="0"/>
+              <a:t>1</a:t>
+            </a:fld>
+            <a:endParaRPr lang="tr-TR"/>
+          </a:p>
+        </p:txBody>
+      </p:sp>
+    </p:spTree>
+    <p:extLst>
+      <p:ext uri="{BB962C8B-B14F-4D97-AF65-F5344CB8AC3E}">
+        <p14:creationId xmlns:p14="http://schemas.microsoft.com/office/powerpoint/2010/main" val="398253862"/>
+      </p:ext>
+    </p:extLst>
+  </p:cSld>
+  <p:clrMapOvr>
+    <a:masterClrMapping/>
+  </p:clrMapOvr>
+</p:notes>
+</file>
+
+<file path=ppt/notesSlides/notesSlide10.xml><?xml version="1.0" encoding="utf-8"?>
+<p:notes xmlns:a="http://schemas.openxmlformats.org/drawingml/2006/main" xmlns:r="http://schemas.openxmlformats.org/officeDocument/2006/relationships" xmlns:p="http://schemas.openxmlformats.org/presentationml/2006/main">
+  <p:cSld>
+    <p:spTree>
+      <p:nvGrpSpPr>
+        <p:cNvPr id="1" name=""/>
+        <p:cNvGrpSpPr/>
+        <p:nvPr/>
+      </p:nvGrpSpPr>
+      <p:grpSpPr>
+        <a:xfrm>
+          <a:off x="0" y="0"/>
+          <a:ext cx="0" cy="0"/>
+          <a:chOff x="0" y="0"/>
+          <a:chExt cx="0" cy="0"/>
+        </a:xfrm>
+      </p:grpSpPr>
+      <p:sp>
+        <p:nvSpPr>
+          <p:cNvPr id="2" name="Slide Image Placeholder 1"/>
+          <p:cNvSpPr>
+            <a:spLocks noGrp="1" noRot="1" noChangeAspect="1"/>
+          </p:cNvSpPr>
+          <p:nvPr>
+            <p:ph type="sldImg"/>
+          </p:nvPr>
+        </p:nvSpPr>
+        <p:spPr/>
+      </p:sp>
+      <p:sp>
+        <p:nvSpPr>
+          <p:cNvPr id="3" name="Notes Placeholder 2"/>
+          <p:cNvSpPr>
+            <a:spLocks noGrp="1"/>
+          </p:cNvSpPr>
+          <p:nvPr>
+            <p:ph type="body" idx="1"/>
+          </p:nvPr>
+        </p:nvSpPr>
+        <p:spPr/>
+        <p:txBody>
+          <a:bodyPr/>
+          <a:lstStyle/>
+          <a:p>
+            <a:pPr algn="l"/>
+            <a:r>
+              <a:rPr lang="en-US" sz="1800" b="0" i="0" u="none" strike="noStrike" baseline="0" dirty="0">
+                <a:latin typeface="SourceSansPro-Regular-Identity-H"/>
+              </a:rPr>
+              <a:t>Although the AUC values were same, to better analyze the differences between the model performances we compared the evaluation metrics.</a:t>
+            </a:r>
+          </a:p>
+          <a:p>
+            <a:pPr marL="0" marR="0" lvl="0" indent="0" algn="l" defTabSz="914400" rtl="0" eaLnBrk="1" fontAlgn="auto" latinLnBrk="0" hangingPunct="1">
+              <a:lnSpc>
+                <a:spcPct val="100000"/>
+              </a:lnSpc>
+              <a:spcBef>
+                <a:spcPts val="0"/>
+              </a:spcBef>
+              <a:spcAft>
+                <a:spcPts val="0"/>
+              </a:spcAft>
+              <a:buClrTx/>
+              <a:buSzTx/>
+              <a:buFontTx/>
+              <a:buNone/>
+              <a:tabLst/>
+              <a:defRPr/>
+            </a:pPr>
+            <a:r>
+              <a:rPr lang="en-US" sz="1200" b="0" i="0" u="none" strike="noStrike" baseline="0" dirty="0">
+                <a:latin typeface="SourceSansPro-Regular-Identity-H"/>
+              </a:rPr>
+              <a:t>All of the models have the highest F1 score at threshold level 0.4. </a:t>
+            </a:r>
+          </a:p>
+          <a:p>
+            <a:pPr marL="0" marR="0" lvl="0" indent="0" algn="l" defTabSz="914400" rtl="0" eaLnBrk="1" fontAlgn="auto" latinLnBrk="0" hangingPunct="1">
+              <a:lnSpc>
+                <a:spcPct val="100000"/>
+              </a:lnSpc>
+              <a:spcBef>
+                <a:spcPts val="0"/>
+              </a:spcBef>
+              <a:spcAft>
+                <a:spcPts val="0"/>
+              </a:spcAft>
+              <a:buClrTx/>
+              <a:buSzTx/>
+              <a:buFontTx/>
+              <a:buNone/>
+              <a:tabLst/>
+              <a:defRPr/>
+            </a:pPr>
+            <a:r>
+              <a:rPr lang="en-US" sz="1200" b="0" i="0" u="none" strike="noStrike" baseline="0" dirty="0">
+                <a:latin typeface="SourceSansPro-Regular-Identity-H"/>
+              </a:rPr>
+              <a:t>And a</a:t>
+            </a:r>
+            <a:r>
+              <a:rPr lang="en-US" sz="1200" dirty="0"/>
+              <a:t>mong the models, Elastic Net Regularization emerged as the best performer on the test set</a:t>
+            </a:r>
+            <a:r>
+              <a:rPr lang="tr-TR" sz="1200" dirty="0"/>
+              <a:t> </a:t>
+            </a:r>
+            <a:r>
+              <a:rPr lang="it-IT" sz="1200" dirty="0"/>
+              <a:t>in means of F1.Score and Recall. </a:t>
+            </a:r>
+          </a:p>
+          <a:p>
+            <a:pPr marL="0" marR="0" lvl="0" indent="0" algn="l" defTabSz="914400" rtl="0" eaLnBrk="1" fontAlgn="auto" latinLnBrk="0" hangingPunct="1">
+              <a:lnSpc>
+                <a:spcPct val="100000"/>
+              </a:lnSpc>
+              <a:spcBef>
+                <a:spcPts val="0"/>
+              </a:spcBef>
+              <a:spcAft>
+                <a:spcPts val="0"/>
+              </a:spcAft>
+              <a:buClrTx/>
+              <a:buSzTx/>
+              <a:buFontTx/>
+              <a:buNone/>
+              <a:tabLst/>
+              <a:defRPr/>
+            </a:pPr>
+            <a:r>
+              <a:rPr lang="en-US" sz="1000" dirty="0"/>
+              <a:t>For employee attrition, If retaining employees is a high priority and the cost of missing a potential leaver is significant, focusing on recall or the F1 score would be the best approach.</a:t>
+            </a:r>
+          </a:p>
+          <a:p>
+            <a:pPr algn="l"/>
+            <a:endParaRPr lang="tr-TR" dirty="0"/>
+          </a:p>
+        </p:txBody>
+      </p:sp>
+      <p:sp>
+        <p:nvSpPr>
+          <p:cNvPr id="4" name="Slide Number Placeholder 3"/>
+          <p:cNvSpPr>
+            <a:spLocks noGrp="1"/>
+          </p:cNvSpPr>
+          <p:nvPr>
+            <p:ph type="sldNum" sz="quarter" idx="5"/>
+          </p:nvPr>
+        </p:nvSpPr>
+        <p:spPr/>
+        <p:txBody>
+          <a:bodyPr/>
+          <a:lstStyle/>
+          <a:p>
+            <a:fld id="{28328521-71C5-4FF4-A309-290FBEE7AB2C}" type="slidenum">
+              <a:rPr lang="tr-TR" smtClean="0"/>
               <a:t>21</a:t>
             </a:fld>
             <a:endParaRPr lang="tr-TR"/>
@@ -1608,6 +2547,1358 @@
     <p:extLst>
       <p:ext uri="{BB962C8B-B14F-4D97-AF65-F5344CB8AC3E}">
         <p14:creationId xmlns:p14="http://schemas.microsoft.com/office/powerpoint/2010/main" val="1329697007"/>
+      </p:ext>
+    </p:extLst>
+  </p:cSld>
+  <p:clrMapOvr>
+    <a:masterClrMapping/>
+  </p:clrMapOvr>
+</p:notes>
+</file>
+
+<file path=ppt/notesSlides/notesSlide11.xml><?xml version="1.0" encoding="utf-8"?>
+<p:notes xmlns:a="http://schemas.openxmlformats.org/drawingml/2006/main" xmlns:r="http://schemas.openxmlformats.org/officeDocument/2006/relationships" xmlns:p="http://schemas.openxmlformats.org/presentationml/2006/main">
+  <p:cSld>
+    <p:spTree>
+      <p:nvGrpSpPr>
+        <p:cNvPr id="1" name=""/>
+        <p:cNvGrpSpPr/>
+        <p:nvPr/>
+      </p:nvGrpSpPr>
+      <p:grpSpPr>
+        <a:xfrm>
+          <a:off x="0" y="0"/>
+          <a:ext cx="0" cy="0"/>
+          <a:chOff x="0" y="0"/>
+          <a:chExt cx="0" cy="0"/>
+        </a:xfrm>
+      </p:grpSpPr>
+      <p:sp>
+        <p:nvSpPr>
+          <p:cNvPr id="2" name="Slide Image Placeholder 1"/>
+          <p:cNvSpPr>
+            <a:spLocks noGrp="1" noRot="1" noChangeAspect="1"/>
+          </p:cNvSpPr>
+          <p:nvPr>
+            <p:ph type="sldImg"/>
+          </p:nvPr>
+        </p:nvSpPr>
+        <p:spPr/>
+      </p:sp>
+      <p:sp>
+        <p:nvSpPr>
+          <p:cNvPr id="3" name="Notes Placeholder 2"/>
+          <p:cNvSpPr>
+            <a:spLocks noGrp="1"/>
+          </p:cNvSpPr>
+          <p:nvPr>
+            <p:ph type="body" idx="1"/>
+          </p:nvPr>
+        </p:nvSpPr>
+        <p:spPr/>
+        <p:txBody>
+          <a:bodyPr/>
+          <a:lstStyle/>
+          <a:p>
+            <a:r>
+              <a:rPr lang="en-US" dirty="0"/>
+              <a:t>We also implemented LDA and QDA to classify employee attrition. LDA assumes common mean and variance for all classes and tries to find linear combinations of features that best separate the classes.</a:t>
+            </a:r>
+          </a:p>
+        </p:txBody>
+      </p:sp>
+      <p:sp>
+        <p:nvSpPr>
+          <p:cNvPr id="4" name="Slide Number Placeholder 3"/>
+          <p:cNvSpPr>
+            <a:spLocks noGrp="1"/>
+          </p:cNvSpPr>
+          <p:nvPr>
+            <p:ph type="sldNum" sz="quarter" idx="5"/>
+          </p:nvPr>
+        </p:nvSpPr>
+        <p:spPr/>
+        <p:txBody>
+          <a:bodyPr/>
+          <a:lstStyle/>
+          <a:p>
+            <a:fld id="{28328521-71C5-4FF4-A309-290FBEE7AB2C}" type="slidenum">
+              <a:rPr lang="tr-TR" smtClean="0"/>
+              <a:t>22</a:t>
+            </a:fld>
+            <a:endParaRPr lang="tr-TR"/>
+          </a:p>
+        </p:txBody>
+      </p:sp>
+    </p:spTree>
+    <p:extLst>
+      <p:ext uri="{BB962C8B-B14F-4D97-AF65-F5344CB8AC3E}">
+        <p14:creationId xmlns:p14="http://schemas.microsoft.com/office/powerpoint/2010/main" val="3666673493"/>
+      </p:ext>
+    </p:extLst>
+  </p:cSld>
+  <p:clrMapOvr>
+    <a:masterClrMapping/>
+  </p:clrMapOvr>
+</p:notes>
+</file>
+
+<file path=ppt/notesSlides/notesSlide12.xml><?xml version="1.0" encoding="utf-8"?>
+<p:notes xmlns:a="http://schemas.openxmlformats.org/drawingml/2006/main" xmlns:r="http://schemas.openxmlformats.org/officeDocument/2006/relationships" xmlns:p="http://schemas.openxmlformats.org/presentationml/2006/main">
+  <p:cSld>
+    <p:spTree>
+      <p:nvGrpSpPr>
+        <p:cNvPr id="1" name=""/>
+        <p:cNvGrpSpPr/>
+        <p:nvPr/>
+      </p:nvGrpSpPr>
+      <p:grpSpPr>
+        <a:xfrm>
+          <a:off x="0" y="0"/>
+          <a:ext cx="0" cy="0"/>
+          <a:chOff x="0" y="0"/>
+          <a:chExt cx="0" cy="0"/>
+        </a:xfrm>
+      </p:grpSpPr>
+      <p:sp>
+        <p:nvSpPr>
+          <p:cNvPr id="2" name="Slide Image Placeholder 1"/>
+          <p:cNvSpPr>
+            <a:spLocks noGrp="1" noRot="1" noChangeAspect="1"/>
+          </p:cNvSpPr>
+          <p:nvPr>
+            <p:ph type="sldImg"/>
+          </p:nvPr>
+        </p:nvSpPr>
+        <p:spPr/>
+      </p:sp>
+      <p:sp>
+        <p:nvSpPr>
+          <p:cNvPr id="3" name="Notes Placeholder 2"/>
+          <p:cNvSpPr>
+            <a:spLocks noGrp="1"/>
+          </p:cNvSpPr>
+          <p:nvPr>
+            <p:ph type="body" idx="1"/>
+          </p:nvPr>
+        </p:nvSpPr>
+        <p:spPr/>
+        <p:txBody>
+          <a:bodyPr/>
+          <a:lstStyle/>
+          <a:p>
+            <a:r>
+              <a:rPr lang="en-US" dirty="0">
+                <a:solidFill>
+                  <a:srgbClr val="2B2D3D"/>
+                </a:solidFill>
+                <a:latin typeface="Georgia"/>
+                <a:cs typeface="+mj-cs"/>
+              </a:rPr>
+              <a:t>QDA is similar to LDA, but </a:t>
+            </a:r>
+            <a:r>
+              <a:rPr lang="en-US" dirty="0"/>
+              <a:t>QDA allows for different means and variances for each class, resulting in quadratic decision boundaries. </a:t>
+            </a:r>
+          </a:p>
+          <a:p>
+            <a:pPr algn="l"/>
+            <a:r>
+              <a:rPr lang="en-US" sz="1800" b="0" i="0" u="none" strike="noStrike" baseline="0" dirty="0">
+                <a:latin typeface="SourceSansPro-Regular-Identity-H"/>
+              </a:rPr>
+              <a:t>QDA had an Accuracy of 0.71 and an F1 Score of 0.69. Its higher complexity likely led to overfitting, resulting in lower performance compared to LDA and LR models.</a:t>
+            </a:r>
+            <a:endParaRPr lang="en-US" dirty="0"/>
+          </a:p>
+        </p:txBody>
+      </p:sp>
+      <p:sp>
+        <p:nvSpPr>
+          <p:cNvPr id="4" name="Slide Number Placeholder 3"/>
+          <p:cNvSpPr>
+            <a:spLocks noGrp="1"/>
+          </p:cNvSpPr>
+          <p:nvPr>
+            <p:ph type="sldNum" sz="quarter" idx="5"/>
+          </p:nvPr>
+        </p:nvSpPr>
+        <p:spPr/>
+        <p:txBody>
+          <a:bodyPr/>
+          <a:lstStyle/>
+          <a:p>
+            <a:fld id="{28328521-71C5-4FF4-A309-290FBEE7AB2C}" type="slidenum">
+              <a:rPr lang="tr-TR" smtClean="0"/>
+              <a:t>23</a:t>
+            </a:fld>
+            <a:endParaRPr lang="tr-TR"/>
+          </a:p>
+        </p:txBody>
+      </p:sp>
+    </p:spTree>
+    <p:extLst>
+      <p:ext uri="{BB962C8B-B14F-4D97-AF65-F5344CB8AC3E}">
+        <p14:creationId xmlns:p14="http://schemas.microsoft.com/office/powerpoint/2010/main" val="3315336170"/>
+      </p:ext>
+    </p:extLst>
+  </p:cSld>
+  <p:clrMapOvr>
+    <a:masterClrMapping/>
+  </p:clrMapOvr>
+</p:notes>
+</file>
+
+<file path=ppt/notesSlides/notesSlide13.xml><?xml version="1.0" encoding="utf-8"?>
+<p:notes xmlns:a="http://schemas.openxmlformats.org/drawingml/2006/main" xmlns:r="http://schemas.openxmlformats.org/officeDocument/2006/relationships" xmlns:p="http://schemas.openxmlformats.org/presentationml/2006/main">
+  <p:cSld>
+    <p:spTree>
+      <p:nvGrpSpPr>
+        <p:cNvPr id="1" name=""/>
+        <p:cNvGrpSpPr/>
+        <p:nvPr/>
+      </p:nvGrpSpPr>
+      <p:grpSpPr>
+        <a:xfrm>
+          <a:off x="0" y="0"/>
+          <a:ext cx="0" cy="0"/>
+          <a:chOff x="0" y="0"/>
+          <a:chExt cx="0" cy="0"/>
+        </a:xfrm>
+      </p:grpSpPr>
+      <p:sp>
+        <p:nvSpPr>
+          <p:cNvPr id="2" name="Slide Image Placeholder 1"/>
+          <p:cNvSpPr>
+            <a:spLocks noGrp="1" noRot="1" noChangeAspect="1"/>
+          </p:cNvSpPr>
+          <p:nvPr>
+            <p:ph type="sldImg"/>
+          </p:nvPr>
+        </p:nvSpPr>
+        <p:spPr/>
+      </p:sp>
+      <p:sp>
+        <p:nvSpPr>
+          <p:cNvPr id="3" name="Notes Placeholder 2"/>
+          <p:cNvSpPr>
+            <a:spLocks noGrp="1"/>
+          </p:cNvSpPr>
+          <p:nvPr>
+            <p:ph type="body" idx="1"/>
+          </p:nvPr>
+        </p:nvSpPr>
+        <p:spPr/>
+        <p:txBody>
+          <a:bodyPr/>
+          <a:lstStyle/>
+          <a:p>
+            <a:r>
+              <a:rPr lang="en-US" sz="2800" dirty="0"/>
+              <a:t>For employee attrition, If retaining employees is a high priority and the cost of missing a potential leaver is significant, focusing on recall or the F1 score would be the best approach.</a:t>
+            </a:r>
+          </a:p>
+          <a:p>
+            <a:endParaRPr lang="en-US" sz="2800" dirty="0"/>
+          </a:p>
+          <a:p>
+            <a:pPr>
+              <a:buFont typeface="Arial" panose="020B0604020202020204" pitchFamily="34" charset="0"/>
+              <a:buChar char="•"/>
+            </a:pPr>
+            <a:r>
+              <a:rPr lang="en-US" sz="2800" b="1" dirty="0"/>
+              <a:t>Recall</a:t>
+            </a:r>
+            <a:r>
+              <a:rPr lang="en-US" sz="2800" dirty="0"/>
+              <a:t>: It's crucial to identify as many employees who are likely to leave as possible. Missing out on an employee who is at risk of leaving (false negative) could mean losing valuable talent without taking any preventive measures.</a:t>
+            </a:r>
+          </a:p>
+          <a:p>
+            <a:pPr>
+              <a:buFont typeface="Arial" panose="020B0604020202020204" pitchFamily="34" charset="0"/>
+              <a:buChar char="•"/>
+            </a:pPr>
+            <a:r>
+              <a:rPr lang="en-US" sz="2800" b="1" dirty="0"/>
+              <a:t>F1 Score</a:t>
+            </a:r>
+            <a:r>
+              <a:rPr lang="en-US" sz="2800" dirty="0"/>
+              <a:t>: Since F1 score balances both precision and recall, it is useful when you want a balance between catching as many leavers as possible and ensuring the predictions are accurate. This helps in making sure that the efforts to retain employees are both efficient and effective.</a:t>
+            </a:r>
+          </a:p>
+          <a:p>
+            <a:r>
+              <a:rPr lang="en-US" sz="2800" dirty="0"/>
+              <a:t>If retaining employees is a high priority and the cost of missing a potential leaver is significant, focusing on recall or the F1 score would be the best approach.</a:t>
+            </a:r>
+          </a:p>
+          <a:p>
+            <a:pPr algn="l"/>
+            <a:endParaRPr lang="en-US" sz="1800" b="0" i="0" u="none" strike="noStrike" baseline="0" dirty="0">
+              <a:solidFill>
+                <a:srgbClr val="000000"/>
+              </a:solidFill>
+              <a:latin typeface="SourceSansPro-Regular-Identity-H"/>
+            </a:endParaRPr>
+          </a:p>
+          <a:p>
+            <a:pPr algn="l"/>
+            <a:endParaRPr lang="en-US" sz="1800" b="0" i="0" u="none" strike="noStrike" baseline="0" dirty="0">
+              <a:solidFill>
+                <a:srgbClr val="000000"/>
+              </a:solidFill>
+              <a:latin typeface="SourceSansPro-Regular-Identity-H"/>
+            </a:endParaRPr>
+          </a:p>
+          <a:p>
+            <a:pPr algn="l"/>
+            <a:endParaRPr lang="en-US" sz="1800" b="0" i="0" u="none" strike="noStrike" baseline="0" dirty="0">
+              <a:solidFill>
+                <a:srgbClr val="000000"/>
+              </a:solidFill>
+              <a:latin typeface="SourceSansPro-Regular-Identity-H"/>
+            </a:endParaRPr>
+          </a:p>
+        </p:txBody>
+      </p:sp>
+      <p:sp>
+        <p:nvSpPr>
+          <p:cNvPr id="4" name="Slide Number Placeholder 3"/>
+          <p:cNvSpPr>
+            <a:spLocks noGrp="1"/>
+          </p:cNvSpPr>
+          <p:nvPr>
+            <p:ph type="sldNum" sz="quarter" idx="5"/>
+          </p:nvPr>
+        </p:nvSpPr>
+        <p:spPr/>
+        <p:txBody>
+          <a:bodyPr/>
+          <a:lstStyle/>
+          <a:p>
+            <a:fld id="{28328521-71C5-4FF4-A309-290FBEE7AB2C}" type="slidenum">
+              <a:rPr lang="tr-TR" smtClean="0"/>
+              <a:t>24</a:t>
+            </a:fld>
+            <a:endParaRPr lang="tr-TR"/>
+          </a:p>
+        </p:txBody>
+      </p:sp>
+    </p:spTree>
+    <p:extLst>
+      <p:ext uri="{BB962C8B-B14F-4D97-AF65-F5344CB8AC3E}">
+        <p14:creationId xmlns:p14="http://schemas.microsoft.com/office/powerpoint/2010/main" val="3966175355"/>
+      </p:ext>
+    </p:extLst>
+  </p:cSld>
+  <p:clrMapOvr>
+    <a:masterClrMapping/>
+  </p:clrMapOvr>
+</p:notes>
+</file>
+
+<file path=ppt/notesSlides/notesSlide14.xml><?xml version="1.0" encoding="utf-8"?>
+<p:notes xmlns:a="http://schemas.openxmlformats.org/drawingml/2006/main" xmlns:r="http://schemas.openxmlformats.org/officeDocument/2006/relationships" xmlns:p="http://schemas.openxmlformats.org/presentationml/2006/main">
+  <p:cSld>
+    <p:spTree>
+      <p:nvGrpSpPr>
+        <p:cNvPr id="1" name=""/>
+        <p:cNvGrpSpPr/>
+        <p:nvPr/>
+      </p:nvGrpSpPr>
+      <p:grpSpPr>
+        <a:xfrm>
+          <a:off x="0" y="0"/>
+          <a:ext cx="0" cy="0"/>
+          <a:chOff x="0" y="0"/>
+          <a:chExt cx="0" cy="0"/>
+        </a:xfrm>
+      </p:grpSpPr>
+      <p:sp>
+        <p:nvSpPr>
+          <p:cNvPr id="2" name="Slide Image Placeholder 1"/>
+          <p:cNvSpPr>
+            <a:spLocks noGrp="1" noRot="1" noChangeAspect="1"/>
+          </p:cNvSpPr>
+          <p:nvPr>
+            <p:ph type="sldImg"/>
+          </p:nvPr>
+        </p:nvSpPr>
+        <p:spPr/>
+      </p:sp>
+      <p:sp>
+        <p:nvSpPr>
+          <p:cNvPr id="3" name="Notes Placeholder 2"/>
+          <p:cNvSpPr>
+            <a:spLocks noGrp="1"/>
+          </p:cNvSpPr>
+          <p:nvPr>
+            <p:ph type="body" idx="1"/>
+          </p:nvPr>
+        </p:nvSpPr>
+        <p:spPr/>
+        <p:txBody>
+          <a:bodyPr/>
+          <a:lstStyle/>
+          <a:p>
+            <a:endParaRPr lang="en-US"/>
+          </a:p>
+        </p:txBody>
+      </p:sp>
+      <p:sp>
+        <p:nvSpPr>
+          <p:cNvPr id="4" name="Slide Number Placeholder 3"/>
+          <p:cNvSpPr>
+            <a:spLocks noGrp="1"/>
+          </p:cNvSpPr>
+          <p:nvPr>
+            <p:ph type="sldNum" sz="quarter" idx="5"/>
+          </p:nvPr>
+        </p:nvSpPr>
+        <p:spPr/>
+        <p:txBody>
+          <a:bodyPr/>
+          <a:lstStyle/>
+          <a:p>
+            <a:fld id="{28328521-71C5-4FF4-A309-290FBEE7AB2C}" type="slidenum">
+              <a:rPr lang="tr-TR" smtClean="0"/>
+              <a:t>25</a:t>
+            </a:fld>
+            <a:endParaRPr lang="tr-TR"/>
+          </a:p>
+        </p:txBody>
+      </p:sp>
+    </p:spTree>
+    <p:extLst>
+      <p:ext uri="{BB962C8B-B14F-4D97-AF65-F5344CB8AC3E}">
+        <p14:creationId xmlns:p14="http://schemas.microsoft.com/office/powerpoint/2010/main" val="1833487156"/>
+      </p:ext>
+    </p:extLst>
+  </p:cSld>
+  <p:clrMapOvr>
+    <a:masterClrMapping/>
+  </p:clrMapOvr>
+</p:notes>
+</file>
+
+<file path=ppt/notesSlides/notesSlide2.xml><?xml version="1.0" encoding="utf-8"?>
+<p:notes xmlns:a="http://schemas.openxmlformats.org/drawingml/2006/main" xmlns:r="http://schemas.openxmlformats.org/officeDocument/2006/relationships" xmlns:p="http://schemas.openxmlformats.org/presentationml/2006/main">
+  <p:cSld>
+    <p:spTree>
+      <p:nvGrpSpPr>
+        <p:cNvPr id="1" name=""/>
+        <p:cNvGrpSpPr/>
+        <p:nvPr/>
+      </p:nvGrpSpPr>
+      <p:grpSpPr>
+        <a:xfrm>
+          <a:off x="0" y="0"/>
+          <a:ext cx="0" cy="0"/>
+          <a:chOff x="0" y="0"/>
+          <a:chExt cx="0" cy="0"/>
+        </a:xfrm>
+      </p:grpSpPr>
+      <p:sp>
+        <p:nvSpPr>
+          <p:cNvPr id="2" name="Slide Image Placeholder 1"/>
+          <p:cNvSpPr>
+            <a:spLocks noGrp="1" noRot="1" noChangeAspect="1"/>
+          </p:cNvSpPr>
+          <p:nvPr>
+            <p:ph type="sldImg"/>
+          </p:nvPr>
+        </p:nvSpPr>
+        <p:spPr/>
+      </p:sp>
+      <p:sp>
+        <p:nvSpPr>
+          <p:cNvPr id="3" name="Notes Placeholder 2"/>
+          <p:cNvSpPr>
+            <a:spLocks noGrp="1"/>
+          </p:cNvSpPr>
+          <p:nvPr>
+            <p:ph type="body" idx="1"/>
+          </p:nvPr>
+        </p:nvSpPr>
+        <p:spPr/>
+        <p:txBody>
+          <a:bodyPr/>
+          <a:lstStyle/>
+          <a:p>
+            <a:r>
+              <a:rPr lang="en-US" dirty="0"/>
+              <a:t>Data Preparation: </a:t>
+            </a:r>
+          </a:p>
+          <a:p>
+            <a:r>
+              <a:rPr lang="en-US" dirty="0"/>
+              <a:t>In our project, we began the data preparation process by handling categorical features. To effectively use these features in our model, we converted them to numeric representations, both ordinal and nominal. For ordinal features, such as Work-Life Balance, Job Satisfaction, and Performance Rating, we assigned numeric values based on their levels. For nominal features, we created dummy variables to represent the categorical data.</a:t>
+            </a:r>
+          </a:p>
+          <a:p>
+            <a:endParaRPr lang="en-US" dirty="0"/>
+          </a:p>
+          <a:p>
+            <a:r>
+              <a:rPr lang="en-US" dirty="0"/>
+              <a:t>Next, we performed normalization to scale our data values between 0 and 1. This step is crucial as it helps the features contribute equally to the model's learning process.</a:t>
+            </a:r>
+          </a:p>
+          <a:p>
+            <a:endParaRPr lang="en-US" dirty="0"/>
+          </a:p>
+          <a:p>
+            <a:r>
+              <a:rPr lang="en-US" dirty="0"/>
+              <a:t>Following normalization, we split our dataset into training and test sets in order to evaluate the performance of our predictive models accurately.</a:t>
+            </a:r>
+          </a:p>
+        </p:txBody>
+      </p:sp>
+      <p:sp>
+        <p:nvSpPr>
+          <p:cNvPr id="4" name="Slide Number Placeholder 3"/>
+          <p:cNvSpPr>
+            <a:spLocks noGrp="1"/>
+          </p:cNvSpPr>
+          <p:nvPr>
+            <p:ph type="sldNum" sz="quarter" idx="5"/>
+          </p:nvPr>
+        </p:nvSpPr>
+        <p:spPr/>
+        <p:txBody>
+          <a:bodyPr/>
+          <a:lstStyle/>
+          <a:p>
+            <a:fld id="{28328521-71C5-4FF4-A309-290FBEE7AB2C}" type="slidenum">
+              <a:rPr lang="tr-TR" smtClean="0"/>
+              <a:t>13</a:t>
+            </a:fld>
+            <a:endParaRPr lang="tr-TR"/>
+          </a:p>
+        </p:txBody>
+      </p:sp>
+    </p:spTree>
+    <p:extLst>
+      <p:ext uri="{BB962C8B-B14F-4D97-AF65-F5344CB8AC3E}">
+        <p14:creationId xmlns:p14="http://schemas.microsoft.com/office/powerpoint/2010/main" val="481404415"/>
+      </p:ext>
+    </p:extLst>
+  </p:cSld>
+  <p:clrMapOvr>
+    <a:masterClrMapping/>
+  </p:clrMapOvr>
+</p:notes>
+</file>
+
+<file path=ppt/notesSlides/notesSlide3.xml><?xml version="1.0" encoding="utf-8"?>
+<p:notes xmlns:a="http://schemas.openxmlformats.org/drawingml/2006/main" xmlns:r="http://schemas.openxmlformats.org/officeDocument/2006/relationships" xmlns:p="http://schemas.openxmlformats.org/presentationml/2006/main">
+  <p:cSld>
+    <p:spTree>
+      <p:nvGrpSpPr>
+        <p:cNvPr id="1" name=""/>
+        <p:cNvGrpSpPr/>
+        <p:nvPr/>
+      </p:nvGrpSpPr>
+      <p:grpSpPr>
+        <a:xfrm>
+          <a:off x="0" y="0"/>
+          <a:ext cx="0" cy="0"/>
+          <a:chOff x="0" y="0"/>
+          <a:chExt cx="0" cy="0"/>
+        </a:xfrm>
+      </p:grpSpPr>
+      <p:sp>
+        <p:nvSpPr>
+          <p:cNvPr id="2" name="Slide Image Placeholder 1"/>
+          <p:cNvSpPr>
+            <a:spLocks noGrp="1" noRot="1" noChangeAspect="1"/>
+          </p:cNvSpPr>
+          <p:nvPr>
+            <p:ph type="sldImg"/>
+          </p:nvPr>
+        </p:nvSpPr>
+        <p:spPr/>
+      </p:sp>
+      <p:sp>
+        <p:nvSpPr>
+          <p:cNvPr id="3" name="Notes Placeholder 2"/>
+          <p:cNvSpPr>
+            <a:spLocks noGrp="1"/>
+          </p:cNvSpPr>
+          <p:nvPr>
+            <p:ph type="body" idx="1"/>
+          </p:nvPr>
+        </p:nvSpPr>
+        <p:spPr/>
+        <p:txBody>
+          <a:bodyPr/>
+          <a:lstStyle/>
+          <a:p>
+            <a:r>
+              <a:rPr lang="en-US" dirty="0"/>
+              <a:t>Before moving further, we ensured that both training and test sets maintained a balance in the proportion of employees who stayed vs those who left, ensuring representative samples for both sets. So as we can see, the data sets maintained the balance.</a:t>
+            </a:r>
+          </a:p>
+        </p:txBody>
+      </p:sp>
+      <p:sp>
+        <p:nvSpPr>
+          <p:cNvPr id="4" name="Slide Number Placeholder 3"/>
+          <p:cNvSpPr>
+            <a:spLocks noGrp="1"/>
+          </p:cNvSpPr>
+          <p:nvPr>
+            <p:ph type="sldNum" sz="quarter" idx="5"/>
+          </p:nvPr>
+        </p:nvSpPr>
+        <p:spPr/>
+        <p:txBody>
+          <a:bodyPr/>
+          <a:lstStyle/>
+          <a:p>
+            <a:fld id="{28328521-71C5-4FF4-A309-290FBEE7AB2C}" type="slidenum">
+              <a:rPr lang="tr-TR" smtClean="0"/>
+              <a:t>14</a:t>
+            </a:fld>
+            <a:endParaRPr lang="tr-TR"/>
+          </a:p>
+        </p:txBody>
+      </p:sp>
+    </p:spTree>
+    <p:extLst>
+      <p:ext uri="{BB962C8B-B14F-4D97-AF65-F5344CB8AC3E}">
+        <p14:creationId xmlns:p14="http://schemas.microsoft.com/office/powerpoint/2010/main" val="2251997725"/>
+      </p:ext>
+    </p:extLst>
+  </p:cSld>
+  <p:clrMapOvr>
+    <a:masterClrMapping/>
+  </p:clrMapOvr>
+</p:notes>
+</file>
+
+<file path=ppt/notesSlides/notesSlide4.xml><?xml version="1.0" encoding="utf-8"?>
+<p:notes xmlns:a="http://schemas.openxmlformats.org/drawingml/2006/main" xmlns:r="http://schemas.openxmlformats.org/officeDocument/2006/relationships" xmlns:p="http://schemas.openxmlformats.org/presentationml/2006/main">
+  <p:cSld>
+    <p:spTree>
+      <p:nvGrpSpPr>
+        <p:cNvPr id="1" name=""/>
+        <p:cNvGrpSpPr/>
+        <p:nvPr/>
+      </p:nvGrpSpPr>
+      <p:grpSpPr>
+        <a:xfrm>
+          <a:off x="0" y="0"/>
+          <a:ext cx="0" cy="0"/>
+          <a:chOff x="0" y="0"/>
+          <a:chExt cx="0" cy="0"/>
+        </a:xfrm>
+      </p:grpSpPr>
+      <p:sp>
+        <p:nvSpPr>
+          <p:cNvPr id="2" name="Slide Image Placeholder 1"/>
+          <p:cNvSpPr>
+            <a:spLocks noGrp="1" noRot="1" noChangeAspect="1"/>
+          </p:cNvSpPr>
+          <p:nvPr>
+            <p:ph type="sldImg"/>
+          </p:nvPr>
+        </p:nvSpPr>
+        <p:spPr/>
+      </p:sp>
+      <p:sp>
+        <p:nvSpPr>
+          <p:cNvPr id="3" name="Notes Placeholder 2"/>
+          <p:cNvSpPr>
+            <a:spLocks noGrp="1"/>
+          </p:cNvSpPr>
+          <p:nvPr>
+            <p:ph type="body" idx="1"/>
+          </p:nvPr>
+        </p:nvSpPr>
+        <p:spPr/>
+        <p:txBody>
+          <a:bodyPr/>
+          <a:lstStyle/>
+          <a:p>
+            <a:r>
+              <a:rPr lang="en-US" dirty="0"/>
+              <a:t>Predictive Classification Models:</a:t>
+            </a:r>
+          </a:p>
+          <a:p>
+            <a:r>
+              <a:rPr lang="en-US" dirty="0"/>
+              <a:t>We developed several predictive classification models, starting with logistic regression. </a:t>
+            </a:r>
+          </a:p>
+          <a:p>
+            <a:r>
+              <a:rPr lang="en-US" dirty="0"/>
+              <a:t>Our initial model, the Basic Logistic Classifier, included all features and provided insights into the significance of each feature. Despite identifying some features with high p-values, we retained all features initially to apply feature selection later.</a:t>
+            </a:r>
+          </a:p>
+        </p:txBody>
+      </p:sp>
+      <p:sp>
+        <p:nvSpPr>
+          <p:cNvPr id="4" name="Slide Number Placeholder 3"/>
+          <p:cNvSpPr>
+            <a:spLocks noGrp="1"/>
+          </p:cNvSpPr>
+          <p:nvPr>
+            <p:ph type="sldNum" sz="quarter" idx="5"/>
+          </p:nvPr>
+        </p:nvSpPr>
+        <p:spPr/>
+        <p:txBody>
+          <a:bodyPr/>
+          <a:lstStyle/>
+          <a:p>
+            <a:fld id="{28328521-71C5-4FF4-A309-290FBEE7AB2C}" type="slidenum">
+              <a:rPr lang="tr-TR" smtClean="0"/>
+              <a:t>15</a:t>
+            </a:fld>
+            <a:endParaRPr lang="tr-TR"/>
+          </a:p>
+        </p:txBody>
+      </p:sp>
+    </p:spTree>
+    <p:extLst>
+      <p:ext uri="{BB962C8B-B14F-4D97-AF65-F5344CB8AC3E}">
+        <p14:creationId xmlns:p14="http://schemas.microsoft.com/office/powerpoint/2010/main" val="2815543676"/>
+      </p:ext>
+    </p:extLst>
+  </p:cSld>
+  <p:clrMapOvr>
+    <a:masterClrMapping/>
+  </p:clrMapOvr>
+</p:notes>
+</file>
+
+<file path=ppt/notesSlides/notesSlide5.xml><?xml version="1.0" encoding="utf-8"?>
+<p:notes xmlns:a="http://schemas.openxmlformats.org/drawingml/2006/main" xmlns:r="http://schemas.openxmlformats.org/officeDocument/2006/relationships" xmlns:p="http://schemas.openxmlformats.org/presentationml/2006/main">
+  <p:cSld>
+    <p:spTree>
+      <p:nvGrpSpPr>
+        <p:cNvPr id="1" name=""/>
+        <p:cNvGrpSpPr/>
+        <p:nvPr/>
+      </p:nvGrpSpPr>
+      <p:grpSpPr>
+        <a:xfrm>
+          <a:off x="0" y="0"/>
+          <a:ext cx="0" cy="0"/>
+          <a:chOff x="0" y="0"/>
+          <a:chExt cx="0" cy="0"/>
+        </a:xfrm>
+      </p:grpSpPr>
+      <p:sp>
+        <p:nvSpPr>
+          <p:cNvPr id="2" name="Slide Image Placeholder 1"/>
+          <p:cNvSpPr>
+            <a:spLocks noGrp="1" noRot="1" noChangeAspect="1"/>
+          </p:cNvSpPr>
+          <p:nvPr>
+            <p:ph type="sldImg"/>
+          </p:nvPr>
+        </p:nvSpPr>
+        <p:spPr/>
+      </p:sp>
+      <p:sp>
+        <p:nvSpPr>
+          <p:cNvPr id="3" name="Notes Placeholder 2"/>
+          <p:cNvSpPr>
+            <a:spLocks noGrp="1"/>
+          </p:cNvSpPr>
+          <p:nvPr>
+            <p:ph type="body" idx="1"/>
+          </p:nvPr>
+        </p:nvSpPr>
+        <p:spPr/>
+        <p:txBody>
+          <a:bodyPr/>
+          <a:lstStyle/>
+          <a:p>
+            <a:r>
+              <a:rPr lang="en-US" dirty="0"/>
+              <a:t>To evaluate how well our model fits the data, we used the 𝑅2 statistic. This statistic provides an indication of how much of the variance in the dependent variable can be explained by the independent variables in the model. A higher 𝑅2 value suggests a better fit. In our case, the 𝑅2 value was approximately 24.25%</a:t>
+            </a:r>
+          </a:p>
+        </p:txBody>
+      </p:sp>
+      <p:sp>
+        <p:nvSpPr>
+          <p:cNvPr id="4" name="Slide Number Placeholder 3"/>
+          <p:cNvSpPr>
+            <a:spLocks noGrp="1"/>
+          </p:cNvSpPr>
+          <p:nvPr>
+            <p:ph type="sldNum" sz="quarter" idx="5"/>
+          </p:nvPr>
+        </p:nvSpPr>
+        <p:spPr/>
+        <p:txBody>
+          <a:bodyPr/>
+          <a:lstStyle/>
+          <a:p>
+            <a:fld id="{28328521-71C5-4FF4-A309-290FBEE7AB2C}" type="slidenum">
+              <a:rPr lang="tr-TR" smtClean="0"/>
+              <a:t>16</a:t>
+            </a:fld>
+            <a:endParaRPr lang="tr-TR"/>
+          </a:p>
+        </p:txBody>
+      </p:sp>
+    </p:spTree>
+    <p:extLst>
+      <p:ext uri="{BB962C8B-B14F-4D97-AF65-F5344CB8AC3E}">
+        <p14:creationId xmlns:p14="http://schemas.microsoft.com/office/powerpoint/2010/main" val="365120972"/>
+      </p:ext>
+    </p:extLst>
+  </p:cSld>
+  <p:clrMapOvr>
+    <a:masterClrMapping/>
+  </p:clrMapOvr>
+</p:notes>
+</file>
+
+<file path=ppt/notesSlides/notesSlide6.xml><?xml version="1.0" encoding="utf-8"?>
+<p:notes xmlns:a="http://schemas.openxmlformats.org/drawingml/2006/main" xmlns:r="http://schemas.openxmlformats.org/officeDocument/2006/relationships" xmlns:p="http://schemas.openxmlformats.org/presentationml/2006/main">
+  <p:cSld>
+    <p:spTree>
+      <p:nvGrpSpPr>
+        <p:cNvPr id="1" name=""/>
+        <p:cNvGrpSpPr/>
+        <p:nvPr/>
+      </p:nvGrpSpPr>
+      <p:grpSpPr>
+        <a:xfrm>
+          <a:off x="0" y="0"/>
+          <a:ext cx="0" cy="0"/>
+          <a:chOff x="0" y="0"/>
+          <a:chExt cx="0" cy="0"/>
+        </a:xfrm>
+      </p:grpSpPr>
+      <p:sp>
+        <p:nvSpPr>
+          <p:cNvPr id="2" name="Slide Image Placeholder 1"/>
+          <p:cNvSpPr>
+            <a:spLocks noGrp="1" noRot="1" noChangeAspect="1"/>
+          </p:cNvSpPr>
+          <p:nvPr>
+            <p:ph type="sldImg"/>
+          </p:nvPr>
+        </p:nvSpPr>
+        <p:spPr/>
+      </p:sp>
+      <p:sp>
+        <p:nvSpPr>
+          <p:cNvPr id="3" name="Notes Placeholder 2"/>
+          <p:cNvSpPr>
+            <a:spLocks noGrp="1"/>
+          </p:cNvSpPr>
+          <p:nvPr>
+            <p:ph type="body" idx="1"/>
+          </p:nvPr>
+        </p:nvSpPr>
+        <p:spPr/>
+        <p:txBody>
+          <a:bodyPr/>
+          <a:lstStyle/>
+          <a:p>
+            <a:pPr algn="l"/>
+            <a:r>
+              <a:rPr lang="en-US" dirty="0"/>
+              <a:t>We also evaluated multicollinearity among the features using Variance Inflation Factor (VIF) values. Multicollinearity occurs when features are highly correlated, which can lead to unreliable coefficient estimates. </a:t>
+            </a:r>
+          </a:p>
+          <a:p>
+            <a:pPr algn="l"/>
+            <a:endParaRPr lang="en-US" dirty="0"/>
+          </a:p>
+          <a:p>
+            <a:pPr algn="l"/>
+            <a:r>
+              <a:rPr lang="en-US" dirty="0"/>
+              <a:t>Most of our features had VIF values close to 1. However, a few variables had VIF values between 1 and 5, suggesting moderate multicollinearity. </a:t>
+            </a:r>
+          </a:p>
+          <a:p>
+            <a:pPr algn="l"/>
+            <a:r>
+              <a:rPr lang="en-US" dirty="0"/>
+              <a:t>These variables included Job Role and Marital Status, which are </a:t>
+            </a:r>
+            <a:r>
+              <a:rPr lang="en-US" sz="1800" b="0" i="0" u="none" strike="noStrike" baseline="0" dirty="0">
+                <a:latin typeface="SourceSansPro-Regular-Identity-H"/>
+              </a:rPr>
+              <a:t>mostly dummy features of nominal variables and dummy variables are often correlated because they represent categories of the same nominal variable.</a:t>
+            </a:r>
+            <a:endParaRPr lang="en-US" dirty="0"/>
+          </a:p>
+        </p:txBody>
+      </p:sp>
+      <p:sp>
+        <p:nvSpPr>
+          <p:cNvPr id="4" name="Slide Number Placeholder 3"/>
+          <p:cNvSpPr>
+            <a:spLocks noGrp="1"/>
+          </p:cNvSpPr>
+          <p:nvPr>
+            <p:ph type="sldNum" sz="quarter" idx="5"/>
+          </p:nvPr>
+        </p:nvSpPr>
+        <p:spPr/>
+        <p:txBody>
+          <a:bodyPr/>
+          <a:lstStyle/>
+          <a:p>
+            <a:fld id="{28328521-71C5-4FF4-A309-290FBEE7AB2C}" type="slidenum">
+              <a:rPr lang="tr-TR" smtClean="0"/>
+              <a:t>17</a:t>
+            </a:fld>
+            <a:endParaRPr lang="tr-TR"/>
+          </a:p>
+        </p:txBody>
+      </p:sp>
+    </p:spTree>
+    <p:extLst>
+      <p:ext uri="{BB962C8B-B14F-4D97-AF65-F5344CB8AC3E}">
+        <p14:creationId xmlns:p14="http://schemas.microsoft.com/office/powerpoint/2010/main" val="648406434"/>
+      </p:ext>
+    </p:extLst>
+  </p:cSld>
+  <p:clrMapOvr>
+    <a:masterClrMapping/>
+  </p:clrMapOvr>
+</p:notes>
+</file>
+
+<file path=ppt/notesSlides/notesSlide7.xml><?xml version="1.0" encoding="utf-8"?>
+<p:notes xmlns:a="http://schemas.openxmlformats.org/drawingml/2006/main" xmlns:r="http://schemas.openxmlformats.org/officeDocument/2006/relationships" xmlns:p="http://schemas.openxmlformats.org/presentationml/2006/main">
+  <p:cSld>
+    <p:spTree>
+      <p:nvGrpSpPr>
+        <p:cNvPr id="1" name=""/>
+        <p:cNvGrpSpPr/>
+        <p:nvPr/>
+      </p:nvGrpSpPr>
+      <p:grpSpPr>
+        <a:xfrm>
+          <a:off x="0" y="0"/>
+          <a:ext cx="0" cy="0"/>
+          <a:chOff x="0" y="0"/>
+          <a:chExt cx="0" cy="0"/>
+        </a:xfrm>
+      </p:grpSpPr>
+      <p:sp>
+        <p:nvSpPr>
+          <p:cNvPr id="2" name="Slide Image Placeholder 1"/>
+          <p:cNvSpPr>
+            <a:spLocks noGrp="1" noRot="1" noChangeAspect="1"/>
+          </p:cNvSpPr>
+          <p:nvPr>
+            <p:ph type="sldImg"/>
+          </p:nvPr>
+        </p:nvSpPr>
+        <p:spPr/>
+      </p:sp>
+      <p:sp>
+        <p:nvSpPr>
+          <p:cNvPr id="3" name="Notes Placeholder 2"/>
+          <p:cNvSpPr>
+            <a:spLocks noGrp="1"/>
+          </p:cNvSpPr>
+          <p:nvPr>
+            <p:ph type="body" idx="1"/>
+          </p:nvPr>
+        </p:nvSpPr>
+        <p:spPr/>
+        <p:txBody>
+          <a:bodyPr/>
+          <a:lstStyle/>
+          <a:p>
+            <a:r>
+              <a:rPr lang="en-US" dirty="0"/>
+              <a:t>To improve our model, we performed a backward stepwise search, iteratively removing the least significant features. </a:t>
+            </a:r>
+          </a:p>
+          <a:p>
+            <a:r>
+              <a:rPr lang="en-US" dirty="0"/>
+              <a:t>This process helped us identify the best subset of features that contribute to the model's performance. </a:t>
+            </a:r>
+          </a:p>
+          <a:p>
+            <a:r>
+              <a:rPr lang="en-US" dirty="0"/>
+              <a:t>We used the Bayesian Information Criterion (BIC) to guide our selection.</a:t>
+            </a:r>
+          </a:p>
+          <a:p>
+            <a:endParaRPr lang="en-US" dirty="0"/>
+          </a:p>
+          <a:p>
+            <a:r>
+              <a:rPr lang="en-US" dirty="0"/>
+              <a:t>The model ended up removing the features with high p-values which are the dummy variables created for Job roles, all dummy variables created for education levels except </a:t>
+            </a:r>
+            <a:r>
+              <a:rPr lang="en-US" dirty="0" err="1"/>
+              <a:t>Phd</a:t>
+            </a:r>
+            <a:r>
+              <a:rPr lang="en-US" dirty="0"/>
+              <a:t>, employee recognition and interestingly Monthly income. </a:t>
+            </a:r>
+          </a:p>
+        </p:txBody>
+      </p:sp>
+      <p:sp>
+        <p:nvSpPr>
+          <p:cNvPr id="4" name="Slide Number Placeholder 3"/>
+          <p:cNvSpPr>
+            <a:spLocks noGrp="1"/>
+          </p:cNvSpPr>
+          <p:nvPr>
+            <p:ph type="sldNum" sz="quarter" idx="5"/>
+          </p:nvPr>
+        </p:nvSpPr>
+        <p:spPr/>
+        <p:txBody>
+          <a:bodyPr/>
+          <a:lstStyle/>
+          <a:p>
+            <a:fld id="{28328521-71C5-4FF4-A309-290FBEE7AB2C}" type="slidenum">
+              <a:rPr lang="tr-TR" smtClean="0"/>
+              <a:t>18</a:t>
+            </a:fld>
+            <a:endParaRPr lang="tr-TR"/>
+          </a:p>
+        </p:txBody>
+      </p:sp>
+    </p:spTree>
+    <p:extLst>
+      <p:ext uri="{BB962C8B-B14F-4D97-AF65-F5344CB8AC3E}">
+        <p14:creationId xmlns:p14="http://schemas.microsoft.com/office/powerpoint/2010/main" val="607295091"/>
+      </p:ext>
+    </p:extLst>
+  </p:cSld>
+  <p:clrMapOvr>
+    <a:masterClrMapping/>
+  </p:clrMapOvr>
+</p:notes>
+</file>
+
+<file path=ppt/notesSlides/notesSlide8.xml><?xml version="1.0" encoding="utf-8"?>
+<p:notes xmlns:a="http://schemas.openxmlformats.org/drawingml/2006/main" xmlns:r="http://schemas.openxmlformats.org/officeDocument/2006/relationships" xmlns:p="http://schemas.openxmlformats.org/presentationml/2006/main">
+  <p:cSld>
+    <p:spTree>
+      <p:nvGrpSpPr>
+        <p:cNvPr id="1" name=""/>
+        <p:cNvGrpSpPr/>
+        <p:nvPr/>
+      </p:nvGrpSpPr>
+      <p:grpSpPr>
+        <a:xfrm>
+          <a:off x="0" y="0"/>
+          <a:ext cx="0" cy="0"/>
+          <a:chOff x="0" y="0"/>
+          <a:chExt cx="0" cy="0"/>
+        </a:xfrm>
+      </p:grpSpPr>
+      <p:sp>
+        <p:nvSpPr>
+          <p:cNvPr id="2" name="Slide Image Placeholder 1"/>
+          <p:cNvSpPr>
+            <a:spLocks noGrp="1" noRot="1" noChangeAspect="1"/>
+          </p:cNvSpPr>
+          <p:nvPr>
+            <p:ph type="sldImg"/>
+          </p:nvPr>
+        </p:nvSpPr>
+        <p:spPr/>
+      </p:sp>
+      <p:sp>
+        <p:nvSpPr>
+          <p:cNvPr id="3" name="Notes Placeholder 2"/>
+          <p:cNvSpPr>
+            <a:spLocks noGrp="1"/>
+          </p:cNvSpPr>
+          <p:nvPr>
+            <p:ph type="body" idx="1"/>
+          </p:nvPr>
+        </p:nvSpPr>
+        <p:spPr/>
+        <p:txBody>
+          <a:bodyPr/>
+          <a:lstStyle/>
+          <a:p>
+            <a:pPr algn="l"/>
+            <a:r>
+              <a:rPr lang="en-US" sz="1800" b="0" i="0" u="none" strike="noStrike" baseline="0" dirty="0">
+                <a:solidFill>
+                  <a:srgbClr val="000000"/>
+                </a:solidFill>
+                <a:latin typeface="SourceSansPro-Regular-Identity-H"/>
+              </a:rPr>
+              <a:t>With backward feature selection we were able to decrease the VIF scores, p‑values and AIC score. Although </a:t>
+            </a:r>
+            <a:r>
+              <a:rPr lang="en-US" sz="1800" b="0" i="0" u="none" strike="noStrike" baseline="0" dirty="0">
+                <a:solidFill>
+                  <a:srgbClr val="000000"/>
+                </a:solidFill>
+                <a:latin typeface="LatinModernMath-Regular-Identity-H"/>
+              </a:rPr>
+              <a:t>𝑅2 </a:t>
+            </a:r>
+            <a:r>
+              <a:rPr lang="en-US" sz="1800" b="0" i="0" u="none" strike="noStrike" baseline="0" dirty="0">
+                <a:solidFill>
+                  <a:srgbClr val="000000"/>
+                </a:solidFill>
+                <a:latin typeface="SourceSansPro-Regular-Identity-H"/>
+              </a:rPr>
+              <a:t>slightly decreased to </a:t>
+            </a:r>
+            <a:r>
+              <a:rPr lang="en-US" sz="1800" b="1" dirty="0">
+                <a:solidFill>
+                  <a:srgbClr val="262836"/>
+                </a:solidFill>
+                <a:latin typeface="Georgia"/>
+                <a:cs typeface="+mj-cs"/>
+              </a:rPr>
+              <a:t>24</a:t>
+            </a:r>
+            <a:r>
+              <a:rPr lang="tr-TR" sz="1800" b="1" dirty="0">
+                <a:solidFill>
+                  <a:srgbClr val="262836"/>
+                </a:solidFill>
+                <a:latin typeface="Georgia"/>
+                <a:cs typeface="+mj-cs"/>
+              </a:rPr>
+              <a:t>.</a:t>
+            </a:r>
+            <a:r>
+              <a:rPr lang="en-US" sz="1800" b="1" dirty="0">
+                <a:solidFill>
+                  <a:srgbClr val="262836"/>
+                </a:solidFill>
+                <a:latin typeface="Georgia"/>
+                <a:cs typeface="+mj-cs"/>
+              </a:rPr>
+              <a:t>23</a:t>
+            </a:r>
+            <a:r>
+              <a:rPr lang="tr-TR" sz="1800" b="1" dirty="0">
+                <a:solidFill>
+                  <a:srgbClr val="262836"/>
+                </a:solidFill>
+                <a:latin typeface="Georgia"/>
+                <a:cs typeface="+mj-cs"/>
+              </a:rPr>
+              <a:t>%</a:t>
+            </a:r>
+            <a:r>
+              <a:rPr lang="en-US" sz="1800" b="0" i="0" u="none" strike="noStrike" baseline="0" dirty="0">
+                <a:solidFill>
+                  <a:srgbClr val="000000"/>
+                </a:solidFill>
+                <a:latin typeface="SourceSansPro-Regular-Identity-H"/>
+              </a:rPr>
+              <a:t>, this is expectable since the number of features in the model decreased. But most importantly we decreased the VIF score so the model is more stable.</a:t>
+            </a:r>
+          </a:p>
+        </p:txBody>
+      </p:sp>
+      <p:sp>
+        <p:nvSpPr>
+          <p:cNvPr id="4" name="Slide Number Placeholder 3"/>
+          <p:cNvSpPr>
+            <a:spLocks noGrp="1"/>
+          </p:cNvSpPr>
+          <p:nvPr>
+            <p:ph type="sldNum" sz="quarter" idx="5"/>
+          </p:nvPr>
+        </p:nvSpPr>
+        <p:spPr/>
+        <p:txBody>
+          <a:bodyPr/>
+          <a:lstStyle/>
+          <a:p>
+            <a:fld id="{28328521-71C5-4FF4-A309-290FBEE7AB2C}" type="slidenum">
+              <a:rPr lang="tr-TR" smtClean="0"/>
+              <a:t>19</a:t>
+            </a:fld>
+            <a:endParaRPr lang="tr-TR"/>
+          </a:p>
+        </p:txBody>
+      </p:sp>
+    </p:spTree>
+    <p:extLst>
+      <p:ext uri="{BB962C8B-B14F-4D97-AF65-F5344CB8AC3E}">
+        <p14:creationId xmlns:p14="http://schemas.microsoft.com/office/powerpoint/2010/main" val="3927894842"/>
+      </p:ext>
+    </p:extLst>
+  </p:cSld>
+  <p:clrMapOvr>
+    <a:masterClrMapping/>
+  </p:clrMapOvr>
+</p:notes>
+</file>
+
+<file path=ppt/notesSlides/notesSlide9.xml><?xml version="1.0" encoding="utf-8"?>
+<p:notes xmlns:a="http://schemas.openxmlformats.org/drawingml/2006/main" xmlns:r="http://schemas.openxmlformats.org/officeDocument/2006/relationships" xmlns:p="http://schemas.openxmlformats.org/presentationml/2006/main">
+  <p:cSld>
+    <p:spTree>
+      <p:nvGrpSpPr>
+        <p:cNvPr id="1" name=""/>
+        <p:cNvGrpSpPr/>
+        <p:nvPr/>
+      </p:nvGrpSpPr>
+      <p:grpSpPr>
+        <a:xfrm>
+          <a:off x="0" y="0"/>
+          <a:ext cx="0" cy="0"/>
+          <a:chOff x="0" y="0"/>
+          <a:chExt cx="0" cy="0"/>
+        </a:xfrm>
+      </p:grpSpPr>
+      <p:sp>
+        <p:nvSpPr>
+          <p:cNvPr id="2" name="Slide Image Placeholder 1"/>
+          <p:cNvSpPr>
+            <a:spLocks noGrp="1" noRot="1" noChangeAspect="1"/>
+          </p:cNvSpPr>
+          <p:nvPr>
+            <p:ph type="sldImg"/>
+          </p:nvPr>
+        </p:nvSpPr>
+        <p:spPr/>
+      </p:sp>
+      <p:sp>
+        <p:nvSpPr>
+          <p:cNvPr id="3" name="Notes Placeholder 2"/>
+          <p:cNvSpPr>
+            <a:spLocks noGrp="1"/>
+          </p:cNvSpPr>
+          <p:nvPr>
+            <p:ph type="body" idx="1"/>
+          </p:nvPr>
+        </p:nvSpPr>
+        <p:spPr/>
+        <p:txBody>
+          <a:bodyPr/>
+          <a:lstStyle/>
+          <a:p>
+            <a:pPr algn="l"/>
+            <a:r>
+              <a:rPr lang="en-US" dirty="0"/>
+              <a:t>Additionally, we explored logistic regression with shrinkage methods </a:t>
+            </a:r>
+            <a:r>
+              <a:rPr lang="en-US" sz="1800" b="0" i="0" u="none" strike="noStrike" baseline="0" dirty="0">
+                <a:latin typeface="LMRoman10-Regular"/>
+              </a:rPr>
+              <a:t>such as Ridge and Lasso regression, which are used to control model complexity and reduce overfitting. Instead of selecting a subset of predictors or setting some coefficients to zero, these methods regularize the feature coefficients to </a:t>
+            </a:r>
+            <a:r>
+              <a:rPr lang="en-US" dirty="0"/>
+              <a:t>improve model generalizability. In our case we made use of the hybrid method called Elastic Net which combines Lasso and Ridge </a:t>
+            </a:r>
+            <a:r>
+              <a:rPr lang="en-US" sz="1200" dirty="0">
+                <a:solidFill>
+                  <a:srgbClr val="2B2D3D"/>
+                </a:solidFill>
+                <a:latin typeface="Georgia"/>
+                <a:cs typeface="+mj-cs"/>
+              </a:rPr>
+              <a:t>leveraging the strengths of both methods. </a:t>
+            </a:r>
+          </a:p>
+          <a:p>
+            <a:pPr algn="l"/>
+            <a:endParaRPr lang="en-US" sz="1200" dirty="0">
+              <a:solidFill>
+                <a:srgbClr val="2B2D3D"/>
+              </a:solidFill>
+              <a:latin typeface="Georgia"/>
+              <a:cs typeface="+mj-cs"/>
+            </a:endParaRPr>
+          </a:p>
+          <a:p>
+            <a:pPr algn="l"/>
+            <a:r>
+              <a:rPr lang="en-US" dirty="0" err="1"/>
+              <a:t>Employee.Recognition</a:t>
+            </a:r>
+            <a:r>
+              <a:rPr lang="en-US" sz="1200" dirty="0">
+                <a:solidFill>
+                  <a:srgbClr val="2B2D3D"/>
+                </a:solidFill>
+                <a:latin typeface="Georgia"/>
+                <a:cs typeface="+mj-cs"/>
+              </a:rPr>
+              <a:t> and </a:t>
+            </a:r>
+            <a:r>
+              <a:rPr lang="en-US" dirty="0" err="1"/>
+              <a:t>Education.LevelHigh.School</a:t>
+            </a:r>
+            <a:r>
+              <a:rPr lang="en-US" sz="1200" dirty="0">
+                <a:solidFill>
+                  <a:srgbClr val="2B2D3D"/>
+                </a:solidFill>
+                <a:latin typeface="Georgia"/>
+                <a:cs typeface="+mj-cs"/>
+              </a:rPr>
+              <a:t> dropped.</a:t>
+            </a:r>
+            <a:endParaRPr lang="en-US" dirty="0"/>
+          </a:p>
+        </p:txBody>
+      </p:sp>
+      <p:sp>
+        <p:nvSpPr>
+          <p:cNvPr id="4" name="Slide Number Placeholder 3"/>
+          <p:cNvSpPr>
+            <a:spLocks noGrp="1"/>
+          </p:cNvSpPr>
+          <p:nvPr>
+            <p:ph type="sldNum" sz="quarter" idx="5"/>
+          </p:nvPr>
+        </p:nvSpPr>
+        <p:spPr/>
+        <p:txBody>
+          <a:bodyPr/>
+          <a:lstStyle/>
+          <a:p>
+            <a:fld id="{28328521-71C5-4FF4-A309-290FBEE7AB2C}" type="slidenum">
+              <a:rPr lang="tr-TR" smtClean="0"/>
+              <a:t>20</a:t>
+            </a:fld>
+            <a:endParaRPr lang="tr-TR"/>
+          </a:p>
+        </p:txBody>
+      </p:sp>
+    </p:spTree>
+    <p:extLst>
+      <p:ext uri="{BB962C8B-B14F-4D97-AF65-F5344CB8AC3E}">
+        <p14:creationId xmlns:p14="http://schemas.microsoft.com/office/powerpoint/2010/main" val="4027288697"/>
       </p:ext>
     </p:extLst>
   </p:cSld>
@@ -1748,7 +4039,7 @@
           <a:p>
             <a:fld id="{1D8BD707-D9CF-40AE-B4C6-C98DA3205C09}" type="datetimeFigureOut">
               <a:rPr lang="en-US" smtClean="0"/>
-              <a:t>7/10/2024</a:t>
+              <a:t>7/11/2024</a:t>
             </a:fld>
             <a:endParaRPr lang="en-US"/>
           </a:p>
@@ -1918,7 +4209,7 @@
           <a:p>
             <a:fld id="{1D8BD707-D9CF-40AE-B4C6-C98DA3205C09}" type="datetimeFigureOut">
               <a:rPr lang="en-US" smtClean="0"/>
-              <a:t>7/10/2024</a:t>
+              <a:t>7/11/2024</a:t>
             </a:fld>
             <a:endParaRPr lang="en-US"/>
           </a:p>
@@ -2098,7 +4389,7 @@
           <a:p>
             <a:fld id="{1D8BD707-D9CF-40AE-B4C6-C98DA3205C09}" type="datetimeFigureOut">
               <a:rPr lang="en-US" smtClean="0"/>
-              <a:t>7/10/2024</a:t>
+              <a:t>7/11/2024</a:t>
             </a:fld>
             <a:endParaRPr lang="en-US"/>
           </a:p>
@@ -2268,7 +4559,7 @@
           <a:p>
             <a:fld id="{1D8BD707-D9CF-40AE-B4C6-C98DA3205C09}" type="datetimeFigureOut">
               <a:rPr lang="en-US" smtClean="0"/>
-              <a:t>7/10/2024</a:t>
+              <a:t>7/11/2024</a:t>
             </a:fld>
             <a:endParaRPr lang="en-US"/>
           </a:p>
@@ -2514,7 +4805,7 @@
           <a:p>
             <a:fld id="{1D8BD707-D9CF-40AE-B4C6-C98DA3205C09}" type="datetimeFigureOut">
               <a:rPr lang="en-US" smtClean="0"/>
-              <a:t>7/10/2024</a:t>
+              <a:t>7/11/2024</a:t>
             </a:fld>
             <a:endParaRPr lang="en-US"/>
           </a:p>
@@ -2746,7 +5037,7 @@
           <a:p>
             <a:fld id="{1D8BD707-D9CF-40AE-B4C6-C98DA3205C09}" type="datetimeFigureOut">
               <a:rPr lang="en-US" smtClean="0"/>
-              <a:t>7/10/2024</a:t>
+              <a:t>7/11/2024</a:t>
             </a:fld>
             <a:endParaRPr lang="en-US"/>
           </a:p>
@@ -3113,7 +5404,7 @@
           <a:p>
             <a:fld id="{1D8BD707-D9CF-40AE-B4C6-C98DA3205C09}" type="datetimeFigureOut">
               <a:rPr lang="en-US" smtClean="0"/>
-              <a:t>7/10/2024</a:t>
+              <a:t>7/11/2024</a:t>
             </a:fld>
             <a:endParaRPr lang="en-US"/>
           </a:p>
@@ -3231,7 +5522,7 @@
           <a:p>
             <a:fld id="{1D8BD707-D9CF-40AE-B4C6-C98DA3205C09}" type="datetimeFigureOut">
               <a:rPr lang="en-US" smtClean="0"/>
-              <a:t>7/10/2024</a:t>
+              <a:t>7/11/2024</a:t>
             </a:fld>
             <a:endParaRPr lang="en-US"/>
           </a:p>
@@ -3326,7 +5617,7 @@
           <a:p>
             <a:fld id="{1D8BD707-D9CF-40AE-B4C6-C98DA3205C09}" type="datetimeFigureOut">
               <a:rPr lang="en-US" smtClean="0"/>
-              <a:t>7/10/2024</a:t>
+              <a:t>7/11/2024</a:t>
             </a:fld>
             <a:endParaRPr lang="en-US"/>
           </a:p>
@@ -3603,7 +5894,7 @@
           <a:p>
             <a:fld id="{1D8BD707-D9CF-40AE-B4C6-C98DA3205C09}" type="datetimeFigureOut">
               <a:rPr lang="en-US" smtClean="0"/>
-              <a:t>7/10/2024</a:t>
+              <a:t>7/11/2024</a:t>
             </a:fld>
             <a:endParaRPr lang="en-US"/>
           </a:p>
@@ -3860,7 +6151,7 @@
           <a:p>
             <a:fld id="{1D8BD707-D9CF-40AE-B4C6-C98DA3205C09}" type="datetimeFigureOut">
               <a:rPr lang="en-US" smtClean="0"/>
-              <a:t>7/10/2024</a:t>
+              <a:t>7/11/2024</a:t>
             </a:fld>
             <a:endParaRPr lang="en-US"/>
           </a:p>
@@ -4073,7 +6364,7 @@
           <a:p>
             <a:fld id="{1D8BD707-D9CF-40AE-B4C6-C98DA3205C09}" type="datetimeFigureOut">
               <a:rPr lang="en-US" smtClean="0"/>
-              <a:t>7/10/2024</a:t>
+              <a:t>7/11/2024</a:t>
             </a:fld>
             <a:endParaRPr lang="en-US"/>
           </a:p>
@@ -4762,7 +7053,7 @@
           <p:nvPr/>
         </p:nvPicPr>
         <p:blipFill>
-          <a:blip r:embed="rId2" cstate="print"/>
+          <a:blip r:embed="rId3" cstate="print"/>
           <a:stretch>
             <a:fillRect/>
           </a:stretch>
@@ -5000,419 +7291,6 @@
 </file>
 
 <file path=ppt/slides/slide10.xml><?xml version="1.0" encoding="utf-8"?>
-<p:sld xmlns:a="http://schemas.openxmlformats.org/drawingml/2006/main" xmlns:r="http://schemas.openxmlformats.org/officeDocument/2006/relationships" xmlns:p="http://schemas.openxmlformats.org/presentationml/2006/main">
-  <p:cSld>
-    <p:spTree>
-      <p:nvGrpSpPr>
-        <p:cNvPr id="1" name=""/>
-        <p:cNvGrpSpPr/>
-        <p:nvPr/>
-      </p:nvGrpSpPr>
-      <p:grpSpPr>
-        <a:xfrm>
-          <a:off x="0" y="0"/>
-          <a:ext cx="0" cy="0"/>
-          <a:chOff x="0" y="0"/>
-          <a:chExt cx="0" cy="0"/>
-        </a:xfrm>
-      </p:grpSpPr>
-      <p:pic>
-        <p:nvPicPr>
-          <p:cNvPr id="34" name="Picture 33">
-            <a:extLst>
-              <a:ext uri="{FF2B5EF4-FFF2-40B4-BE49-F238E27FC236}">
-                <a16:creationId xmlns:a16="http://schemas.microsoft.com/office/drawing/2014/main" id="{5F37E37C-611C-EE28-5EC1-062F39EA7BA9}"/>
-              </a:ext>
-            </a:extLst>
-          </p:cNvPr>
-          <p:cNvPicPr>
-            <a:picLocks noChangeAspect="1"/>
-          </p:cNvPicPr>
-          <p:nvPr/>
-        </p:nvPicPr>
-        <p:blipFill>
-          <a:blip r:embed="rId2"/>
-          <a:stretch>
-            <a:fillRect/>
-          </a:stretch>
-        </p:blipFill>
-        <p:spPr>
-          <a:xfrm>
-            <a:off x="18923" y="2310573"/>
-            <a:ext cx="13803735" cy="6858000"/>
-          </a:xfrm>
-          <a:prstGeom prst="rect">
-            <a:avLst/>
-          </a:prstGeom>
-        </p:spPr>
-      </p:pic>
-      <p:grpSp>
-        <p:nvGrpSpPr>
-          <p:cNvPr id="2" name="object 2"/>
-          <p:cNvGrpSpPr/>
-          <p:nvPr/>
-        </p:nvGrpSpPr>
-        <p:grpSpPr>
-          <a:xfrm>
-            <a:off x="11371783" y="0"/>
-            <a:ext cx="3476625" cy="1929764"/>
-            <a:chOff x="11371783" y="0"/>
-            <a:chExt cx="3476625" cy="1929764"/>
-          </a:xfrm>
-        </p:grpSpPr>
-        <p:sp>
-          <p:nvSpPr>
-            <p:cNvPr id="3" name="object 3"/>
-            <p:cNvSpPr/>
-            <p:nvPr/>
-          </p:nvSpPr>
-          <p:spPr>
-            <a:xfrm>
-              <a:off x="11907024" y="0"/>
-              <a:ext cx="2941955" cy="1929764"/>
-            </a:xfrm>
-            <a:custGeom>
-              <a:avLst/>
-              <a:gdLst/>
-              <a:ahLst/>
-              <a:cxnLst/>
-              <a:rect l="l" t="t" r="r" b="b"/>
-              <a:pathLst>
-                <a:path w="2941955" h="1929764">
-                  <a:moveTo>
-                    <a:pt x="2749660" y="0"/>
-                  </a:moveTo>
-                  <a:lnTo>
-                    <a:pt x="729140" y="0"/>
-                  </a:lnTo>
-                  <a:lnTo>
-                    <a:pt x="0" y="729118"/>
-                  </a:lnTo>
-                  <a:lnTo>
-                    <a:pt x="1203058" y="1929688"/>
-                  </a:lnTo>
-                  <a:lnTo>
-                    <a:pt x="2941382" y="191427"/>
-                  </a:lnTo>
-                  <a:lnTo>
-                    <a:pt x="2749660" y="0"/>
-                  </a:lnTo>
-                  <a:close/>
-                </a:path>
-              </a:pathLst>
-            </a:custGeom>
-            <a:solidFill>
-              <a:srgbClr val="484C68"/>
-            </a:solidFill>
-          </p:spPr>
-          <p:txBody>
-            <a:bodyPr wrap="square" lIns="0" tIns="0" rIns="0" bIns="0" rtlCol="0"/>
-            <a:lstStyle/>
-            <a:p>
-              <a:endParaRPr/>
-            </a:p>
-          </p:txBody>
-        </p:sp>
-        <p:sp>
-          <p:nvSpPr>
-            <p:cNvPr id="4" name="object 4"/>
-            <p:cNvSpPr/>
-            <p:nvPr/>
-          </p:nvSpPr>
-          <p:spPr>
-            <a:xfrm>
-              <a:off x="11371783" y="0"/>
-              <a:ext cx="1454785" cy="824230"/>
-            </a:xfrm>
-            <a:custGeom>
-              <a:avLst/>
-              <a:gdLst/>
-              <a:ahLst/>
-              <a:cxnLst/>
-              <a:rect l="l" t="t" r="r" b="b"/>
-              <a:pathLst>
-                <a:path w="1454784" h="824230">
-                  <a:moveTo>
-                    <a:pt x="1454454" y="0"/>
-                  </a:moveTo>
-                  <a:lnTo>
-                    <a:pt x="191374" y="0"/>
-                  </a:lnTo>
-                  <a:lnTo>
-                    <a:pt x="0" y="191375"/>
-                  </a:lnTo>
-                  <a:lnTo>
-                    <a:pt x="630288" y="824165"/>
-                  </a:lnTo>
-                  <a:lnTo>
-                    <a:pt x="1454454" y="0"/>
-                  </a:lnTo>
-                  <a:close/>
-                </a:path>
-              </a:pathLst>
-            </a:custGeom>
-            <a:solidFill>
-              <a:srgbClr val="70B1DA"/>
-            </a:solidFill>
-          </p:spPr>
-          <p:txBody>
-            <a:bodyPr wrap="square" lIns="0" tIns="0" rIns="0" bIns="0" rtlCol="0"/>
-            <a:lstStyle/>
-            <a:p>
-              <a:endParaRPr/>
-            </a:p>
-          </p:txBody>
-        </p:sp>
-      </p:grpSp>
-      <p:sp>
-        <p:nvSpPr>
-          <p:cNvPr id="9" name="object 9"/>
-          <p:cNvSpPr/>
-          <p:nvPr/>
-        </p:nvSpPr>
-        <p:spPr>
-          <a:xfrm>
-            <a:off x="13284327" y="0"/>
-            <a:ext cx="5003800" cy="5329555"/>
-          </a:xfrm>
-          <a:custGeom>
-            <a:avLst/>
-            <a:gdLst/>
-            <a:ahLst/>
-            <a:cxnLst/>
-            <a:rect l="l" t="t" r="r" b="b"/>
-            <a:pathLst>
-              <a:path w="5003800" h="5329555">
-                <a:moveTo>
-                  <a:pt x="4344879" y="0"/>
-                </a:moveTo>
-                <a:lnTo>
-                  <a:pt x="2105120" y="0"/>
-                </a:lnTo>
-                <a:lnTo>
-                  <a:pt x="0" y="2103512"/>
-                </a:lnTo>
-                <a:lnTo>
-                  <a:pt x="3225419" y="5328982"/>
-                </a:lnTo>
-                <a:lnTo>
-                  <a:pt x="5003722" y="3549320"/>
-                </a:lnTo>
-                <a:lnTo>
-                  <a:pt x="5003722" y="658832"/>
-                </a:lnTo>
-                <a:lnTo>
-                  <a:pt x="4344879" y="0"/>
-                </a:lnTo>
-                <a:close/>
-              </a:path>
-            </a:pathLst>
-          </a:custGeom>
-          <a:solidFill>
-            <a:srgbClr val="484C68"/>
-          </a:solidFill>
-        </p:spPr>
-        <p:txBody>
-          <a:bodyPr wrap="square" lIns="0" tIns="0" rIns="0" bIns="0" rtlCol="0"/>
-          <a:lstStyle/>
-          <a:p>
-            <a:endParaRPr/>
-          </a:p>
-        </p:txBody>
-      </p:sp>
-      <p:sp>
-        <p:nvSpPr>
-          <p:cNvPr id="29" name="TextBox 28">
-            <a:extLst>
-              <a:ext uri="{FF2B5EF4-FFF2-40B4-BE49-F238E27FC236}">
-                <a16:creationId xmlns:a16="http://schemas.microsoft.com/office/drawing/2014/main" id="{3F2A7245-C3F8-F5D5-1331-ACDDAFEF6A59}"/>
-              </a:ext>
-            </a:extLst>
-          </p:cNvPr>
-          <p:cNvSpPr txBox="1"/>
-          <p:nvPr/>
-        </p:nvSpPr>
-        <p:spPr>
-          <a:xfrm>
-            <a:off x="9607550" y="9264650"/>
-            <a:ext cx="9150350" cy="584775"/>
-          </a:xfrm>
-          <a:prstGeom prst="rect">
-            <a:avLst/>
-          </a:prstGeom>
-          <a:noFill/>
-        </p:spPr>
-        <p:txBody>
-          <a:bodyPr wrap="square">
-            <a:spAutoFit/>
-          </a:bodyPr>
-          <a:lstStyle/>
-          <a:p>
-            <a:pPr marL="12700" marR="902335" algn="just">
-              <a:lnSpc>
-                <a:spcPct val="100000"/>
-              </a:lnSpc>
-              <a:spcBef>
-                <a:spcPts val="1195"/>
-              </a:spcBef>
-            </a:pPr>
-            <a:r>
-              <a:rPr lang="en-US" sz="1600" dirty="0">
-                <a:solidFill>
-                  <a:srgbClr val="262836"/>
-                </a:solidFill>
-                <a:latin typeface="Georgia"/>
-                <a:cs typeface="+mj-cs"/>
-              </a:rPr>
-              <a:t>This methodology effectively transforms continuous numeric variables into categorical bins, facilitating better</a:t>
-            </a:r>
-            <a:r>
-              <a:rPr lang="tr-TR" sz="1600" dirty="0">
-                <a:solidFill>
-                  <a:srgbClr val="262836"/>
-                </a:solidFill>
-                <a:latin typeface="Georgia"/>
-                <a:cs typeface="+mj-cs"/>
-              </a:rPr>
-              <a:t> </a:t>
-            </a:r>
-            <a:r>
-              <a:rPr lang="en-US" sz="1600" dirty="0">
-                <a:solidFill>
-                  <a:srgbClr val="262836"/>
-                </a:solidFill>
-                <a:latin typeface="Georgia"/>
-                <a:cs typeface="+mj-cs"/>
-              </a:rPr>
-              <a:t>visualization and comparative analysis of attrition. </a:t>
-            </a:r>
-            <a:endParaRPr lang="tr-TR" sz="1600" dirty="0">
-              <a:solidFill>
-                <a:srgbClr val="262836"/>
-              </a:solidFill>
-              <a:latin typeface="Georgia"/>
-              <a:cs typeface="+mj-cs"/>
-            </a:endParaRPr>
-          </a:p>
-        </p:txBody>
-      </p:sp>
-      <p:sp>
-        <p:nvSpPr>
-          <p:cNvPr id="30" name="object 13">
-            <a:extLst>
-              <a:ext uri="{FF2B5EF4-FFF2-40B4-BE49-F238E27FC236}">
-                <a16:creationId xmlns:a16="http://schemas.microsoft.com/office/drawing/2014/main" id="{9D6F8EED-BA6A-7252-A212-7DF7948E9A5B}"/>
-              </a:ext>
-            </a:extLst>
-          </p:cNvPr>
-          <p:cNvSpPr txBox="1">
-            <a:spLocks noGrp="1"/>
-          </p:cNvSpPr>
-          <p:nvPr>
-            <p:ph type="title"/>
-          </p:nvPr>
-        </p:nvSpPr>
-        <p:spPr>
-          <a:xfrm>
-            <a:off x="820974" y="549121"/>
-            <a:ext cx="8310326" cy="1000915"/>
-          </a:xfrm>
-          <a:prstGeom prst="rect">
-            <a:avLst/>
-          </a:prstGeom>
-        </p:spPr>
-        <p:txBody>
-          <a:bodyPr vert="horz" wrap="square" lIns="0" tIns="15875" rIns="0" bIns="0" rtlCol="0">
-            <a:spAutoFit/>
-          </a:bodyPr>
-          <a:lstStyle/>
-          <a:p>
-            <a:pPr marL="12700" marR="902335" algn="r" defTabSz="457200">
-              <a:lnSpc>
-                <a:spcPct val="100000"/>
-              </a:lnSpc>
-              <a:spcBef>
-                <a:spcPts val="1195"/>
-              </a:spcBef>
-            </a:pPr>
-            <a:r>
-              <a:rPr lang="en-US" sz="3200" dirty="0">
-                <a:solidFill>
-                  <a:srgbClr val="2B2D3D"/>
-                </a:solidFill>
-                <a:latin typeface="Georgia"/>
-                <a:ea typeface="+mn-ea"/>
-              </a:rPr>
-              <a:t>Transforming Numerical Variables into Categorical Variables</a:t>
-            </a:r>
-          </a:p>
-        </p:txBody>
-      </p:sp>
-      <p:sp>
-        <p:nvSpPr>
-          <p:cNvPr id="35" name="object 17">
-            <a:extLst>
-              <a:ext uri="{FF2B5EF4-FFF2-40B4-BE49-F238E27FC236}">
-                <a16:creationId xmlns:a16="http://schemas.microsoft.com/office/drawing/2014/main" id="{D5497F42-E25B-74AE-69CA-C809066BD6BA}"/>
-              </a:ext>
-            </a:extLst>
-          </p:cNvPr>
-          <p:cNvSpPr/>
-          <p:nvPr/>
-        </p:nvSpPr>
-        <p:spPr>
-          <a:xfrm>
-            <a:off x="4121150" y="1787429"/>
-            <a:ext cx="4048125" cy="95250"/>
-          </a:xfrm>
-          <a:custGeom>
-            <a:avLst/>
-            <a:gdLst/>
-            <a:ahLst/>
-            <a:cxnLst/>
-            <a:rect l="l" t="t" r="r" b="b"/>
-            <a:pathLst>
-              <a:path w="4048125" h="95250">
-                <a:moveTo>
-                  <a:pt x="4048125" y="0"/>
-                </a:moveTo>
-                <a:lnTo>
-                  <a:pt x="0" y="0"/>
-                </a:lnTo>
-                <a:lnTo>
-                  <a:pt x="0" y="95250"/>
-                </a:lnTo>
-                <a:lnTo>
-                  <a:pt x="4048125" y="95250"/>
-                </a:lnTo>
-                <a:lnTo>
-                  <a:pt x="4048125" y="0"/>
-                </a:lnTo>
-                <a:close/>
-              </a:path>
-            </a:pathLst>
-          </a:custGeom>
-          <a:solidFill>
-            <a:srgbClr val="70B1DA"/>
-          </a:solidFill>
-        </p:spPr>
-        <p:txBody>
-          <a:bodyPr wrap="square" lIns="0" tIns="0" rIns="0" bIns="0" rtlCol="0"/>
-          <a:lstStyle/>
-          <a:p>
-            <a:endParaRPr/>
-          </a:p>
-        </p:txBody>
-      </p:sp>
-    </p:spTree>
-  </p:cSld>
-  <p:clrMapOvr>
-    <a:masterClrMapping/>
-  </p:clrMapOvr>
-</p:sld>
-</file>
-
-<file path=ppt/slides/slide11.xml><?xml version="1.0" encoding="utf-8"?>
 <p:sld xmlns:a="http://schemas.openxmlformats.org/drawingml/2006/main" xmlns:r="http://schemas.openxmlformats.org/officeDocument/2006/relationships" xmlns:p="http://schemas.openxmlformats.org/presentationml/2006/main">
   <p:cSld>
     <p:spTree>
@@ -5488,12 +7366,896 @@
           </a:prstGeom>
         </p:spPr>
       </p:pic>
+      <p:sp>
+        <p:nvSpPr>
+          <p:cNvPr id="5" name="TextBox 4">
+            <a:extLst>
+              <a:ext uri="{FF2B5EF4-FFF2-40B4-BE49-F238E27FC236}">
+                <a16:creationId xmlns:a16="http://schemas.microsoft.com/office/drawing/2014/main" id="{4E101EA3-8055-5A94-5EA2-BFEE46B6CB0C}"/>
+              </a:ext>
+            </a:extLst>
+          </p:cNvPr>
+          <p:cNvSpPr txBox="1"/>
+          <p:nvPr/>
+        </p:nvSpPr>
+        <p:spPr>
+          <a:xfrm flipH="1">
+            <a:off x="13950950" y="555129"/>
+            <a:ext cx="3883025" cy="5940088"/>
+          </a:xfrm>
+          <a:prstGeom prst="rect">
+            <a:avLst/>
+          </a:prstGeom>
+          <a:noFill/>
+        </p:spPr>
+        <p:txBody>
+          <a:bodyPr wrap="square">
+            <a:spAutoFit/>
+          </a:bodyPr>
+          <a:lstStyle/>
+          <a:p>
+            <a:endParaRPr lang="en-US" sz="1600" dirty="0">
+              <a:solidFill>
+                <a:srgbClr val="262836"/>
+              </a:solidFill>
+              <a:latin typeface="Georgia"/>
+              <a:cs typeface="+mj-cs"/>
+            </a:endParaRPr>
+          </a:p>
+          <a:p>
+            <a:r>
+              <a:rPr lang="en-US" sz="2000" b="1" dirty="0">
+                <a:solidFill>
+                  <a:srgbClr val="262836"/>
+                </a:solidFill>
+                <a:latin typeface="Georgia"/>
+                <a:cs typeface="+mj-cs"/>
+              </a:rPr>
+              <a:t>43% </a:t>
+            </a:r>
+            <a:r>
+              <a:rPr lang="en-US" sz="1600" dirty="0">
+                <a:solidFill>
+                  <a:srgbClr val="262836"/>
+                </a:solidFill>
+                <a:latin typeface="Georgia"/>
+                <a:cs typeface="+mj-cs"/>
+              </a:rPr>
+              <a:t>of employees who did not have a remote work option left the company.</a:t>
+            </a:r>
+          </a:p>
+          <a:p>
+            <a:endParaRPr lang="en-US" sz="1600" dirty="0">
+              <a:solidFill>
+                <a:srgbClr val="262836"/>
+              </a:solidFill>
+              <a:latin typeface="Georgia"/>
+              <a:cs typeface="+mj-cs"/>
+            </a:endParaRPr>
+          </a:p>
+          <a:p>
+            <a:r>
+              <a:rPr lang="en-US" sz="1600" dirty="0">
+                <a:solidFill>
+                  <a:srgbClr val="262836"/>
+                </a:solidFill>
+                <a:latin typeface="Georgia"/>
+                <a:cs typeface="+mj-cs"/>
+              </a:rPr>
+              <a:t>Employees who did not have a remote work option and  do overtime work take place </a:t>
+            </a:r>
+            <a:r>
+              <a:rPr lang="en-US" sz="2000" b="1" dirty="0">
+                <a:solidFill>
+                  <a:srgbClr val="262836"/>
+                </a:solidFill>
+                <a:latin typeface="Georgia"/>
+                <a:cs typeface="+mj-cs"/>
+              </a:rPr>
+              <a:t>26%</a:t>
+            </a:r>
+            <a:r>
+              <a:rPr lang="en-US" sz="1600" b="1" dirty="0">
+                <a:solidFill>
+                  <a:srgbClr val="262836"/>
+                </a:solidFill>
+                <a:latin typeface="Georgia"/>
+                <a:cs typeface="+mj-cs"/>
+              </a:rPr>
+              <a:t> </a:t>
+            </a:r>
+            <a:r>
+              <a:rPr lang="en-US" sz="1600" dirty="0">
+                <a:solidFill>
+                  <a:srgbClr val="262836"/>
+                </a:solidFill>
+                <a:latin typeface="Georgia"/>
+                <a:cs typeface="+mj-cs"/>
+              </a:rPr>
+              <a:t>of the data. </a:t>
+            </a:r>
+          </a:p>
+          <a:p>
+            <a:endParaRPr lang="en-US" sz="1600" dirty="0">
+              <a:solidFill>
+                <a:srgbClr val="262836"/>
+              </a:solidFill>
+              <a:latin typeface="Georgia"/>
+              <a:cs typeface="+mj-cs"/>
+            </a:endParaRPr>
+          </a:p>
+          <a:p>
+            <a:r>
+              <a:rPr lang="en-US" sz="1600" dirty="0">
+                <a:solidFill>
+                  <a:srgbClr val="262836"/>
+                </a:solidFill>
+                <a:latin typeface="Georgia"/>
+                <a:cs typeface="+mj-cs"/>
+              </a:rPr>
+              <a:t>Among these </a:t>
+            </a:r>
+            <a:r>
+              <a:rPr lang="en-US" sz="2000" b="1" dirty="0">
+                <a:solidFill>
+                  <a:srgbClr val="262836"/>
+                </a:solidFill>
+                <a:latin typeface="Georgia"/>
+                <a:cs typeface="+mj-cs"/>
+              </a:rPr>
+              <a:t>57%</a:t>
+            </a:r>
+            <a:r>
+              <a:rPr lang="en-US" sz="1600" b="1" dirty="0">
+                <a:solidFill>
+                  <a:srgbClr val="262836"/>
+                </a:solidFill>
+                <a:latin typeface="Georgia"/>
+                <a:cs typeface="+mj-cs"/>
+              </a:rPr>
+              <a:t> </a:t>
+            </a:r>
+            <a:r>
+              <a:rPr lang="en-US" sz="1600" dirty="0">
+                <a:solidFill>
+                  <a:srgbClr val="262836"/>
+                </a:solidFill>
+                <a:latin typeface="Georgia"/>
+                <a:cs typeface="+mj-cs"/>
+              </a:rPr>
+              <a:t>left the company.</a:t>
+            </a:r>
+          </a:p>
+          <a:p>
+            <a:endParaRPr lang="en-US" sz="1600" b="1" dirty="0">
+              <a:solidFill>
+                <a:srgbClr val="262836"/>
+              </a:solidFill>
+              <a:latin typeface="Georgia"/>
+              <a:cs typeface="+mj-cs"/>
+            </a:endParaRPr>
+          </a:p>
+          <a:p>
+            <a:r>
+              <a:rPr lang="en-US" sz="2000" b="1" dirty="0">
+                <a:solidFill>
+                  <a:srgbClr val="262836"/>
+                </a:solidFill>
+                <a:latin typeface="Georgia"/>
+                <a:cs typeface="+mj-cs"/>
+              </a:rPr>
+              <a:t>36% </a:t>
+            </a:r>
+            <a:r>
+              <a:rPr lang="en-US" sz="1600" dirty="0">
+                <a:solidFill>
+                  <a:srgbClr val="262836"/>
+                </a:solidFill>
+                <a:latin typeface="Georgia"/>
+                <a:cs typeface="+mj-cs"/>
+              </a:rPr>
+              <a:t>of employees with monthly income between 3000-9000 left the company.</a:t>
+            </a:r>
+          </a:p>
+          <a:p>
+            <a:endParaRPr lang="en-US" sz="1600" dirty="0">
+              <a:solidFill>
+                <a:srgbClr val="262836"/>
+              </a:solidFill>
+              <a:latin typeface="Georgia"/>
+              <a:cs typeface="+mj-cs"/>
+            </a:endParaRPr>
+          </a:p>
+          <a:p>
+            <a:r>
+              <a:rPr lang="en-US" sz="2000" b="1" dirty="0">
+                <a:solidFill>
+                  <a:srgbClr val="262836"/>
+                </a:solidFill>
+                <a:latin typeface="Georgia"/>
+                <a:cs typeface="+mj-cs"/>
+              </a:rPr>
+              <a:t>45% </a:t>
+            </a:r>
+            <a:r>
+              <a:rPr lang="en-US" sz="1600" dirty="0">
+                <a:solidFill>
+                  <a:srgbClr val="262836"/>
+                </a:solidFill>
+                <a:latin typeface="Georgia"/>
+                <a:cs typeface="+mj-cs"/>
+              </a:rPr>
+              <a:t>of those who worked in a job without leadership opportunities left the company.</a:t>
+            </a:r>
+          </a:p>
+          <a:p>
+            <a:endParaRPr lang="en-US" sz="1600" dirty="0">
+              <a:solidFill>
+                <a:srgbClr val="262836"/>
+              </a:solidFill>
+              <a:latin typeface="Georgia"/>
+              <a:cs typeface="+mj-cs"/>
+            </a:endParaRPr>
+          </a:p>
+          <a:p>
+            <a:r>
+              <a:rPr lang="en-US" sz="1600" dirty="0">
+                <a:solidFill>
+                  <a:srgbClr val="262836"/>
+                </a:solidFill>
+                <a:latin typeface="Georgia"/>
+                <a:cs typeface="+mj-cs"/>
+              </a:rPr>
+              <a:t>Employees at the entry level with low employee recognition take place of </a:t>
+            </a:r>
+            <a:r>
+              <a:rPr lang="en-US" sz="2000" b="1" dirty="0">
+                <a:solidFill>
+                  <a:srgbClr val="262836"/>
+                </a:solidFill>
+                <a:latin typeface="Georgia"/>
+                <a:cs typeface="+mj-cs"/>
+              </a:rPr>
+              <a:t>16% </a:t>
+            </a:r>
+            <a:r>
+              <a:rPr lang="en-US" sz="1600" dirty="0">
+                <a:solidFill>
+                  <a:srgbClr val="262836"/>
+                </a:solidFill>
+                <a:latin typeface="Georgia"/>
+                <a:cs typeface="+mj-cs"/>
+              </a:rPr>
+              <a:t>of the data. Among these </a:t>
+            </a:r>
+            <a:r>
+              <a:rPr lang="en-US" sz="2000" b="1" dirty="0">
+                <a:solidFill>
+                  <a:srgbClr val="262836"/>
+                </a:solidFill>
+                <a:latin typeface="Georgia"/>
+                <a:cs typeface="+mj-cs"/>
+              </a:rPr>
+              <a:t>64% </a:t>
+            </a:r>
+            <a:r>
+              <a:rPr lang="en-US" sz="1600" dirty="0">
+                <a:solidFill>
+                  <a:srgbClr val="262836"/>
+                </a:solidFill>
+                <a:latin typeface="Georgia"/>
+                <a:cs typeface="+mj-cs"/>
+              </a:rPr>
+              <a:t>left the company.</a:t>
+            </a:r>
+            <a:endParaRPr lang="tr-TR" sz="1600" dirty="0">
+              <a:solidFill>
+                <a:srgbClr val="262836"/>
+              </a:solidFill>
+              <a:latin typeface="Georgia"/>
+              <a:cs typeface="+mj-cs"/>
+            </a:endParaRPr>
+          </a:p>
+        </p:txBody>
+      </p:sp>
     </p:spTree>
     <p:extLst>
       <p:ext uri="{BB962C8B-B14F-4D97-AF65-F5344CB8AC3E}">
         <p14:creationId xmlns:p14="http://schemas.microsoft.com/office/powerpoint/2010/main" val="1912918366"/>
       </p:ext>
     </p:extLst>
+  </p:cSld>
+  <p:clrMapOvr>
+    <a:masterClrMapping/>
+  </p:clrMapOvr>
+</p:sld>
+</file>
+
+<file path=ppt/slides/slide11.xml><?xml version="1.0" encoding="utf-8"?>
+<p:sld xmlns:a="http://schemas.openxmlformats.org/drawingml/2006/main" xmlns:r="http://schemas.openxmlformats.org/officeDocument/2006/relationships" xmlns:p="http://schemas.openxmlformats.org/presentationml/2006/main">
+  <p:cSld>
+    <p:spTree>
+      <p:nvGrpSpPr>
+        <p:cNvPr id="1" name=""/>
+        <p:cNvGrpSpPr/>
+        <p:nvPr/>
+      </p:nvGrpSpPr>
+      <p:grpSpPr>
+        <a:xfrm>
+          <a:off x="0" y="0"/>
+          <a:ext cx="0" cy="0"/>
+          <a:chOff x="0" y="0"/>
+          <a:chExt cx="0" cy="0"/>
+        </a:xfrm>
+      </p:grpSpPr>
+      <p:grpSp>
+        <p:nvGrpSpPr>
+          <p:cNvPr id="2" name="object 2"/>
+          <p:cNvGrpSpPr/>
+          <p:nvPr/>
+        </p:nvGrpSpPr>
+        <p:grpSpPr>
+          <a:xfrm>
+            <a:off x="12640783" y="0"/>
+            <a:ext cx="5647690" cy="5734685"/>
+            <a:chOff x="12640783" y="0"/>
+            <a:chExt cx="5647690" cy="5734685"/>
+          </a:xfrm>
+        </p:grpSpPr>
+        <p:sp>
+          <p:nvSpPr>
+            <p:cNvPr id="3" name="object 3"/>
+            <p:cNvSpPr/>
+            <p:nvPr/>
+          </p:nvSpPr>
+          <p:spPr>
+            <a:xfrm>
+              <a:off x="16373094" y="2795257"/>
+              <a:ext cx="1915160" cy="2939415"/>
+            </a:xfrm>
+            <a:custGeom>
+              <a:avLst/>
+              <a:gdLst/>
+              <a:ahLst/>
+              <a:cxnLst/>
+              <a:rect l="l" t="t" r="r" b="b"/>
+              <a:pathLst>
+                <a:path w="1915159" h="2939415">
+                  <a:moveTo>
+                    <a:pt x="1739646" y="0"/>
+                  </a:moveTo>
+                  <a:lnTo>
+                    <a:pt x="0" y="1738312"/>
+                  </a:lnTo>
+                  <a:lnTo>
+                    <a:pt x="1201420" y="2938868"/>
+                  </a:lnTo>
+                  <a:lnTo>
+                    <a:pt x="1914942" y="2225893"/>
+                  </a:lnTo>
+                  <a:lnTo>
+                    <a:pt x="1914942" y="175170"/>
+                  </a:lnTo>
+                  <a:lnTo>
+                    <a:pt x="1739646" y="0"/>
+                  </a:lnTo>
+                  <a:close/>
+                </a:path>
+              </a:pathLst>
+            </a:custGeom>
+            <a:solidFill>
+              <a:srgbClr val="484C68"/>
+            </a:solidFill>
+          </p:spPr>
+          <p:txBody>
+            <a:bodyPr wrap="square" lIns="0" tIns="0" rIns="0" bIns="0" rtlCol="0"/>
+            <a:lstStyle/>
+            <a:p>
+              <a:endParaRPr/>
+            </a:p>
+          </p:txBody>
+        </p:sp>
+        <p:sp>
+          <p:nvSpPr>
+            <p:cNvPr id="4" name="object 4"/>
+            <p:cNvSpPr/>
+            <p:nvPr/>
+          </p:nvSpPr>
+          <p:spPr>
+            <a:xfrm>
+              <a:off x="12640780" y="12"/>
+              <a:ext cx="5647690" cy="4629150"/>
+            </a:xfrm>
+            <a:custGeom>
+              <a:avLst/>
+              <a:gdLst/>
+              <a:ahLst/>
+              <a:cxnLst/>
+              <a:rect l="l" t="t" r="r" b="b"/>
+              <a:pathLst>
+                <a:path w="5647690" h="4629150">
+                  <a:moveTo>
+                    <a:pt x="5567083" y="2890278"/>
+                  </a:moveTo>
+                  <a:lnTo>
+                    <a:pt x="4936274" y="2257488"/>
+                  </a:lnTo>
+                  <a:lnTo>
+                    <a:pt x="3196755" y="3995801"/>
+                  </a:lnTo>
+                  <a:lnTo>
+                    <a:pt x="3827437" y="4628591"/>
+                  </a:lnTo>
+                  <a:lnTo>
+                    <a:pt x="5567083" y="2890278"/>
+                  </a:lnTo>
+                  <a:close/>
+                </a:path>
+                <a:path w="5647690" h="4629150">
+                  <a:moveTo>
+                    <a:pt x="5647207" y="0"/>
+                  </a:moveTo>
+                  <a:lnTo>
+                    <a:pt x="0" y="0"/>
+                  </a:lnTo>
+                  <a:lnTo>
+                    <a:pt x="3075978" y="3075914"/>
+                  </a:lnTo>
+                  <a:lnTo>
+                    <a:pt x="5647207" y="504634"/>
+                  </a:lnTo>
+                  <a:lnTo>
+                    <a:pt x="5647207" y="0"/>
+                  </a:lnTo>
+                  <a:close/>
+                </a:path>
+              </a:pathLst>
+            </a:custGeom>
+            <a:solidFill>
+              <a:srgbClr val="70B1DA"/>
+            </a:solidFill>
+          </p:spPr>
+          <p:txBody>
+            <a:bodyPr wrap="square" lIns="0" tIns="0" rIns="0" bIns="0" rtlCol="0"/>
+            <a:lstStyle/>
+            <a:p>
+              <a:endParaRPr/>
+            </a:p>
+          </p:txBody>
+        </p:sp>
+      </p:grpSp>
+      <p:sp>
+        <p:nvSpPr>
+          <p:cNvPr id="5" name="object 5"/>
+          <p:cNvSpPr/>
+          <p:nvPr/>
+        </p:nvSpPr>
+        <p:spPr>
+          <a:xfrm>
+            <a:off x="15062454" y="6675004"/>
+            <a:ext cx="3225800" cy="3612515"/>
+          </a:xfrm>
+          <a:custGeom>
+            <a:avLst/>
+            <a:gdLst/>
+            <a:ahLst/>
+            <a:cxnLst/>
+            <a:rect l="l" t="t" r="r" b="b"/>
+            <a:pathLst>
+              <a:path w="3225800" h="3612515">
+                <a:moveTo>
+                  <a:pt x="3224287" y="0"/>
+                </a:moveTo>
+                <a:lnTo>
+                  <a:pt x="0" y="3225457"/>
+                </a:lnTo>
+                <a:lnTo>
+                  <a:pt x="386694" y="3611994"/>
+                </a:lnTo>
+                <a:lnTo>
+                  <a:pt x="3225506" y="3611994"/>
+                </a:lnTo>
+                <a:lnTo>
+                  <a:pt x="3225506" y="1219"/>
+                </a:lnTo>
+                <a:lnTo>
+                  <a:pt x="3224287" y="0"/>
+                </a:lnTo>
+                <a:close/>
+              </a:path>
+            </a:pathLst>
+          </a:custGeom>
+          <a:solidFill>
+            <a:srgbClr val="70B1DA"/>
+          </a:solidFill>
+        </p:spPr>
+        <p:txBody>
+          <a:bodyPr wrap="square" lIns="0" tIns="0" rIns="0" bIns="0" rtlCol="0"/>
+          <a:lstStyle/>
+          <a:p>
+            <a:endParaRPr/>
+          </a:p>
+        </p:txBody>
+      </p:sp>
+      <p:sp>
+        <p:nvSpPr>
+          <p:cNvPr id="7" name="object 7"/>
+          <p:cNvSpPr/>
+          <p:nvPr/>
+        </p:nvSpPr>
+        <p:spPr>
+          <a:xfrm>
+            <a:off x="15857474" y="815687"/>
+            <a:ext cx="2430780" cy="2623185"/>
+          </a:xfrm>
+          <a:custGeom>
+            <a:avLst/>
+            <a:gdLst/>
+            <a:ahLst/>
+            <a:cxnLst/>
+            <a:rect l="l" t="t" r="r" b="b"/>
+            <a:pathLst>
+              <a:path w="2430780" h="2623185">
+                <a:moveTo>
+                  <a:pt x="2430499" y="0"/>
+                </a:moveTo>
+                <a:lnTo>
+                  <a:pt x="0" y="2430433"/>
+                </a:lnTo>
+                <a:lnTo>
+                  <a:pt x="194818" y="2622660"/>
+                </a:lnTo>
+                <a:lnTo>
+                  <a:pt x="2430499" y="386907"/>
+                </a:lnTo>
+                <a:lnTo>
+                  <a:pt x="2430499" y="0"/>
+                </a:lnTo>
+                <a:close/>
+              </a:path>
+            </a:pathLst>
+          </a:custGeom>
+          <a:solidFill>
+            <a:srgbClr val="70B1DA"/>
+          </a:solidFill>
+        </p:spPr>
+        <p:txBody>
+          <a:bodyPr wrap="square" lIns="0" tIns="0" rIns="0" bIns="0" rtlCol="0"/>
+          <a:lstStyle/>
+          <a:p>
+            <a:endParaRPr/>
+          </a:p>
+        </p:txBody>
+      </p:sp>
+      <p:sp>
+        <p:nvSpPr>
+          <p:cNvPr id="9" name="object 9"/>
+          <p:cNvSpPr txBox="1">
+            <a:spLocks noGrp="1"/>
+          </p:cNvSpPr>
+          <p:nvPr>
+            <p:ph type="title"/>
+          </p:nvPr>
+        </p:nvSpPr>
+        <p:spPr>
+          <a:xfrm>
+            <a:off x="8076058" y="808618"/>
+            <a:ext cx="5189092" cy="618118"/>
+          </a:xfrm>
+          <a:prstGeom prst="rect">
+            <a:avLst/>
+          </a:prstGeom>
+        </p:spPr>
+        <p:txBody>
+          <a:bodyPr vert="horz" wrap="square" lIns="0" tIns="124460" rIns="0" bIns="0" rtlCol="0">
+            <a:spAutoFit/>
+          </a:bodyPr>
+          <a:lstStyle/>
+          <a:p>
+            <a:pPr marL="12700" marR="902335" algn="r" defTabSz="457200">
+              <a:lnSpc>
+                <a:spcPct val="100000"/>
+              </a:lnSpc>
+              <a:spcBef>
+                <a:spcPts val="1195"/>
+              </a:spcBef>
+            </a:pPr>
+            <a:r>
+              <a:rPr lang="tr-TR" sz="3200" dirty="0" err="1">
+                <a:solidFill>
+                  <a:srgbClr val="2B2D3D"/>
+                </a:solidFill>
+                <a:latin typeface="Georgia"/>
+                <a:ea typeface="+mn-ea"/>
+              </a:rPr>
+              <a:t>Outlier</a:t>
+            </a:r>
+            <a:r>
+              <a:rPr lang="tr-TR" sz="3200" dirty="0">
+                <a:solidFill>
+                  <a:srgbClr val="2B2D3D"/>
+                </a:solidFill>
+                <a:latin typeface="Georgia"/>
+                <a:ea typeface="+mn-ea"/>
+              </a:rPr>
+              <a:t> Analysis</a:t>
+            </a:r>
+          </a:p>
+        </p:txBody>
+      </p:sp>
+      <p:pic>
+        <p:nvPicPr>
+          <p:cNvPr id="10" name="object 10"/>
+          <p:cNvPicPr/>
+          <p:nvPr/>
+        </p:nvPicPr>
+        <p:blipFill>
+          <a:blip r:embed="rId2" cstate="print"/>
+          <a:stretch>
+            <a:fillRect/>
+          </a:stretch>
+        </p:blipFill>
+        <p:spPr>
+          <a:xfrm>
+            <a:off x="8064068" y="2902546"/>
+            <a:ext cx="1490319" cy="309016"/>
+          </a:xfrm>
+          <a:prstGeom prst="rect">
+            <a:avLst/>
+          </a:prstGeom>
+        </p:spPr>
+      </p:pic>
+      <p:pic>
+        <p:nvPicPr>
+          <p:cNvPr id="11" name="object 11"/>
+          <p:cNvPicPr/>
+          <p:nvPr/>
+        </p:nvPicPr>
+        <p:blipFill>
+          <a:blip r:embed="rId3" cstate="print"/>
+          <a:stretch>
+            <a:fillRect/>
+          </a:stretch>
+        </p:blipFill>
+        <p:spPr>
+          <a:xfrm>
+            <a:off x="4609693" y="3359746"/>
+            <a:ext cx="2256421" cy="309016"/>
+          </a:xfrm>
+          <a:prstGeom prst="rect">
+            <a:avLst/>
+          </a:prstGeom>
+        </p:spPr>
+      </p:pic>
+      <p:pic>
+        <p:nvPicPr>
+          <p:cNvPr id="12" name="object 12"/>
+          <p:cNvPicPr/>
+          <p:nvPr/>
+        </p:nvPicPr>
+        <p:blipFill>
+          <a:blip r:embed="rId4" cstate="print"/>
+          <a:stretch>
+            <a:fillRect/>
+          </a:stretch>
+        </p:blipFill>
+        <p:spPr>
+          <a:xfrm>
+            <a:off x="8376043" y="3816946"/>
+            <a:ext cx="1165517" cy="309016"/>
+          </a:xfrm>
+          <a:prstGeom prst="rect">
+            <a:avLst/>
+          </a:prstGeom>
+        </p:spPr>
+      </p:pic>
+      <p:pic>
+        <p:nvPicPr>
+          <p:cNvPr id="13" name="object 13"/>
+          <p:cNvPicPr/>
+          <p:nvPr/>
+        </p:nvPicPr>
+        <p:blipFill>
+          <a:blip r:embed="rId5" cstate="print"/>
+          <a:stretch>
+            <a:fillRect/>
+          </a:stretch>
+        </p:blipFill>
+        <p:spPr>
+          <a:xfrm>
+            <a:off x="4978336" y="4274146"/>
+            <a:ext cx="2102751" cy="396455"/>
+          </a:xfrm>
+          <a:prstGeom prst="rect">
+            <a:avLst/>
+          </a:prstGeom>
+        </p:spPr>
+      </p:pic>
+      <p:pic>
+        <p:nvPicPr>
+          <p:cNvPr id="14" name="object 14"/>
+          <p:cNvPicPr/>
+          <p:nvPr/>
+        </p:nvPicPr>
+        <p:blipFill>
+          <a:blip r:embed="rId6" cstate="print"/>
+          <a:stretch>
+            <a:fillRect/>
+          </a:stretch>
+        </p:blipFill>
+        <p:spPr>
+          <a:xfrm>
+            <a:off x="5085562" y="4729315"/>
+            <a:ext cx="4457776" cy="398856"/>
+          </a:xfrm>
+          <a:prstGeom prst="rect">
+            <a:avLst/>
+          </a:prstGeom>
+        </p:spPr>
+      </p:pic>
+      <p:pic>
+        <p:nvPicPr>
+          <p:cNvPr id="15" name="object 15"/>
+          <p:cNvPicPr/>
+          <p:nvPr/>
+        </p:nvPicPr>
+        <p:blipFill>
+          <a:blip r:embed="rId7" cstate="print"/>
+          <a:stretch>
+            <a:fillRect/>
+          </a:stretch>
+        </p:blipFill>
+        <p:spPr>
+          <a:xfrm>
+            <a:off x="7155434" y="5188546"/>
+            <a:ext cx="3091345" cy="309016"/>
+          </a:xfrm>
+          <a:prstGeom prst="rect">
+            <a:avLst/>
+          </a:prstGeom>
+        </p:spPr>
+      </p:pic>
+      <p:sp>
+        <p:nvSpPr>
+          <p:cNvPr id="17" name="object 17"/>
+          <p:cNvSpPr/>
+          <p:nvPr/>
+        </p:nvSpPr>
+        <p:spPr>
+          <a:xfrm>
+            <a:off x="8704617" y="1613282"/>
+            <a:ext cx="4048125" cy="95250"/>
+          </a:xfrm>
+          <a:custGeom>
+            <a:avLst/>
+            <a:gdLst/>
+            <a:ahLst/>
+            <a:cxnLst/>
+            <a:rect l="l" t="t" r="r" b="b"/>
+            <a:pathLst>
+              <a:path w="4048125" h="95250">
+                <a:moveTo>
+                  <a:pt x="4048125" y="0"/>
+                </a:moveTo>
+                <a:lnTo>
+                  <a:pt x="0" y="0"/>
+                </a:lnTo>
+                <a:lnTo>
+                  <a:pt x="0" y="95250"/>
+                </a:lnTo>
+                <a:lnTo>
+                  <a:pt x="4048125" y="95250"/>
+                </a:lnTo>
+                <a:lnTo>
+                  <a:pt x="4048125" y="0"/>
+                </a:lnTo>
+                <a:close/>
+              </a:path>
+            </a:pathLst>
+          </a:custGeom>
+          <a:solidFill>
+            <a:srgbClr val="70B1DA"/>
+          </a:solidFill>
+        </p:spPr>
+        <p:txBody>
+          <a:bodyPr wrap="square" lIns="0" tIns="0" rIns="0" bIns="0" rtlCol="0"/>
+          <a:lstStyle/>
+          <a:p>
+            <a:endParaRPr/>
+          </a:p>
+        </p:txBody>
+      </p:sp>
+      <p:pic>
+        <p:nvPicPr>
+          <p:cNvPr id="8" name="Picture 7">
+            <a:extLst>
+              <a:ext uri="{FF2B5EF4-FFF2-40B4-BE49-F238E27FC236}">
+                <a16:creationId xmlns:a16="http://schemas.microsoft.com/office/drawing/2014/main" id="{3EAF8BF9-A6F4-1F85-BCB5-1B5371C07DCA}"/>
+              </a:ext>
+            </a:extLst>
+          </p:cNvPr>
+          <p:cNvPicPr>
+            <a:picLocks noChangeAspect="1"/>
+          </p:cNvPicPr>
+          <p:nvPr/>
+        </p:nvPicPr>
+        <p:blipFill>
+          <a:blip r:embed="rId8"/>
+          <a:stretch>
+            <a:fillRect/>
+          </a:stretch>
+        </p:blipFill>
+        <p:spPr>
+          <a:xfrm>
+            <a:off x="747005" y="997143"/>
+            <a:ext cx="7102014" cy="3847512"/>
+          </a:xfrm>
+          <a:prstGeom prst="rect">
+            <a:avLst/>
+          </a:prstGeom>
+        </p:spPr>
+      </p:pic>
+      <p:pic>
+        <p:nvPicPr>
+          <p:cNvPr id="21" name="Picture 20">
+            <a:extLst>
+              <a:ext uri="{FF2B5EF4-FFF2-40B4-BE49-F238E27FC236}">
+                <a16:creationId xmlns:a16="http://schemas.microsoft.com/office/drawing/2014/main" id="{B2308846-3A76-CF41-D786-3F2873627575}"/>
+              </a:ext>
+            </a:extLst>
+          </p:cNvPr>
+          <p:cNvPicPr>
+            <a:picLocks noChangeAspect="1"/>
+          </p:cNvPicPr>
+          <p:nvPr/>
+        </p:nvPicPr>
+        <p:blipFill>
+          <a:blip r:embed="rId9"/>
+          <a:stretch>
+            <a:fillRect/>
+          </a:stretch>
+        </p:blipFill>
+        <p:spPr>
+          <a:xfrm>
+            <a:off x="8495626" y="2314587"/>
+            <a:ext cx="9582150" cy="7429500"/>
+          </a:xfrm>
+          <a:prstGeom prst="rect">
+            <a:avLst/>
+          </a:prstGeom>
+        </p:spPr>
+      </p:pic>
+      <p:pic>
+        <p:nvPicPr>
+          <p:cNvPr id="23" name="Picture 22">
+            <a:extLst>
+              <a:ext uri="{FF2B5EF4-FFF2-40B4-BE49-F238E27FC236}">
+                <a16:creationId xmlns:a16="http://schemas.microsoft.com/office/drawing/2014/main" id="{FF70547D-3C1A-1085-2BBC-241741CA00D9}"/>
+              </a:ext>
+            </a:extLst>
+          </p:cNvPr>
+          <p:cNvPicPr>
+            <a:picLocks noChangeAspect="1"/>
+          </p:cNvPicPr>
+          <p:nvPr/>
+        </p:nvPicPr>
+        <p:blipFill>
+          <a:blip r:embed="rId10"/>
+          <a:stretch>
+            <a:fillRect/>
+          </a:stretch>
+        </p:blipFill>
+        <p:spPr>
+          <a:xfrm>
+            <a:off x="1029118" y="5031244"/>
+            <a:ext cx="7046939" cy="4869737"/>
+          </a:xfrm>
+          <a:prstGeom prst="rect">
+            <a:avLst/>
+          </a:prstGeom>
+        </p:spPr>
+      </p:pic>
+    </p:spTree>
   </p:cSld>
   <p:clrMapOvr>
     <a:masterClrMapping/>
@@ -7175,7 +9937,7 @@
                 <a:avLst/>
               </a:prstGeom>
               <a:blipFill>
-                <a:blip r:embed="rId2"/>
+                <a:blip r:embed="rId3"/>
                 <a:stretch>
                   <a:fillRect l="-807" t="-1266"/>
                 </a:stretch>
@@ -8001,7 +10763,7 @@
           <p:nvPr/>
         </p:nvPicPr>
         <p:blipFill>
-          <a:blip r:embed="rId2"/>
+          <a:blip r:embed="rId3"/>
           <a:stretch>
             <a:fillRect/>
           </a:stretch>
@@ -8031,7 +10793,7 @@
           <p:nvPr/>
         </p:nvPicPr>
         <p:blipFill>
-          <a:blip r:embed="rId3"/>
+          <a:blip r:embed="rId4"/>
           <a:stretch>
             <a:fillRect/>
           </a:stretch>
@@ -8075,6 +10837,26 @@
           <a:lstStyle/>
           <a:p>
             <a:r>
+              <a:rPr lang="tr-TR" sz="2000" dirty="0">
+                <a:solidFill>
+                  <a:srgbClr val="2B2D3D"/>
+                </a:solidFill>
+                <a:latin typeface="Georgia"/>
+                <a:cs typeface="+mj-cs"/>
+              </a:rPr>
+              <a:t>y</a:t>
+            </a:r>
+            <a:r>
+              <a:rPr lang="it-IT" sz="2000" dirty="0">
+                <a:solidFill>
+                  <a:srgbClr val="2B2D3D"/>
+                </a:solidFill>
+                <a:latin typeface="Georgia"/>
+                <a:cs typeface="+mj-cs"/>
+              </a:rPr>
+              <a:t>.</a:t>
+            </a:r>
+            <a:r>
               <a:rPr lang="tr-TR" sz="2000" dirty="0" err="1">
                 <a:solidFill>
                   <a:srgbClr val="2B2D3D"/>
@@ -8082,7 +10864,7 @@
                 <a:latin typeface="Georgia"/>
                 <a:cs typeface="+mj-cs"/>
               </a:rPr>
-              <a:t>y_train</a:t>
+              <a:t>train</a:t>
             </a:r>
             <a:endParaRPr lang="en-US" sz="2000" dirty="0">
               <a:solidFill>
@@ -8123,14 +10905,34 @@
           <a:lstStyle/>
           <a:p>
             <a:r>
-              <a:rPr lang="tr-TR" sz="2000" dirty="0" err="1">
-                <a:solidFill>
-                  <a:srgbClr val="2B2D3D"/>
-                </a:solidFill>
-                <a:latin typeface="Georgia"/>
-                <a:cs typeface="+mj-cs"/>
-              </a:rPr>
-              <a:t>y_test</a:t>
+              <a:rPr lang="tr-TR" sz="2000" dirty="0">
+                <a:solidFill>
+                  <a:srgbClr val="2B2D3D"/>
+                </a:solidFill>
+                <a:latin typeface="Georgia"/>
+                <a:cs typeface="+mj-cs"/>
+              </a:rPr>
+              <a:t>y</a:t>
+            </a:r>
+            <a:r>
+              <a:rPr lang="it-IT" sz="2000" dirty="0">
+                <a:solidFill>
+                  <a:srgbClr val="2B2D3D"/>
+                </a:solidFill>
+                <a:latin typeface="Georgia"/>
+                <a:cs typeface="+mj-cs"/>
+              </a:rPr>
+              <a:t>.</a:t>
+            </a:r>
+            <a:r>
+              <a:rPr lang="tr-TR" sz="2000" dirty="0">
+                <a:solidFill>
+                  <a:srgbClr val="2B2D3D"/>
+                </a:solidFill>
+                <a:latin typeface="Georgia"/>
+                <a:cs typeface="+mj-cs"/>
+              </a:rPr>
+              <a:t>test</a:t>
             </a:r>
             <a:endParaRPr lang="en-US" sz="2000" dirty="0">
               <a:solidFill>
@@ -8186,16 +10988,15 @@
           </p:cNvPicPr>
           <p:nvPr/>
         </p:nvPicPr>
-        <p:blipFill>
-          <a:blip r:embed="rId2"/>
-          <a:stretch>
-            <a:fillRect/>
-          </a:stretch>
+        <p:blipFill rotWithShape="1">
+          <a:blip r:embed="rId3"/>
+          <a:srcRect b="5472"/>
+          <a:stretch/>
         </p:blipFill>
         <p:spPr>
           <a:xfrm>
-            <a:off x="8468084" y="2297273"/>
-            <a:ext cx="9004114" cy="7782454"/>
+            <a:off x="7152878" y="1831689"/>
+            <a:ext cx="10212302" cy="8343711"/>
           </a:xfrm>
           <a:prstGeom prst="rect">
             <a:avLst/>
@@ -8551,7 +11352,7 @@
         </p:nvSpPr>
         <p:spPr>
           <a:xfrm>
-            <a:off x="1235018" y="3168650"/>
+            <a:off x="465584" y="2297273"/>
             <a:ext cx="6505632" cy="2431435"/>
           </a:xfrm>
           <a:prstGeom prst="rect">
@@ -8631,7 +11432,7 @@
         </p:nvSpPr>
         <p:spPr>
           <a:xfrm>
-            <a:off x="4978336" y="9416587"/>
+            <a:off x="3615928" y="9446743"/>
             <a:ext cx="3505200" cy="461665"/>
           </a:xfrm>
           <a:prstGeom prst="rect">
@@ -8655,6 +11456,168 @@
               </a:rPr>
               <a:t>Basic Logistic Classifier</a:t>
             </a:r>
+          </a:p>
+        </p:txBody>
+      </p:sp>
+      <p:sp>
+        <p:nvSpPr>
+          <p:cNvPr id="12" name="Rectangle 11">
+            <a:extLst>
+              <a:ext uri="{FF2B5EF4-FFF2-40B4-BE49-F238E27FC236}">
+                <a16:creationId xmlns:a16="http://schemas.microsoft.com/office/drawing/2014/main" id="{5795ED87-E963-9FF6-94D2-43D3C3194C70}"/>
+              </a:ext>
+            </a:extLst>
+          </p:cNvPr>
+          <p:cNvSpPr/>
+          <p:nvPr/>
+        </p:nvSpPr>
+        <p:spPr>
+          <a:xfrm>
+            <a:off x="7152878" y="3602483"/>
+            <a:ext cx="7910775" cy="1010317"/>
+          </a:xfrm>
+          <a:prstGeom prst="rect">
+            <a:avLst/>
+          </a:prstGeom>
+          <a:solidFill>
+            <a:schemeClr val="accent1">
+              <a:lumMod val="40000"/>
+              <a:lumOff val="60000"/>
+              <a:alpha val="30196"/>
+            </a:schemeClr>
+          </a:solidFill>
+          <a:ln>
+            <a:noFill/>
+          </a:ln>
+        </p:spPr>
+        <p:style>
+          <a:lnRef idx="0">
+            <a:scrgbClr r="0" g="0" b="0"/>
+          </a:lnRef>
+          <a:fillRef idx="0">
+            <a:scrgbClr r="0" g="0" b="0"/>
+          </a:fillRef>
+          <a:effectRef idx="0">
+            <a:scrgbClr r="0" g="0" b="0"/>
+          </a:effectRef>
+          <a:fontRef idx="minor">
+            <a:schemeClr val="lt1"/>
+          </a:fontRef>
+        </p:style>
+        <p:txBody>
+          <a:bodyPr rtlCol="0" anchor="ctr"/>
+          <a:lstStyle/>
+          <a:p>
+            <a:pPr algn="ctr"/>
+            <a:endParaRPr lang="en-US"/>
+          </a:p>
+        </p:txBody>
+      </p:sp>
+      <p:sp>
+        <p:nvSpPr>
+          <p:cNvPr id="13" name="Rectangle 12">
+            <a:extLst>
+              <a:ext uri="{FF2B5EF4-FFF2-40B4-BE49-F238E27FC236}">
+                <a16:creationId xmlns:a16="http://schemas.microsoft.com/office/drawing/2014/main" id="{5F9A97CD-13D1-D306-F280-A3E2C26B89F6}"/>
+              </a:ext>
+            </a:extLst>
+          </p:cNvPr>
+          <p:cNvSpPr/>
+          <p:nvPr/>
+        </p:nvSpPr>
+        <p:spPr>
+          <a:xfrm>
+            <a:off x="7152878" y="5793937"/>
+            <a:ext cx="7910775" cy="589657"/>
+          </a:xfrm>
+          <a:prstGeom prst="rect">
+            <a:avLst/>
+          </a:prstGeom>
+          <a:solidFill>
+            <a:schemeClr val="accent1">
+              <a:lumMod val="40000"/>
+              <a:lumOff val="60000"/>
+              <a:alpha val="30196"/>
+            </a:schemeClr>
+          </a:solidFill>
+          <a:ln>
+            <a:noFill/>
+          </a:ln>
+        </p:spPr>
+        <p:style>
+          <a:lnRef idx="0">
+            <a:scrgbClr r="0" g="0" b="0"/>
+          </a:lnRef>
+          <a:fillRef idx="0">
+            <a:scrgbClr r="0" g="0" b="0"/>
+          </a:fillRef>
+          <a:effectRef idx="0">
+            <a:scrgbClr r="0" g="0" b="0"/>
+          </a:effectRef>
+          <a:fontRef idx="minor">
+            <a:schemeClr val="lt1"/>
+          </a:fontRef>
+        </p:style>
+        <p:txBody>
+          <a:bodyPr rtlCol="0" anchor="ctr"/>
+          <a:lstStyle/>
+          <a:p>
+            <a:pPr algn="ctr"/>
+            <a:endParaRPr lang="en-US"/>
+          </a:p>
+        </p:txBody>
+      </p:sp>
+      <p:sp>
+        <p:nvSpPr>
+          <p:cNvPr id="14" name="Rectangle 13">
+            <a:extLst>
+              <a:ext uri="{FF2B5EF4-FFF2-40B4-BE49-F238E27FC236}">
+                <a16:creationId xmlns:a16="http://schemas.microsoft.com/office/drawing/2014/main" id="{1D4AD6BA-8AEE-3D5F-31DE-4A626EE8D7A5}"/>
+              </a:ext>
+            </a:extLst>
+          </p:cNvPr>
+          <p:cNvSpPr/>
+          <p:nvPr/>
+        </p:nvSpPr>
+        <p:spPr>
+          <a:xfrm>
+            <a:off x="7152878" y="8382872"/>
+            <a:ext cx="7910775" cy="230240"/>
+          </a:xfrm>
+          <a:prstGeom prst="rect">
+            <a:avLst/>
+          </a:prstGeom>
+          <a:solidFill>
+            <a:schemeClr val="accent1">
+              <a:lumMod val="40000"/>
+              <a:lumOff val="60000"/>
+              <a:alpha val="30196"/>
+            </a:schemeClr>
+          </a:solidFill>
+          <a:ln>
+            <a:noFill/>
+          </a:ln>
+        </p:spPr>
+        <p:style>
+          <a:lnRef idx="0">
+            <a:scrgbClr r="0" g="0" b="0"/>
+          </a:lnRef>
+          <a:fillRef idx="0">
+            <a:scrgbClr r="0" g="0" b="0"/>
+          </a:fillRef>
+          <a:effectRef idx="0">
+            <a:scrgbClr r="0" g="0" b="0"/>
+          </a:effectRef>
+          <a:fontRef idx="minor">
+            <a:schemeClr val="lt1"/>
+          </a:fontRef>
+        </p:style>
+        <p:txBody>
+          <a:bodyPr rtlCol="0" anchor="ctr"/>
+          <a:lstStyle/>
+          <a:p>
+            <a:pPr algn="ctr"/>
+            <a:endParaRPr lang="en-US"/>
           </a:p>
         </p:txBody>
       </p:sp>
@@ -9407,8 +12370,8 @@
         </p:nvSpPr>
         <p:spPr>
           <a:xfrm>
-            <a:off x="4900614" y="8637874"/>
-            <a:ext cx="12192000" cy="1015663"/>
+            <a:off x="10809758" y="7282633"/>
+            <a:ext cx="7027392" cy="1631216"/>
           </a:xfrm>
           <a:prstGeom prst="rect">
             <a:avLst/>
@@ -9458,36 +12421,6 @@
           <p:nvPr/>
         </p:nvPicPr>
         <p:blipFill>
-          <a:blip r:embed="rId2"/>
-          <a:stretch>
-            <a:fillRect/>
-          </a:stretch>
-        </p:blipFill>
-        <p:spPr>
-          <a:xfrm>
-            <a:off x="3740150" y="1541318"/>
-            <a:ext cx="6259983" cy="6462790"/>
-          </a:xfrm>
-          <a:prstGeom prst="rect">
-            <a:avLst/>
-          </a:prstGeom>
-        </p:spPr>
-      </p:pic>
-      <p:pic>
-        <p:nvPicPr>
-          <p:cNvPr id="7" name="Picture 6">
-            <a:extLst>
-              <a:ext uri="{FF2B5EF4-FFF2-40B4-BE49-F238E27FC236}">
-                <a16:creationId xmlns:a16="http://schemas.microsoft.com/office/drawing/2014/main" id="{8EEEBCCC-EAA2-98CD-82FE-5AB2F3112170}"/>
-              </a:ext>
-            </a:extLst>
-          </p:cNvPr>
-          <p:cNvPicPr>
-            <a:picLocks noChangeAspect="1"/>
-          </p:cNvPicPr>
-          <p:nvPr/>
-        </p:nvPicPr>
-        <p:blipFill>
           <a:blip r:embed="rId3"/>
           <a:stretch>
             <a:fillRect/>
@@ -9495,14 +12428,68 @@
         </p:blipFill>
         <p:spPr>
           <a:xfrm>
-            <a:off x="10521950" y="3149693"/>
-            <a:ext cx="6979866" cy="3396773"/>
+            <a:off x="3358328" y="1554884"/>
+            <a:ext cx="7163622" cy="7395704"/>
           </a:xfrm>
           <a:prstGeom prst="rect">
             <a:avLst/>
           </a:prstGeom>
         </p:spPr>
       </p:pic>
+      <p:sp>
+        <p:nvSpPr>
+          <p:cNvPr id="2" name="Rectangle 1">
+            <a:extLst>
+              <a:ext uri="{FF2B5EF4-FFF2-40B4-BE49-F238E27FC236}">
+                <a16:creationId xmlns:a16="http://schemas.microsoft.com/office/drawing/2014/main" id="{CB1E84BA-67BD-302A-F124-B9596322CE24}"/>
+              </a:ext>
+            </a:extLst>
+          </p:cNvPr>
+          <p:cNvSpPr/>
+          <p:nvPr/>
+        </p:nvSpPr>
+        <p:spPr>
+          <a:xfrm>
+            <a:off x="3549239" y="2254250"/>
+            <a:ext cx="6781800" cy="2057400"/>
+          </a:xfrm>
+          <a:prstGeom prst="rect">
+            <a:avLst/>
+          </a:prstGeom>
+          <a:solidFill>
+            <a:schemeClr val="accent1">
+              <a:lumMod val="40000"/>
+              <a:lumOff val="60000"/>
+              <a:alpha val="30196"/>
+            </a:schemeClr>
+          </a:solidFill>
+          <a:ln>
+            <a:noFill/>
+          </a:ln>
+        </p:spPr>
+        <p:style>
+          <a:lnRef idx="0">
+            <a:scrgbClr r="0" g="0" b="0"/>
+          </a:lnRef>
+          <a:fillRef idx="0">
+            <a:scrgbClr r="0" g="0" b="0"/>
+          </a:fillRef>
+          <a:effectRef idx="0">
+            <a:scrgbClr r="0" g="0" b="0"/>
+          </a:effectRef>
+          <a:fontRef idx="minor">
+            <a:schemeClr val="lt1"/>
+          </a:fontRef>
+        </p:style>
+        <p:txBody>
+          <a:bodyPr rtlCol="0" anchor="ctr"/>
+          <a:lstStyle/>
+          <a:p>
+            <a:pPr algn="ctr"/>
+            <a:endParaRPr lang="en-US"/>
+          </a:p>
+        </p:txBody>
+      </p:sp>
     </p:spTree>
     <p:extLst>
       <p:ext uri="{BB962C8B-B14F-4D97-AF65-F5344CB8AC3E}">
@@ -9665,8 +12652,8 @@
         </p:nvSpPr>
         <p:spPr>
           <a:xfrm>
-            <a:off x="972270" y="8694851"/>
-            <a:ext cx="9150350" cy="830997"/>
+            <a:off x="1077597" y="7969250"/>
+            <a:ext cx="7797080" cy="830997"/>
           </a:xfrm>
           <a:prstGeom prst="rect">
             <a:avLst/>
@@ -9830,7 +12817,7 @@
           <p:nvPr/>
         </p:nvPicPr>
         <p:blipFill>
-          <a:blip r:embed="rId2"/>
+          <a:blip r:embed="rId3"/>
           <a:stretch>
             <a:fillRect/>
           </a:stretch>
@@ -9860,15 +12847,15 @@
           <p:nvPr/>
         </p:nvPicPr>
         <p:blipFill>
-          <a:blip r:embed="rId3"/>
+          <a:blip r:embed="rId4"/>
           <a:stretch>
             <a:fillRect/>
           </a:stretch>
         </p:blipFill>
         <p:spPr>
           <a:xfrm>
-            <a:off x="10064750" y="2025649"/>
-            <a:ext cx="7162800" cy="5867947"/>
+            <a:off x="9836150" y="2330450"/>
+            <a:ext cx="8229600" cy="6741897"/>
           </a:xfrm>
           <a:prstGeom prst="rect">
             <a:avLst/>
@@ -10252,7 +13239,7 @@
           <p:nvPr/>
         </p:nvPicPr>
         <p:blipFill>
-          <a:blip r:embed="rId2"/>
+          <a:blip r:embed="rId3"/>
           <a:stretch>
             <a:fillRect/>
           </a:stretch>
@@ -10840,7 +13827,7 @@
                 <a:latin typeface="Georgia"/>
                 <a:cs typeface="+mj-cs"/>
               </a:rPr>
-              <a:t> 22 </a:t>
+              <a:t> 23 </a:t>
             </a:r>
             <a:r>
               <a:rPr lang="tr-TR" dirty="0" err="1">
@@ -11445,7 +14432,7 @@
           <p:nvPr/>
         </p:nvPicPr>
         <p:blipFill>
-          <a:blip r:embed="rId2"/>
+          <a:blip r:embed="rId3"/>
           <a:stretch>
             <a:fillRect/>
           </a:stretch>
@@ -11504,16 +14491,15 @@
           </p:cNvPicPr>
           <p:nvPr/>
         </p:nvPicPr>
-        <p:blipFill>
+        <p:blipFill rotWithShape="1">
           <a:blip r:embed="rId3"/>
-          <a:stretch>
-            <a:fillRect/>
-          </a:stretch>
+          <a:srcRect l="16704" t="6666" r="17290"/>
+          <a:stretch/>
         </p:blipFill>
         <p:spPr>
           <a:xfrm>
-            <a:off x="4091504" y="1735047"/>
-            <a:ext cx="9056633" cy="6193056"/>
+            <a:off x="2698617" y="1699293"/>
+            <a:ext cx="4974132" cy="4809657"/>
           </a:xfrm>
           <a:prstGeom prst="rect">
             <a:avLst/>
@@ -11767,7 +14753,7 @@
         </p:nvSpPr>
         <p:spPr>
           <a:xfrm>
-            <a:off x="6635750" y="717291"/>
+            <a:off x="7047253" y="1114518"/>
             <a:ext cx="7543800" cy="584775"/>
           </a:xfrm>
           <a:prstGeom prst="rect">
@@ -11873,7 +14859,7 @@
         </p:nvSpPr>
         <p:spPr>
           <a:xfrm>
-            <a:off x="9100012" y="1378434"/>
+            <a:off x="9511515" y="1775661"/>
             <a:ext cx="4048125" cy="95250"/>
           </a:xfrm>
           <a:custGeom>
@@ -11915,12 +14901,130 @@
           </a:p>
         </p:txBody>
       </p:sp>
+      <p:pic>
+        <p:nvPicPr>
+          <p:cNvPr id="5" name="Picture 4">
+            <a:extLst>
+              <a:ext uri="{FF2B5EF4-FFF2-40B4-BE49-F238E27FC236}">
+                <a16:creationId xmlns:a16="http://schemas.microsoft.com/office/drawing/2014/main" id="{F84E18CD-058B-D179-75E8-6458C3035247}"/>
+              </a:ext>
+            </a:extLst>
+          </p:cNvPr>
+          <p:cNvPicPr>
+            <a:picLocks noChangeAspect="1"/>
+          </p:cNvPicPr>
+          <p:nvPr/>
+        </p:nvPicPr>
+        <p:blipFill rotWithShape="1">
+          <a:blip r:embed="rId4"/>
+          <a:srcRect t="37751"/>
+          <a:stretch/>
+        </p:blipFill>
+        <p:spPr>
+          <a:xfrm>
+            <a:off x="9253919" y="4681562"/>
+            <a:ext cx="5522351" cy="1150789"/>
+          </a:xfrm>
+          <a:prstGeom prst="rect">
+            <a:avLst/>
+          </a:prstGeom>
+        </p:spPr>
+      </p:pic>
+      <p:pic>
+        <p:nvPicPr>
+          <p:cNvPr id="8" name="Picture 7">
+            <a:extLst>
+              <a:ext uri="{FF2B5EF4-FFF2-40B4-BE49-F238E27FC236}">
+                <a16:creationId xmlns:a16="http://schemas.microsoft.com/office/drawing/2014/main" id="{C59C15E4-7E3C-F717-7D7E-F1C4BA8BB9CB}"/>
+              </a:ext>
+            </a:extLst>
+          </p:cNvPr>
+          <p:cNvPicPr>
+            <a:picLocks noChangeAspect="1"/>
+          </p:cNvPicPr>
+          <p:nvPr/>
+        </p:nvPicPr>
+        <p:blipFill>
+          <a:blip r:embed="rId5"/>
+          <a:stretch>
+            <a:fillRect/>
+          </a:stretch>
+        </p:blipFill>
+        <p:spPr>
+          <a:xfrm>
+            <a:off x="3549997" y="6643764"/>
+            <a:ext cx="5696109" cy="2981011"/>
+          </a:xfrm>
+          <a:prstGeom prst="rect">
+            <a:avLst/>
+          </a:prstGeom>
+        </p:spPr>
+      </p:pic>
+      <p:pic>
+        <p:nvPicPr>
+          <p:cNvPr id="9" name="Picture 8">
+            <a:extLst>
+              <a:ext uri="{FF2B5EF4-FFF2-40B4-BE49-F238E27FC236}">
+                <a16:creationId xmlns:a16="http://schemas.microsoft.com/office/drawing/2014/main" id="{3F795AA3-81F1-F783-A5FE-40A740BAA21E}"/>
+              </a:ext>
+            </a:extLst>
+          </p:cNvPr>
+          <p:cNvPicPr>
+            <a:picLocks noChangeAspect="1"/>
+          </p:cNvPicPr>
+          <p:nvPr/>
+        </p:nvPicPr>
+        <p:blipFill>
+          <a:blip r:embed="rId6"/>
+          <a:stretch>
+            <a:fillRect/>
+          </a:stretch>
+        </p:blipFill>
+        <p:spPr>
+          <a:xfrm>
+            <a:off x="9025972" y="6560352"/>
+            <a:ext cx="5565081" cy="3064423"/>
+          </a:xfrm>
+          <a:prstGeom prst="rect">
+            <a:avLst/>
+          </a:prstGeom>
+        </p:spPr>
+      </p:pic>
+      <p:pic>
+        <p:nvPicPr>
+          <p:cNvPr id="10" name="Picture 9">
+            <a:extLst>
+              <a:ext uri="{FF2B5EF4-FFF2-40B4-BE49-F238E27FC236}">
+                <a16:creationId xmlns:a16="http://schemas.microsoft.com/office/drawing/2014/main" id="{55B7994E-296B-DBBE-10BC-1E3065317753}"/>
+              </a:ext>
+            </a:extLst>
+          </p:cNvPr>
+          <p:cNvPicPr>
+            <a:picLocks noChangeAspect="1"/>
+          </p:cNvPicPr>
+          <p:nvPr/>
+        </p:nvPicPr>
+        <p:blipFill rotWithShape="1">
+          <a:blip r:embed="rId7"/>
+          <a:srcRect l="3316" r="2999" b="16997"/>
+          <a:stretch/>
+        </p:blipFill>
+        <p:spPr>
+          <a:xfrm>
+            <a:off x="9299740" y="2783096"/>
+            <a:ext cx="5476532" cy="1965096"/>
+          </a:xfrm>
+          <a:prstGeom prst="rect">
+            <a:avLst/>
+          </a:prstGeom>
+        </p:spPr>
+      </p:pic>
       <p:sp>
         <p:nvSpPr>
-          <p:cNvPr id="20" name="TextBox 19">
+          <p:cNvPr id="11" name="TextBox 10">
             <a:extLst>
               <a:ext uri="{FF2B5EF4-FFF2-40B4-BE49-F238E27FC236}">
-                <a16:creationId xmlns:a16="http://schemas.microsoft.com/office/drawing/2014/main" id="{49EBE1F7-E095-01C4-2C7A-3AF738321340}"/>
+                <a16:creationId xmlns:a16="http://schemas.microsoft.com/office/drawing/2014/main" id="{4962A022-FBEC-B813-0EDF-D171C5AEAB32}"/>
               </a:ext>
             </a:extLst>
           </p:cNvPr>
@@ -11929,8 +15033,8 @@
         </p:nvSpPr>
         <p:spPr>
           <a:xfrm>
-            <a:off x="751632" y="8189466"/>
-            <a:ext cx="12573000" cy="1703864"/>
+            <a:off x="10762286" y="5762553"/>
+            <a:ext cx="3105415" cy="338554"/>
           </a:xfrm>
           <a:prstGeom prst="rect">
             <a:avLst/>
@@ -11943,23 +15047,38 @@
           </a:bodyPr>
           <a:lstStyle/>
           <a:p>
-            <a:pPr fontAlgn="base">
-              <a:lnSpc>
-                <a:spcPct val="150000"/>
-              </a:lnSpc>
-            </a:pPr>
-            <a:r>
-              <a:rPr lang="en-US" sz="1800" dirty="0">
-                <a:solidFill>
-                  <a:srgbClr val="2B2D3D"/>
-                </a:solidFill>
-                <a:latin typeface="Georgia"/>
-                <a:cs typeface="+mj-cs"/>
-              </a:rPr>
-              <a:t>The ROC curve is a tool for assessing the performance of binary</a:t>
-            </a:r>
-            <a:r>
-              <a:rPr lang="tr-TR" sz="1800" dirty="0">
+            <a:r>
+              <a:rPr lang="tr-TR" sz="1600" dirty="0" err="1">
+                <a:solidFill>
+                  <a:srgbClr val="2B2D3D"/>
+                </a:solidFill>
+                <a:latin typeface="Georgia"/>
+                <a:cs typeface="+mj-cs"/>
+              </a:rPr>
+              <a:t>Elastic</a:t>
+            </a:r>
+            <a:r>
+              <a:rPr lang="tr-TR" sz="1600" dirty="0">
+                <a:solidFill>
+                  <a:srgbClr val="2B2D3D"/>
+                </a:solidFill>
+                <a:latin typeface="Georgia"/>
+                <a:cs typeface="+mj-cs"/>
+              </a:rPr>
+              <a:t> Net </a:t>
+            </a:r>
+            <a:r>
+              <a:rPr lang="tr-TR" sz="1600" dirty="0" err="1">
+                <a:solidFill>
+                  <a:srgbClr val="2B2D3D"/>
+                </a:solidFill>
+                <a:latin typeface="Georgia"/>
+                <a:cs typeface="+mj-cs"/>
+              </a:rPr>
+              <a:t>Shrinkage</a:t>
+            </a:r>
+            <a:r>
+              <a:rPr lang="tr-TR" sz="1600" dirty="0">
                 <a:solidFill>
                   <a:srgbClr val="2B2D3D"/>
                 </a:solidFill>
@@ -11969,16 +15088,16 @@
               <a:t> </a:t>
             </a:r>
             <a:r>
-              <a:rPr lang="en-US" sz="1800" dirty="0">
-                <a:solidFill>
-                  <a:srgbClr val="2B2D3D"/>
-                </a:solidFill>
-                <a:latin typeface="Georgia"/>
-                <a:cs typeface="+mj-cs"/>
-              </a:rPr>
-              <a:t>classification models, plotting true positive rate against false positive rate at various thresholds. </a:t>
-            </a:r>
-            <a:endParaRPr lang="tr-TR" sz="1800" dirty="0">
+              <a:rPr lang="tr-TR" sz="1600" dirty="0" err="1">
+                <a:solidFill>
+                  <a:srgbClr val="2B2D3D"/>
+                </a:solidFill>
+                <a:latin typeface="Georgia"/>
+                <a:cs typeface="+mj-cs"/>
+              </a:rPr>
+              <a:t>Method</a:t>
+            </a:r>
+            <a:endParaRPr lang="tr-TR" sz="1600" dirty="0">
               <a:solidFill>
                 <a:srgbClr val="2B2D3D"/>
               </a:solidFill>
@@ -11986,24 +15105,58 @@
               <a:cs typeface="+mj-cs"/>
             </a:endParaRPr>
           </a:p>
-          <a:p>
-            <a:pPr fontAlgn="base">
-              <a:lnSpc>
-                <a:spcPct val="150000"/>
-              </a:lnSpc>
-            </a:pPr>
-            <a:r>
-              <a:rPr lang="en-US" sz="1800" dirty="0">
-                <a:solidFill>
-                  <a:srgbClr val="2B2D3D"/>
-                </a:solidFill>
-                <a:latin typeface="Georgia"/>
-                <a:cs typeface="+mj-cs"/>
-              </a:rPr>
-              <a:t>The Area Under the Curve (AUC)</a:t>
-            </a:r>
-            <a:r>
-              <a:rPr lang="tr-TR" sz="1800" dirty="0">
+        </p:txBody>
+      </p:sp>
+      <p:sp>
+        <p:nvSpPr>
+          <p:cNvPr id="12" name="TextBox 11">
+            <a:extLst>
+              <a:ext uri="{FF2B5EF4-FFF2-40B4-BE49-F238E27FC236}">
+                <a16:creationId xmlns:a16="http://schemas.microsoft.com/office/drawing/2014/main" id="{8D4E3ADE-0B42-2C2B-27E9-C72ED1D79DB6}"/>
+              </a:ext>
+            </a:extLst>
+          </p:cNvPr>
+          <p:cNvSpPr txBox="1"/>
+          <p:nvPr/>
+        </p:nvSpPr>
+        <p:spPr>
+          <a:xfrm>
+            <a:off x="5251664" y="9429748"/>
+            <a:ext cx="2639841" cy="338554"/>
+          </a:xfrm>
+          <a:prstGeom prst="rect">
+            <a:avLst/>
+          </a:prstGeom>
+          <a:noFill/>
+        </p:spPr>
+        <p:txBody>
+          <a:bodyPr wrap="square">
+            <a:spAutoFit/>
+          </a:bodyPr>
+          <a:lstStyle/>
+          <a:p>
+            <a:r>
+              <a:rPr lang="tr-TR" sz="1600" dirty="0">
+                <a:solidFill>
+                  <a:srgbClr val="2B2D3D"/>
+                </a:solidFill>
+                <a:latin typeface="Georgia"/>
+                <a:cs typeface="+mj-cs"/>
+              </a:rPr>
+              <a:t>Basic </a:t>
+            </a:r>
+            <a:r>
+              <a:rPr lang="tr-TR" sz="1600" dirty="0" err="1">
+                <a:solidFill>
+                  <a:srgbClr val="2B2D3D"/>
+                </a:solidFill>
+                <a:latin typeface="Georgia"/>
+                <a:cs typeface="+mj-cs"/>
+              </a:rPr>
+              <a:t>Logistic</a:t>
+            </a:r>
+            <a:r>
+              <a:rPr lang="tr-TR" sz="1600" dirty="0">
                 <a:solidFill>
                   <a:srgbClr val="2B2D3D"/>
                 </a:solidFill>
@@ -12013,17 +15166,65 @@
               <a:t> </a:t>
             </a:r>
             <a:r>
-              <a:rPr lang="en-US" sz="1800" dirty="0">
-                <a:solidFill>
-                  <a:srgbClr val="2B2D3D"/>
-                </a:solidFill>
-                <a:latin typeface="Georgia"/>
-                <a:cs typeface="+mj-cs"/>
-              </a:rPr>
-              <a:t>provides a measure</a:t>
-            </a:r>
-            <a:r>
-              <a:rPr lang="tr-TR" sz="1800" dirty="0">
+              <a:rPr lang="tr-TR" sz="1600" dirty="0" err="1">
+                <a:solidFill>
+                  <a:srgbClr val="2B2D3D"/>
+                </a:solidFill>
+                <a:latin typeface="Georgia"/>
+                <a:cs typeface="+mj-cs"/>
+              </a:rPr>
+              <a:t>Classifier</a:t>
+            </a:r>
+            <a:endParaRPr lang="tr-TR" sz="1600" dirty="0">
+              <a:solidFill>
+                <a:srgbClr val="2B2D3D"/>
+              </a:solidFill>
+              <a:latin typeface="Georgia"/>
+              <a:cs typeface="+mj-cs"/>
+            </a:endParaRPr>
+          </a:p>
+        </p:txBody>
+      </p:sp>
+      <p:sp>
+        <p:nvSpPr>
+          <p:cNvPr id="13" name="TextBox 12">
+            <a:extLst>
+              <a:ext uri="{FF2B5EF4-FFF2-40B4-BE49-F238E27FC236}">
+                <a16:creationId xmlns:a16="http://schemas.microsoft.com/office/drawing/2014/main" id="{1BE3DA93-3D1F-A5C5-0926-16F09D918E12}"/>
+              </a:ext>
+            </a:extLst>
+          </p:cNvPr>
+          <p:cNvSpPr txBox="1"/>
+          <p:nvPr/>
+        </p:nvSpPr>
+        <p:spPr>
+          <a:xfrm>
+            <a:off x="10030886" y="9382876"/>
+            <a:ext cx="3555252" cy="584775"/>
+          </a:xfrm>
+          <a:prstGeom prst="rect">
+            <a:avLst/>
+          </a:prstGeom>
+          <a:noFill/>
+        </p:spPr>
+        <p:txBody>
+          <a:bodyPr wrap="square">
+            <a:spAutoFit/>
+          </a:bodyPr>
+          <a:lstStyle/>
+          <a:p>
+            <a:r>
+              <a:rPr lang="tr-TR" sz="1600" dirty="0" err="1">
+                <a:solidFill>
+                  <a:srgbClr val="2B2D3D"/>
+                </a:solidFill>
+                <a:latin typeface="Georgia"/>
+                <a:cs typeface="+mj-cs"/>
+              </a:rPr>
+              <a:t>Feature</a:t>
+            </a:r>
+            <a:r>
+              <a:rPr lang="tr-TR" sz="1600" dirty="0">
                 <a:solidFill>
                   <a:srgbClr val="2B2D3D"/>
                 </a:solidFill>
@@ -12033,17 +15234,17 @@
               <a:t> </a:t>
             </a:r>
             <a:r>
-              <a:rPr lang="en-US" sz="1800" dirty="0">
-                <a:solidFill>
-                  <a:srgbClr val="2B2D3D"/>
-                </a:solidFill>
-                <a:latin typeface="Georgia"/>
-                <a:cs typeface="+mj-cs"/>
-              </a:rPr>
-              <a:t>of</a:t>
-            </a:r>
-            <a:r>
-              <a:rPr lang="tr-TR" sz="1800" dirty="0">
+              <a:rPr lang="tr-TR" sz="1600" dirty="0" err="1">
+                <a:solidFill>
+                  <a:srgbClr val="2B2D3D"/>
+                </a:solidFill>
+                <a:latin typeface="Georgia"/>
+                <a:cs typeface="+mj-cs"/>
+              </a:rPr>
+              <a:t>Selection</a:t>
+            </a:r>
+            <a:r>
+              <a:rPr lang="tr-TR" sz="1600" dirty="0">
                 <a:solidFill>
                   <a:srgbClr val="2B2D3D"/>
                 </a:solidFill>
@@ -12053,17 +15254,17 @@
               <a:t> </a:t>
             </a:r>
             <a:r>
-              <a:rPr lang="en-US" sz="1800" dirty="0">
-                <a:solidFill>
-                  <a:srgbClr val="2B2D3D"/>
-                </a:solidFill>
-                <a:latin typeface="Georgia"/>
-                <a:cs typeface="+mj-cs"/>
-              </a:rPr>
-              <a:t>the</a:t>
-            </a:r>
-            <a:r>
-              <a:rPr lang="tr-TR" sz="1800" dirty="0">
+              <a:rPr lang="tr-TR" sz="1600" dirty="0" err="1">
+                <a:solidFill>
+                  <a:srgbClr val="2B2D3D"/>
+                </a:solidFill>
+                <a:latin typeface="Georgia"/>
+                <a:cs typeface="+mj-cs"/>
+              </a:rPr>
+              <a:t>with</a:t>
+            </a:r>
+            <a:r>
+              <a:rPr lang="tr-TR" sz="1600" dirty="0">
                 <a:solidFill>
                   <a:srgbClr val="2B2D3D"/>
                 </a:solidFill>
@@ -12073,17 +15274,17 @@
               <a:t> </a:t>
             </a:r>
             <a:r>
-              <a:rPr lang="en-US" sz="1800" dirty="0">
-                <a:solidFill>
-                  <a:srgbClr val="2B2D3D"/>
-                </a:solidFill>
-                <a:latin typeface="Georgia"/>
-                <a:cs typeface="+mj-cs"/>
-              </a:rPr>
-              <a:t>model’s</a:t>
-            </a:r>
-            <a:r>
-              <a:rPr lang="tr-TR" sz="1800" dirty="0">
+              <a:rPr lang="tr-TR" sz="1600" dirty="0" err="1">
+                <a:solidFill>
+                  <a:srgbClr val="2B2D3D"/>
+                </a:solidFill>
+                <a:latin typeface="Georgia"/>
+                <a:cs typeface="+mj-cs"/>
+              </a:rPr>
+              <a:t>Backward</a:t>
+            </a:r>
+            <a:r>
+              <a:rPr lang="tr-TR" sz="1600" dirty="0">
                 <a:solidFill>
                   <a:srgbClr val="2B2D3D"/>
                 </a:solidFill>
@@ -12093,15 +15294,241 @@
               <a:t> </a:t>
             </a:r>
             <a:r>
-              <a:rPr lang="en-US" sz="1800" dirty="0">
-                <a:solidFill>
-                  <a:srgbClr val="2B2D3D"/>
-                </a:solidFill>
-                <a:latin typeface="Georgia"/>
-                <a:cs typeface="+mj-cs"/>
-              </a:rPr>
-              <a:t>ability to predict the target values, with higher values indicating better performance.</a:t>
-            </a:r>
+              <a:rPr lang="tr-TR" sz="1600" dirty="0" err="1">
+                <a:solidFill>
+                  <a:srgbClr val="2B2D3D"/>
+                </a:solidFill>
+                <a:latin typeface="Georgia"/>
+                <a:cs typeface="+mj-cs"/>
+              </a:rPr>
+              <a:t>Stepwise</a:t>
+            </a:r>
+            <a:r>
+              <a:rPr lang="tr-TR" sz="1600" dirty="0">
+                <a:solidFill>
+                  <a:srgbClr val="2B2D3D"/>
+                </a:solidFill>
+                <a:latin typeface="Georgia"/>
+                <a:cs typeface="+mj-cs"/>
+              </a:rPr>
+              <a:t> </a:t>
+            </a:r>
+            <a:r>
+              <a:rPr lang="tr-TR" sz="1600" dirty="0" err="1">
+                <a:solidFill>
+                  <a:srgbClr val="2B2D3D"/>
+                </a:solidFill>
+                <a:latin typeface="Georgia"/>
+                <a:cs typeface="+mj-cs"/>
+              </a:rPr>
+              <a:t>Search</a:t>
+            </a:r>
+            <a:endParaRPr lang="tr-TR" sz="1600" dirty="0">
+              <a:solidFill>
+                <a:srgbClr val="2B2D3D"/>
+              </a:solidFill>
+              <a:latin typeface="Georgia"/>
+              <a:cs typeface="+mj-cs"/>
+            </a:endParaRPr>
+          </a:p>
+        </p:txBody>
+      </p:sp>
+      <p:sp>
+        <p:nvSpPr>
+          <p:cNvPr id="14" name="Rectangle 13">
+            <a:extLst>
+              <a:ext uri="{FF2B5EF4-FFF2-40B4-BE49-F238E27FC236}">
+                <a16:creationId xmlns:a16="http://schemas.microsoft.com/office/drawing/2014/main" id="{94ABA77A-284C-0B0E-1DE3-0B2059B754E5}"/>
+              </a:ext>
+            </a:extLst>
+          </p:cNvPr>
+          <p:cNvSpPr/>
+          <p:nvPr/>
+        </p:nvSpPr>
+        <p:spPr>
+          <a:xfrm>
+            <a:off x="9299550" y="4366710"/>
+            <a:ext cx="5476720" cy="422130"/>
+          </a:xfrm>
+          <a:prstGeom prst="rect">
+            <a:avLst/>
+          </a:prstGeom>
+          <a:solidFill>
+            <a:srgbClr val="70AD47">
+              <a:alpha val="30196"/>
+            </a:srgbClr>
+          </a:solidFill>
+          <a:ln>
+            <a:noFill/>
+          </a:ln>
+        </p:spPr>
+        <p:style>
+          <a:lnRef idx="0">
+            <a:scrgbClr r="0" g="0" b="0"/>
+          </a:lnRef>
+          <a:fillRef idx="0">
+            <a:scrgbClr r="0" g="0" b="0"/>
+          </a:fillRef>
+          <a:effectRef idx="0">
+            <a:scrgbClr r="0" g="0" b="0"/>
+          </a:effectRef>
+          <a:fontRef idx="minor">
+            <a:schemeClr val="lt1"/>
+          </a:fontRef>
+        </p:style>
+        <p:txBody>
+          <a:bodyPr rtlCol="0" anchor="ctr"/>
+          <a:lstStyle/>
+          <a:p>
+            <a:pPr algn="ctr"/>
+            <a:endParaRPr lang="en-US" b="1">
+              <a:ln w="22225">
+                <a:solidFill>
+                  <a:schemeClr val="accent2"/>
+                </a:solidFill>
+                <a:prstDash val="solid"/>
+              </a:ln>
+              <a:solidFill>
+                <a:schemeClr val="accent2">
+                  <a:lumMod val="40000"/>
+                  <a:lumOff val="60000"/>
+                </a:schemeClr>
+              </a:solidFill>
+            </a:endParaRPr>
+          </a:p>
+        </p:txBody>
+      </p:sp>
+      <p:sp>
+        <p:nvSpPr>
+          <p:cNvPr id="15" name="Rectangle 14">
+            <a:extLst>
+              <a:ext uri="{FF2B5EF4-FFF2-40B4-BE49-F238E27FC236}">
+                <a16:creationId xmlns:a16="http://schemas.microsoft.com/office/drawing/2014/main" id="{A04723AD-AEF7-46D3-FF81-3091CBAC5501}"/>
+              </a:ext>
+            </a:extLst>
+          </p:cNvPr>
+          <p:cNvSpPr/>
+          <p:nvPr/>
+        </p:nvSpPr>
+        <p:spPr>
+          <a:xfrm>
+            <a:off x="3933750" y="8201838"/>
+            <a:ext cx="4929296" cy="344135"/>
+          </a:xfrm>
+          <a:prstGeom prst="rect">
+            <a:avLst/>
+          </a:prstGeom>
+          <a:noFill/>
+          <a:ln w="38100" cap="flat" cmpd="sng" algn="ctr">
+            <a:solidFill>
+              <a:schemeClr val="accent6"/>
+            </a:solidFill>
+            <a:prstDash val="solid"/>
+            <a:round/>
+            <a:headEnd type="none" w="med" len="med"/>
+            <a:tailEnd type="none" w="med" len="med"/>
+          </a:ln>
+        </p:spPr>
+        <p:style>
+          <a:lnRef idx="0">
+            <a:scrgbClr r="0" g="0" b="0"/>
+          </a:lnRef>
+          <a:fillRef idx="0">
+            <a:scrgbClr r="0" g="0" b="0"/>
+          </a:fillRef>
+          <a:effectRef idx="0">
+            <a:scrgbClr r="0" g="0" b="0"/>
+          </a:effectRef>
+          <a:fontRef idx="minor">
+            <a:schemeClr val="accent6"/>
+          </a:fontRef>
+        </p:style>
+        <p:txBody>
+          <a:bodyPr rtlCol="0" anchor="ctr"/>
+          <a:lstStyle/>
+          <a:p>
+            <a:pPr algn="ctr"/>
+            <a:endParaRPr lang="en-US" b="1">
+              <a:ln w="22225">
+                <a:solidFill>
+                  <a:schemeClr val="accent2"/>
+                </a:solidFill>
+                <a:prstDash val="solid"/>
+              </a:ln>
+              <a:solidFill>
+                <a:schemeClr val="accent2">
+                  <a:lumMod val="40000"/>
+                  <a:lumOff val="60000"/>
+                </a:schemeClr>
+              </a:solidFill>
+            </a:endParaRPr>
+          </a:p>
+        </p:txBody>
+      </p:sp>
+      <p:sp>
+        <p:nvSpPr>
+          <p:cNvPr id="16" name="Rectangle 15">
+            <a:extLst>
+              <a:ext uri="{FF2B5EF4-FFF2-40B4-BE49-F238E27FC236}">
+                <a16:creationId xmlns:a16="http://schemas.microsoft.com/office/drawing/2014/main" id="{638A8FDF-DF0C-A7D6-32FE-568C61B80550}"/>
+              </a:ext>
+            </a:extLst>
+          </p:cNvPr>
+          <p:cNvSpPr/>
+          <p:nvPr/>
+        </p:nvSpPr>
+        <p:spPr>
+          <a:xfrm>
+            <a:off x="9545545" y="8201838"/>
+            <a:ext cx="4682801" cy="344135"/>
+          </a:xfrm>
+          <a:prstGeom prst="rect">
+            <a:avLst/>
+          </a:prstGeom>
+          <a:noFill/>
+          <a:ln w="38100" cap="flat" cmpd="sng" algn="ctr">
+            <a:solidFill>
+              <a:schemeClr val="accent6"/>
+            </a:solidFill>
+            <a:prstDash val="solid"/>
+            <a:round/>
+            <a:headEnd type="none" w="med" len="med"/>
+            <a:tailEnd type="none" w="med" len="med"/>
+          </a:ln>
+        </p:spPr>
+        <p:style>
+          <a:lnRef idx="0">
+            <a:scrgbClr r="0" g="0" b="0"/>
+          </a:lnRef>
+          <a:fillRef idx="0">
+            <a:scrgbClr r="0" g="0" b="0"/>
+          </a:fillRef>
+          <a:effectRef idx="0">
+            <a:scrgbClr r="0" g="0" b="0"/>
+          </a:effectRef>
+          <a:fontRef idx="minor">
+            <a:schemeClr val="accent6"/>
+          </a:fontRef>
+        </p:style>
+        <p:txBody>
+          <a:bodyPr rtlCol="0" anchor="ctr"/>
+          <a:lstStyle/>
+          <a:p>
+            <a:pPr algn="ctr"/>
+            <a:endParaRPr lang="en-US" b="1">
+              <a:ln w="22225">
+                <a:solidFill>
+                  <a:schemeClr val="accent2"/>
+                </a:solidFill>
+                <a:prstDash val="solid"/>
+              </a:ln>
+              <a:solidFill>
+                <a:schemeClr val="accent2">
+                  <a:lumMod val="40000"/>
+                  <a:lumOff val="60000"/>
+                </a:schemeClr>
+              </a:solidFill>
+            </a:endParaRPr>
           </a:p>
         </p:txBody>
       </p:sp>
@@ -12135,35 +15562,6 @@
           <a:chExt cx="0" cy="0"/>
         </a:xfrm>
       </p:grpSpPr>
-      <p:pic>
-        <p:nvPicPr>
-          <p:cNvPr id="16" name="Picture 15">
-            <a:extLst>
-              <a:ext uri="{FF2B5EF4-FFF2-40B4-BE49-F238E27FC236}">
-                <a16:creationId xmlns:a16="http://schemas.microsoft.com/office/drawing/2014/main" id="{D264455E-8910-6721-F463-6FADE35692BE}"/>
-              </a:ext>
-            </a:extLst>
-          </p:cNvPr>
-          <p:cNvPicPr>
-            <a:picLocks noChangeAspect="1"/>
-          </p:cNvPicPr>
-          <p:nvPr/>
-        </p:nvPicPr>
-        <p:blipFill rotWithShape="1">
-          <a:blip r:embed="rId2"/>
-          <a:srcRect t="37751"/>
-          <a:stretch/>
-        </p:blipFill>
-        <p:spPr>
-          <a:xfrm>
-            <a:off x="3769504" y="8465474"/>
-            <a:ext cx="6523845" cy="1305771"/>
-          </a:xfrm>
-          <a:prstGeom prst="rect">
-            <a:avLst/>
-          </a:prstGeom>
-        </p:spPr>
-      </p:pic>
       <p:grpSp>
         <p:nvGrpSpPr>
           <p:cNvPr id="6" name="object 6"/>
@@ -12320,7 +15718,7 @@
                 <a:latin typeface="Georgia"/>
                 <a:ea typeface="+mn-ea"/>
               </a:rPr>
-              <a:t>Logistic</a:t>
+              <a:t>Linear</a:t>
             </a:r>
             <a:r>
               <a:rPr lang="tr-TR" sz="3200" dirty="0">
@@ -12333,15 +15731,32 @@
               <a:t> </a:t>
             </a:r>
             <a:r>
-              <a:rPr lang="en-US" sz="3200" dirty="0">
+              <a:rPr lang="tr-TR" sz="3200" dirty="0" err="1">
                 <a:solidFill>
                   <a:srgbClr val="2B2D3D"/>
                 </a:solidFill>
                 <a:latin typeface="Georgia"/>
                 <a:ea typeface="+mn-ea"/>
               </a:rPr>
-              <a:t>Model Performance Metrics at Different Thresholds</a:t>
-            </a:r>
+              <a:t>Discriminant</a:t>
+            </a:r>
+            <a:r>
+              <a:rPr lang="tr-TR" sz="3200" dirty="0">
+                <a:solidFill>
+                  <a:srgbClr val="2B2D3D"/>
+                </a:solidFill>
+                <a:latin typeface="Georgia"/>
+                <a:ea typeface="+mn-ea"/>
+              </a:rPr>
+              <a:t> Analysis (LDA)</a:t>
+            </a:r>
+            <a:endParaRPr lang="en-US" sz="3200" dirty="0">
+              <a:solidFill>
+                <a:srgbClr val="2B2D3D"/>
+              </a:solidFill>
+              <a:latin typeface="Georgia"/>
+              <a:ea typeface="+mn-ea"/>
+            </a:endParaRPr>
           </a:p>
         </p:txBody>
       </p:sp>
@@ -12454,12 +15869,109 @@
           </a:p>
         </p:txBody>
       </p:sp>
+      <p:sp>
+        <p:nvSpPr>
+          <p:cNvPr id="5" name="TextBox 4">
+            <a:extLst>
+              <a:ext uri="{FF2B5EF4-FFF2-40B4-BE49-F238E27FC236}">
+                <a16:creationId xmlns:a16="http://schemas.microsoft.com/office/drawing/2014/main" id="{EF275E82-8D43-A110-810A-F04DFC17A989}"/>
+              </a:ext>
+            </a:extLst>
+          </p:cNvPr>
+          <p:cNvSpPr txBox="1"/>
+          <p:nvPr/>
+        </p:nvSpPr>
+        <p:spPr>
+          <a:xfrm>
+            <a:off x="2602280" y="2708231"/>
+            <a:ext cx="9150350" cy="1703864"/>
+          </a:xfrm>
+          <a:prstGeom prst="rect">
+            <a:avLst/>
+          </a:prstGeom>
+          <a:noFill/>
+        </p:spPr>
+        <p:txBody>
+          <a:bodyPr wrap="square">
+            <a:spAutoFit/>
+          </a:bodyPr>
+          <a:lstStyle/>
+          <a:p>
+            <a:pPr fontAlgn="base">
+              <a:lnSpc>
+                <a:spcPct val="150000"/>
+              </a:lnSpc>
+            </a:pPr>
+            <a:r>
+              <a:rPr lang="en-US" dirty="0">
+                <a:solidFill>
+                  <a:srgbClr val="2B2D3D"/>
+                </a:solidFill>
+                <a:latin typeface="Georgia"/>
+                <a:cs typeface="+mj-cs"/>
+              </a:rPr>
+              <a:t>LDA</a:t>
+            </a:r>
+            <a:r>
+              <a:rPr lang="tr-TR" dirty="0">
+                <a:solidFill>
+                  <a:srgbClr val="2B2D3D"/>
+                </a:solidFill>
+                <a:latin typeface="Georgia"/>
+                <a:cs typeface="+mj-cs"/>
+              </a:rPr>
+              <a:t> </a:t>
+            </a:r>
+            <a:r>
+              <a:rPr lang="en-US" dirty="0">
+                <a:solidFill>
+                  <a:srgbClr val="2B2D3D"/>
+                </a:solidFill>
+                <a:latin typeface="Georgia"/>
+                <a:cs typeface="+mj-cs"/>
+              </a:rPr>
+              <a:t>is a classification algorithm that finds a linear combination of features that best separates two or more classes.</a:t>
+            </a:r>
+            <a:endParaRPr lang="tr-TR" dirty="0">
+              <a:solidFill>
+                <a:srgbClr val="2B2D3D"/>
+              </a:solidFill>
+              <a:latin typeface="Georgia"/>
+              <a:cs typeface="+mj-cs"/>
+            </a:endParaRPr>
+          </a:p>
+          <a:p>
+            <a:pPr fontAlgn="base">
+              <a:lnSpc>
+                <a:spcPct val="150000"/>
+              </a:lnSpc>
+            </a:pPr>
+            <a:r>
+              <a:rPr lang="en-US" dirty="0">
+                <a:solidFill>
+                  <a:srgbClr val="2B2D3D"/>
+                </a:solidFill>
+                <a:latin typeface="Georgia"/>
+                <a:cs typeface="+mj-cs"/>
+              </a:rPr>
+              <a:t>It assumes that the features follow a multivariate normal distribution with a common mean and variance for all classes. </a:t>
+            </a:r>
+            <a:endParaRPr lang="tr-TR" dirty="0">
+              <a:solidFill>
+                <a:srgbClr val="2B2D3D"/>
+              </a:solidFill>
+              <a:latin typeface="Georgia"/>
+              <a:cs typeface="+mj-cs"/>
+            </a:endParaRPr>
+          </a:p>
+        </p:txBody>
+      </p:sp>
       <p:pic>
         <p:nvPicPr>
-          <p:cNvPr id="3" name="Picture 2">
+          <p:cNvPr id="12" name="Picture 11">
             <a:extLst>
               <a:ext uri="{FF2B5EF4-FFF2-40B4-BE49-F238E27FC236}">
-                <a16:creationId xmlns:a16="http://schemas.microsoft.com/office/drawing/2014/main" id="{3918F709-4384-5640-8F51-60BB38D612F5}"/>
+                <a16:creationId xmlns:a16="http://schemas.microsoft.com/office/drawing/2014/main" id="{B2861515-57AC-AA80-7BEA-C3EAFFED84B0}"/>
               </a:ext>
             </a:extLst>
           </p:cNvPr>
@@ -12476,67 +15988,8 @@
         </p:blipFill>
         <p:spPr>
           <a:xfrm>
-            <a:off x="3575049" y="2426380"/>
-            <a:ext cx="6808604" cy="3563226"/>
-          </a:xfrm>
-          <a:prstGeom prst="rect">
-            <a:avLst/>
-          </a:prstGeom>
-        </p:spPr>
-      </p:pic>
-      <p:pic>
-        <p:nvPicPr>
-          <p:cNvPr id="11" name="Picture 10">
-            <a:extLst>
-              <a:ext uri="{FF2B5EF4-FFF2-40B4-BE49-F238E27FC236}">
-                <a16:creationId xmlns:a16="http://schemas.microsoft.com/office/drawing/2014/main" id="{B067AE2E-422D-90B0-57A6-A7CA34BEF59A}"/>
-              </a:ext>
-            </a:extLst>
-          </p:cNvPr>
-          <p:cNvPicPr>
-            <a:picLocks noChangeAspect="1"/>
-          </p:cNvPicPr>
-          <p:nvPr/>
-        </p:nvPicPr>
-        <p:blipFill>
-          <a:blip r:embed="rId4"/>
-          <a:stretch>
-            <a:fillRect/>
-          </a:stretch>
-        </p:blipFill>
-        <p:spPr>
-          <a:xfrm>
-            <a:off x="10293349" y="2330450"/>
-            <a:ext cx="6734643" cy="3708445"/>
-          </a:xfrm>
-          <a:prstGeom prst="rect">
-            <a:avLst/>
-          </a:prstGeom>
-        </p:spPr>
-      </p:pic>
-      <p:pic>
-        <p:nvPicPr>
-          <p:cNvPr id="13" name="Picture 12">
-            <a:extLst>
-              <a:ext uri="{FF2B5EF4-FFF2-40B4-BE49-F238E27FC236}">
-                <a16:creationId xmlns:a16="http://schemas.microsoft.com/office/drawing/2014/main" id="{FD7B4618-70CD-33D5-ED9F-F8A2D52FC937}"/>
-              </a:ext>
-            </a:extLst>
-          </p:cNvPr>
-          <p:cNvPicPr>
-            <a:picLocks noChangeAspect="1"/>
-          </p:cNvPicPr>
-          <p:nvPr/>
-        </p:nvPicPr>
-        <p:blipFill rotWithShape="1">
-          <a:blip r:embed="rId5"/>
-          <a:srcRect b="16997"/>
-          <a:stretch/>
-        </p:blipFill>
-        <p:spPr>
-          <a:xfrm>
-            <a:off x="3594099" y="6208019"/>
-            <a:ext cx="6788801" cy="2282138"/>
+            <a:off x="6210910" y="4457813"/>
+            <a:ext cx="5878880" cy="2267020"/>
           </a:xfrm>
           <a:prstGeom prst="rect">
             <a:avLst/>
@@ -12557,8 +16010,8 @@
         </p:nvSpPr>
         <p:spPr>
           <a:xfrm>
-            <a:off x="5645150" y="9601968"/>
-            <a:ext cx="3225800" cy="338554"/>
+            <a:off x="8299475" y="6601274"/>
+            <a:ext cx="1701750" cy="338554"/>
           </a:xfrm>
           <a:prstGeom prst="rect">
             <a:avLst/>
@@ -12572,6 +16025,16 @@
           <a:lstStyle/>
           <a:p>
             <a:r>
+              <a:rPr lang="tr-TR" sz="1600" dirty="0">
+                <a:solidFill>
+                  <a:srgbClr val="2B2D3D"/>
+                </a:solidFill>
+                <a:latin typeface="Georgia"/>
+                <a:cs typeface="+mj-cs"/>
+              </a:rPr>
+              <a:t>LDA </a:t>
+            </a:r>
+            <a:r>
               <a:rPr lang="tr-TR" sz="1600" dirty="0" err="1">
                 <a:solidFill>
                   <a:srgbClr val="2B2D3D"/>
@@ -12579,47 +16042,7 @@
                 <a:latin typeface="Georgia"/>
                 <a:cs typeface="+mj-cs"/>
               </a:rPr>
-              <a:t>Elastic</a:t>
-            </a:r>
-            <a:r>
-              <a:rPr lang="tr-TR" sz="1600" dirty="0">
-                <a:solidFill>
-                  <a:srgbClr val="2B2D3D"/>
-                </a:solidFill>
-                <a:latin typeface="Georgia"/>
-                <a:cs typeface="+mj-cs"/>
-              </a:rPr>
-              <a:t> Net </a:t>
-            </a:r>
-            <a:r>
-              <a:rPr lang="tr-TR" sz="1600" dirty="0" err="1">
-                <a:solidFill>
-                  <a:srgbClr val="2B2D3D"/>
-                </a:solidFill>
-                <a:latin typeface="Georgia"/>
-                <a:cs typeface="+mj-cs"/>
-              </a:rPr>
-              <a:t>Shrinkage</a:t>
-            </a:r>
-            <a:r>
-              <a:rPr lang="tr-TR" sz="1600" dirty="0">
-                <a:solidFill>
-                  <a:srgbClr val="2B2D3D"/>
-                </a:solidFill>
-                <a:latin typeface="Georgia"/>
-                <a:cs typeface="+mj-cs"/>
-              </a:rPr>
-              <a:t> </a:t>
-            </a:r>
-            <a:r>
-              <a:rPr lang="tr-TR" sz="1600" dirty="0" err="1">
-                <a:solidFill>
-                  <a:srgbClr val="2B2D3D"/>
-                </a:solidFill>
-                <a:latin typeface="Georgia"/>
-                <a:cs typeface="+mj-cs"/>
-              </a:rPr>
-              <a:t>Method</a:t>
+              <a:t>Results</a:t>
             </a:r>
             <a:endParaRPr lang="tr-TR" sz="1600" dirty="0">
               <a:solidFill>
@@ -12631,236 +16054,10 @@
           </a:p>
         </p:txBody>
       </p:sp>
-      <p:sp>
-        <p:nvSpPr>
-          <p:cNvPr id="19" name="TextBox 18">
-            <a:extLst>
-              <a:ext uri="{FF2B5EF4-FFF2-40B4-BE49-F238E27FC236}">
-                <a16:creationId xmlns:a16="http://schemas.microsoft.com/office/drawing/2014/main" id="{7B2FA661-1D43-09E6-8143-D200C79FBE18}"/>
-              </a:ext>
-            </a:extLst>
-          </p:cNvPr>
-          <p:cNvSpPr txBox="1"/>
-          <p:nvPr/>
-        </p:nvSpPr>
-        <p:spPr>
-          <a:xfrm>
-            <a:off x="5645150" y="5887905"/>
-            <a:ext cx="3225800" cy="338554"/>
-          </a:xfrm>
-          <a:prstGeom prst="rect">
-            <a:avLst/>
-          </a:prstGeom>
-          <a:noFill/>
-        </p:spPr>
-        <p:txBody>
-          <a:bodyPr wrap="square">
-            <a:spAutoFit/>
-          </a:bodyPr>
-          <a:lstStyle/>
-          <a:p>
-            <a:r>
-              <a:rPr lang="tr-TR" sz="1600" dirty="0">
-                <a:solidFill>
-                  <a:srgbClr val="2B2D3D"/>
-                </a:solidFill>
-                <a:latin typeface="Georgia"/>
-                <a:cs typeface="+mj-cs"/>
-              </a:rPr>
-              <a:t>Basic </a:t>
-            </a:r>
-            <a:r>
-              <a:rPr lang="tr-TR" sz="1600" dirty="0" err="1">
-                <a:solidFill>
-                  <a:srgbClr val="2B2D3D"/>
-                </a:solidFill>
-                <a:latin typeface="Georgia"/>
-                <a:cs typeface="+mj-cs"/>
-              </a:rPr>
-              <a:t>Logistic</a:t>
-            </a:r>
-            <a:r>
-              <a:rPr lang="tr-TR" sz="1600" dirty="0">
-                <a:solidFill>
-                  <a:srgbClr val="2B2D3D"/>
-                </a:solidFill>
-                <a:latin typeface="Georgia"/>
-                <a:cs typeface="+mj-cs"/>
-              </a:rPr>
-              <a:t> </a:t>
-            </a:r>
-            <a:r>
-              <a:rPr lang="tr-TR" sz="1600" dirty="0" err="1">
-                <a:solidFill>
-                  <a:srgbClr val="2B2D3D"/>
-                </a:solidFill>
-                <a:latin typeface="Georgia"/>
-                <a:cs typeface="+mj-cs"/>
-              </a:rPr>
-              <a:t>Classifier</a:t>
-            </a:r>
-            <a:endParaRPr lang="tr-TR" sz="1600" dirty="0">
-              <a:solidFill>
-                <a:srgbClr val="2B2D3D"/>
-              </a:solidFill>
-              <a:latin typeface="Georgia"/>
-              <a:cs typeface="+mj-cs"/>
-            </a:endParaRPr>
-          </a:p>
-        </p:txBody>
-      </p:sp>
-      <p:sp>
-        <p:nvSpPr>
-          <p:cNvPr id="20" name="TextBox 19">
-            <a:extLst>
-              <a:ext uri="{FF2B5EF4-FFF2-40B4-BE49-F238E27FC236}">
-                <a16:creationId xmlns:a16="http://schemas.microsoft.com/office/drawing/2014/main" id="{BABA42C2-4646-966E-EC2C-D7ECBE518608}"/>
-              </a:ext>
-            </a:extLst>
-          </p:cNvPr>
-          <p:cNvSpPr txBox="1"/>
-          <p:nvPr/>
-        </p:nvSpPr>
-        <p:spPr>
-          <a:xfrm>
-            <a:off x="11512550" y="5923090"/>
-            <a:ext cx="5816600" cy="338554"/>
-          </a:xfrm>
-          <a:prstGeom prst="rect">
-            <a:avLst/>
-          </a:prstGeom>
-          <a:noFill/>
-        </p:spPr>
-        <p:txBody>
-          <a:bodyPr wrap="square">
-            <a:spAutoFit/>
-          </a:bodyPr>
-          <a:lstStyle/>
-          <a:p>
-            <a:r>
-              <a:rPr lang="tr-TR" sz="1600" dirty="0" err="1">
-                <a:solidFill>
-                  <a:srgbClr val="2B2D3D"/>
-                </a:solidFill>
-                <a:latin typeface="Georgia"/>
-                <a:cs typeface="+mj-cs"/>
-              </a:rPr>
-              <a:t>Feature</a:t>
-            </a:r>
-            <a:r>
-              <a:rPr lang="tr-TR" sz="1600" dirty="0">
-                <a:solidFill>
-                  <a:srgbClr val="2B2D3D"/>
-                </a:solidFill>
-                <a:latin typeface="Georgia"/>
-                <a:cs typeface="+mj-cs"/>
-              </a:rPr>
-              <a:t> </a:t>
-            </a:r>
-            <a:r>
-              <a:rPr lang="tr-TR" sz="1600" dirty="0" err="1">
-                <a:solidFill>
-                  <a:srgbClr val="2B2D3D"/>
-                </a:solidFill>
-                <a:latin typeface="Georgia"/>
-                <a:cs typeface="+mj-cs"/>
-              </a:rPr>
-              <a:t>Selection</a:t>
-            </a:r>
-            <a:r>
-              <a:rPr lang="tr-TR" sz="1600" dirty="0">
-                <a:solidFill>
-                  <a:srgbClr val="2B2D3D"/>
-                </a:solidFill>
-                <a:latin typeface="Georgia"/>
-                <a:cs typeface="+mj-cs"/>
-              </a:rPr>
-              <a:t> </a:t>
-            </a:r>
-            <a:r>
-              <a:rPr lang="tr-TR" sz="1600" dirty="0" err="1">
-                <a:solidFill>
-                  <a:srgbClr val="2B2D3D"/>
-                </a:solidFill>
-                <a:latin typeface="Georgia"/>
-                <a:cs typeface="+mj-cs"/>
-              </a:rPr>
-              <a:t>with</a:t>
-            </a:r>
-            <a:r>
-              <a:rPr lang="tr-TR" sz="1600" dirty="0">
-                <a:solidFill>
-                  <a:srgbClr val="2B2D3D"/>
-                </a:solidFill>
-                <a:latin typeface="Georgia"/>
-                <a:cs typeface="+mj-cs"/>
-              </a:rPr>
-              <a:t> </a:t>
-            </a:r>
-            <a:r>
-              <a:rPr lang="tr-TR" sz="1600" dirty="0" err="1">
-                <a:solidFill>
-                  <a:srgbClr val="2B2D3D"/>
-                </a:solidFill>
-                <a:latin typeface="Georgia"/>
-                <a:cs typeface="+mj-cs"/>
-              </a:rPr>
-              <a:t>Backward</a:t>
-            </a:r>
-            <a:r>
-              <a:rPr lang="tr-TR" sz="1600" dirty="0">
-                <a:solidFill>
-                  <a:srgbClr val="2B2D3D"/>
-                </a:solidFill>
-                <a:latin typeface="Georgia"/>
-                <a:cs typeface="+mj-cs"/>
-              </a:rPr>
-              <a:t> </a:t>
-            </a:r>
-            <a:r>
-              <a:rPr lang="tr-TR" sz="1600" dirty="0" err="1">
-                <a:solidFill>
-                  <a:srgbClr val="2B2D3D"/>
-                </a:solidFill>
-                <a:latin typeface="Georgia"/>
-                <a:cs typeface="+mj-cs"/>
-              </a:rPr>
-              <a:t>Stepwise</a:t>
-            </a:r>
-            <a:r>
-              <a:rPr lang="tr-TR" sz="1600" dirty="0">
-                <a:solidFill>
-                  <a:srgbClr val="2B2D3D"/>
-                </a:solidFill>
-                <a:latin typeface="Georgia"/>
-                <a:cs typeface="+mj-cs"/>
-              </a:rPr>
-              <a:t> </a:t>
-            </a:r>
-            <a:r>
-              <a:rPr lang="tr-TR" sz="1600" dirty="0" err="1">
-                <a:solidFill>
-                  <a:srgbClr val="2B2D3D"/>
-                </a:solidFill>
-                <a:latin typeface="Georgia"/>
-                <a:cs typeface="+mj-cs"/>
-              </a:rPr>
-              <a:t>Search</a:t>
-            </a:r>
-            <a:endParaRPr lang="tr-TR" sz="1600" dirty="0">
-              <a:solidFill>
-                <a:srgbClr val="2B2D3D"/>
-              </a:solidFill>
-              <a:latin typeface="Georgia"/>
-              <a:cs typeface="+mj-cs"/>
-            </a:endParaRPr>
-          </a:p>
-        </p:txBody>
-      </p:sp>
     </p:spTree>
     <p:extLst>
       <p:ext uri="{BB962C8B-B14F-4D97-AF65-F5344CB8AC3E}">
-        <p14:creationId xmlns:p14="http://schemas.microsoft.com/office/powerpoint/2010/main" val="481437715"/>
+        <p14:creationId xmlns:p14="http://schemas.microsoft.com/office/powerpoint/2010/main" val="1240072374"/>
       </p:ext>
     </p:extLst>
   </p:cSld>
@@ -13036,52 +16233,15 @@
               </a:spcBef>
             </a:pPr>
             <a:r>
-              <a:rPr lang="tr-TR" sz="3200" dirty="0" err="1">
+              <a:rPr lang="en-US" sz="3200" dirty="0">
                 <a:solidFill>
                   <a:srgbClr val="2B2D3D"/>
                 </a:solidFill>
                 <a:latin typeface="Georgia"/>
                 <a:ea typeface="+mn-ea"/>
               </a:rPr>
-              <a:t>Linear</a:t>
-            </a:r>
-            <a:r>
-              <a:rPr lang="tr-TR" sz="3200" dirty="0">
-                <a:solidFill>
-                  <a:srgbClr val="2B2D3D"/>
-                </a:solidFill>
-                <a:latin typeface="Georgia"/>
-                <a:ea typeface="+mn-ea"/>
-              </a:rPr>
-              <a:t> </a:t>
-            </a:r>
-            <a:r>
-              <a:rPr lang="tr-TR" sz="3200" dirty="0" err="1">
-                <a:solidFill>
-                  <a:srgbClr val="2B2D3D"/>
-                </a:solidFill>
-                <a:latin typeface="Georgia"/>
-                <a:ea typeface="+mn-ea"/>
-              </a:rPr>
-              <a:t>Discriminant</a:t>
-            </a:r>
-            <a:r>
-              <a:rPr lang="tr-TR" sz="3200" dirty="0">
-                <a:solidFill>
-                  <a:srgbClr val="2B2D3D"/>
-                </a:solidFill>
-                <a:latin typeface="Georgia"/>
-                <a:ea typeface="+mn-ea"/>
-              </a:rPr>
-              <a:t> Analysis (LDA)</a:t>
-            </a:r>
-            <a:endParaRPr lang="en-US" sz="3200" dirty="0">
-              <a:solidFill>
-                <a:srgbClr val="2B2D3D"/>
-              </a:solidFill>
-              <a:latin typeface="Georgia"/>
-              <a:ea typeface="+mn-ea"/>
-            </a:endParaRPr>
+              <a:t>Quadratic Discriminant Analysis (QDA)</a:t>
+            </a:r>
           </a:p>
         </p:txBody>
       </p:sp>
@@ -13196,491 +16356,6 @@
       </p:sp>
       <p:sp>
         <p:nvSpPr>
-          <p:cNvPr id="5" name="TextBox 4">
-            <a:extLst>
-              <a:ext uri="{FF2B5EF4-FFF2-40B4-BE49-F238E27FC236}">
-                <a16:creationId xmlns:a16="http://schemas.microsoft.com/office/drawing/2014/main" id="{EF275E82-8D43-A110-810A-F04DFC17A989}"/>
-              </a:ext>
-            </a:extLst>
-          </p:cNvPr>
-          <p:cNvSpPr txBox="1"/>
-          <p:nvPr/>
-        </p:nvSpPr>
-        <p:spPr>
-          <a:xfrm>
-            <a:off x="2602280" y="2708231"/>
-            <a:ext cx="9150350" cy="1703864"/>
-          </a:xfrm>
-          <a:prstGeom prst="rect">
-            <a:avLst/>
-          </a:prstGeom>
-          <a:noFill/>
-        </p:spPr>
-        <p:txBody>
-          <a:bodyPr wrap="square">
-            <a:spAutoFit/>
-          </a:bodyPr>
-          <a:lstStyle/>
-          <a:p>
-            <a:pPr fontAlgn="base">
-              <a:lnSpc>
-                <a:spcPct val="150000"/>
-              </a:lnSpc>
-            </a:pPr>
-            <a:r>
-              <a:rPr lang="en-US" dirty="0">
-                <a:solidFill>
-                  <a:srgbClr val="2B2D3D"/>
-                </a:solidFill>
-                <a:latin typeface="Georgia"/>
-                <a:cs typeface="+mj-cs"/>
-              </a:rPr>
-              <a:t>LDA</a:t>
-            </a:r>
-            <a:r>
-              <a:rPr lang="tr-TR" dirty="0">
-                <a:solidFill>
-                  <a:srgbClr val="2B2D3D"/>
-                </a:solidFill>
-                <a:latin typeface="Georgia"/>
-                <a:cs typeface="+mj-cs"/>
-              </a:rPr>
-              <a:t> </a:t>
-            </a:r>
-            <a:r>
-              <a:rPr lang="en-US" dirty="0">
-                <a:solidFill>
-                  <a:srgbClr val="2B2D3D"/>
-                </a:solidFill>
-                <a:latin typeface="Georgia"/>
-                <a:cs typeface="+mj-cs"/>
-              </a:rPr>
-              <a:t>is a classification algorithm that finds a linear combination of features that best separates two or more classes.</a:t>
-            </a:r>
-            <a:endParaRPr lang="tr-TR" dirty="0">
-              <a:solidFill>
-                <a:srgbClr val="2B2D3D"/>
-              </a:solidFill>
-              <a:latin typeface="Georgia"/>
-              <a:cs typeface="+mj-cs"/>
-            </a:endParaRPr>
-          </a:p>
-          <a:p>
-            <a:pPr fontAlgn="base">
-              <a:lnSpc>
-                <a:spcPct val="150000"/>
-              </a:lnSpc>
-            </a:pPr>
-            <a:r>
-              <a:rPr lang="en-US" dirty="0">
-                <a:solidFill>
-                  <a:srgbClr val="2B2D3D"/>
-                </a:solidFill>
-                <a:latin typeface="Georgia"/>
-                <a:cs typeface="+mj-cs"/>
-              </a:rPr>
-              <a:t>It assumes that the features follow a multivariate normal distribution with a common mean and variance for all classes. </a:t>
-            </a:r>
-            <a:endParaRPr lang="tr-TR" dirty="0">
-              <a:solidFill>
-                <a:srgbClr val="2B2D3D"/>
-              </a:solidFill>
-              <a:latin typeface="Georgia"/>
-              <a:cs typeface="+mj-cs"/>
-            </a:endParaRPr>
-          </a:p>
-        </p:txBody>
-      </p:sp>
-      <p:pic>
-        <p:nvPicPr>
-          <p:cNvPr id="12" name="Picture 11">
-            <a:extLst>
-              <a:ext uri="{FF2B5EF4-FFF2-40B4-BE49-F238E27FC236}">
-                <a16:creationId xmlns:a16="http://schemas.microsoft.com/office/drawing/2014/main" id="{B2861515-57AC-AA80-7BEA-C3EAFFED84B0}"/>
-              </a:ext>
-            </a:extLst>
-          </p:cNvPr>
-          <p:cNvPicPr>
-            <a:picLocks noChangeAspect="1"/>
-          </p:cNvPicPr>
-          <p:nvPr/>
-        </p:nvPicPr>
-        <p:blipFill>
-          <a:blip r:embed="rId2"/>
-          <a:stretch>
-            <a:fillRect/>
-          </a:stretch>
-        </p:blipFill>
-        <p:spPr>
-          <a:xfrm>
-            <a:off x="6210910" y="4457813"/>
-            <a:ext cx="5878880" cy="2267020"/>
-          </a:xfrm>
-          <a:prstGeom prst="rect">
-            <a:avLst/>
-          </a:prstGeom>
-        </p:spPr>
-      </p:pic>
-      <p:sp>
-        <p:nvSpPr>
-          <p:cNvPr id="18" name="TextBox 17">
-            <a:extLst>
-              <a:ext uri="{FF2B5EF4-FFF2-40B4-BE49-F238E27FC236}">
-                <a16:creationId xmlns:a16="http://schemas.microsoft.com/office/drawing/2014/main" id="{448CC414-7944-49E3-F93A-ED14491C7A41}"/>
-              </a:ext>
-            </a:extLst>
-          </p:cNvPr>
-          <p:cNvSpPr txBox="1"/>
-          <p:nvPr/>
-        </p:nvSpPr>
-        <p:spPr>
-          <a:xfrm>
-            <a:off x="8299475" y="6601274"/>
-            <a:ext cx="1701750" cy="338554"/>
-          </a:xfrm>
-          <a:prstGeom prst="rect">
-            <a:avLst/>
-          </a:prstGeom>
-          <a:noFill/>
-        </p:spPr>
-        <p:txBody>
-          <a:bodyPr wrap="square">
-            <a:spAutoFit/>
-          </a:bodyPr>
-          <a:lstStyle/>
-          <a:p>
-            <a:r>
-              <a:rPr lang="tr-TR" sz="1600" dirty="0">
-                <a:solidFill>
-                  <a:srgbClr val="2B2D3D"/>
-                </a:solidFill>
-                <a:latin typeface="Georgia"/>
-                <a:cs typeface="+mj-cs"/>
-              </a:rPr>
-              <a:t>LDA </a:t>
-            </a:r>
-            <a:r>
-              <a:rPr lang="tr-TR" sz="1600" dirty="0" err="1">
-                <a:solidFill>
-                  <a:srgbClr val="2B2D3D"/>
-                </a:solidFill>
-                <a:latin typeface="Georgia"/>
-                <a:cs typeface="+mj-cs"/>
-              </a:rPr>
-              <a:t>Results</a:t>
-            </a:r>
-            <a:endParaRPr lang="tr-TR" sz="1600" dirty="0">
-              <a:solidFill>
-                <a:srgbClr val="2B2D3D"/>
-              </a:solidFill>
-              <a:latin typeface="Georgia"/>
-              <a:cs typeface="+mj-cs"/>
-            </a:endParaRPr>
-          </a:p>
-        </p:txBody>
-      </p:sp>
-    </p:spTree>
-    <p:extLst>
-      <p:ext uri="{BB962C8B-B14F-4D97-AF65-F5344CB8AC3E}">
-        <p14:creationId xmlns:p14="http://schemas.microsoft.com/office/powerpoint/2010/main" val="1240072374"/>
-      </p:ext>
-    </p:extLst>
-  </p:cSld>
-  <p:clrMapOvr>
-    <a:masterClrMapping/>
-  </p:clrMapOvr>
-</p:sld>
-</file>
-
-<file path=ppt/slides/slide24.xml><?xml version="1.0" encoding="utf-8"?>
-<p:sld xmlns:a="http://schemas.openxmlformats.org/drawingml/2006/main" xmlns:r="http://schemas.openxmlformats.org/officeDocument/2006/relationships" xmlns:p="http://schemas.openxmlformats.org/presentationml/2006/main">
-  <p:cSld>
-    <p:spTree>
-      <p:nvGrpSpPr>
-        <p:cNvPr id="1" name=""/>
-        <p:cNvGrpSpPr/>
-        <p:nvPr/>
-      </p:nvGrpSpPr>
-      <p:grpSpPr>
-        <a:xfrm>
-          <a:off x="0" y="0"/>
-          <a:ext cx="0" cy="0"/>
-          <a:chOff x="0" y="0"/>
-          <a:chExt cx="0" cy="0"/>
-        </a:xfrm>
-      </p:grpSpPr>
-      <p:grpSp>
-        <p:nvGrpSpPr>
-          <p:cNvPr id="6" name="object 6"/>
-          <p:cNvGrpSpPr/>
-          <p:nvPr/>
-        </p:nvGrpSpPr>
-        <p:grpSpPr>
-          <a:xfrm>
-            <a:off x="0" y="4062768"/>
-            <a:ext cx="4617085" cy="6224270"/>
-            <a:chOff x="0" y="4062768"/>
-            <a:chExt cx="4617085" cy="6224270"/>
-          </a:xfrm>
-        </p:grpSpPr>
-        <p:sp>
-          <p:nvSpPr>
-            <p:cNvPr id="7" name="object 7"/>
-            <p:cNvSpPr/>
-            <p:nvPr/>
-          </p:nvSpPr>
-          <p:spPr>
-            <a:xfrm>
-              <a:off x="0" y="6801866"/>
-              <a:ext cx="4617085" cy="3485515"/>
-            </a:xfrm>
-            <a:custGeom>
-              <a:avLst/>
-              <a:gdLst/>
-              <a:ahLst/>
-              <a:cxnLst/>
-              <a:rect l="l" t="t" r="r" b="b"/>
-              <a:pathLst>
-                <a:path w="4617085" h="3485515">
-                  <a:moveTo>
-                    <a:pt x="1392351" y="0"/>
-                  </a:moveTo>
-                  <a:lnTo>
-                    <a:pt x="0" y="1391813"/>
-                  </a:lnTo>
-                  <a:lnTo>
-                    <a:pt x="0" y="3485132"/>
-                  </a:lnTo>
-                  <a:lnTo>
-                    <a:pt x="4354500" y="3485132"/>
-                  </a:lnTo>
-                  <a:lnTo>
-                    <a:pt x="4616551" y="3222979"/>
-                  </a:lnTo>
-                  <a:lnTo>
-                    <a:pt x="1392351" y="0"/>
-                  </a:lnTo>
-                  <a:close/>
-                </a:path>
-              </a:pathLst>
-            </a:custGeom>
-            <a:solidFill>
-              <a:srgbClr val="484C68"/>
-            </a:solidFill>
-          </p:spPr>
-          <p:txBody>
-            <a:bodyPr wrap="square" lIns="0" tIns="0" rIns="0" bIns="0" rtlCol="0"/>
-            <a:lstStyle/>
-            <a:p>
-              <a:endParaRPr/>
-            </a:p>
-          </p:txBody>
-        </p:sp>
-        <p:sp>
-          <p:nvSpPr>
-            <p:cNvPr id="8" name="object 8"/>
-            <p:cNvSpPr/>
-            <p:nvPr/>
-          </p:nvSpPr>
-          <p:spPr>
-            <a:xfrm>
-              <a:off x="0" y="4062768"/>
-              <a:ext cx="1925955" cy="3851910"/>
-            </a:xfrm>
-            <a:custGeom>
-              <a:avLst/>
-              <a:gdLst/>
-              <a:ahLst/>
-              <a:cxnLst/>
-              <a:rect l="l" t="t" r="r" b="b"/>
-              <a:pathLst>
-                <a:path w="1925955" h="3851909">
-                  <a:moveTo>
-                    <a:pt x="0" y="0"/>
-                  </a:moveTo>
-                  <a:lnTo>
-                    <a:pt x="0" y="3851856"/>
-                  </a:lnTo>
-                  <a:lnTo>
-                    <a:pt x="1925929" y="1925929"/>
-                  </a:lnTo>
-                  <a:lnTo>
-                    <a:pt x="0" y="0"/>
-                  </a:lnTo>
-                  <a:close/>
-                </a:path>
-              </a:pathLst>
-            </a:custGeom>
-            <a:solidFill>
-              <a:srgbClr val="70B1DA"/>
-            </a:solidFill>
-          </p:spPr>
-          <p:txBody>
-            <a:bodyPr wrap="square" lIns="0" tIns="0" rIns="0" bIns="0" rtlCol="0"/>
-            <a:lstStyle/>
-            <a:p>
-              <a:endParaRPr/>
-            </a:p>
-          </p:txBody>
-        </p:sp>
-      </p:grpSp>
-      <p:sp>
-        <p:nvSpPr>
-          <p:cNvPr id="9" name="object 9"/>
-          <p:cNvSpPr txBox="1">
-            <a:spLocks noGrp="1"/>
-          </p:cNvSpPr>
-          <p:nvPr>
-            <p:ph type="title"/>
-          </p:nvPr>
-        </p:nvSpPr>
-        <p:spPr>
-          <a:xfrm>
-            <a:off x="4425950" y="901036"/>
-            <a:ext cx="11963400" cy="582339"/>
-          </a:xfrm>
-          <a:prstGeom prst="rect">
-            <a:avLst/>
-          </a:prstGeom>
-        </p:spPr>
-        <p:txBody>
-          <a:bodyPr vert="horz" wrap="square" lIns="0" tIns="15875" rIns="0" bIns="0" rtlCol="0">
-            <a:spAutoFit/>
-          </a:bodyPr>
-          <a:lstStyle/>
-          <a:p>
-            <a:pPr marL="12700" marR="902335" algn="r" defTabSz="457200">
-              <a:lnSpc>
-                <a:spcPts val="4850"/>
-              </a:lnSpc>
-              <a:spcBef>
-                <a:spcPts val="1195"/>
-              </a:spcBef>
-            </a:pPr>
-            <a:r>
-              <a:rPr lang="en-US" sz="3200" dirty="0">
-                <a:solidFill>
-                  <a:srgbClr val="2B2D3D"/>
-                </a:solidFill>
-                <a:latin typeface="Georgia"/>
-                <a:ea typeface="+mn-ea"/>
-              </a:rPr>
-              <a:t>Quadratic Discriminant Analysis (QDA)</a:t>
-            </a:r>
-          </a:p>
-        </p:txBody>
-      </p:sp>
-      <p:sp>
-        <p:nvSpPr>
-          <p:cNvPr id="15" name="object 15"/>
-          <p:cNvSpPr/>
-          <p:nvPr/>
-        </p:nvSpPr>
-        <p:spPr>
-          <a:xfrm>
-            <a:off x="11512550" y="1577747"/>
-            <a:ext cx="4048125" cy="95250"/>
-          </a:xfrm>
-          <a:custGeom>
-            <a:avLst/>
-            <a:gdLst/>
-            <a:ahLst/>
-            <a:cxnLst/>
-            <a:rect l="l" t="t" r="r" b="b"/>
-            <a:pathLst>
-              <a:path w="4048125" h="95250">
-                <a:moveTo>
-                  <a:pt x="4048125" y="0"/>
-                </a:moveTo>
-                <a:lnTo>
-                  <a:pt x="0" y="0"/>
-                </a:lnTo>
-                <a:lnTo>
-                  <a:pt x="0" y="95250"/>
-                </a:lnTo>
-                <a:lnTo>
-                  <a:pt x="4048125" y="95250"/>
-                </a:lnTo>
-                <a:lnTo>
-                  <a:pt x="4048125" y="0"/>
-                </a:lnTo>
-                <a:close/>
-              </a:path>
-            </a:pathLst>
-          </a:custGeom>
-          <a:solidFill>
-            <a:srgbClr val="70B1DA"/>
-          </a:solidFill>
-        </p:spPr>
-        <p:txBody>
-          <a:bodyPr wrap="square" lIns="0" tIns="0" rIns="0" bIns="0" rtlCol="0"/>
-          <a:lstStyle/>
-          <a:p>
-            <a:endParaRPr/>
-          </a:p>
-        </p:txBody>
-      </p:sp>
-      <p:sp>
-        <p:nvSpPr>
-          <p:cNvPr id="4" name="object 5">
-            <a:extLst>
-              <a:ext uri="{FF2B5EF4-FFF2-40B4-BE49-F238E27FC236}">
-                <a16:creationId xmlns:a16="http://schemas.microsoft.com/office/drawing/2014/main" id="{14047E5D-091E-28E3-E740-CC689EA48228}"/>
-              </a:ext>
-            </a:extLst>
-          </p:cNvPr>
-          <p:cNvSpPr/>
-          <p:nvPr/>
-        </p:nvSpPr>
-        <p:spPr>
-          <a:xfrm>
-            <a:off x="15062454" y="6675004"/>
-            <a:ext cx="3225800" cy="3612515"/>
-          </a:xfrm>
-          <a:custGeom>
-            <a:avLst/>
-            <a:gdLst/>
-            <a:ahLst/>
-            <a:cxnLst/>
-            <a:rect l="l" t="t" r="r" b="b"/>
-            <a:pathLst>
-              <a:path w="3225800" h="3612515">
-                <a:moveTo>
-                  <a:pt x="3224287" y="0"/>
-                </a:moveTo>
-                <a:lnTo>
-                  <a:pt x="0" y="3225457"/>
-                </a:lnTo>
-                <a:lnTo>
-                  <a:pt x="386694" y="3611994"/>
-                </a:lnTo>
-                <a:lnTo>
-                  <a:pt x="3225506" y="3611994"/>
-                </a:lnTo>
-                <a:lnTo>
-                  <a:pt x="3225506" y="1219"/>
-                </a:lnTo>
-                <a:lnTo>
-                  <a:pt x="3224287" y="0"/>
-                </a:lnTo>
-                <a:close/>
-              </a:path>
-            </a:pathLst>
-          </a:custGeom>
-          <a:solidFill>
-            <a:srgbClr val="70B1DA"/>
-          </a:solidFill>
-        </p:spPr>
-        <p:txBody>
-          <a:bodyPr wrap="square" lIns="0" tIns="0" rIns="0" bIns="0" rtlCol="0"/>
-          <a:lstStyle/>
-          <a:p>
-            <a:endParaRPr/>
-          </a:p>
-        </p:txBody>
-      </p:sp>
-      <p:sp>
-        <p:nvSpPr>
           <p:cNvPr id="17" name="TextBox 16">
             <a:extLst>
               <a:ext uri="{FF2B5EF4-FFF2-40B4-BE49-F238E27FC236}">
@@ -13767,7 +16442,7 @@
           <p:nvPr/>
         </p:nvPicPr>
         <p:blipFill>
-          <a:blip r:embed="rId2"/>
+          <a:blip r:embed="rId3"/>
           <a:stretch>
             <a:fillRect/>
           </a:stretch>
@@ -13863,7 +16538,7 @@
 </p:sld>
 </file>
 
-<file path=ppt/slides/slide25.xml><?xml version="1.0" encoding="utf-8"?>
+<file path=ppt/slides/slide24.xml><?xml version="1.0" encoding="utf-8"?>
 <p:sld xmlns:a="http://schemas.openxmlformats.org/drawingml/2006/main" xmlns:r="http://schemas.openxmlformats.org/officeDocument/2006/relationships" xmlns:p="http://schemas.openxmlformats.org/presentationml/2006/main">
   <p:cSld>
     <p:spTree>
@@ -14186,8 +16861,8 @@
         </p:nvSpPr>
         <p:spPr>
           <a:xfrm>
-            <a:off x="1377950" y="2997939"/>
-            <a:ext cx="9150350" cy="3139321"/>
+            <a:off x="1127707" y="3649514"/>
+            <a:ext cx="9150350" cy="646331"/>
           </a:xfrm>
           <a:prstGeom prst="rect">
             <a:avLst/>
@@ -14208,103 +16883,7 @@
                 <a:latin typeface="Georgia"/>
                 <a:cs typeface="+mj-cs"/>
               </a:rPr>
-              <a:t>This study compares the performance of multiple predictive models for employee attrition classification, focusing on Logistic Regression , LDA, and QDA. Each model was evaluated using Accuracy, F1 Score, Precision, and Recall.  </a:t>
-            </a:r>
-            <a:endParaRPr lang="tr-TR" dirty="0">
-              <a:solidFill>
-                <a:srgbClr val="2B2D3D"/>
-              </a:solidFill>
-              <a:latin typeface="Georgia"/>
-              <a:cs typeface="+mj-cs"/>
-            </a:endParaRPr>
-          </a:p>
-          <a:p>
-            <a:endParaRPr lang="tr-TR" dirty="0">
-              <a:solidFill>
-                <a:srgbClr val="2B2D3D"/>
-              </a:solidFill>
-              <a:latin typeface="Georgia"/>
-              <a:cs typeface="+mj-cs"/>
-            </a:endParaRPr>
-          </a:p>
-          <a:p>
-            <a:r>
-              <a:rPr lang="en-US" dirty="0">
-                <a:solidFill>
-                  <a:srgbClr val="2B2D3D"/>
-                </a:solidFill>
-                <a:latin typeface="Georgia"/>
-                <a:cs typeface="+mj-cs"/>
-              </a:rPr>
-              <a:t>Three variations were examined: Basic Logistic Classifier, Logistic Regression with Backward Stepwise Search, and Logistic Regression with Elastic Net Regularization. </a:t>
-            </a:r>
-            <a:endParaRPr lang="tr-TR" dirty="0">
-              <a:solidFill>
-                <a:srgbClr val="2B2D3D"/>
-              </a:solidFill>
-              <a:latin typeface="Georgia"/>
-              <a:cs typeface="+mj-cs"/>
-            </a:endParaRPr>
-          </a:p>
-          <a:p>
-            <a:endParaRPr lang="tr-TR" dirty="0">
-              <a:solidFill>
-                <a:srgbClr val="2B2D3D"/>
-              </a:solidFill>
-              <a:latin typeface="Georgia"/>
-              <a:cs typeface="+mj-cs"/>
-            </a:endParaRPr>
-          </a:p>
-          <a:p>
-            <a:r>
-              <a:rPr lang="en-US" dirty="0">
-                <a:solidFill>
-                  <a:srgbClr val="2B2D3D"/>
-                </a:solidFill>
-                <a:latin typeface="Georgia"/>
-                <a:cs typeface="+mj-cs"/>
-              </a:rPr>
-              <a:t>In conclusion, </a:t>
-            </a:r>
-            <a:r>
-              <a:rPr lang="en-US" b="1" dirty="0">
-                <a:solidFill>
-                  <a:srgbClr val="2B2D3D"/>
-                </a:solidFill>
-                <a:latin typeface="Georgia"/>
-                <a:cs typeface="+mj-cs"/>
-              </a:rPr>
-              <a:t>the Elastic Net regularization approach in logistic regression (</a:t>
-            </a:r>
-            <a:r>
-              <a:rPr lang="en-US" b="1" dirty="0" err="1">
-                <a:solidFill>
-                  <a:srgbClr val="2B2D3D"/>
-                </a:solidFill>
-                <a:latin typeface="Georgia"/>
-                <a:cs typeface="+mj-cs"/>
-              </a:rPr>
-              <a:t>gml.ELNET</a:t>
-            </a:r>
-            <a:r>
-              <a:rPr lang="en-US" b="1" dirty="0">
-                <a:solidFill>
-                  <a:srgbClr val="2B2D3D"/>
-                </a:solidFill>
-                <a:latin typeface="Georgia"/>
-                <a:cs typeface="+mj-cs"/>
-              </a:rPr>
-              <a:t>) </a:t>
-            </a:r>
-            <a:r>
-              <a:rPr lang="en-US" dirty="0">
-                <a:solidFill>
-                  <a:srgbClr val="2B2D3D"/>
-                </a:solidFill>
-                <a:latin typeface="Georgia"/>
-                <a:cs typeface="+mj-cs"/>
-              </a:rPr>
-              <a:t>emerged as the best performer due to its optimal balance of generalization, precision, and recall. This model is recommended for practical applications in predicting employee attrition and devising targeted retention strategies.</a:t>
+              <a:t>This study compares the performance of multiple predictive models for employee attrition classification, focusing on Logistic Regression , LDA, and QDA. </a:t>
             </a:r>
             <a:endParaRPr lang="tr-TR" dirty="0">
               <a:solidFill>
@@ -14331,14 +16910,14 @@
           <p:nvPr/>
         </p:nvPicPr>
         <p:blipFill>
-          <a:blip r:embed="rId2"/>
+          <a:blip r:embed="rId3"/>
           <a:stretch>
             <a:fillRect/>
           </a:stretch>
         </p:blipFill>
         <p:spPr>
           <a:xfrm>
-            <a:off x="844550" y="6137260"/>
+            <a:off x="1127707" y="4557982"/>
             <a:ext cx="15431205" cy="3931990"/>
           </a:xfrm>
           <a:prstGeom prst="rect">
@@ -14346,6 +16925,266 @@
           </a:prstGeom>
         </p:spPr>
       </p:pic>
+      <p:sp>
+        <p:nvSpPr>
+          <p:cNvPr id="8" name="Rectangle 7">
+            <a:extLst>
+              <a:ext uri="{FF2B5EF4-FFF2-40B4-BE49-F238E27FC236}">
+                <a16:creationId xmlns:a16="http://schemas.microsoft.com/office/drawing/2014/main" id="{89AE960C-07DF-BD12-8479-6CBA8236814B}"/>
+              </a:ext>
+            </a:extLst>
+          </p:cNvPr>
+          <p:cNvSpPr/>
+          <p:nvPr/>
+        </p:nvSpPr>
+        <p:spPr>
+          <a:xfrm>
+            <a:off x="11948106" y="6615493"/>
+            <a:ext cx="1240843" cy="568101"/>
+          </a:xfrm>
+          <a:prstGeom prst="rect">
+            <a:avLst/>
+          </a:prstGeom>
+          <a:solidFill>
+            <a:srgbClr val="70AD47">
+              <a:alpha val="30196"/>
+            </a:srgbClr>
+          </a:solidFill>
+          <a:ln>
+            <a:noFill/>
+          </a:ln>
+        </p:spPr>
+        <p:style>
+          <a:lnRef idx="0">
+            <a:scrgbClr r="0" g="0" b="0"/>
+          </a:lnRef>
+          <a:fillRef idx="0">
+            <a:scrgbClr r="0" g="0" b="0"/>
+          </a:fillRef>
+          <a:effectRef idx="0">
+            <a:scrgbClr r="0" g="0" b="0"/>
+          </a:effectRef>
+          <a:fontRef idx="minor">
+            <a:schemeClr val="lt1"/>
+          </a:fontRef>
+        </p:style>
+        <p:txBody>
+          <a:bodyPr rtlCol="0" anchor="ctr"/>
+          <a:lstStyle/>
+          <a:p>
+            <a:pPr algn="ctr"/>
+            <a:endParaRPr lang="en-US" b="1">
+              <a:ln w="22225">
+                <a:solidFill>
+                  <a:schemeClr val="accent2"/>
+                </a:solidFill>
+                <a:prstDash val="solid"/>
+              </a:ln>
+              <a:solidFill>
+                <a:schemeClr val="accent2">
+                  <a:lumMod val="40000"/>
+                  <a:lumOff val="60000"/>
+                </a:schemeClr>
+              </a:solidFill>
+            </a:endParaRPr>
+          </a:p>
+        </p:txBody>
+      </p:sp>
+      <p:sp>
+        <p:nvSpPr>
+          <p:cNvPr id="14" name="Rectangle 13">
+            <a:extLst>
+              <a:ext uri="{FF2B5EF4-FFF2-40B4-BE49-F238E27FC236}">
+                <a16:creationId xmlns:a16="http://schemas.microsoft.com/office/drawing/2014/main" id="{AD631A9B-1071-5930-CFCC-122AB3DB8F98}"/>
+              </a:ext>
+            </a:extLst>
+          </p:cNvPr>
+          <p:cNvSpPr/>
+          <p:nvPr/>
+        </p:nvSpPr>
+        <p:spPr>
+          <a:xfrm>
+            <a:off x="15294176" y="6615492"/>
+            <a:ext cx="1240843" cy="568101"/>
+          </a:xfrm>
+          <a:prstGeom prst="rect">
+            <a:avLst/>
+          </a:prstGeom>
+          <a:solidFill>
+            <a:srgbClr val="70AD47">
+              <a:alpha val="30196"/>
+            </a:srgbClr>
+          </a:solidFill>
+          <a:ln>
+            <a:noFill/>
+          </a:ln>
+        </p:spPr>
+        <p:style>
+          <a:lnRef idx="0">
+            <a:scrgbClr r="0" g="0" b="0"/>
+          </a:lnRef>
+          <a:fillRef idx="0">
+            <a:scrgbClr r="0" g="0" b="0"/>
+          </a:fillRef>
+          <a:effectRef idx="0">
+            <a:scrgbClr r="0" g="0" b="0"/>
+          </a:effectRef>
+          <a:fontRef idx="minor">
+            <a:schemeClr val="lt1"/>
+          </a:fontRef>
+        </p:style>
+        <p:txBody>
+          <a:bodyPr rtlCol="0" anchor="ctr"/>
+          <a:lstStyle/>
+          <a:p>
+            <a:pPr algn="ctr"/>
+            <a:endParaRPr lang="en-US" b="1">
+              <a:ln w="22225">
+                <a:solidFill>
+                  <a:schemeClr val="accent2"/>
+                </a:solidFill>
+                <a:prstDash val="solid"/>
+              </a:ln>
+              <a:solidFill>
+                <a:schemeClr val="accent2">
+                  <a:lumMod val="40000"/>
+                  <a:lumOff val="60000"/>
+                </a:schemeClr>
+              </a:solidFill>
+            </a:endParaRPr>
+          </a:p>
+        </p:txBody>
+      </p:sp>
+      <p:sp>
+        <p:nvSpPr>
+          <p:cNvPr id="15" name="Rectangle 14">
+            <a:extLst>
+              <a:ext uri="{FF2B5EF4-FFF2-40B4-BE49-F238E27FC236}">
+                <a16:creationId xmlns:a16="http://schemas.microsoft.com/office/drawing/2014/main" id="{603C3CE6-04BC-8DEC-6551-FEB99A8F8E17}"/>
+              </a:ext>
+            </a:extLst>
+          </p:cNvPr>
+          <p:cNvSpPr/>
+          <p:nvPr/>
+        </p:nvSpPr>
+        <p:spPr>
+          <a:xfrm>
+            <a:off x="10056040" y="7108004"/>
+            <a:ext cx="1240843" cy="568101"/>
+          </a:xfrm>
+          <a:prstGeom prst="rect">
+            <a:avLst/>
+          </a:prstGeom>
+          <a:solidFill>
+            <a:srgbClr val="70AD47">
+              <a:alpha val="30196"/>
+            </a:srgbClr>
+          </a:solidFill>
+          <a:ln>
+            <a:noFill/>
+          </a:ln>
+        </p:spPr>
+        <p:style>
+          <a:lnRef idx="0">
+            <a:scrgbClr r="0" g="0" b="0"/>
+          </a:lnRef>
+          <a:fillRef idx="0">
+            <a:scrgbClr r="0" g="0" b="0"/>
+          </a:fillRef>
+          <a:effectRef idx="0">
+            <a:scrgbClr r="0" g="0" b="0"/>
+          </a:effectRef>
+          <a:fontRef idx="minor">
+            <a:schemeClr val="lt1"/>
+          </a:fontRef>
+        </p:style>
+        <p:txBody>
+          <a:bodyPr rtlCol="0" anchor="ctr"/>
+          <a:lstStyle/>
+          <a:p>
+            <a:pPr algn="ctr"/>
+            <a:endParaRPr lang="en-US" b="1">
+              <a:ln w="22225">
+                <a:solidFill>
+                  <a:schemeClr val="accent2"/>
+                </a:solidFill>
+                <a:prstDash val="solid"/>
+              </a:ln>
+              <a:solidFill>
+                <a:schemeClr val="accent2">
+                  <a:lumMod val="40000"/>
+                  <a:lumOff val="60000"/>
+                </a:schemeClr>
+              </a:solidFill>
+            </a:endParaRPr>
+          </a:p>
+        </p:txBody>
+      </p:sp>
+      <p:sp>
+        <p:nvSpPr>
+          <p:cNvPr id="16" name="Rectangle 15">
+            <a:extLst>
+              <a:ext uri="{FF2B5EF4-FFF2-40B4-BE49-F238E27FC236}">
+                <a16:creationId xmlns:a16="http://schemas.microsoft.com/office/drawing/2014/main" id="{E29A69E0-1F85-EFF4-D7BD-D10E9B2F355F}"/>
+              </a:ext>
+            </a:extLst>
+          </p:cNvPr>
+          <p:cNvSpPr/>
+          <p:nvPr/>
+        </p:nvSpPr>
+        <p:spPr>
+          <a:xfrm>
+            <a:off x="13835636" y="7136054"/>
+            <a:ext cx="1240843" cy="568101"/>
+          </a:xfrm>
+          <a:prstGeom prst="rect">
+            <a:avLst/>
+          </a:prstGeom>
+          <a:solidFill>
+            <a:srgbClr val="70AD47">
+              <a:alpha val="30196"/>
+            </a:srgbClr>
+          </a:solidFill>
+          <a:ln>
+            <a:noFill/>
+          </a:ln>
+        </p:spPr>
+        <p:style>
+          <a:lnRef idx="0">
+            <a:scrgbClr r="0" g="0" b="0"/>
+          </a:lnRef>
+          <a:fillRef idx="0">
+            <a:scrgbClr r="0" g="0" b="0"/>
+          </a:fillRef>
+          <a:effectRef idx="0">
+            <a:scrgbClr r="0" g="0" b="0"/>
+          </a:effectRef>
+          <a:fontRef idx="minor">
+            <a:schemeClr val="lt1"/>
+          </a:fontRef>
+        </p:style>
+        <p:txBody>
+          <a:bodyPr rtlCol="0" anchor="ctr"/>
+          <a:lstStyle/>
+          <a:p>
+            <a:pPr algn="ctr"/>
+            <a:endParaRPr lang="en-US" b="1">
+              <a:ln w="22225">
+                <a:solidFill>
+                  <a:schemeClr val="accent2"/>
+                </a:solidFill>
+                <a:prstDash val="solid"/>
+              </a:ln>
+              <a:solidFill>
+                <a:schemeClr val="accent2">
+                  <a:lumMod val="40000"/>
+                  <a:lumOff val="60000"/>
+                </a:schemeClr>
+              </a:solidFill>
+            </a:endParaRPr>
+          </a:p>
+        </p:txBody>
+      </p:sp>
     </p:spTree>
     <p:extLst>
       <p:ext uri="{BB962C8B-B14F-4D97-AF65-F5344CB8AC3E}">
@@ -14359,7 +17198,7 @@
 </p:sld>
 </file>
 
-<file path=ppt/slides/slide26.xml><?xml version="1.0" encoding="utf-8"?>
+<file path=ppt/slides/slide25.xml><?xml version="1.0" encoding="utf-8"?>
 <p:sld xmlns:a="http://schemas.openxmlformats.org/drawingml/2006/main" xmlns:r="http://schemas.openxmlformats.org/officeDocument/2006/relationships" xmlns:p="http://schemas.openxmlformats.org/presentationml/2006/main">
   <p:cSld>
     <p:spTree>
@@ -15239,7 +18078,7 @@
             <p:nvPr/>
           </p:nvPicPr>
           <p:blipFill>
-            <a:blip r:embed="rId2" cstate="print"/>
+            <a:blip r:embed="rId3" cstate="print"/>
             <a:stretch>
               <a:fillRect/>
             </a:stretch>
@@ -16153,7 +18992,7 @@
             <p:nvPr/>
           </p:nvPicPr>
           <p:blipFill>
-            <a:blip r:embed="rId3" cstate="print"/>
+            <a:blip r:embed="rId4" cstate="print"/>
             <a:stretch>
               <a:fillRect/>
             </a:stretch>
@@ -16456,7 +19295,7 @@
           <p:nvPr/>
         </p:nvPicPr>
         <p:blipFill>
-          <a:blip r:embed="rId4" cstate="print"/>
+          <a:blip r:embed="rId5" cstate="print"/>
           <a:stretch>
             <a:fillRect/>
           </a:stretch>
@@ -17048,7 +19887,7 @@
         </p:nvSpPr>
         <p:spPr>
           <a:xfrm>
-            <a:off x="4083050" y="876186"/>
+            <a:off x="578485" y="686598"/>
             <a:ext cx="8077200" cy="1210716"/>
           </a:xfrm>
           <a:prstGeom prst="rect">
@@ -17070,44 +19909,14 @@
               </a:spcBef>
             </a:pPr>
             <a:r>
-              <a:rPr lang="en-US" sz="3200" dirty="0" err="1">
+              <a:rPr lang="en-US" sz="3200" dirty="0">
                 <a:solidFill>
                   <a:srgbClr val="2B2D3D"/>
                 </a:solidFill>
                 <a:latin typeface="Georgia"/>
                 <a:ea typeface="+mn-ea"/>
               </a:rPr>
-              <a:t>Exploraty</a:t>
-            </a:r>
-            <a:r>
-              <a:rPr lang="en-US" sz="3200" dirty="0">
-                <a:solidFill>
-                  <a:srgbClr val="2B2D3D"/>
-                </a:solidFill>
-                <a:latin typeface="Georgia"/>
-                <a:ea typeface="+mn-ea"/>
-              </a:rPr>
-              <a:t> Data </a:t>
-            </a:r>
-            <a:r>
-              <a:rPr lang="en-US" sz="3200" dirty="0" err="1">
-                <a:solidFill>
-                  <a:srgbClr val="2B2D3D"/>
-                </a:solidFill>
-                <a:latin typeface="Georgia"/>
-                <a:ea typeface="+mn-ea"/>
-              </a:rPr>
-              <a:t>Anlaysis</a:t>
-            </a:r>
-            <a:r>
-              <a:rPr lang="en-US" sz="3200" dirty="0">
-                <a:solidFill>
-                  <a:srgbClr val="2B2D3D"/>
-                </a:solidFill>
-                <a:latin typeface="Georgia"/>
-                <a:ea typeface="+mn-ea"/>
-              </a:rPr>
-              <a:t> (EDA) </a:t>
+              <a:t>Exploratory Data Analysis (EDA) </a:t>
             </a:r>
             <a:br>
               <a:rPr lang="tr-TR" sz="3200" dirty="0">
@@ -17139,7 +19948,7 @@
         </p:nvSpPr>
         <p:spPr>
           <a:xfrm>
-            <a:off x="7496175" y="2178050"/>
+            <a:off x="3740150" y="2096209"/>
             <a:ext cx="4048125" cy="95250"/>
           </a:xfrm>
           <a:custGeom>
@@ -17195,8 +20004,8 @@
         </p:nvSpPr>
         <p:spPr>
           <a:xfrm>
-            <a:off x="4064000" y="3159394"/>
-            <a:ext cx="8286750" cy="5885586"/>
+            <a:off x="2937510" y="3457424"/>
+            <a:ext cx="9701530" cy="4377480"/>
           </a:xfrm>
           <a:prstGeom prst="rect">
             <a:avLst/>
@@ -17217,7 +20026,7 @@
               </a:spcBef>
             </a:pPr>
             <a:r>
-              <a:rPr sz="2400" dirty="0">
+              <a:rPr dirty="0">
                 <a:solidFill>
                   <a:srgbClr val="2B2D3D"/>
                 </a:solidFill>
@@ -17237,16 +20046,46 @@
               </a:spcBef>
             </a:pPr>
             <a:r>
-              <a:rPr sz="2000" dirty="0">
-                <a:solidFill>
-                  <a:srgbClr val="2B2D3D"/>
-                </a:solidFill>
-                <a:latin typeface="Georgia"/>
-                <a:cs typeface="+mj-cs"/>
-              </a:rPr>
-              <a:t>Employee.ID and Company.Tenure dropped as they are not useful for predictive modeling.Company.Tenure  column gives logically incorrect numerical values.</a:t>
-            </a:r>
-            <a:endParaRPr lang="tr-TR" sz="2000" dirty="0">
+              <a:rPr dirty="0">
+                <a:solidFill>
+                  <a:srgbClr val="2B2D3D"/>
+                </a:solidFill>
+                <a:latin typeface="Georgia"/>
+                <a:cs typeface="+mj-cs"/>
+              </a:rPr>
+              <a:t>Employee.ID and Company.Tenure dropped as they are not useful for predictive modeling.</a:t>
+            </a:r>
+            <a:r>
+              <a:rPr lang="tr-TR" dirty="0">
+                <a:solidFill>
+                  <a:srgbClr val="2B2D3D"/>
+                </a:solidFill>
+                <a:latin typeface="Georgia"/>
+                <a:cs typeface="+mj-cs"/>
+              </a:rPr>
+              <a:t> </a:t>
+            </a:r>
+            <a:r>
+              <a:rPr dirty="0" err="1">
+                <a:solidFill>
+                  <a:srgbClr val="2B2D3D"/>
+                </a:solidFill>
+                <a:latin typeface="Georgia"/>
+                <a:cs typeface="+mj-cs"/>
+              </a:rPr>
+              <a:t>Company.Tenure</a:t>
+            </a:r>
+            <a:r>
+              <a:rPr dirty="0">
+                <a:solidFill>
+                  <a:srgbClr val="2B2D3D"/>
+                </a:solidFill>
+                <a:latin typeface="Georgia"/>
+                <a:cs typeface="+mj-cs"/>
+              </a:rPr>
+              <a:t>  column gives logically incorrect numerical values.</a:t>
+            </a:r>
+            <a:endParaRPr lang="tr-TR" dirty="0">
               <a:solidFill>
                 <a:srgbClr val="2B2D3D"/>
               </a:solidFill>
@@ -17263,7 +20102,7 @@
                 <a:spcPts val="1165"/>
               </a:spcBef>
             </a:pPr>
-            <a:endParaRPr lang="tr-TR" sz="2400" dirty="0">
+            <a:endParaRPr lang="tr-TR" dirty="0">
               <a:solidFill>
                 <a:srgbClr val="2B2D3D"/>
               </a:solidFill>
@@ -17278,7 +20117,7 @@
               </a:spcBef>
             </a:pPr>
             <a:r>
-              <a:rPr lang="en-US" sz="2400" dirty="0">
+              <a:rPr lang="en-US" dirty="0">
                 <a:solidFill>
                   <a:srgbClr val="2B2D3D"/>
                 </a:solidFill>
@@ -17295,7 +20134,7 @@
               </a:spcBef>
             </a:pPr>
             <a:r>
-              <a:rPr lang="en-US" sz="2000" dirty="0">
+              <a:rPr lang="en-US" dirty="0">
                 <a:solidFill>
                   <a:srgbClr val="2B2D3D"/>
                 </a:solidFill>
@@ -17305,7 +20144,7 @@
               <a:t>Some numeric columns are converted that represent categories (</a:t>
             </a:r>
             <a:r>
-              <a:rPr lang="en-US" sz="2000" dirty="0" err="1">
+              <a:rPr lang="en-US" dirty="0" err="1">
                 <a:solidFill>
                   <a:srgbClr val="2B2D3D"/>
                 </a:solidFill>
@@ -17315,7 +20154,7 @@
               <a:t>Number.of.Promotions</a:t>
             </a:r>
             <a:r>
-              <a:rPr lang="en-US" sz="2000" dirty="0">
+              <a:rPr lang="en-US" dirty="0">
                 <a:solidFill>
                   <a:srgbClr val="2B2D3D"/>
                 </a:solidFill>
@@ -17325,7 +20164,7 @@
               <a:t>, </a:t>
             </a:r>
             <a:r>
-              <a:rPr lang="en-US" sz="2000" dirty="0" err="1">
+              <a:rPr lang="en-US" dirty="0" err="1">
                 <a:solidFill>
                   <a:srgbClr val="2B2D3D"/>
                 </a:solidFill>
@@ -17335,7 +20174,7 @@
               <a:t>Number.of.Dependents</a:t>
             </a:r>
             <a:r>
-              <a:rPr lang="en-US" sz="2000" dirty="0">
+              <a:rPr lang="en-US" dirty="0">
                 <a:solidFill>
                   <a:srgbClr val="2B2D3D"/>
                 </a:solidFill>
@@ -17344,7 +20183,7 @@
               </a:rPr>
               <a:t>) to factors to treat them appropriately in analyses and visualizations.</a:t>
             </a:r>
-            <a:endParaRPr lang="tr-TR" sz="2000" dirty="0">
+            <a:endParaRPr lang="tr-TR" dirty="0">
               <a:solidFill>
                 <a:srgbClr val="2B2D3D"/>
               </a:solidFill>
@@ -17361,7 +20200,7 @@
                 <a:spcPts val="1165"/>
               </a:spcBef>
             </a:pPr>
-            <a:endParaRPr lang="tr-TR" sz="2000" dirty="0">
+            <a:endParaRPr lang="tr-TR" dirty="0">
               <a:solidFill>
                 <a:srgbClr val="2B2D3D"/>
               </a:solidFill>
@@ -17376,7 +20215,7 @@
               </a:spcBef>
             </a:pPr>
             <a:r>
-              <a:rPr lang="en-US" sz="2400" dirty="0">
+              <a:rPr lang="en-US" dirty="0">
                 <a:solidFill>
                   <a:srgbClr val="2B2D3D"/>
                 </a:solidFill>
@@ -17396,7 +20235,7 @@
               </a:spcBef>
             </a:pPr>
             <a:r>
-              <a:rPr lang="en-US" sz="2000" dirty="0">
+              <a:rPr lang="en-US" dirty="0">
                 <a:solidFill>
                   <a:srgbClr val="2B2D3D"/>
                 </a:solidFill>
@@ -17443,8 +20282,195 @@
         </p:blipFill>
         <p:spPr>
           <a:xfrm>
-            <a:off x="13188950" y="1644650"/>
-            <a:ext cx="3909060" cy="7572095"/>
+            <a:off x="14560550" y="3668138"/>
+            <a:ext cx="3223260" cy="6243656"/>
+          </a:xfrm>
+          <a:prstGeom prst="rect">
+            <a:avLst/>
+          </a:prstGeom>
+        </p:spPr>
+      </p:pic>
+      <p:pic>
+        <p:nvPicPr>
+          <p:cNvPr id="3" name="Picture 2">
+            <a:extLst>
+              <a:ext uri="{FF2B5EF4-FFF2-40B4-BE49-F238E27FC236}">
+                <a16:creationId xmlns:a16="http://schemas.microsoft.com/office/drawing/2014/main" id="{D4F1BE3A-542A-C0E9-4401-815E07976F0D}"/>
+              </a:ext>
+            </a:extLst>
+          </p:cNvPr>
+          <p:cNvPicPr>
+            <a:picLocks noChangeAspect="1"/>
+          </p:cNvPicPr>
+          <p:nvPr/>
+        </p:nvPicPr>
+        <p:blipFill rotWithShape="1">
+          <a:blip r:embed="rId3"/>
+          <a:srcRect r="52845" b="42066"/>
+          <a:stretch/>
+        </p:blipFill>
+        <p:spPr>
+          <a:xfrm>
+            <a:off x="9378950" y="733830"/>
+            <a:ext cx="8077200" cy="2915258"/>
+          </a:xfrm>
+          <a:prstGeom prst="rect">
+            <a:avLst/>
+          </a:prstGeom>
+        </p:spPr>
+      </p:pic>
+      <p:sp>
+        <p:nvSpPr>
+          <p:cNvPr id="10" name="TextBox 9">
+            <a:extLst>
+              <a:ext uri="{FF2B5EF4-FFF2-40B4-BE49-F238E27FC236}">
+                <a16:creationId xmlns:a16="http://schemas.microsoft.com/office/drawing/2014/main" id="{A05A39AE-E7C6-9DFB-0756-71EBDEB172FF}"/>
+              </a:ext>
+            </a:extLst>
+          </p:cNvPr>
+          <p:cNvSpPr txBox="1"/>
+          <p:nvPr/>
+        </p:nvSpPr>
+        <p:spPr>
+          <a:xfrm>
+            <a:off x="8902701" y="2941305"/>
+            <a:ext cx="9251950" cy="523220"/>
+          </a:xfrm>
+          <a:prstGeom prst="rect">
+            <a:avLst/>
+          </a:prstGeom>
+          <a:noFill/>
+        </p:spPr>
+        <p:txBody>
+          <a:bodyPr wrap="square">
+            <a:spAutoFit/>
+          </a:bodyPr>
+          <a:lstStyle/>
+          <a:p>
+            <a:r>
+              <a:rPr lang="en-US" dirty="0">
+                <a:solidFill>
+                  <a:srgbClr val="2B2D3D"/>
+                </a:solidFill>
+                <a:latin typeface="Georgia"/>
+                <a:cs typeface="+mj-cs"/>
+              </a:rPr>
+              <a:t> "The number of rows where </a:t>
+            </a:r>
+            <a:r>
+              <a:rPr lang="en-US" dirty="0" err="1">
+                <a:solidFill>
+                  <a:srgbClr val="2B2D3D"/>
+                </a:solidFill>
+                <a:latin typeface="Georgia"/>
+                <a:cs typeface="+mj-cs"/>
+              </a:rPr>
+              <a:t>Company.Tenure</a:t>
+            </a:r>
+            <a:r>
+              <a:rPr lang="en-US" dirty="0">
+                <a:solidFill>
+                  <a:srgbClr val="2B2D3D"/>
+                </a:solidFill>
+                <a:latin typeface="Georgia"/>
+                <a:cs typeface="+mj-cs"/>
+              </a:rPr>
+              <a:t> is &gt;= 60 : </a:t>
+            </a:r>
+            <a:r>
+              <a:rPr lang="en-US" sz="2800" b="1" dirty="0">
+                <a:solidFill>
+                  <a:srgbClr val="2B2D3D"/>
+                </a:solidFill>
+                <a:latin typeface="Georgia"/>
+                <a:cs typeface="+mj-cs"/>
+              </a:rPr>
+              <a:t>45.16</a:t>
+            </a:r>
+            <a:r>
+              <a:rPr lang="tr-TR" sz="2800" b="1" dirty="0">
+                <a:solidFill>
+                  <a:srgbClr val="2B2D3D"/>
+                </a:solidFill>
+                <a:latin typeface="Georgia"/>
+                <a:cs typeface="+mj-cs"/>
+              </a:rPr>
+              <a:t>%</a:t>
+            </a:r>
+            <a:r>
+              <a:rPr lang="en-US" dirty="0">
+                <a:solidFill>
+                  <a:srgbClr val="2B2D3D"/>
+                </a:solidFill>
+                <a:latin typeface="Georgia"/>
+                <a:cs typeface="+mj-cs"/>
+              </a:rPr>
+              <a:t>"</a:t>
+            </a:r>
+            <a:endParaRPr lang="tr-TR" dirty="0">
+              <a:solidFill>
+                <a:srgbClr val="2B2D3D"/>
+              </a:solidFill>
+              <a:latin typeface="Georgia"/>
+              <a:cs typeface="+mj-cs"/>
+            </a:endParaRPr>
+          </a:p>
+        </p:txBody>
+      </p:sp>
+      <p:pic>
+        <p:nvPicPr>
+          <p:cNvPr id="13" name="Picture 12">
+            <a:extLst>
+              <a:ext uri="{FF2B5EF4-FFF2-40B4-BE49-F238E27FC236}">
+                <a16:creationId xmlns:a16="http://schemas.microsoft.com/office/drawing/2014/main" id="{D0B442DC-285D-4F19-3299-8910DB0CA368}"/>
+              </a:ext>
+            </a:extLst>
+          </p:cNvPr>
+          <p:cNvPicPr>
+            <a:picLocks noChangeAspect="1"/>
+          </p:cNvPicPr>
+          <p:nvPr/>
+        </p:nvPicPr>
+        <p:blipFill>
+          <a:blip r:embed="rId4"/>
+          <a:stretch>
+            <a:fillRect/>
+          </a:stretch>
+        </p:blipFill>
+        <p:spPr>
+          <a:xfrm>
+            <a:off x="4838107" y="7505655"/>
+            <a:ext cx="4617085" cy="2617329"/>
+          </a:xfrm>
+          <a:prstGeom prst="rect">
+            <a:avLst/>
+          </a:prstGeom>
+        </p:spPr>
+      </p:pic>
+      <p:pic>
+        <p:nvPicPr>
+          <p:cNvPr id="16" name="Picture 15">
+            <a:extLst>
+              <a:ext uri="{FF2B5EF4-FFF2-40B4-BE49-F238E27FC236}">
+                <a16:creationId xmlns:a16="http://schemas.microsoft.com/office/drawing/2014/main" id="{90520305-B54E-B95D-9C4F-AA8A34D4CFAD}"/>
+              </a:ext>
+            </a:extLst>
+          </p:cNvPr>
+          <p:cNvPicPr>
+            <a:picLocks noChangeAspect="1"/>
+          </p:cNvPicPr>
+          <p:nvPr/>
+        </p:nvPicPr>
+        <p:blipFill>
+          <a:blip r:embed="rId5"/>
+          <a:stretch>
+            <a:fillRect/>
+          </a:stretch>
+        </p:blipFill>
+        <p:spPr>
+          <a:xfrm>
+            <a:off x="9695264" y="7643433"/>
+            <a:ext cx="4419600" cy="2341771"/>
           </a:xfrm>
           <a:prstGeom prst="rect">
             <a:avLst/>
@@ -17786,7 +20812,7 @@
         </p:blipFill>
         <p:spPr>
           <a:xfrm>
-            <a:off x="4121150" y="3255933"/>
+            <a:off x="3164578" y="3031013"/>
             <a:ext cx="12952618" cy="3083239"/>
           </a:xfrm>
           <a:prstGeom prst="rect">
@@ -17867,6 +20893,376 @@
 </file>
 
 <file path=ppt/slides/slide6.xml><?xml version="1.0" encoding="utf-8"?>
+<p:sld xmlns:a="http://schemas.openxmlformats.org/drawingml/2006/main" xmlns:r="http://schemas.openxmlformats.org/officeDocument/2006/relationships" xmlns:p="http://schemas.openxmlformats.org/presentationml/2006/main">
+  <p:cSld>
+    <p:spTree>
+      <p:nvGrpSpPr>
+        <p:cNvPr id="1" name=""/>
+        <p:cNvGrpSpPr/>
+        <p:nvPr/>
+      </p:nvGrpSpPr>
+      <p:grpSpPr>
+        <a:xfrm>
+          <a:off x="0" y="0"/>
+          <a:ext cx="0" cy="0"/>
+          <a:chOff x="0" y="0"/>
+          <a:chExt cx="0" cy="0"/>
+        </a:xfrm>
+      </p:grpSpPr>
+      <p:grpSp>
+        <p:nvGrpSpPr>
+          <p:cNvPr id="2" name="object 2"/>
+          <p:cNvGrpSpPr/>
+          <p:nvPr/>
+        </p:nvGrpSpPr>
+        <p:grpSpPr>
+          <a:xfrm>
+            <a:off x="10667504" y="0"/>
+            <a:ext cx="7620634" cy="5420995"/>
+            <a:chOff x="10667504" y="0"/>
+            <a:chExt cx="7620634" cy="5420995"/>
+          </a:xfrm>
+        </p:grpSpPr>
+        <p:sp>
+          <p:nvSpPr>
+            <p:cNvPr id="3" name="object 3"/>
+            <p:cNvSpPr/>
+            <p:nvPr/>
+          </p:nvSpPr>
+          <p:spPr>
+            <a:xfrm>
+              <a:off x="11205248" y="12"/>
+              <a:ext cx="7082790" cy="5093970"/>
+            </a:xfrm>
+            <a:custGeom>
+              <a:avLst/>
+              <a:gdLst/>
+              <a:ahLst/>
+              <a:cxnLst/>
+              <a:rect l="l" t="t" r="r" b="b"/>
+              <a:pathLst>
+                <a:path w="7082790" h="5093970">
+                  <a:moveTo>
+                    <a:pt x="2938869" y="3168307"/>
+                  </a:moveTo>
+                  <a:lnTo>
+                    <a:pt x="1738325" y="1965236"/>
+                  </a:lnTo>
+                  <a:lnTo>
+                    <a:pt x="0" y="3703548"/>
+                  </a:lnTo>
+                  <a:lnTo>
+                    <a:pt x="1200569" y="4906632"/>
+                  </a:lnTo>
+                  <a:lnTo>
+                    <a:pt x="2938869" y="3168307"/>
+                  </a:lnTo>
+                  <a:close/>
+                </a:path>
+                <a:path w="7082790" h="5093970">
+                  <a:moveTo>
+                    <a:pt x="7082701" y="558749"/>
+                  </a:moveTo>
+                  <a:lnTo>
+                    <a:pt x="6523952" y="0"/>
+                  </a:lnTo>
+                  <a:lnTo>
+                    <a:pt x="3813949" y="0"/>
+                  </a:lnTo>
+                  <a:lnTo>
+                    <a:pt x="1944712" y="1869198"/>
+                  </a:lnTo>
+                  <a:lnTo>
+                    <a:pt x="5168989" y="5093411"/>
+                  </a:lnTo>
+                  <a:lnTo>
+                    <a:pt x="7082701" y="3179661"/>
+                  </a:lnTo>
+                  <a:lnTo>
+                    <a:pt x="7082701" y="558749"/>
+                  </a:lnTo>
+                  <a:close/>
+                </a:path>
+              </a:pathLst>
+            </a:custGeom>
+            <a:solidFill>
+              <a:srgbClr val="70B1DA"/>
+            </a:solidFill>
+          </p:spPr>
+          <p:txBody>
+            <a:bodyPr wrap="square" lIns="0" tIns="0" rIns="0" bIns="0" rtlCol="0"/>
+            <a:lstStyle/>
+            <a:p>
+              <a:endParaRPr/>
+            </a:p>
+          </p:txBody>
+        </p:sp>
+        <p:sp>
+          <p:nvSpPr>
+            <p:cNvPr id="4" name="object 4"/>
+            <p:cNvSpPr/>
+            <p:nvPr/>
+          </p:nvSpPr>
+          <p:spPr>
+            <a:xfrm>
+              <a:off x="10667504" y="1430007"/>
+              <a:ext cx="2371090" cy="2371725"/>
+            </a:xfrm>
+            <a:custGeom>
+              <a:avLst/>
+              <a:gdLst/>
+              <a:ahLst/>
+              <a:cxnLst/>
+              <a:rect l="l" t="t" r="r" b="b"/>
+              <a:pathLst>
+                <a:path w="2371090" h="2371725">
+                  <a:moveTo>
+                    <a:pt x="1738312" y="0"/>
+                  </a:moveTo>
+                  <a:lnTo>
+                    <a:pt x="0" y="1738312"/>
+                  </a:lnTo>
+                  <a:lnTo>
+                    <a:pt x="632790" y="2371102"/>
+                  </a:lnTo>
+                  <a:lnTo>
+                    <a:pt x="2371077" y="630288"/>
+                  </a:lnTo>
+                  <a:lnTo>
+                    <a:pt x="1738312" y="0"/>
+                  </a:lnTo>
+                  <a:close/>
+                </a:path>
+              </a:pathLst>
+            </a:custGeom>
+            <a:solidFill>
+              <a:srgbClr val="484C68"/>
+            </a:solidFill>
+          </p:spPr>
+          <p:txBody>
+            <a:bodyPr wrap="square" lIns="0" tIns="0" rIns="0" bIns="0" rtlCol="0"/>
+            <a:lstStyle/>
+            <a:p>
+              <a:endParaRPr/>
+            </a:p>
+          </p:txBody>
+        </p:sp>
+        <p:sp>
+          <p:nvSpPr>
+            <p:cNvPr id="5" name="object 5"/>
+            <p:cNvSpPr/>
+            <p:nvPr/>
+          </p:nvSpPr>
+          <p:spPr>
+            <a:xfrm>
+              <a:off x="16535019" y="3474669"/>
+              <a:ext cx="1753235" cy="1946275"/>
+            </a:xfrm>
+            <a:custGeom>
+              <a:avLst/>
+              <a:gdLst/>
+              <a:ahLst/>
+              <a:cxnLst/>
+              <a:rect l="l" t="t" r="r" b="b"/>
+              <a:pathLst>
+                <a:path w="1753234" h="1946275">
+                  <a:moveTo>
+                    <a:pt x="1752992" y="0"/>
+                  </a:moveTo>
+                  <a:lnTo>
+                    <a:pt x="0" y="1751456"/>
+                  </a:lnTo>
+                  <a:lnTo>
+                    <a:pt x="194691" y="1946186"/>
+                  </a:lnTo>
+                  <a:lnTo>
+                    <a:pt x="1752992" y="386511"/>
+                  </a:lnTo>
+                  <a:lnTo>
+                    <a:pt x="1752992" y="0"/>
+                  </a:lnTo>
+                  <a:close/>
+                </a:path>
+              </a:pathLst>
+            </a:custGeom>
+            <a:solidFill>
+              <a:srgbClr val="70B1DA"/>
+            </a:solidFill>
+          </p:spPr>
+          <p:txBody>
+            <a:bodyPr wrap="square" lIns="0" tIns="0" rIns="0" bIns="0" rtlCol="0"/>
+            <a:lstStyle/>
+            <a:p>
+              <a:endParaRPr/>
+            </a:p>
+          </p:txBody>
+        </p:sp>
+      </p:grpSp>
+      <p:sp>
+        <p:nvSpPr>
+          <p:cNvPr id="13" name="object 13"/>
+          <p:cNvSpPr txBox="1">
+            <a:spLocks noGrp="1"/>
+          </p:cNvSpPr>
+          <p:nvPr>
+            <p:ph type="title"/>
+          </p:nvPr>
+        </p:nvSpPr>
+        <p:spPr>
+          <a:xfrm>
+            <a:off x="2199120" y="2410474"/>
+            <a:ext cx="6175450" cy="508473"/>
+          </a:xfrm>
+          <a:prstGeom prst="rect">
+            <a:avLst/>
+          </a:prstGeom>
+        </p:spPr>
+        <p:txBody>
+          <a:bodyPr vert="horz" wrap="square" lIns="0" tIns="15875" rIns="0" bIns="0" rtlCol="0">
+            <a:spAutoFit/>
+          </a:bodyPr>
+          <a:lstStyle/>
+          <a:p>
+            <a:pPr marL="12700" algn="just">
+              <a:lnSpc>
+                <a:spcPct val="100000"/>
+              </a:lnSpc>
+              <a:spcBef>
+                <a:spcPts val="95"/>
+              </a:spcBef>
+            </a:pPr>
+            <a:r>
+              <a:rPr lang="tr-TR" sz="3200" dirty="0" err="1">
+                <a:solidFill>
+                  <a:srgbClr val="2B2D3D"/>
+                </a:solidFill>
+                <a:latin typeface="Georgia"/>
+                <a:ea typeface="+mn-ea"/>
+              </a:rPr>
+              <a:t>Numerical</a:t>
+            </a:r>
+            <a:r>
+              <a:rPr lang="tr-TR" sz="3200" dirty="0">
+                <a:solidFill>
+                  <a:srgbClr val="2B2D3D"/>
+                </a:solidFill>
+                <a:latin typeface="Georgia"/>
+                <a:ea typeface="+mn-ea"/>
+              </a:rPr>
+              <a:t> </a:t>
+            </a:r>
+            <a:r>
+              <a:rPr lang="tr-TR" sz="3200" dirty="0" err="1">
+                <a:solidFill>
+                  <a:srgbClr val="2B2D3D"/>
+                </a:solidFill>
+                <a:latin typeface="Georgia"/>
+                <a:ea typeface="+mn-ea"/>
+              </a:rPr>
+              <a:t>Variables</a:t>
+            </a:r>
+            <a:r>
+              <a:rPr lang="tr-TR" sz="3200" dirty="0">
+                <a:solidFill>
+                  <a:srgbClr val="2B2D3D"/>
+                </a:solidFill>
+                <a:latin typeface="Georgia"/>
+                <a:ea typeface="+mn-ea"/>
+              </a:rPr>
+              <a:t> Distribution</a:t>
+            </a:r>
+          </a:p>
+        </p:txBody>
+      </p:sp>
+      <p:sp>
+        <p:nvSpPr>
+          <p:cNvPr id="17" name="object 17"/>
+          <p:cNvSpPr/>
+          <p:nvPr/>
+        </p:nvSpPr>
+        <p:spPr>
+          <a:xfrm>
+            <a:off x="4326445" y="3022065"/>
+            <a:ext cx="4048125" cy="95250"/>
+          </a:xfrm>
+          <a:custGeom>
+            <a:avLst/>
+            <a:gdLst/>
+            <a:ahLst/>
+            <a:cxnLst/>
+            <a:rect l="l" t="t" r="r" b="b"/>
+            <a:pathLst>
+              <a:path w="4048125" h="95250">
+                <a:moveTo>
+                  <a:pt x="4048125" y="0"/>
+                </a:moveTo>
+                <a:lnTo>
+                  <a:pt x="0" y="0"/>
+                </a:lnTo>
+                <a:lnTo>
+                  <a:pt x="0" y="95250"/>
+                </a:lnTo>
+                <a:lnTo>
+                  <a:pt x="4048125" y="95250"/>
+                </a:lnTo>
+                <a:lnTo>
+                  <a:pt x="4048125" y="0"/>
+                </a:lnTo>
+                <a:close/>
+              </a:path>
+            </a:pathLst>
+          </a:custGeom>
+          <a:solidFill>
+            <a:srgbClr val="70B1DA"/>
+          </a:solidFill>
+        </p:spPr>
+        <p:txBody>
+          <a:bodyPr wrap="square" lIns="0" tIns="0" rIns="0" bIns="0" rtlCol="0"/>
+          <a:lstStyle/>
+          <a:p>
+            <a:endParaRPr/>
+          </a:p>
+        </p:txBody>
+      </p:sp>
+      <p:pic>
+        <p:nvPicPr>
+          <p:cNvPr id="20" name="Picture 19">
+            <a:extLst>
+              <a:ext uri="{FF2B5EF4-FFF2-40B4-BE49-F238E27FC236}">
+                <a16:creationId xmlns:a16="http://schemas.microsoft.com/office/drawing/2014/main" id="{51A81468-06CF-349A-DB21-E265A9837BC0}"/>
+              </a:ext>
+            </a:extLst>
+          </p:cNvPr>
+          <p:cNvPicPr>
+            <a:picLocks noChangeAspect="1"/>
+          </p:cNvPicPr>
+          <p:nvPr/>
+        </p:nvPicPr>
+        <p:blipFill>
+          <a:blip r:embed="rId2"/>
+          <a:stretch>
+            <a:fillRect/>
+          </a:stretch>
+        </p:blipFill>
+        <p:spPr>
+          <a:xfrm>
+            <a:off x="816482" y="3474669"/>
+            <a:ext cx="9582150" cy="5191125"/>
+          </a:xfrm>
+          <a:prstGeom prst="rect">
+            <a:avLst/>
+          </a:prstGeom>
+        </p:spPr>
+      </p:pic>
+    </p:spTree>
+  </p:cSld>
+  <p:clrMapOvr>
+    <a:masterClrMapping/>
+  </p:clrMapOvr>
+</p:sld>
+</file>
+
+<file path=ppt/slides/slide7.xml><?xml version="1.0" encoding="utf-8"?>
 <p:sld xmlns:a="http://schemas.openxmlformats.org/drawingml/2006/main" xmlns:r="http://schemas.openxmlformats.org/officeDocument/2006/relationships" xmlns:p="http://schemas.openxmlformats.org/presentationml/2006/main">
   <p:cSld>
     <p:spTree>
@@ -18277,8 +21673,8 @@
         </p:blipFill>
         <p:spPr>
           <a:xfrm>
-            <a:off x="6807987" y="6052159"/>
-            <a:ext cx="6516648" cy="3566106"/>
+            <a:off x="6807987" y="6247527"/>
+            <a:ext cx="6159634" cy="3370737"/>
           </a:xfrm>
           <a:prstGeom prst="rect">
             <a:avLst/>
@@ -18307,8 +21703,8 @@
         </p:blipFill>
         <p:spPr>
           <a:xfrm>
-            <a:off x="13503089" y="6356083"/>
-            <a:ext cx="4718851" cy="2556435"/>
+            <a:off x="13163826" y="6356084"/>
+            <a:ext cx="5122154" cy="2774924"/>
           </a:xfrm>
           <a:prstGeom prst="rect">
             <a:avLst/>
@@ -18371,376 +21767,6 @@
           </a:p>
         </p:txBody>
       </p:sp>
-    </p:spTree>
-  </p:cSld>
-  <p:clrMapOvr>
-    <a:masterClrMapping/>
-  </p:clrMapOvr>
-</p:sld>
-</file>
-
-<file path=ppt/slides/slide7.xml><?xml version="1.0" encoding="utf-8"?>
-<p:sld xmlns:a="http://schemas.openxmlformats.org/drawingml/2006/main" xmlns:r="http://schemas.openxmlformats.org/officeDocument/2006/relationships" xmlns:p="http://schemas.openxmlformats.org/presentationml/2006/main">
-  <p:cSld>
-    <p:spTree>
-      <p:nvGrpSpPr>
-        <p:cNvPr id="1" name=""/>
-        <p:cNvGrpSpPr/>
-        <p:nvPr/>
-      </p:nvGrpSpPr>
-      <p:grpSpPr>
-        <a:xfrm>
-          <a:off x="0" y="0"/>
-          <a:ext cx="0" cy="0"/>
-          <a:chOff x="0" y="0"/>
-          <a:chExt cx="0" cy="0"/>
-        </a:xfrm>
-      </p:grpSpPr>
-      <p:grpSp>
-        <p:nvGrpSpPr>
-          <p:cNvPr id="2" name="object 2"/>
-          <p:cNvGrpSpPr/>
-          <p:nvPr/>
-        </p:nvGrpSpPr>
-        <p:grpSpPr>
-          <a:xfrm>
-            <a:off x="10667504" y="0"/>
-            <a:ext cx="7620634" cy="5420995"/>
-            <a:chOff x="10667504" y="0"/>
-            <a:chExt cx="7620634" cy="5420995"/>
-          </a:xfrm>
-        </p:grpSpPr>
-        <p:sp>
-          <p:nvSpPr>
-            <p:cNvPr id="3" name="object 3"/>
-            <p:cNvSpPr/>
-            <p:nvPr/>
-          </p:nvSpPr>
-          <p:spPr>
-            <a:xfrm>
-              <a:off x="11205248" y="12"/>
-              <a:ext cx="7082790" cy="5093970"/>
-            </a:xfrm>
-            <a:custGeom>
-              <a:avLst/>
-              <a:gdLst/>
-              <a:ahLst/>
-              <a:cxnLst/>
-              <a:rect l="l" t="t" r="r" b="b"/>
-              <a:pathLst>
-                <a:path w="7082790" h="5093970">
-                  <a:moveTo>
-                    <a:pt x="2938869" y="3168307"/>
-                  </a:moveTo>
-                  <a:lnTo>
-                    <a:pt x="1738325" y="1965236"/>
-                  </a:lnTo>
-                  <a:lnTo>
-                    <a:pt x="0" y="3703548"/>
-                  </a:lnTo>
-                  <a:lnTo>
-                    <a:pt x="1200569" y="4906632"/>
-                  </a:lnTo>
-                  <a:lnTo>
-                    <a:pt x="2938869" y="3168307"/>
-                  </a:lnTo>
-                  <a:close/>
-                </a:path>
-                <a:path w="7082790" h="5093970">
-                  <a:moveTo>
-                    <a:pt x="7082701" y="558749"/>
-                  </a:moveTo>
-                  <a:lnTo>
-                    <a:pt x="6523952" y="0"/>
-                  </a:lnTo>
-                  <a:lnTo>
-                    <a:pt x="3813949" y="0"/>
-                  </a:lnTo>
-                  <a:lnTo>
-                    <a:pt x="1944712" y="1869198"/>
-                  </a:lnTo>
-                  <a:lnTo>
-                    <a:pt x="5168989" y="5093411"/>
-                  </a:lnTo>
-                  <a:lnTo>
-                    <a:pt x="7082701" y="3179661"/>
-                  </a:lnTo>
-                  <a:lnTo>
-                    <a:pt x="7082701" y="558749"/>
-                  </a:lnTo>
-                  <a:close/>
-                </a:path>
-              </a:pathLst>
-            </a:custGeom>
-            <a:solidFill>
-              <a:srgbClr val="70B1DA"/>
-            </a:solidFill>
-          </p:spPr>
-          <p:txBody>
-            <a:bodyPr wrap="square" lIns="0" tIns="0" rIns="0" bIns="0" rtlCol="0"/>
-            <a:lstStyle/>
-            <a:p>
-              <a:endParaRPr/>
-            </a:p>
-          </p:txBody>
-        </p:sp>
-        <p:sp>
-          <p:nvSpPr>
-            <p:cNvPr id="4" name="object 4"/>
-            <p:cNvSpPr/>
-            <p:nvPr/>
-          </p:nvSpPr>
-          <p:spPr>
-            <a:xfrm>
-              <a:off x="10667504" y="1430007"/>
-              <a:ext cx="2371090" cy="2371725"/>
-            </a:xfrm>
-            <a:custGeom>
-              <a:avLst/>
-              <a:gdLst/>
-              <a:ahLst/>
-              <a:cxnLst/>
-              <a:rect l="l" t="t" r="r" b="b"/>
-              <a:pathLst>
-                <a:path w="2371090" h="2371725">
-                  <a:moveTo>
-                    <a:pt x="1738312" y="0"/>
-                  </a:moveTo>
-                  <a:lnTo>
-                    <a:pt x="0" y="1738312"/>
-                  </a:lnTo>
-                  <a:lnTo>
-                    <a:pt x="632790" y="2371102"/>
-                  </a:lnTo>
-                  <a:lnTo>
-                    <a:pt x="2371077" y="630288"/>
-                  </a:lnTo>
-                  <a:lnTo>
-                    <a:pt x="1738312" y="0"/>
-                  </a:lnTo>
-                  <a:close/>
-                </a:path>
-              </a:pathLst>
-            </a:custGeom>
-            <a:solidFill>
-              <a:srgbClr val="484C68"/>
-            </a:solidFill>
-          </p:spPr>
-          <p:txBody>
-            <a:bodyPr wrap="square" lIns="0" tIns="0" rIns="0" bIns="0" rtlCol="0"/>
-            <a:lstStyle/>
-            <a:p>
-              <a:endParaRPr/>
-            </a:p>
-          </p:txBody>
-        </p:sp>
-        <p:sp>
-          <p:nvSpPr>
-            <p:cNvPr id="5" name="object 5"/>
-            <p:cNvSpPr/>
-            <p:nvPr/>
-          </p:nvSpPr>
-          <p:spPr>
-            <a:xfrm>
-              <a:off x="16535019" y="3474669"/>
-              <a:ext cx="1753235" cy="1946275"/>
-            </a:xfrm>
-            <a:custGeom>
-              <a:avLst/>
-              <a:gdLst/>
-              <a:ahLst/>
-              <a:cxnLst/>
-              <a:rect l="l" t="t" r="r" b="b"/>
-              <a:pathLst>
-                <a:path w="1753234" h="1946275">
-                  <a:moveTo>
-                    <a:pt x="1752992" y="0"/>
-                  </a:moveTo>
-                  <a:lnTo>
-                    <a:pt x="0" y="1751456"/>
-                  </a:lnTo>
-                  <a:lnTo>
-                    <a:pt x="194691" y="1946186"/>
-                  </a:lnTo>
-                  <a:lnTo>
-                    <a:pt x="1752992" y="386511"/>
-                  </a:lnTo>
-                  <a:lnTo>
-                    <a:pt x="1752992" y="0"/>
-                  </a:lnTo>
-                  <a:close/>
-                </a:path>
-              </a:pathLst>
-            </a:custGeom>
-            <a:solidFill>
-              <a:srgbClr val="70B1DA"/>
-            </a:solidFill>
-          </p:spPr>
-          <p:txBody>
-            <a:bodyPr wrap="square" lIns="0" tIns="0" rIns="0" bIns="0" rtlCol="0"/>
-            <a:lstStyle/>
-            <a:p>
-              <a:endParaRPr/>
-            </a:p>
-          </p:txBody>
-        </p:sp>
-      </p:grpSp>
-      <p:sp>
-        <p:nvSpPr>
-          <p:cNvPr id="13" name="object 13"/>
-          <p:cNvSpPr txBox="1">
-            <a:spLocks noGrp="1"/>
-          </p:cNvSpPr>
-          <p:nvPr>
-            <p:ph type="title"/>
-          </p:nvPr>
-        </p:nvSpPr>
-        <p:spPr>
-          <a:xfrm>
-            <a:off x="2199120" y="2410474"/>
-            <a:ext cx="6175450" cy="508473"/>
-          </a:xfrm>
-          <a:prstGeom prst="rect">
-            <a:avLst/>
-          </a:prstGeom>
-        </p:spPr>
-        <p:txBody>
-          <a:bodyPr vert="horz" wrap="square" lIns="0" tIns="15875" rIns="0" bIns="0" rtlCol="0">
-            <a:spAutoFit/>
-          </a:bodyPr>
-          <a:lstStyle/>
-          <a:p>
-            <a:pPr marL="12700" algn="just">
-              <a:lnSpc>
-                <a:spcPct val="100000"/>
-              </a:lnSpc>
-              <a:spcBef>
-                <a:spcPts val="95"/>
-              </a:spcBef>
-            </a:pPr>
-            <a:r>
-              <a:rPr lang="tr-TR" sz="3200" dirty="0" err="1">
-                <a:solidFill>
-                  <a:srgbClr val="2B2D3D"/>
-                </a:solidFill>
-                <a:latin typeface="Georgia"/>
-                <a:ea typeface="+mn-ea"/>
-              </a:rPr>
-              <a:t>Numerical</a:t>
-            </a:r>
-            <a:r>
-              <a:rPr lang="tr-TR" sz="3200" dirty="0">
-                <a:solidFill>
-                  <a:srgbClr val="2B2D3D"/>
-                </a:solidFill>
-                <a:latin typeface="Georgia"/>
-                <a:ea typeface="+mn-ea"/>
-              </a:rPr>
-              <a:t> </a:t>
-            </a:r>
-            <a:r>
-              <a:rPr lang="tr-TR" sz="3200" dirty="0" err="1">
-                <a:solidFill>
-                  <a:srgbClr val="2B2D3D"/>
-                </a:solidFill>
-                <a:latin typeface="Georgia"/>
-                <a:ea typeface="+mn-ea"/>
-              </a:rPr>
-              <a:t>Variables</a:t>
-            </a:r>
-            <a:r>
-              <a:rPr lang="tr-TR" sz="3200" dirty="0">
-                <a:solidFill>
-                  <a:srgbClr val="2B2D3D"/>
-                </a:solidFill>
-                <a:latin typeface="Georgia"/>
-                <a:ea typeface="+mn-ea"/>
-              </a:rPr>
-              <a:t> Distribution</a:t>
-            </a:r>
-          </a:p>
-        </p:txBody>
-      </p:sp>
-      <p:sp>
-        <p:nvSpPr>
-          <p:cNvPr id="17" name="object 17"/>
-          <p:cNvSpPr/>
-          <p:nvPr/>
-        </p:nvSpPr>
-        <p:spPr>
-          <a:xfrm>
-            <a:off x="4326445" y="3022065"/>
-            <a:ext cx="4048125" cy="95250"/>
-          </a:xfrm>
-          <a:custGeom>
-            <a:avLst/>
-            <a:gdLst/>
-            <a:ahLst/>
-            <a:cxnLst/>
-            <a:rect l="l" t="t" r="r" b="b"/>
-            <a:pathLst>
-              <a:path w="4048125" h="95250">
-                <a:moveTo>
-                  <a:pt x="4048125" y="0"/>
-                </a:moveTo>
-                <a:lnTo>
-                  <a:pt x="0" y="0"/>
-                </a:lnTo>
-                <a:lnTo>
-                  <a:pt x="0" y="95250"/>
-                </a:lnTo>
-                <a:lnTo>
-                  <a:pt x="4048125" y="95250"/>
-                </a:lnTo>
-                <a:lnTo>
-                  <a:pt x="4048125" y="0"/>
-                </a:lnTo>
-                <a:close/>
-              </a:path>
-            </a:pathLst>
-          </a:custGeom>
-          <a:solidFill>
-            <a:srgbClr val="70B1DA"/>
-          </a:solidFill>
-        </p:spPr>
-        <p:txBody>
-          <a:bodyPr wrap="square" lIns="0" tIns="0" rIns="0" bIns="0" rtlCol="0"/>
-          <a:lstStyle/>
-          <a:p>
-            <a:endParaRPr/>
-          </a:p>
-        </p:txBody>
-      </p:sp>
-      <p:pic>
-        <p:nvPicPr>
-          <p:cNvPr id="20" name="Picture 19">
-            <a:extLst>
-              <a:ext uri="{FF2B5EF4-FFF2-40B4-BE49-F238E27FC236}">
-                <a16:creationId xmlns:a16="http://schemas.microsoft.com/office/drawing/2014/main" id="{51A81468-06CF-349A-DB21-E265A9837BC0}"/>
-              </a:ext>
-            </a:extLst>
-          </p:cNvPr>
-          <p:cNvPicPr>
-            <a:picLocks noChangeAspect="1"/>
-          </p:cNvPicPr>
-          <p:nvPr/>
-        </p:nvPicPr>
-        <p:blipFill>
-          <a:blip r:embed="rId2"/>
-          <a:stretch>
-            <a:fillRect/>
-          </a:stretch>
-        </p:blipFill>
-        <p:spPr>
-          <a:xfrm>
-            <a:off x="816482" y="3474669"/>
-            <a:ext cx="9582150" cy="5191125"/>
-          </a:xfrm>
-          <a:prstGeom prst="rect">
-            <a:avLst/>
-          </a:prstGeom>
-        </p:spPr>
-      </p:pic>
     </p:spTree>
   </p:cSld>
   <p:clrMapOvr>
@@ -18931,36 +21957,6 @@
           </p:txBody>
         </p:sp>
       </p:grpSp>
-      <p:pic>
-        <p:nvPicPr>
-          <p:cNvPr id="7" name="Picture 6">
-            <a:extLst>
-              <a:ext uri="{FF2B5EF4-FFF2-40B4-BE49-F238E27FC236}">
-                <a16:creationId xmlns:a16="http://schemas.microsoft.com/office/drawing/2014/main" id="{1B003E2C-03EA-C18B-9991-76D8306E5889}"/>
-              </a:ext>
-            </a:extLst>
-          </p:cNvPr>
-          <p:cNvPicPr>
-            <a:picLocks noChangeAspect="1"/>
-          </p:cNvPicPr>
-          <p:nvPr/>
-        </p:nvPicPr>
-        <p:blipFill>
-          <a:blip r:embed="rId2"/>
-          <a:stretch>
-            <a:fillRect/>
-          </a:stretch>
-        </p:blipFill>
-        <p:spPr>
-          <a:xfrm>
-            <a:off x="2786530" y="3996148"/>
-            <a:ext cx="7855995" cy="4255981"/>
-          </a:xfrm>
-          <a:prstGeom prst="rect">
-            <a:avLst/>
-          </a:prstGeom>
-        </p:spPr>
-      </p:pic>
       <p:sp>
         <p:nvSpPr>
           <p:cNvPr id="13" name="object 13"/>
@@ -19032,7 +22028,7 @@
           <p:nvPr/>
         </p:nvPicPr>
         <p:blipFill>
-          <a:blip r:embed="rId3"/>
+          <a:blip r:embed="rId2"/>
           <a:stretch>
             <a:fillRect/>
           </a:stretch>
@@ -19049,10 +22045,40 @@
       </p:pic>
       <p:pic>
         <p:nvPicPr>
-          <p:cNvPr id="18" name="Picture 17">
+          <p:cNvPr id="8" name="Picture 7">
             <a:extLst>
               <a:ext uri="{FF2B5EF4-FFF2-40B4-BE49-F238E27FC236}">
-                <a16:creationId xmlns:a16="http://schemas.microsoft.com/office/drawing/2014/main" id="{B59D85BB-A338-4348-6B1E-19F3447A3B4C}"/>
+                <a16:creationId xmlns:a16="http://schemas.microsoft.com/office/drawing/2014/main" id="{7A55D238-849C-6E92-3AFB-5022E883CBB2}"/>
+              </a:ext>
+            </a:extLst>
+          </p:cNvPr>
+          <p:cNvPicPr>
+            <a:picLocks noChangeAspect="1"/>
+          </p:cNvPicPr>
+          <p:nvPr/>
+        </p:nvPicPr>
+        <p:blipFill>
+          <a:blip r:embed="rId3"/>
+          <a:stretch>
+            <a:fillRect/>
+          </a:stretch>
+        </p:blipFill>
+        <p:spPr>
+          <a:xfrm>
+            <a:off x="10863680" y="4055756"/>
+            <a:ext cx="6196815" cy="5153025"/>
+          </a:xfrm>
+          <a:prstGeom prst="rect">
+            <a:avLst/>
+          </a:prstGeom>
+        </p:spPr>
+      </p:pic>
+      <p:pic>
+        <p:nvPicPr>
+          <p:cNvPr id="10" name="Picture 9">
+            <a:extLst>
+              <a:ext uri="{FF2B5EF4-FFF2-40B4-BE49-F238E27FC236}">
+                <a16:creationId xmlns:a16="http://schemas.microsoft.com/office/drawing/2014/main" id="{9AA2CA9C-E046-078F-BE59-B134BB89F103}"/>
               </a:ext>
             </a:extLst>
           </p:cNvPr>
@@ -19069,8 +22095,8 @@
         </p:blipFill>
         <p:spPr>
           <a:xfrm>
-            <a:off x="10381005" y="3778250"/>
-            <a:ext cx="6819900" cy="5162550"/>
+            <a:off x="4806950" y="3432425"/>
+            <a:ext cx="5954943" cy="5776356"/>
           </a:xfrm>
           <a:prstGeom prst="rect">
             <a:avLst/>
@@ -19102,6 +22128,36 @@
           <a:chExt cx="0" cy="0"/>
         </a:xfrm>
       </p:grpSpPr>
+      <p:pic>
+        <p:nvPicPr>
+          <p:cNvPr id="34" name="Picture 33">
+            <a:extLst>
+              <a:ext uri="{FF2B5EF4-FFF2-40B4-BE49-F238E27FC236}">
+                <a16:creationId xmlns:a16="http://schemas.microsoft.com/office/drawing/2014/main" id="{5F37E37C-611C-EE28-5EC1-062F39EA7BA9}"/>
+              </a:ext>
+            </a:extLst>
+          </p:cNvPr>
+          <p:cNvPicPr>
+            <a:picLocks noChangeAspect="1"/>
+          </p:cNvPicPr>
+          <p:nvPr/>
+        </p:nvPicPr>
+        <p:blipFill>
+          <a:blip r:embed="rId2"/>
+          <a:stretch>
+            <a:fillRect/>
+          </a:stretch>
+        </p:blipFill>
+        <p:spPr>
+          <a:xfrm>
+            <a:off x="18923" y="2310573"/>
+            <a:ext cx="13803735" cy="6858000"/>
+          </a:xfrm>
+          <a:prstGeom prst="rect">
+            <a:avLst/>
+          </a:prstGeom>
+        </p:spPr>
+      </p:pic>
       <p:grpSp>
         <p:nvGrpSpPr>
           <p:cNvPr id="2" name="object 2"/>
@@ -19110,10 +22166,10 @@
         </p:nvGrpSpPr>
         <p:grpSpPr>
           <a:xfrm>
-            <a:off x="12640783" y="0"/>
-            <a:ext cx="5647690" cy="5734685"/>
-            <a:chOff x="12640783" y="0"/>
-            <a:chExt cx="5647690" cy="5734685"/>
+            <a:off x="11371783" y="0"/>
+            <a:ext cx="3476625" cy="1929764"/>
+            <a:chOff x="11371783" y="0"/>
+            <a:chExt cx="3476625" cy="1929764"/>
           </a:xfrm>
         </p:grpSpPr>
         <p:sp>
@@ -19124,8 +22180,8 @@
           </p:nvSpPr>
           <p:spPr>
             <a:xfrm>
-              <a:off x="16373094" y="2795257"/>
-              <a:ext cx="1915160" cy="2939415"/>
+              <a:off x="11907024" y="0"/>
+              <a:ext cx="2941955" cy="1929764"/>
             </a:xfrm>
             <a:custGeom>
               <a:avLst/>
@@ -19134,24 +22190,24 @@
               <a:cxnLst/>
               <a:rect l="l" t="t" r="r" b="b"/>
               <a:pathLst>
-                <a:path w="1915159" h="2939415">
+                <a:path w="2941955" h="1929764">
                   <a:moveTo>
-                    <a:pt x="1739646" y="0"/>
+                    <a:pt x="2749660" y="0"/>
                   </a:moveTo>
                   <a:lnTo>
-                    <a:pt x="0" y="1738312"/>
-                  </a:lnTo>
-                  <a:lnTo>
-                    <a:pt x="1201420" y="2938868"/>
-                  </a:lnTo>
-                  <a:lnTo>
-                    <a:pt x="1914942" y="2225893"/>
-                  </a:lnTo>
-                  <a:lnTo>
-                    <a:pt x="1914942" y="175170"/>
-                  </a:lnTo>
-                  <a:lnTo>
-                    <a:pt x="1739646" y="0"/>
+                    <a:pt x="729140" y="0"/>
+                  </a:lnTo>
+                  <a:lnTo>
+                    <a:pt x="0" y="729118"/>
+                  </a:lnTo>
+                  <a:lnTo>
+                    <a:pt x="1203058" y="1929688"/>
+                  </a:lnTo>
+                  <a:lnTo>
+                    <a:pt x="2941382" y="191427"/>
+                  </a:lnTo>
+                  <a:lnTo>
+                    <a:pt x="2749660" y="0"/>
                   </a:lnTo>
                   <a:close/>
                 </a:path>
@@ -19177,8 +22233,8 @@
           </p:nvSpPr>
           <p:spPr>
             <a:xfrm>
-              <a:off x="12640780" y="12"/>
-              <a:ext cx="5647690" cy="4629150"/>
+              <a:off x="11371783" y="0"/>
+              <a:ext cx="1454785" cy="824230"/>
             </a:xfrm>
             <a:custGeom>
               <a:avLst/>
@@ -19187,39 +22243,21 @@
               <a:cxnLst/>
               <a:rect l="l" t="t" r="r" b="b"/>
               <a:pathLst>
-                <a:path w="5647690" h="4629150">
+                <a:path w="1454784" h="824230">
                   <a:moveTo>
-                    <a:pt x="5567083" y="2890278"/>
+                    <a:pt x="1454454" y="0"/>
                   </a:moveTo>
                   <a:lnTo>
-                    <a:pt x="4936274" y="2257488"/>
-                  </a:lnTo>
-                  <a:lnTo>
-                    <a:pt x="3196755" y="3995801"/>
-                  </a:lnTo>
-                  <a:lnTo>
-                    <a:pt x="3827437" y="4628591"/>
-                  </a:lnTo>
-                  <a:lnTo>
-                    <a:pt x="5567083" y="2890278"/>
-                  </a:lnTo>
-                  <a:close/>
-                </a:path>
-                <a:path w="5647690" h="4629150">
-                  <a:moveTo>
-                    <a:pt x="5647207" y="0"/>
-                  </a:moveTo>
-                  <a:lnTo>
-                    <a:pt x="0" y="0"/>
-                  </a:lnTo>
-                  <a:lnTo>
-                    <a:pt x="3075978" y="3075914"/>
-                  </a:lnTo>
-                  <a:lnTo>
-                    <a:pt x="5647207" y="504634"/>
-                  </a:lnTo>
-                  <a:lnTo>
-                    <a:pt x="5647207" y="0"/>
+                    <a:pt x="191374" y="0"/>
+                  </a:lnTo>
+                  <a:lnTo>
+                    <a:pt x="0" y="191375"/>
+                  </a:lnTo>
+                  <a:lnTo>
+                    <a:pt x="630288" y="824165"/>
+                  </a:lnTo>
+                  <a:lnTo>
+                    <a:pt x="1454454" y="0"/>
                   </a:lnTo>
                   <a:close/>
                 </a:path>
@@ -19240,14 +22278,14 @@
       </p:grpSp>
       <p:sp>
         <p:nvSpPr>
-          <p:cNvPr id="5" name="object 5"/>
+          <p:cNvPr id="9" name="object 9"/>
           <p:cNvSpPr/>
           <p:nvPr/>
         </p:nvSpPr>
         <p:spPr>
           <a:xfrm>
-            <a:off x="15062454" y="6675004"/>
-            <a:ext cx="3225800" cy="3612515"/>
+            <a:off x="13284327" y="0"/>
+            <a:ext cx="5003800" cy="5329555"/>
           </a:xfrm>
           <a:custGeom>
             <a:avLst/>
@@ -19256,31 +22294,34 @@
             <a:cxnLst/>
             <a:rect l="l" t="t" r="r" b="b"/>
             <a:pathLst>
-              <a:path w="3225800" h="3612515">
+              <a:path w="5003800" h="5329555">
                 <a:moveTo>
-                  <a:pt x="3224287" y="0"/>
+                  <a:pt x="4344879" y="0"/>
                 </a:moveTo>
                 <a:lnTo>
-                  <a:pt x="0" y="3225457"/>
+                  <a:pt x="2105120" y="0"/>
                 </a:lnTo>
                 <a:lnTo>
-                  <a:pt x="386694" y="3611994"/>
+                  <a:pt x="0" y="2103512"/>
                 </a:lnTo>
                 <a:lnTo>
-                  <a:pt x="3225506" y="3611994"/>
+                  <a:pt x="3225419" y="5328982"/>
                 </a:lnTo>
                 <a:lnTo>
-                  <a:pt x="3225506" y="1219"/>
+                  <a:pt x="5003722" y="3549320"/>
                 </a:lnTo>
                 <a:lnTo>
-                  <a:pt x="3224287" y="0"/>
+                  <a:pt x="5003722" y="658832"/>
+                </a:lnTo>
+                <a:lnTo>
+                  <a:pt x="4344879" y="0"/>
                 </a:lnTo>
                 <a:close/>
               </a:path>
             </a:pathLst>
           </a:custGeom>
           <a:solidFill>
-            <a:srgbClr val="70B1DA"/>
+            <a:srgbClr val="484C68"/>
           </a:solidFill>
         </p:spPr>
         <p:txBody>
@@ -19293,57 +22334,89 @@
       </p:sp>
       <p:sp>
         <p:nvSpPr>
-          <p:cNvPr id="7" name="object 7"/>
-          <p:cNvSpPr/>
+          <p:cNvPr id="29" name="TextBox 28">
+            <a:extLst>
+              <a:ext uri="{FF2B5EF4-FFF2-40B4-BE49-F238E27FC236}">
+                <a16:creationId xmlns:a16="http://schemas.microsoft.com/office/drawing/2014/main" id="{3F2A7245-C3F8-F5D5-1331-ACDDAFEF6A59}"/>
+              </a:ext>
+            </a:extLst>
+          </p:cNvPr>
+          <p:cNvSpPr txBox="1"/>
           <p:nvPr/>
         </p:nvSpPr>
         <p:spPr>
           <a:xfrm>
-            <a:off x="15857474" y="815687"/>
-            <a:ext cx="2430780" cy="2623185"/>
+            <a:off x="9607550" y="9264650"/>
+            <a:ext cx="9150350" cy="584775"/>
           </a:xfrm>
-          <a:custGeom>
+          <a:prstGeom prst="rect">
             <a:avLst/>
-            <a:gdLst/>
-            <a:ahLst/>
-            <a:cxnLst/>
-            <a:rect l="l" t="t" r="r" b="b"/>
-            <a:pathLst>
-              <a:path w="2430780" h="2623185">
-                <a:moveTo>
-                  <a:pt x="2430499" y="0"/>
-                </a:moveTo>
-                <a:lnTo>
-                  <a:pt x="0" y="2430433"/>
-                </a:lnTo>
-                <a:lnTo>
-                  <a:pt x="194818" y="2622660"/>
-                </a:lnTo>
-                <a:lnTo>
-                  <a:pt x="2430499" y="386907"/>
-                </a:lnTo>
-                <a:lnTo>
-                  <a:pt x="2430499" y="0"/>
-                </a:lnTo>
-                <a:close/>
-              </a:path>
-            </a:pathLst>
-          </a:custGeom>
-          <a:solidFill>
-            <a:srgbClr val="70B1DA"/>
-          </a:solidFill>
+          </a:prstGeom>
+          <a:noFill/>
         </p:spPr>
         <p:txBody>
-          <a:bodyPr wrap="square" lIns="0" tIns="0" rIns="0" bIns="0" rtlCol="0"/>
+          <a:bodyPr wrap="square">
+            <a:spAutoFit/>
+          </a:bodyPr>
           <a:lstStyle/>
           <a:p>
-            <a:endParaRPr/>
+            <a:pPr marL="12700" marR="902335" algn="just">
+              <a:lnSpc>
+                <a:spcPct val="100000"/>
+              </a:lnSpc>
+              <a:spcBef>
+                <a:spcPts val="1195"/>
+              </a:spcBef>
+            </a:pPr>
+            <a:r>
+              <a:rPr lang="en-US" sz="1600" dirty="0">
+                <a:solidFill>
+                  <a:srgbClr val="262836"/>
+                </a:solidFill>
+                <a:latin typeface="Georgia"/>
+                <a:cs typeface="+mj-cs"/>
+              </a:rPr>
+              <a:t>This methodology effectively transforms continuous numeric variables into categorical bins, facilitating better</a:t>
+            </a:r>
+            <a:r>
+              <a:rPr lang="tr-TR" sz="1600" dirty="0">
+                <a:solidFill>
+                  <a:srgbClr val="262836"/>
+                </a:solidFill>
+                <a:latin typeface="Georgia"/>
+                <a:cs typeface="+mj-cs"/>
+              </a:rPr>
+              <a:t> </a:t>
+            </a:r>
+            <a:r>
+              <a:rPr lang="en-US" sz="1600" dirty="0">
+                <a:solidFill>
+                  <a:srgbClr val="262836"/>
+                </a:solidFill>
+                <a:latin typeface="Georgia"/>
+                <a:cs typeface="+mj-cs"/>
+              </a:rPr>
+              <a:t>visualization and comparative analysis of attrition. </a:t>
+            </a:r>
+            <a:endParaRPr lang="tr-TR" sz="1600" dirty="0">
+              <a:solidFill>
+                <a:srgbClr val="262836"/>
+              </a:solidFill>
+              <a:latin typeface="Georgia"/>
+              <a:cs typeface="+mj-cs"/>
+            </a:endParaRPr>
           </a:p>
         </p:txBody>
       </p:sp>
       <p:sp>
         <p:nvSpPr>
-          <p:cNvPr id="9" name="object 9"/>
+          <p:cNvPr id="30" name="object 13">
+            <a:extLst>
+              <a:ext uri="{FF2B5EF4-FFF2-40B4-BE49-F238E27FC236}">
+                <a16:creationId xmlns:a16="http://schemas.microsoft.com/office/drawing/2014/main" id="{9D6F8EED-BA6A-7252-A212-7DF7948E9A5B}"/>
+              </a:ext>
+            </a:extLst>
+          </p:cNvPr>
           <p:cNvSpPr txBox="1">
             <a:spLocks noGrp="1"/>
           </p:cNvSpPr>
@@ -19353,15 +22426,15 @@
         </p:nvSpPr>
         <p:spPr>
           <a:xfrm>
-            <a:off x="8076058" y="808618"/>
-            <a:ext cx="5189092" cy="618118"/>
+            <a:off x="820974" y="549121"/>
+            <a:ext cx="8310326" cy="1000915"/>
           </a:xfrm>
           <a:prstGeom prst="rect">
             <a:avLst/>
           </a:prstGeom>
         </p:spPr>
         <p:txBody>
-          <a:bodyPr vert="horz" wrap="square" lIns="0" tIns="124460" rIns="0" bIns="0" rtlCol="0">
+          <a:bodyPr vert="horz" wrap="square" lIns="0" tIns="15875" rIns="0" bIns="0" rtlCol="0">
             <a:spAutoFit/>
           </a:bodyPr>
           <a:lstStyle/>
@@ -19375,169 +22448,33 @@
               </a:spcBef>
             </a:pPr>
             <a:r>
-              <a:rPr lang="tr-TR" sz="3200" dirty="0" err="1">
+              <a:rPr lang="en-US" sz="3200" dirty="0">
                 <a:solidFill>
                   <a:srgbClr val="2B2D3D"/>
                 </a:solidFill>
                 <a:latin typeface="Georgia"/>
                 <a:ea typeface="+mn-ea"/>
               </a:rPr>
-              <a:t>Outlier</a:t>
-            </a:r>
-            <a:r>
-              <a:rPr lang="tr-TR" sz="3200" dirty="0">
-                <a:solidFill>
-                  <a:srgbClr val="2B2D3D"/>
-                </a:solidFill>
-                <a:latin typeface="Georgia"/>
-                <a:ea typeface="+mn-ea"/>
-              </a:rPr>
-              <a:t> Analysis</a:t>
+              <a:t>Transforming Numerical Variables into Categorical Variables</a:t>
             </a:r>
           </a:p>
         </p:txBody>
       </p:sp>
-      <p:pic>
-        <p:nvPicPr>
-          <p:cNvPr id="10" name="object 10"/>
-          <p:cNvPicPr/>
-          <p:nvPr/>
-        </p:nvPicPr>
-        <p:blipFill>
-          <a:blip r:embed="rId2" cstate="print"/>
-          <a:stretch>
-            <a:fillRect/>
-          </a:stretch>
-        </p:blipFill>
-        <p:spPr>
-          <a:xfrm>
-            <a:off x="8064068" y="2902546"/>
-            <a:ext cx="1490319" cy="309016"/>
-          </a:xfrm>
-          <a:prstGeom prst="rect">
-            <a:avLst/>
-          </a:prstGeom>
-        </p:spPr>
-      </p:pic>
-      <p:pic>
-        <p:nvPicPr>
-          <p:cNvPr id="11" name="object 11"/>
-          <p:cNvPicPr/>
-          <p:nvPr/>
-        </p:nvPicPr>
-        <p:blipFill>
-          <a:blip r:embed="rId3" cstate="print"/>
-          <a:stretch>
-            <a:fillRect/>
-          </a:stretch>
-        </p:blipFill>
-        <p:spPr>
-          <a:xfrm>
-            <a:off x="4609693" y="3359746"/>
-            <a:ext cx="2256421" cy="309016"/>
-          </a:xfrm>
-          <a:prstGeom prst="rect">
-            <a:avLst/>
-          </a:prstGeom>
-        </p:spPr>
-      </p:pic>
-      <p:pic>
-        <p:nvPicPr>
-          <p:cNvPr id="12" name="object 12"/>
-          <p:cNvPicPr/>
-          <p:nvPr/>
-        </p:nvPicPr>
-        <p:blipFill>
-          <a:blip r:embed="rId4" cstate="print"/>
-          <a:stretch>
-            <a:fillRect/>
-          </a:stretch>
-        </p:blipFill>
-        <p:spPr>
-          <a:xfrm>
-            <a:off x="8376043" y="3816946"/>
-            <a:ext cx="1165517" cy="309016"/>
-          </a:xfrm>
-          <a:prstGeom prst="rect">
-            <a:avLst/>
-          </a:prstGeom>
-        </p:spPr>
-      </p:pic>
-      <p:pic>
-        <p:nvPicPr>
-          <p:cNvPr id="13" name="object 13"/>
-          <p:cNvPicPr/>
-          <p:nvPr/>
-        </p:nvPicPr>
-        <p:blipFill>
-          <a:blip r:embed="rId5" cstate="print"/>
-          <a:stretch>
-            <a:fillRect/>
-          </a:stretch>
-        </p:blipFill>
-        <p:spPr>
-          <a:xfrm>
-            <a:off x="4978336" y="4274146"/>
-            <a:ext cx="2102751" cy="396455"/>
-          </a:xfrm>
-          <a:prstGeom prst="rect">
-            <a:avLst/>
-          </a:prstGeom>
-        </p:spPr>
-      </p:pic>
-      <p:pic>
-        <p:nvPicPr>
-          <p:cNvPr id="14" name="object 14"/>
-          <p:cNvPicPr/>
-          <p:nvPr/>
-        </p:nvPicPr>
-        <p:blipFill>
-          <a:blip r:embed="rId6" cstate="print"/>
-          <a:stretch>
-            <a:fillRect/>
-          </a:stretch>
-        </p:blipFill>
-        <p:spPr>
-          <a:xfrm>
-            <a:off x="5085562" y="4729315"/>
-            <a:ext cx="4457776" cy="398856"/>
-          </a:xfrm>
-          <a:prstGeom prst="rect">
-            <a:avLst/>
-          </a:prstGeom>
-        </p:spPr>
-      </p:pic>
-      <p:pic>
-        <p:nvPicPr>
-          <p:cNvPr id="15" name="object 15"/>
-          <p:cNvPicPr/>
-          <p:nvPr/>
-        </p:nvPicPr>
-        <p:blipFill>
-          <a:blip r:embed="rId7" cstate="print"/>
-          <a:stretch>
-            <a:fillRect/>
-          </a:stretch>
-        </p:blipFill>
-        <p:spPr>
-          <a:xfrm>
-            <a:off x="7155434" y="5188546"/>
-            <a:ext cx="3091345" cy="309016"/>
-          </a:xfrm>
-          <a:prstGeom prst="rect">
-            <a:avLst/>
-          </a:prstGeom>
-        </p:spPr>
-      </p:pic>
       <p:sp>
         <p:nvSpPr>
-          <p:cNvPr id="17" name="object 17"/>
+          <p:cNvPr id="35" name="object 17">
+            <a:extLst>
+              <a:ext uri="{FF2B5EF4-FFF2-40B4-BE49-F238E27FC236}">
+                <a16:creationId xmlns:a16="http://schemas.microsoft.com/office/drawing/2014/main" id="{D5497F42-E25B-74AE-69CA-C809066BD6BA}"/>
+              </a:ext>
+            </a:extLst>
+          </p:cNvPr>
           <p:cNvSpPr/>
           <p:nvPr/>
         </p:nvSpPr>
         <p:spPr>
           <a:xfrm>
-            <a:off x="8704617" y="1613282"/>
+            <a:off x="4121150" y="1787429"/>
             <a:ext cx="4048125" cy="95250"/>
           </a:xfrm>
           <a:custGeom>
@@ -19579,96 +22516,304 @@
           </a:p>
         </p:txBody>
       </p:sp>
-      <p:pic>
-        <p:nvPicPr>
-          <p:cNvPr id="8" name="Picture 7">
+      <p:sp>
+        <p:nvSpPr>
+          <p:cNvPr id="8" name="TextBox 7">
             <a:extLst>
               <a:ext uri="{FF2B5EF4-FFF2-40B4-BE49-F238E27FC236}">
-                <a16:creationId xmlns:a16="http://schemas.microsoft.com/office/drawing/2014/main" id="{3EAF8BF9-A6F4-1F85-BCB5-1B5371C07DCA}"/>
+                <a16:creationId xmlns:a16="http://schemas.microsoft.com/office/drawing/2014/main" id="{340DB2C7-CB45-D1F6-1D7D-F9C5C274803A}"/>
               </a:ext>
             </a:extLst>
           </p:cNvPr>
-          <p:cNvPicPr>
-            <a:picLocks noChangeAspect="1"/>
-          </p:cNvPicPr>
+          <p:cNvSpPr txBox="1"/>
           <p:nvPr/>
-        </p:nvPicPr>
-        <p:blipFill>
-          <a:blip r:embed="rId8"/>
-          <a:stretch>
-            <a:fillRect/>
-          </a:stretch>
-        </p:blipFill>
+        </p:nvSpPr>
         <p:spPr>
           <a:xfrm>
-            <a:off x="747005" y="997143"/>
-            <a:ext cx="7102014" cy="3847512"/>
+            <a:off x="13898689" y="6064250"/>
+            <a:ext cx="3775075" cy="1661993"/>
           </a:xfrm>
           <a:prstGeom prst="rect">
             <a:avLst/>
           </a:prstGeom>
+          <a:noFill/>
         </p:spPr>
-      </p:pic>
-      <p:pic>
-        <p:nvPicPr>
-          <p:cNvPr id="21" name="Picture 20">
-            <a:extLst>
-              <a:ext uri="{FF2B5EF4-FFF2-40B4-BE49-F238E27FC236}">
-                <a16:creationId xmlns:a16="http://schemas.microsoft.com/office/drawing/2014/main" id="{B2308846-3A76-CF41-D786-3F2873627575}"/>
-              </a:ext>
-            </a:extLst>
-          </p:cNvPr>
-          <p:cNvPicPr>
-            <a:picLocks noChangeAspect="1"/>
-          </p:cNvPicPr>
-          <p:nvPr/>
-        </p:nvPicPr>
-        <p:blipFill>
-          <a:blip r:embed="rId9"/>
-          <a:stretch>
-            <a:fillRect/>
-          </a:stretch>
-        </p:blipFill>
-        <p:spPr>
-          <a:xfrm>
-            <a:off x="8495626" y="2314587"/>
-            <a:ext cx="9582150" cy="7429500"/>
-          </a:xfrm>
-          <a:prstGeom prst="rect">
-            <a:avLst/>
-          </a:prstGeom>
-        </p:spPr>
-      </p:pic>
-      <p:pic>
-        <p:nvPicPr>
-          <p:cNvPr id="23" name="Picture 22">
-            <a:extLst>
-              <a:ext uri="{FF2B5EF4-FFF2-40B4-BE49-F238E27FC236}">
-                <a16:creationId xmlns:a16="http://schemas.microsoft.com/office/drawing/2014/main" id="{FF70547D-3C1A-1085-2BBC-241741CA00D9}"/>
-              </a:ext>
-            </a:extLst>
-          </p:cNvPr>
-          <p:cNvPicPr>
-            <a:picLocks noChangeAspect="1"/>
-          </p:cNvPicPr>
-          <p:nvPr/>
-        </p:nvPicPr>
-        <p:blipFill>
-          <a:blip r:embed="rId10"/>
-          <a:stretch>
-            <a:fillRect/>
-          </a:stretch>
-        </p:blipFill>
-        <p:spPr>
-          <a:xfrm>
-            <a:off x="1029118" y="5031244"/>
-            <a:ext cx="7046939" cy="4869737"/>
-          </a:xfrm>
-          <a:prstGeom prst="rect">
-            <a:avLst/>
-          </a:prstGeom>
-        </p:spPr>
-      </p:pic>
+        <p:txBody>
+          <a:bodyPr wrap="square">
+            <a:spAutoFit/>
+          </a:bodyPr>
+          <a:lstStyle/>
+          <a:p>
+            <a:r>
+              <a:rPr lang="tr-TR" sz="1800" dirty="0" err="1">
+                <a:solidFill>
+                  <a:srgbClr val="262836"/>
+                </a:solidFill>
+                <a:latin typeface="Georgia"/>
+                <a:cs typeface="+mj-cs"/>
+              </a:rPr>
+              <a:t>Employees</a:t>
+            </a:r>
+            <a:r>
+              <a:rPr lang="tr-TR" sz="1800" dirty="0">
+                <a:solidFill>
+                  <a:srgbClr val="262836"/>
+                </a:solidFill>
+                <a:latin typeface="Georgia"/>
+                <a:cs typeface="+mj-cs"/>
+              </a:rPr>
+              <a:t> </a:t>
+            </a:r>
+            <a:r>
+              <a:rPr lang="tr-TR" sz="1800" dirty="0" err="1">
+                <a:solidFill>
+                  <a:srgbClr val="262836"/>
+                </a:solidFill>
+                <a:latin typeface="Georgia"/>
+                <a:cs typeface="+mj-cs"/>
+              </a:rPr>
+              <a:t>with</a:t>
+            </a:r>
+            <a:r>
+              <a:rPr lang="tr-TR" sz="1800" dirty="0">
+                <a:solidFill>
+                  <a:srgbClr val="262836"/>
+                </a:solidFill>
+                <a:latin typeface="Georgia"/>
+                <a:cs typeface="+mj-cs"/>
+              </a:rPr>
+              <a:t> </a:t>
+            </a:r>
+            <a:r>
+              <a:rPr lang="en-US" sz="1800" dirty="0">
+                <a:solidFill>
+                  <a:srgbClr val="262836"/>
+                </a:solidFill>
+                <a:latin typeface="Georgia"/>
+                <a:cs typeface="+mj-cs"/>
+              </a:rPr>
+              <a:t>high job satisfaction</a:t>
+            </a:r>
+            <a:r>
+              <a:rPr lang="tr-TR" sz="1800" dirty="0">
+                <a:solidFill>
+                  <a:srgbClr val="262836"/>
+                </a:solidFill>
+                <a:latin typeface="Georgia"/>
+                <a:cs typeface="+mj-cs"/>
+              </a:rPr>
+              <a:t> </a:t>
+            </a:r>
+            <a:r>
+              <a:rPr lang="en-US" sz="1800" dirty="0">
+                <a:solidFill>
+                  <a:srgbClr val="262836"/>
+                </a:solidFill>
+                <a:latin typeface="Georgia"/>
+                <a:cs typeface="+mj-cs"/>
+              </a:rPr>
+              <a:t>with low employee recognition</a:t>
+            </a:r>
+            <a:r>
+              <a:rPr lang="tr-TR" sz="1800" dirty="0">
+                <a:solidFill>
+                  <a:srgbClr val="262836"/>
+                </a:solidFill>
+                <a:latin typeface="Georgia"/>
+                <a:cs typeface="+mj-cs"/>
+              </a:rPr>
+              <a:t> </a:t>
+            </a:r>
+            <a:r>
+              <a:rPr lang="tr-TR" sz="1800" dirty="0" err="1">
+                <a:solidFill>
+                  <a:srgbClr val="262836"/>
+                </a:solidFill>
+                <a:latin typeface="Georgia"/>
+                <a:cs typeface="+mj-cs"/>
+              </a:rPr>
+              <a:t>take</a:t>
+            </a:r>
+            <a:r>
+              <a:rPr lang="tr-TR" sz="1800" dirty="0">
+                <a:solidFill>
+                  <a:srgbClr val="262836"/>
+                </a:solidFill>
+                <a:latin typeface="Georgia"/>
+                <a:cs typeface="+mj-cs"/>
+              </a:rPr>
+              <a:t> </a:t>
+            </a:r>
+            <a:r>
+              <a:rPr lang="tr-TR" sz="1800" dirty="0" err="1">
+                <a:solidFill>
+                  <a:srgbClr val="262836"/>
+                </a:solidFill>
+                <a:latin typeface="Georgia"/>
+                <a:cs typeface="+mj-cs"/>
+              </a:rPr>
+              <a:t>place</a:t>
+            </a:r>
+            <a:r>
+              <a:rPr lang="tr-TR" sz="1800" dirty="0">
+                <a:solidFill>
+                  <a:srgbClr val="262836"/>
+                </a:solidFill>
+                <a:latin typeface="Georgia"/>
+                <a:cs typeface="+mj-cs"/>
+              </a:rPr>
+              <a:t> of </a:t>
+            </a:r>
+            <a:r>
+              <a:rPr lang="tr-TR" sz="2400" b="1" dirty="0">
+                <a:solidFill>
+                  <a:srgbClr val="262836"/>
+                </a:solidFill>
+                <a:latin typeface="Georgia"/>
+                <a:cs typeface="+mj-cs"/>
+              </a:rPr>
+              <a:t>20% </a:t>
+            </a:r>
+            <a:r>
+              <a:rPr lang="tr-TR" sz="1800" dirty="0">
+                <a:solidFill>
+                  <a:srgbClr val="262836"/>
+                </a:solidFill>
+                <a:latin typeface="Georgia"/>
+                <a:cs typeface="+mj-cs"/>
+              </a:rPr>
+              <a:t>of </a:t>
+            </a:r>
+            <a:r>
+              <a:rPr lang="tr-TR" sz="1800" dirty="0" err="1">
+                <a:solidFill>
+                  <a:srgbClr val="262836"/>
+                </a:solidFill>
+                <a:latin typeface="Georgia"/>
+                <a:cs typeface="+mj-cs"/>
+              </a:rPr>
+              <a:t>the</a:t>
+            </a:r>
+            <a:r>
+              <a:rPr lang="tr-TR" sz="1800" dirty="0">
+                <a:solidFill>
+                  <a:srgbClr val="262836"/>
+                </a:solidFill>
+                <a:latin typeface="Georgia"/>
+                <a:cs typeface="+mj-cs"/>
+              </a:rPr>
+              <a:t> data. </a:t>
+            </a:r>
+            <a:r>
+              <a:rPr lang="tr-TR" sz="1800" dirty="0" err="1">
+                <a:solidFill>
+                  <a:srgbClr val="262836"/>
+                </a:solidFill>
+                <a:latin typeface="Georgia"/>
+                <a:cs typeface="+mj-cs"/>
+              </a:rPr>
+              <a:t>Among</a:t>
+            </a:r>
+            <a:r>
+              <a:rPr lang="tr-TR" sz="1800" dirty="0">
+                <a:solidFill>
+                  <a:srgbClr val="262836"/>
+                </a:solidFill>
+                <a:latin typeface="Georgia"/>
+                <a:cs typeface="+mj-cs"/>
+              </a:rPr>
+              <a:t> </a:t>
+            </a:r>
+            <a:r>
+              <a:rPr lang="tr-TR" sz="1800" dirty="0" err="1">
+                <a:solidFill>
+                  <a:srgbClr val="262836"/>
+                </a:solidFill>
+                <a:latin typeface="Georgia"/>
+                <a:cs typeface="+mj-cs"/>
+              </a:rPr>
+              <a:t>these</a:t>
+            </a:r>
+            <a:r>
+              <a:rPr lang="tr-TR" sz="1800" dirty="0">
+                <a:solidFill>
+                  <a:srgbClr val="262836"/>
+                </a:solidFill>
+                <a:latin typeface="Georgia"/>
+                <a:cs typeface="+mj-cs"/>
+              </a:rPr>
+              <a:t> </a:t>
+            </a:r>
+            <a:r>
+              <a:rPr lang="tr-TR" sz="2400" b="1" dirty="0">
+                <a:solidFill>
+                  <a:srgbClr val="262836"/>
+                </a:solidFill>
+                <a:latin typeface="Georgia"/>
+                <a:cs typeface="+mj-cs"/>
+              </a:rPr>
+              <a:t>45% </a:t>
+            </a:r>
+            <a:r>
+              <a:rPr lang="tr-TR" sz="1800" dirty="0" err="1">
+                <a:solidFill>
+                  <a:srgbClr val="262836"/>
+                </a:solidFill>
+                <a:latin typeface="Georgia"/>
+                <a:cs typeface="+mj-cs"/>
+              </a:rPr>
+              <a:t>left</a:t>
+            </a:r>
+            <a:r>
+              <a:rPr lang="tr-TR" sz="1800" dirty="0">
+                <a:solidFill>
+                  <a:srgbClr val="262836"/>
+                </a:solidFill>
+                <a:latin typeface="Georgia"/>
+                <a:cs typeface="+mj-cs"/>
+              </a:rPr>
+              <a:t> </a:t>
+            </a:r>
+            <a:r>
+              <a:rPr lang="tr-TR" sz="1800" dirty="0" err="1">
+                <a:solidFill>
+                  <a:srgbClr val="262836"/>
+                </a:solidFill>
+                <a:latin typeface="Georgia"/>
+                <a:cs typeface="+mj-cs"/>
+              </a:rPr>
+              <a:t>the</a:t>
+            </a:r>
+            <a:r>
+              <a:rPr lang="tr-TR" sz="1800" dirty="0">
+                <a:solidFill>
+                  <a:srgbClr val="262836"/>
+                </a:solidFill>
+                <a:latin typeface="Georgia"/>
+                <a:cs typeface="+mj-cs"/>
+              </a:rPr>
+              <a:t> </a:t>
+            </a:r>
+            <a:r>
+              <a:rPr lang="tr-TR" sz="1800" dirty="0" err="1">
+                <a:solidFill>
+                  <a:srgbClr val="262836"/>
+                </a:solidFill>
+                <a:latin typeface="Georgia"/>
+                <a:cs typeface="+mj-cs"/>
+              </a:rPr>
+              <a:t>company</a:t>
+            </a:r>
+            <a:endParaRPr lang="tr-TR" sz="1800" dirty="0">
+              <a:solidFill>
+                <a:srgbClr val="262836"/>
+              </a:solidFill>
+              <a:latin typeface="Georgia"/>
+              <a:cs typeface="+mj-cs"/>
+            </a:endParaRPr>
+          </a:p>
+        </p:txBody>
+      </p:sp>
     </p:spTree>
   </p:cSld>
   <p:clrMapOvr>

--- a/TUTAR_OZEN_Project_Presentation.pptx
+++ b/TUTAR_OZEN_Project_Presentation.pptx
@@ -5,7 +5,7 @@
     <p:sldMasterId id="2147483666" r:id="rId1"/>
   </p:sldMasterIdLst>
   <p:notesMasterIdLst>
-    <p:notesMasterId r:id="rId27"/>
+    <p:notesMasterId r:id="rId28"/>
   </p:notesMasterIdLst>
   <p:sldIdLst>
     <p:sldId id="266" r:id="rId2"/>
@@ -13,12 +13,12 @@
     <p:sldId id="271" r:id="rId4"/>
     <p:sldId id="257" r:id="rId5"/>
     <p:sldId id="264" r:id="rId6"/>
-    <p:sldId id="259" r:id="rId7"/>
-    <p:sldId id="258" r:id="rId8"/>
+    <p:sldId id="258" r:id="rId7"/>
+    <p:sldId id="259" r:id="rId8"/>
     <p:sldId id="267" r:id="rId9"/>
-    <p:sldId id="262" r:id="rId10"/>
-    <p:sldId id="268" r:id="rId11"/>
-    <p:sldId id="261" r:id="rId12"/>
+    <p:sldId id="261" r:id="rId10"/>
+    <p:sldId id="262" r:id="rId11"/>
+    <p:sldId id="268" r:id="rId12"/>
     <p:sldId id="269" r:id="rId13"/>
     <p:sldId id="272" r:id="rId14"/>
     <p:sldId id="273" r:id="rId15"/>
@@ -29,10 +29,11 @@
     <p:sldId id="278" r:id="rId20"/>
     <p:sldId id="279" r:id="rId21"/>
     <p:sldId id="280" r:id="rId22"/>
-    <p:sldId id="282" r:id="rId23"/>
-    <p:sldId id="283" r:id="rId24"/>
-    <p:sldId id="285" r:id="rId25"/>
-    <p:sldId id="263" r:id="rId26"/>
+    <p:sldId id="281" r:id="rId23"/>
+    <p:sldId id="282" r:id="rId24"/>
+    <p:sldId id="283" r:id="rId25"/>
+    <p:sldId id="285" r:id="rId26"/>
+    <p:sldId id="263" r:id="rId27"/>
   </p:sldIdLst>
   <p:sldSz cx="18300700" cy="10299700"/>
   <p:notesSz cx="18300700" cy="10299700"/>
@@ -153,7 +154,7 @@
 <file path=ppt/revisionInfo.xml><?xml version="1.0" encoding="utf-8"?>
 <p1510:revInfo xmlns:a="http://schemas.openxmlformats.org/drawingml/2006/main" xmlns:r="http://schemas.openxmlformats.org/officeDocument/2006/relationships" xmlns:p1510="http://schemas.microsoft.com/office/powerpoint/2015/10/main">
   <p1510:revLst>
-    <p1510:client id="{2A5476DD-5B7C-4A9C-BA67-83B8752F949B}" v="44" dt="2024-07-11T14:52:48.478"/>
+    <p1510:client id="{17550451-527B-45CD-9AD2-8C889FF33DF6}" v="54" dt="2024-07-10T04:05:58.576"/>
   </p1510:revLst>
 </p1510:revInfo>
 </file>
@@ -161,787 +162,26 @@
 <file path=ppt/changesInfos/changesInfo1.xml><?xml version="1.0" encoding="utf-8"?>
 <pc:chgInfo xmlns:a="http://schemas.openxmlformats.org/drawingml/2006/main" xmlns:r="http://schemas.openxmlformats.org/officeDocument/2006/relationships" xmlns:ac="http://schemas.microsoft.com/office/drawing/2013/main/command" xmlns:pc="http://schemas.microsoft.com/office/powerpoint/2013/main/command">
   <pc:docChgLst>
-    <pc:chgData name="Zeynep Tutar" userId="d9d1c894097c761c" providerId="LiveId" clId="{2A5476DD-5B7C-4A9C-BA67-83B8752F949B}"/>
-    <pc:docChg chg="undo custSel addSld delSld modSld">
-      <pc:chgData name="Zeynep Tutar" userId="d9d1c894097c761c" providerId="LiveId" clId="{2A5476DD-5B7C-4A9C-BA67-83B8752F949B}" dt="2024-07-11T14:52:51.068" v="439" actId="1076"/>
+    <pc:chgData name="Zeynep Tutar" userId="d9d1c894097c761c" providerId="LiveId" clId="{B22B19B4-5AA7-4555-9B30-938CA60154F8}"/>
+    <pc:docChg chg="modSld">
+      <pc:chgData name="Zeynep Tutar" userId="d9d1c894097c761c" providerId="LiveId" clId="{B22B19B4-5AA7-4555-9B30-938CA60154F8}" dt="2024-07-10T04:12:23.975" v="10" actId="20577"/>
       <pc:docMkLst>
         <pc:docMk/>
       </pc:docMkLst>
       <pc:sldChg chg="modSp mod">
-        <pc:chgData name="Zeynep Tutar" userId="d9d1c894097c761c" providerId="LiveId" clId="{2A5476DD-5B7C-4A9C-BA67-83B8752F949B}" dt="2024-07-11T14:05:14.713" v="230" actId="313"/>
-        <pc:sldMkLst>
-          <pc:docMk/>
-          <pc:sldMk cId="0" sldId="257"/>
-        </pc:sldMkLst>
-        <pc:spChg chg="mod">
-          <ac:chgData name="Zeynep Tutar" userId="d9d1c894097c761c" providerId="LiveId" clId="{2A5476DD-5B7C-4A9C-BA67-83B8752F949B}" dt="2024-07-11T14:05:14.713" v="230" actId="313"/>
-          <ac:spMkLst>
-            <pc:docMk/>
-            <pc:sldMk cId="0" sldId="257"/>
-            <ac:spMk id="9" creationId="{00000000-0000-0000-0000-000000000000}"/>
-          </ac:spMkLst>
-        </pc:spChg>
-      </pc:sldChg>
-      <pc:sldChg chg="add del">
-        <pc:chgData name="Zeynep Tutar" userId="d9d1c894097c761c" providerId="LiveId" clId="{2A5476DD-5B7C-4A9C-BA67-83B8752F949B}" dt="2024-07-11T12:54:18.265" v="1"/>
-        <pc:sldMkLst>
-          <pc:docMk/>
-          <pc:sldMk cId="0" sldId="263"/>
-        </pc:sldMkLst>
-      </pc:sldChg>
-      <pc:sldChg chg="modSp mod">
-        <pc:chgData name="Zeynep Tutar" userId="d9d1c894097c761c" providerId="LiveId" clId="{2A5476DD-5B7C-4A9C-BA67-83B8752F949B}" dt="2024-07-11T13:25:59.672" v="29" actId="108"/>
-        <pc:sldMkLst>
-          <pc:docMk/>
-          <pc:sldMk cId="1912918366" sldId="268"/>
-        </pc:sldMkLst>
-        <pc:spChg chg="mod">
-          <ac:chgData name="Zeynep Tutar" userId="d9d1c894097c761c" providerId="LiveId" clId="{2A5476DD-5B7C-4A9C-BA67-83B8752F949B}" dt="2024-07-11T13:25:59.672" v="29" actId="108"/>
-          <ac:spMkLst>
-            <pc:docMk/>
-            <pc:sldMk cId="1912918366" sldId="268"/>
-            <ac:spMk id="5" creationId="{4E101EA3-8055-5A94-5EA2-BFEE46B6CB0C}"/>
-          </ac:spMkLst>
-        </pc:spChg>
-      </pc:sldChg>
-      <pc:sldChg chg="add del modNotesTx">
-        <pc:chgData name="Zeynep Tutar" userId="d9d1c894097c761c" providerId="LiveId" clId="{2A5476DD-5B7C-4A9C-BA67-83B8752F949B}" dt="2024-07-11T13:37:53.295" v="50" actId="20577"/>
-        <pc:sldMkLst>
-          <pc:docMk/>
-          <pc:sldMk cId="1707286996" sldId="272"/>
-        </pc:sldMkLst>
-      </pc:sldChg>
-      <pc:sldChg chg="modSp add del mod modNotesTx">
-        <pc:chgData name="Zeynep Tutar" userId="d9d1c894097c761c" providerId="LiveId" clId="{2A5476DD-5B7C-4A9C-BA67-83B8752F949B}" dt="2024-07-11T14:32:05.305" v="353" actId="108"/>
-        <pc:sldMkLst>
-          <pc:docMk/>
-          <pc:sldMk cId="727066555" sldId="273"/>
-        </pc:sldMkLst>
-        <pc:spChg chg="mod">
-          <ac:chgData name="Zeynep Tutar" userId="d9d1c894097c761c" providerId="LiveId" clId="{2A5476DD-5B7C-4A9C-BA67-83B8752F949B}" dt="2024-07-11T14:06:09.697" v="232" actId="20577"/>
-          <ac:spMkLst>
-            <pc:docMk/>
-            <pc:sldMk cId="727066555" sldId="273"/>
-            <ac:spMk id="27" creationId="{6BEFB6EE-929E-25DF-A6DB-8850B8EA9304}"/>
-          </ac:spMkLst>
-        </pc:spChg>
-        <pc:spChg chg="mod">
-          <ac:chgData name="Zeynep Tutar" userId="d9d1c894097c761c" providerId="LiveId" clId="{2A5476DD-5B7C-4A9C-BA67-83B8752F949B}" dt="2024-07-11T14:06:12.097" v="234" actId="20577"/>
-          <ac:spMkLst>
-            <pc:docMk/>
-            <pc:sldMk cId="727066555" sldId="273"/>
-            <ac:spMk id="29" creationId="{0C7C23AD-50F4-F648-1D71-20430BEC5700}"/>
-          </ac:spMkLst>
-        </pc:spChg>
-        <pc:picChg chg="mod">
-          <ac:chgData name="Zeynep Tutar" userId="d9d1c894097c761c" providerId="LiveId" clId="{2A5476DD-5B7C-4A9C-BA67-83B8752F949B}" dt="2024-07-11T14:32:05.305" v="353" actId="108"/>
-          <ac:picMkLst>
-            <pc:docMk/>
-            <pc:sldMk cId="727066555" sldId="273"/>
-            <ac:picMk id="25" creationId="{A8CC482B-7506-64FA-B6A7-A3E0912FBCB4}"/>
-          </ac:picMkLst>
-        </pc:picChg>
-      </pc:sldChg>
-      <pc:sldChg chg="addSp delSp modSp add del mod modNotesTx">
-        <pc:chgData name="Zeynep Tutar" userId="d9d1c894097c761c" providerId="LiveId" clId="{2A5476DD-5B7C-4A9C-BA67-83B8752F949B}" dt="2024-07-11T14:11:51.315" v="284" actId="1076"/>
-        <pc:sldMkLst>
-          <pc:docMk/>
-          <pc:sldMk cId="2759898610" sldId="274"/>
-        </pc:sldMkLst>
-        <pc:spChg chg="add del mod">
-          <ac:chgData name="Zeynep Tutar" userId="d9d1c894097c761c" providerId="LiveId" clId="{2A5476DD-5B7C-4A9C-BA67-83B8752F949B}" dt="2024-07-11T14:09:17.497" v="252" actId="478"/>
-          <ac:spMkLst>
-            <pc:docMk/>
-            <pc:sldMk cId="2759898610" sldId="274"/>
-            <ac:spMk id="6" creationId="{79A3649F-924B-1C36-AEE2-1D521535A792}"/>
-          </ac:spMkLst>
-        </pc:spChg>
-        <pc:spChg chg="add del mod">
-          <ac:chgData name="Zeynep Tutar" userId="d9d1c894097c761c" providerId="LiveId" clId="{2A5476DD-5B7C-4A9C-BA67-83B8752F949B}" dt="2024-07-11T14:09:18.328" v="253" actId="478"/>
-          <ac:spMkLst>
-            <pc:docMk/>
-            <pc:sldMk cId="2759898610" sldId="274"/>
-            <ac:spMk id="10" creationId="{6E361637-A9EC-36EA-0A20-C94DA72EFBD7}"/>
-          </ac:spMkLst>
-        </pc:spChg>
-        <pc:spChg chg="add del mod">
-          <ac:chgData name="Zeynep Tutar" userId="d9d1c894097c761c" providerId="LiveId" clId="{2A5476DD-5B7C-4A9C-BA67-83B8752F949B}" dt="2024-07-11T14:09:20.849" v="254" actId="478"/>
-          <ac:spMkLst>
-            <pc:docMk/>
-            <pc:sldMk cId="2759898610" sldId="274"/>
-            <ac:spMk id="11" creationId="{808A5AE9-0AEF-A283-D848-10BE797A8338}"/>
-          </ac:spMkLst>
-        </pc:spChg>
-        <pc:spChg chg="add mod">
-          <ac:chgData name="Zeynep Tutar" userId="d9d1c894097c761c" providerId="LiveId" clId="{2A5476DD-5B7C-4A9C-BA67-83B8752F949B}" dt="2024-07-11T14:11:46.637" v="283" actId="1076"/>
-          <ac:spMkLst>
-            <pc:docMk/>
-            <pc:sldMk cId="2759898610" sldId="274"/>
-            <ac:spMk id="12" creationId="{5795ED87-E963-9FF6-94D2-43D3C3194C70}"/>
-          </ac:spMkLst>
-        </pc:spChg>
-        <pc:spChg chg="add mod">
-          <ac:chgData name="Zeynep Tutar" userId="d9d1c894097c761c" providerId="LiveId" clId="{2A5476DD-5B7C-4A9C-BA67-83B8752F949B}" dt="2024-07-11T14:11:46.637" v="283" actId="1076"/>
-          <ac:spMkLst>
-            <pc:docMk/>
-            <pc:sldMk cId="2759898610" sldId="274"/>
-            <ac:spMk id="13" creationId="{5F9A97CD-13D1-D306-F280-A3E2C26B89F6}"/>
-          </ac:spMkLst>
-        </pc:spChg>
-        <pc:spChg chg="add mod">
-          <ac:chgData name="Zeynep Tutar" userId="d9d1c894097c761c" providerId="LiveId" clId="{2A5476DD-5B7C-4A9C-BA67-83B8752F949B}" dt="2024-07-11T14:11:46.637" v="283" actId="1076"/>
-          <ac:spMkLst>
-            <pc:docMk/>
-            <pc:sldMk cId="2759898610" sldId="274"/>
-            <ac:spMk id="14" creationId="{1D4AD6BA-8AEE-3D5F-31DE-4A626EE8D7A5}"/>
-          </ac:spMkLst>
-        </pc:spChg>
-        <pc:spChg chg="mod">
-          <ac:chgData name="Zeynep Tutar" userId="d9d1c894097c761c" providerId="LiveId" clId="{2A5476DD-5B7C-4A9C-BA67-83B8752F949B}" dt="2024-07-11T14:11:51.315" v="284" actId="1076"/>
-          <ac:spMkLst>
-            <pc:docMk/>
-            <pc:sldMk cId="2759898610" sldId="274"/>
-            <ac:spMk id="18" creationId="{BCD82616-3244-C9AB-2703-10E9D563A089}"/>
-          </ac:spMkLst>
-        </pc:spChg>
-        <pc:spChg chg="mod">
-          <ac:chgData name="Zeynep Tutar" userId="d9d1c894097c761c" providerId="LiveId" clId="{2A5476DD-5B7C-4A9C-BA67-83B8752F949B}" dt="2024-07-11T14:10:00.423" v="265" actId="1076"/>
-          <ac:spMkLst>
-            <pc:docMk/>
-            <pc:sldMk cId="2759898610" sldId="274"/>
-            <ac:spMk id="19" creationId="{5A5CF36B-3947-4EFF-2C0B-4FD9DFB9207A}"/>
-          </ac:spMkLst>
-        </pc:spChg>
-        <pc:picChg chg="mod modCrop">
-          <ac:chgData name="Zeynep Tutar" userId="d9d1c894097c761c" providerId="LiveId" clId="{2A5476DD-5B7C-4A9C-BA67-83B8752F949B}" dt="2024-07-11T14:11:46.637" v="283" actId="1076"/>
-          <ac:picMkLst>
-            <pc:docMk/>
-            <pc:sldMk cId="2759898610" sldId="274"/>
-            <ac:picMk id="8" creationId="{37DFAF3F-A370-5C4B-103C-7C816FCDBC24}"/>
-          </ac:picMkLst>
-        </pc:picChg>
-      </pc:sldChg>
-      <pc:sldChg chg="add del">
-        <pc:chgData name="Zeynep Tutar" userId="d9d1c894097c761c" providerId="LiveId" clId="{2A5476DD-5B7C-4A9C-BA67-83B8752F949B}" dt="2024-07-11T12:54:18.265" v="1"/>
-        <pc:sldMkLst>
-          <pc:docMk/>
-          <pc:sldMk cId="719659052" sldId="275"/>
-        </pc:sldMkLst>
-      </pc:sldChg>
-      <pc:sldChg chg="addSp delSp modSp add del mod modNotesTx">
-        <pc:chgData name="Zeynep Tutar" userId="d9d1c894097c761c" providerId="LiveId" clId="{2A5476DD-5B7C-4A9C-BA67-83B8752F949B}" dt="2024-07-11T14:51:22.546" v="422" actId="20577"/>
-        <pc:sldMkLst>
-          <pc:docMk/>
-          <pc:sldMk cId="3480482883" sldId="276"/>
-        </pc:sldMkLst>
-        <pc:spChg chg="add mod">
-          <ac:chgData name="Zeynep Tutar" userId="d9d1c894097c761c" providerId="LiveId" clId="{2A5476DD-5B7C-4A9C-BA67-83B8752F949B}" dt="2024-07-11T14:09:13.540" v="251" actId="207"/>
-          <ac:spMkLst>
-            <pc:docMk/>
-            <pc:sldMk cId="3480482883" sldId="276"/>
-            <ac:spMk id="2" creationId="{CB1E84BA-67BD-302A-F124-B9596322CE24}"/>
-          </ac:spMkLst>
-        </pc:spChg>
-        <pc:spChg chg="mod">
-          <ac:chgData name="Zeynep Tutar" userId="d9d1c894097c761c" providerId="LiveId" clId="{2A5476DD-5B7C-4A9C-BA67-83B8752F949B}" dt="2024-07-11T14:08:17.583" v="241" actId="14100"/>
-          <ac:spMkLst>
-            <pc:docMk/>
-            <pc:sldMk cId="3480482883" sldId="276"/>
-            <ac:spMk id="10" creationId="{92CAAA23-C345-3A3F-427A-E3718DBEEE98}"/>
-          </ac:spMkLst>
-        </pc:spChg>
-        <pc:picChg chg="del">
-          <ac:chgData name="Zeynep Tutar" userId="d9d1c894097c761c" providerId="LiveId" clId="{2A5476DD-5B7C-4A9C-BA67-83B8752F949B}" dt="2024-07-11T14:07:53.848" v="237" actId="478"/>
-          <ac:picMkLst>
-            <pc:docMk/>
-            <pc:sldMk cId="3480482883" sldId="276"/>
-            <ac:picMk id="7" creationId="{8EEEBCCC-EAA2-98CD-82FE-5AB2F3112170}"/>
-          </ac:picMkLst>
-        </pc:picChg>
-        <pc:picChg chg="mod">
-          <ac:chgData name="Zeynep Tutar" userId="d9d1c894097c761c" providerId="LiveId" clId="{2A5476DD-5B7C-4A9C-BA67-83B8752F949B}" dt="2024-07-11T14:08:23.031" v="244" actId="14100"/>
-          <ac:picMkLst>
-            <pc:docMk/>
-            <pc:sldMk cId="3480482883" sldId="276"/>
-            <ac:picMk id="15" creationId="{CAFE81F7-5FBC-25E2-7A6D-AE6F1CF7C69C}"/>
-          </ac:picMkLst>
-        </pc:picChg>
-      </pc:sldChg>
-      <pc:sldChg chg="modSp add del mod modNotesTx">
-        <pc:chgData name="Zeynep Tutar" userId="d9d1c894097c761c" providerId="LiveId" clId="{2A5476DD-5B7C-4A9C-BA67-83B8752F949B}" dt="2024-07-11T14:51:56.307" v="431" actId="20577"/>
-        <pc:sldMkLst>
-          <pc:docMk/>
-          <pc:sldMk cId="2625867631" sldId="277"/>
-        </pc:sldMkLst>
-        <pc:spChg chg="mod">
-          <ac:chgData name="Zeynep Tutar" userId="d9d1c894097c761c" providerId="LiveId" clId="{2A5476DD-5B7C-4A9C-BA67-83B8752F949B}" dt="2024-07-11T14:13:12.827" v="289" actId="1076"/>
-          <ac:spMkLst>
-            <pc:docMk/>
-            <pc:sldMk cId="2625867631" sldId="277"/>
-            <ac:spMk id="29" creationId="{3F2A7245-C3F8-F5D5-1331-ACDDAFEF6A59}"/>
-          </ac:spMkLst>
-        </pc:spChg>
-        <pc:picChg chg="mod">
-          <ac:chgData name="Zeynep Tutar" userId="d9d1c894097c761c" providerId="LiveId" clId="{2A5476DD-5B7C-4A9C-BA67-83B8752F949B}" dt="2024-07-11T14:13:17.698" v="290" actId="1076"/>
-          <ac:picMkLst>
-            <pc:docMk/>
-            <pc:sldMk cId="2625867631" sldId="277"/>
-            <ac:picMk id="8" creationId="{75E0373B-39CF-2E49-8896-8248E2A7E40F}"/>
-          </ac:picMkLst>
-        </pc:picChg>
-      </pc:sldChg>
-      <pc:sldChg chg="add del">
-        <pc:chgData name="Zeynep Tutar" userId="d9d1c894097c761c" providerId="LiveId" clId="{2A5476DD-5B7C-4A9C-BA67-83B8752F949B}" dt="2024-07-11T12:54:18.265" v="1"/>
-        <pc:sldMkLst>
-          <pc:docMk/>
-          <pc:sldMk cId="3215970965" sldId="278"/>
-        </pc:sldMkLst>
-      </pc:sldChg>
-      <pc:sldChg chg="addSp delSp modSp add del mod modNotesTx">
-        <pc:chgData name="Zeynep Tutar" userId="d9d1c894097c761c" providerId="LiveId" clId="{2A5476DD-5B7C-4A9C-BA67-83B8752F949B}" dt="2024-07-11T14:32:59.707" v="362" actId="478"/>
-        <pc:sldMkLst>
-          <pc:docMk/>
-          <pc:sldMk cId="3152381042" sldId="279"/>
-        </pc:sldMkLst>
-        <pc:spChg chg="add">
-          <ac:chgData name="Zeynep Tutar" userId="d9d1c894097c761c" providerId="LiveId" clId="{2A5476DD-5B7C-4A9C-BA67-83B8752F949B}" dt="2024-07-11T14:22:29.965" v="291"/>
-          <ac:spMkLst>
-            <pc:docMk/>
-            <pc:sldMk cId="3152381042" sldId="279"/>
-            <ac:spMk id="5" creationId="{55706DEB-0376-9280-D97F-2AFB73819F2A}"/>
-          </ac:spMkLst>
-        </pc:spChg>
-        <pc:spChg chg="add del mod">
-          <ac:chgData name="Zeynep Tutar" userId="d9d1c894097c761c" providerId="LiveId" clId="{2A5476DD-5B7C-4A9C-BA67-83B8752F949B}" dt="2024-07-11T14:26:12.738" v="302" actId="478"/>
-          <ac:spMkLst>
-            <pc:docMk/>
-            <pc:sldMk cId="3152381042" sldId="279"/>
-            <ac:spMk id="9" creationId="{0E051CD5-3B98-40CE-E165-CCF9773E3052}"/>
-          </ac:spMkLst>
-        </pc:spChg>
-        <pc:spChg chg="add del mod">
-          <ac:chgData name="Zeynep Tutar" userId="d9d1c894097c761c" providerId="LiveId" clId="{2A5476DD-5B7C-4A9C-BA67-83B8752F949B}" dt="2024-07-11T14:26:23.842" v="305" actId="478"/>
-          <ac:spMkLst>
-            <pc:docMk/>
-            <pc:sldMk cId="3152381042" sldId="279"/>
-            <ac:spMk id="12" creationId="{45874D8D-7472-29D9-16F9-42928116A6CB}"/>
-          </ac:spMkLst>
-        </pc:spChg>
-        <pc:graphicFrameChg chg="add mod">
-          <ac:chgData name="Zeynep Tutar" userId="d9d1c894097c761c" providerId="LiveId" clId="{2A5476DD-5B7C-4A9C-BA67-83B8752F949B}" dt="2024-07-11T14:28:56.474" v="328"/>
-          <ac:graphicFrameMkLst>
-            <pc:docMk/>
-            <pc:sldMk cId="3152381042" sldId="279"/>
-            <ac:graphicFrameMk id="13" creationId="{D0E7E9B8-9C83-F205-8BA5-20486578F945}"/>
-          </ac:graphicFrameMkLst>
-        </pc:graphicFrameChg>
-        <pc:graphicFrameChg chg="add mod">
-          <ac:chgData name="Zeynep Tutar" userId="d9d1c894097c761c" providerId="LiveId" clId="{2A5476DD-5B7C-4A9C-BA67-83B8752F949B}" dt="2024-07-11T14:28:56.474" v="328"/>
-          <ac:graphicFrameMkLst>
-            <pc:docMk/>
-            <pc:sldMk cId="3152381042" sldId="279"/>
-            <ac:graphicFrameMk id="14" creationId="{65CF6D4A-3EFB-E75B-9720-14996F8359FC}"/>
-          </ac:graphicFrameMkLst>
-        </pc:graphicFrameChg>
-        <pc:graphicFrameChg chg="add mod">
-          <ac:chgData name="Zeynep Tutar" userId="d9d1c894097c761c" providerId="LiveId" clId="{2A5476DD-5B7C-4A9C-BA67-83B8752F949B}" dt="2024-07-11T14:28:56.474" v="328"/>
-          <ac:graphicFrameMkLst>
-            <pc:docMk/>
-            <pc:sldMk cId="3152381042" sldId="279"/>
-            <ac:graphicFrameMk id="15" creationId="{ED94EA49-7812-6B85-F14E-2FBE4F0D1347}"/>
-          </ac:graphicFrameMkLst>
-        </pc:graphicFrameChg>
-        <pc:graphicFrameChg chg="add mod">
-          <ac:chgData name="Zeynep Tutar" userId="d9d1c894097c761c" providerId="LiveId" clId="{2A5476DD-5B7C-4A9C-BA67-83B8752F949B}" dt="2024-07-11T14:28:56.474" v="328"/>
-          <ac:graphicFrameMkLst>
-            <pc:docMk/>
-            <pc:sldMk cId="3152381042" sldId="279"/>
-            <ac:graphicFrameMk id="16" creationId="{8B3C1F86-F3D9-36D8-E7DE-8D6927DB7F02}"/>
-          </ac:graphicFrameMkLst>
-        </pc:graphicFrameChg>
-        <pc:graphicFrameChg chg="add mod">
-          <ac:chgData name="Zeynep Tutar" userId="d9d1c894097c761c" providerId="LiveId" clId="{2A5476DD-5B7C-4A9C-BA67-83B8752F949B}" dt="2024-07-11T14:28:56.474" v="328"/>
-          <ac:graphicFrameMkLst>
-            <pc:docMk/>
-            <pc:sldMk cId="3152381042" sldId="279"/>
-            <ac:graphicFrameMk id="17" creationId="{6DDCD87C-FF59-1802-B34B-93FAE64C9A62}"/>
-          </ac:graphicFrameMkLst>
-        </pc:graphicFrameChg>
-        <pc:graphicFrameChg chg="add mod">
-          <ac:chgData name="Zeynep Tutar" userId="d9d1c894097c761c" providerId="LiveId" clId="{2A5476DD-5B7C-4A9C-BA67-83B8752F949B}" dt="2024-07-11T14:28:56.474" v="328"/>
-          <ac:graphicFrameMkLst>
-            <pc:docMk/>
-            <pc:sldMk cId="3152381042" sldId="279"/>
-            <ac:graphicFrameMk id="19" creationId="{102213F3-FFC6-3CF1-A31C-807C30788E15}"/>
-          </ac:graphicFrameMkLst>
-        </pc:graphicFrameChg>
-        <pc:graphicFrameChg chg="add mod">
-          <ac:chgData name="Zeynep Tutar" userId="d9d1c894097c761c" providerId="LiveId" clId="{2A5476DD-5B7C-4A9C-BA67-83B8752F949B}" dt="2024-07-11T14:28:56.474" v="328"/>
-          <ac:graphicFrameMkLst>
-            <pc:docMk/>
-            <pc:sldMk cId="3152381042" sldId="279"/>
-            <ac:graphicFrameMk id="20" creationId="{99300173-988F-F78F-BCC0-2C0A5BF900FE}"/>
-          </ac:graphicFrameMkLst>
-        </pc:graphicFrameChg>
-        <pc:graphicFrameChg chg="add mod">
-          <ac:chgData name="Zeynep Tutar" userId="d9d1c894097c761c" providerId="LiveId" clId="{2A5476DD-5B7C-4A9C-BA67-83B8752F949B}" dt="2024-07-11T14:28:56.474" v="328"/>
-          <ac:graphicFrameMkLst>
-            <pc:docMk/>
-            <pc:sldMk cId="3152381042" sldId="279"/>
-            <ac:graphicFrameMk id="22" creationId="{47335771-A3A2-74D7-3BFD-270AB24F52C5}"/>
-          </ac:graphicFrameMkLst>
-        </pc:graphicFrameChg>
-        <pc:graphicFrameChg chg="add mod">
-          <ac:chgData name="Zeynep Tutar" userId="d9d1c894097c761c" providerId="LiveId" clId="{2A5476DD-5B7C-4A9C-BA67-83B8752F949B}" dt="2024-07-11T14:28:56.474" v="328"/>
-          <ac:graphicFrameMkLst>
-            <pc:docMk/>
-            <pc:sldMk cId="3152381042" sldId="279"/>
-            <ac:graphicFrameMk id="23" creationId="{3AE67883-1D04-17D0-E72E-6426DEF777FD}"/>
-          </ac:graphicFrameMkLst>
-        </pc:graphicFrameChg>
-        <pc:graphicFrameChg chg="add mod">
-          <ac:chgData name="Zeynep Tutar" userId="d9d1c894097c761c" providerId="LiveId" clId="{2A5476DD-5B7C-4A9C-BA67-83B8752F949B}" dt="2024-07-11T14:28:56.474" v="328"/>
-          <ac:graphicFrameMkLst>
-            <pc:docMk/>
-            <pc:sldMk cId="3152381042" sldId="279"/>
-            <ac:graphicFrameMk id="24" creationId="{E1CF9ED3-DE49-BD26-C9AA-FFE3515C8D67}"/>
-          </ac:graphicFrameMkLst>
-        </pc:graphicFrameChg>
-        <pc:graphicFrameChg chg="add mod">
-          <ac:chgData name="Zeynep Tutar" userId="d9d1c894097c761c" providerId="LiveId" clId="{2A5476DD-5B7C-4A9C-BA67-83B8752F949B}" dt="2024-07-11T14:28:56.474" v="328"/>
-          <ac:graphicFrameMkLst>
-            <pc:docMk/>
-            <pc:sldMk cId="3152381042" sldId="279"/>
-            <ac:graphicFrameMk id="25" creationId="{4C8D5F0A-E6C8-5ED8-73A4-36E93DF38E17}"/>
-          </ac:graphicFrameMkLst>
-        </pc:graphicFrameChg>
-        <pc:graphicFrameChg chg="add mod">
-          <ac:chgData name="Zeynep Tutar" userId="d9d1c894097c761c" providerId="LiveId" clId="{2A5476DD-5B7C-4A9C-BA67-83B8752F949B}" dt="2024-07-11T14:28:56.474" v="328"/>
-          <ac:graphicFrameMkLst>
-            <pc:docMk/>
-            <pc:sldMk cId="3152381042" sldId="279"/>
-            <ac:graphicFrameMk id="26" creationId="{8824408C-45CF-BA78-377A-476686A09E79}"/>
-          </ac:graphicFrameMkLst>
-        </pc:graphicFrameChg>
-        <pc:graphicFrameChg chg="add mod">
-          <ac:chgData name="Zeynep Tutar" userId="d9d1c894097c761c" providerId="LiveId" clId="{2A5476DD-5B7C-4A9C-BA67-83B8752F949B}" dt="2024-07-11T14:28:56.474" v="328"/>
-          <ac:graphicFrameMkLst>
-            <pc:docMk/>
-            <pc:sldMk cId="3152381042" sldId="279"/>
-            <ac:graphicFrameMk id="27" creationId="{1E3B0EDF-E58D-E46D-2146-ED5D670D613A}"/>
-          </ac:graphicFrameMkLst>
-        </pc:graphicFrameChg>
-        <pc:graphicFrameChg chg="add mod">
-          <ac:chgData name="Zeynep Tutar" userId="d9d1c894097c761c" providerId="LiveId" clId="{2A5476DD-5B7C-4A9C-BA67-83B8752F949B}" dt="2024-07-11T14:28:56.474" v="328"/>
-          <ac:graphicFrameMkLst>
-            <pc:docMk/>
-            <pc:sldMk cId="3152381042" sldId="279"/>
-            <ac:graphicFrameMk id="28" creationId="{EA625A41-1ABA-3C7E-6E36-DD691523928B}"/>
-          </ac:graphicFrameMkLst>
-        </pc:graphicFrameChg>
-        <pc:graphicFrameChg chg="add mod">
-          <ac:chgData name="Zeynep Tutar" userId="d9d1c894097c761c" providerId="LiveId" clId="{2A5476DD-5B7C-4A9C-BA67-83B8752F949B}" dt="2024-07-11T14:28:56.474" v="328"/>
-          <ac:graphicFrameMkLst>
-            <pc:docMk/>
-            <pc:sldMk cId="3152381042" sldId="279"/>
-            <ac:graphicFrameMk id="29" creationId="{0CF93518-5CDF-8E18-8326-5CDAC6E287ED}"/>
-          </ac:graphicFrameMkLst>
-        </pc:graphicFrameChg>
-        <pc:graphicFrameChg chg="add mod">
-          <ac:chgData name="Zeynep Tutar" userId="d9d1c894097c761c" providerId="LiveId" clId="{2A5476DD-5B7C-4A9C-BA67-83B8752F949B}" dt="2024-07-11T14:28:56.474" v="328"/>
-          <ac:graphicFrameMkLst>
-            <pc:docMk/>
-            <pc:sldMk cId="3152381042" sldId="279"/>
-            <ac:graphicFrameMk id="30" creationId="{8EBBE8AE-366E-C9D8-EFA0-49609D1678B4}"/>
-          </ac:graphicFrameMkLst>
-        </pc:graphicFrameChg>
-        <pc:graphicFrameChg chg="add mod">
-          <ac:chgData name="Zeynep Tutar" userId="d9d1c894097c761c" providerId="LiveId" clId="{2A5476DD-5B7C-4A9C-BA67-83B8752F949B}" dt="2024-07-11T14:28:56.474" v="328"/>
-          <ac:graphicFrameMkLst>
-            <pc:docMk/>
-            <pc:sldMk cId="3152381042" sldId="279"/>
-            <ac:graphicFrameMk id="31" creationId="{B03D739D-890C-C19D-B879-492C64C3E7CC}"/>
-          </ac:graphicFrameMkLst>
-        </pc:graphicFrameChg>
-        <pc:graphicFrameChg chg="add mod">
-          <ac:chgData name="Zeynep Tutar" userId="d9d1c894097c761c" providerId="LiveId" clId="{2A5476DD-5B7C-4A9C-BA67-83B8752F949B}" dt="2024-07-11T14:28:56.474" v="328"/>
-          <ac:graphicFrameMkLst>
-            <pc:docMk/>
-            <pc:sldMk cId="3152381042" sldId="279"/>
-            <ac:graphicFrameMk id="32" creationId="{47426B51-7ACD-3E99-CB9D-71BD55D93913}"/>
-          </ac:graphicFrameMkLst>
-        </pc:graphicFrameChg>
-        <pc:graphicFrameChg chg="add mod">
-          <ac:chgData name="Zeynep Tutar" userId="d9d1c894097c761c" providerId="LiveId" clId="{2A5476DD-5B7C-4A9C-BA67-83B8752F949B}" dt="2024-07-11T14:28:56.474" v="328"/>
-          <ac:graphicFrameMkLst>
-            <pc:docMk/>
-            <pc:sldMk cId="3152381042" sldId="279"/>
-            <ac:graphicFrameMk id="33" creationId="{3DB56512-770A-BAF2-5C8A-0116BF6DC52A}"/>
-          </ac:graphicFrameMkLst>
-        </pc:graphicFrameChg>
-        <pc:graphicFrameChg chg="add mod">
-          <ac:chgData name="Zeynep Tutar" userId="d9d1c894097c761c" providerId="LiveId" clId="{2A5476DD-5B7C-4A9C-BA67-83B8752F949B}" dt="2024-07-11T14:28:56.474" v="328"/>
-          <ac:graphicFrameMkLst>
-            <pc:docMk/>
-            <pc:sldMk cId="3152381042" sldId="279"/>
-            <ac:graphicFrameMk id="34" creationId="{7ECF016A-9DC1-4B78-58D8-6C7FCB867762}"/>
-          </ac:graphicFrameMkLst>
-        </pc:graphicFrameChg>
-        <pc:graphicFrameChg chg="add mod">
-          <ac:chgData name="Zeynep Tutar" userId="d9d1c894097c761c" providerId="LiveId" clId="{2A5476DD-5B7C-4A9C-BA67-83B8752F949B}" dt="2024-07-11T14:28:56.474" v="328"/>
-          <ac:graphicFrameMkLst>
-            <pc:docMk/>
-            <pc:sldMk cId="3152381042" sldId="279"/>
-            <ac:graphicFrameMk id="35" creationId="{582314E3-0827-72B4-A799-77D9D78B4C7C}"/>
-          </ac:graphicFrameMkLst>
-        </pc:graphicFrameChg>
-        <pc:graphicFrameChg chg="add mod">
-          <ac:chgData name="Zeynep Tutar" userId="d9d1c894097c761c" providerId="LiveId" clId="{2A5476DD-5B7C-4A9C-BA67-83B8752F949B}" dt="2024-07-11T14:28:56.474" v="328"/>
-          <ac:graphicFrameMkLst>
-            <pc:docMk/>
-            <pc:sldMk cId="3152381042" sldId="279"/>
-            <ac:graphicFrameMk id="36" creationId="{2549E441-3888-4988-5682-2B6FAACCCEB7}"/>
-          </ac:graphicFrameMkLst>
-        </pc:graphicFrameChg>
-        <pc:graphicFrameChg chg="add mod">
-          <ac:chgData name="Zeynep Tutar" userId="d9d1c894097c761c" providerId="LiveId" clId="{2A5476DD-5B7C-4A9C-BA67-83B8752F949B}" dt="2024-07-11T14:28:56.474" v="328"/>
-          <ac:graphicFrameMkLst>
-            <pc:docMk/>
-            <pc:sldMk cId="3152381042" sldId="279"/>
-            <ac:graphicFrameMk id="37" creationId="{F4E29000-639D-32A6-0072-847DED4D54FD}"/>
-          </ac:graphicFrameMkLst>
-        </pc:graphicFrameChg>
-        <pc:graphicFrameChg chg="add mod">
-          <ac:chgData name="Zeynep Tutar" userId="d9d1c894097c761c" providerId="LiveId" clId="{2A5476DD-5B7C-4A9C-BA67-83B8752F949B}" dt="2024-07-11T14:28:56.474" v="328"/>
-          <ac:graphicFrameMkLst>
-            <pc:docMk/>
-            <pc:sldMk cId="3152381042" sldId="279"/>
-            <ac:graphicFrameMk id="38" creationId="{388B58B4-C1CB-6A81-15D9-9C3D304FBFA5}"/>
-          </ac:graphicFrameMkLst>
-        </pc:graphicFrameChg>
-        <pc:graphicFrameChg chg="add mod">
-          <ac:chgData name="Zeynep Tutar" userId="d9d1c894097c761c" providerId="LiveId" clId="{2A5476DD-5B7C-4A9C-BA67-83B8752F949B}" dt="2024-07-11T14:28:56.474" v="328"/>
-          <ac:graphicFrameMkLst>
-            <pc:docMk/>
-            <pc:sldMk cId="3152381042" sldId="279"/>
-            <ac:graphicFrameMk id="39" creationId="{B7F29A67-4A95-2F44-C626-6FF283F16C72}"/>
-          </ac:graphicFrameMkLst>
-        </pc:graphicFrameChg>
-        <pc:graphicFrameChg chg="add mod">
-          <ac:chgData name="Zeynep Tutar" userId="d9d1c894097c761c" providerId="LiveId" clId="{2A5476DD-5B7C-4A9C-BA67-83B8752F949B}" dt="2024-07-11T14:28:56.474" v="328"/>
-          <ac:graphicFrameMkLst>
-            <pc:docMk/>
-            <pc:sldMk cId="3152381042" sldId="279"/>
-            <ac:graphicFrameMk id="40" creationId="{7927B3C0-EC32-5552-B506-5E23F73245BE}"/>
-          </ac:graphicFrameMkLst>
-        </pc:graphicFrameChg>
-        <pc:graphicFrameChg chg="add mod modGraphic">
-          <ac:chgData name="Zeynep Tutar" userId="d9d1c894097c761c" providerId="LiveId" clId="{2A5476DD-5B7C-4A9C-BA67-83B8752F949B}" dt="2024-07-11T14:29:05.339" v="332" actId="6549"/>
-          <ac:graphicFrameMkLst>
-            <pc:docMk/>
-            <pc:sldMk cId="3152381042" sldId="279"/>
-            <ac:graphicFrameMk id="41" creationId="{365024C5-1BEA-3349-9786-96E612944A20}"/>
-          </ac:graphicFrameMkLst>
-        </pc:graphicFrameChg>
-        <pc:graphicFrameChg chg="add del mod">
-          <ac:chgData name="Zeynep Tutar" userId="d9d1c894097c761c" providerId="LiveId" clId="{2A5476DD-5B7C-4A9C-BA67-83B8752F949B}" dt="2024-07-11T14:29:05.595" v="333" actId="478"/>
-          <ac:graphicFrameMkLst>
-            <pc:docMk/>
-            <pc:sldMk cId="3152381042" sldId="279"/>
-            <ac:graphicFrameMk id="42" creationId="{1E118CAF-5EFE-39B8-E8A0-F6E846A23258}"/>
-          </ac:graphicFrameMkLst>
-        </pc:graphicFrameChg>
-        <pc:graphicFrameChg chg="add del mod">
-          <ac:chgData name="Zeynep Tutar" userId="d9d1c894097c761c" providerId="LiveId" clId="{2A5476DD-5B7C-4A9C-BA67-83B8752F949B}" dt="2024-07-11T14:29:05.899" v="334" actId="478"/>
-          <ac:graphicFrameMkLst>
-            <pc:docMk/>
-            <pc:sldMk cId="3152381042" sldId="279"/>
-            <ac:graphicFrameMk id="43" creationId="{FB5D0323-6471-ACC0-83E9-5CC1BBF6EF1B}"/>
-          </ac:graphicFrameMkLst>
-        </pc:graphicFrameChg>
-        <pc:graphicFrameChg chg="add mod">
-          <ac:chgData name="Zeynep Tutar" userId="d9d1c894097c761c" providerId="LiveId" clId="{2A5476DD-5B7C-4A9C-BA67-83B8752F949B}" dt="2024-07-11T14:30:52.370" v="335"/>
-          <ac:graphicFrameMkLst>
-            <pc:docMk/>
-            <pc:sldMk cId="3152381042" sldId="279"/>
-            <ac:graphicFrameMk id="44" creationId="{7A124592-6FC7-E646-C3CF-38B491179AF6}"/>
-          </ac:graphicFrameMkLst>
-        </pc:graphicFrameChg>
-        <pc:graphicFrameChg chg="add del mod modGraphic">
-          <ac:chgData name="Zeynep Tutar" userId="d9d1c894097c761c" providerId="LiveId" clId="{2A5476DD-5B7C-4A9C-BA67-83B8752F949B}" dt="2024-07-11T14:31:08.450" v="339" actId="478"/>
-          <ac:graphicFrameMkLst>
-            <pc:docMk/>
-            <pc:sldMk cId="3152381042" sldId="279"/>
-            <ac:graphicFrameMk id="45" creationId="{2DCCFF34-FA98-B134-56AF-EC388911F380}"/>
-          </ac:graphicFrameMkLst>
-        </pc:graphicFrameChg>
-        <pc:graphicFrameChg chg="add del mod">
-          <ac:chgData name="Zeynep Tutar" userId="d9d1c894097c761c" providerId="LiveId" clId="{2A5476DD-5B7C-4A9C-BA67-83B8752F949B}" dt="2024-07-11T14:31:28.777" v="345" actId="478"/>
-          <ac:graphicFrameMkLst>
-            <pc:docMk/>
-            <pc:sldMk cId="3152381042" sldId="279"/>
-            <ac:graphicFrameMk id="46" creationId="{116098C9-B6A3-DD4E-67D0-E5D586518918}"/>
-          </ac:graphicFrameMkLst>
-        </pc:graphicFrameChg>
-        <pc:graphicFrameChg chg="add mod">
-          <ac:chgData name="Zeynep Tutar" userId="d9d1c894097c761c" providerId="LiveId" clId="{2A5476DD-5B7C-4A9C-BA67-83B8752F949B}" dt="2024-07-11T14:31:29.870" v="346"/>
-          <ac:graphicFrameMkLst>
-            <pc:docMk/>
-            <pc:sldMk cId="3152381042" sldId="279"/>
-            <ac:graphicFrameMk id="48" creationId="{A42C0510-C527-BC29-C6DF-73EDA52CEB59}"/>
-          </ac:graphicFrameMkLst>
-        </pc:graphicFrameChg>
-        <pc:graphicFrameChg chg="add del mod modGraphic">
-          <ac:chgData name="Zeynep Tutar" userId="d9d1c894097c761c" providerId="LiveId" clId="{2A5476DD-5B7C-4A9C-BA67-83B8752F949B}" dt="2024-07-11T14:32:59.707" v="362" actId="478"/>
-          <ac:graphicFrameMkLst>
-            <pc:docMk/>
-            <pc:sldMk cId="3152381042" sldId="279"/>
-            <ac:graphicFrameMk id="49" creationId="{0224F659-5142-0A24-454D-448C36146C4E}"/>
-          </ac:graphicFrameMkLst>
-        </pc:graphicFrameChg>
-      </pc:sldChg>
-      <pc:sldChg chg="addSp delSp modSp add del mod modNotesTx">
-        <pc:chgData name="Zeynep Tutar" userId="d9d1c894097c761c" providerId="LiveId" clId="{2A5476DD-5B7C-4A9C-BA67-83B8752F949B}" dt="2024-07-11T14:52:19.195" v="435" actId="20577"/>
-        <pc:sldMkLst>
-          <pc:docMk/>
-          <pc:sldMk cId="4150390644" sldId="280"/>
-        </pc:sldMkLst>
-        <pc:spChg chg="add mod">
-          <ac:chgData name="Zeynep Tutar" userId="d9d1c894097c761c" providerId="LiveId" clId="{2A5476DD-5B7C-4A9C-BA67-83B8752F949B}" dt="2024-07-11T14:38:21.148" v="379" actId="1076"/>
-          <ac:spMkLst>
-            <pc:docMk/>
-            <pc:sldMk cId="4150390644" sldId="280"/>
-            <ac:spMk id="11" creationId="{4962A022-FBEC-B813-0EDF-D171C5AEAB32}"/>
-          </ac:spMkLst>
-        </pc:spChg>
-        <pc:spChg chg="add mod">
-          <ac:chgData name="Zeynep Tutar" userId="d9d1c894097c761c" providerId="LiveId" clId="{2A5476DD-5B7C-4A9C-BA67-83B8752F949B}" dt="2024-07-11T14:38:29.889" v="380" actId="1076"/>
-          <ac:spMkLst>
-            <pc:docMk/>
-            <pc:sldMk cId="4150390644" sldId="280"/>
-            <ac:spMk id="12" creationId="{8D4E3ADE-0B42-2C2B-27E9-C72ED1D79DB6}"/>
-          </ac:spMkLst>
-        </pc:spChg>
-        <pc:spChg chg="add mod">
-          <ac:chgData name="Zeynep Tutar" userId="d9d1c894097c761c" providerId="LiveId" clId="{2A5476DD-5B7C-4A9C-BA67-83B8752F949B}" dt="2024-07-11T14:38:29.889" v="380" actId="1076"/>
-          <ac:spMkLst>
-            <pc:docMk/>
-            <pc:sldMk cId="4150390644" sldId="280"/>
-            <ac:spMk id="13" creationId="{1BE3DA93-3D1F-A5C5-0926-16F09D918E12}"/>
-          </ac:spMkLst>
-        </pc:spChg>
-        <pc:spChg chg="add mod">
-          <ac:chgData name="Zeynep Tutar" userId="d9d1c894097c761c" providerId="LiveId" clId="{2A5476DD-5B7C-4A9C-BA67-83B8752F949B}" dt="2024-07-11T14:42:43.680" v="392" actId="207"/>
-          <ac:spMkLst>
-            <pc:docMk/>
-            <pc:sldMk cId="4150390644" sldId="280"/>
-            <ac:spMk id="14" creationId="{94ABA77A-284C-0B0E-1DE3-0B2059B754E5}"/>
-          </ac:spMkLst>
-        </pc:spChg>
-        <pc:spChg chg="add mod">
-          <ac:chgData name="Zeynep Tutar" userId="d9d1c894097c761c" providerId="LiveId" clId="{2A5476DD-5B7C-4A9C-BA67-83B8752F949B}" dt="2024-07-11T14:38:29.889" v="380" actId="1076"/>
-          <ac:spMkLst>
-            <pc:docMk/>
-            <pc:sldMk cId="4150390644" sldId="280"/>
-            <ac:spMk id="15" creationId="{A04723AD-AEF7-46D3-FF81-3091CBAC5501}"/>
-          </ac:spMkLst>
-        </pc:spChg>
-        <pc:spChg chg="add mod">
-          <ac:chgData name="Zeynep Tutar" userId="d9d1c894097c761c" providerId="LiveId" clId="{2A5476DD-5B7C-4A9C-BA67-83B8752F949B}" dt="2024-07-11T14:38:29.889" v="380" actId="1076"/>
-          <ac:spMkLst>
-            <pc:docMk/>
-            <pc:sldMk cId="4150390644" sldId="280"/>
-            <ac:spMk id="16" creationId="{638A8FDF-DF0C-A7D6-32FE-568C61B80550}"/>
-          </ac:spMkLst>
-        </pc:spChg>
-        <pc:spChg chg="del mod">
-          <ac:chgData name="Zeynep Tutar" userId="d9d1c894097c761c" providerId="LiveId" clId="{2A5476DD-5B7C-4A9C-BA67-83B8752F949B}" dt="2024-07-11T14:36:41.953" v="363" actId="478"/>
-          <ac:spMkLst>
-            <pc:docMk/>
-            <pc:sldMk cId="4150390644" sldId="280"/>
-            <ac:spMk id="20" creationId="{49EBE1F7-E095-01C4-2C7A-3AF738321340}"/>
-          </ac:spMkLst>
-        </pc:spChg>
-        <pc:spChg chg="mod">
-          <ac:chgData name="Zeynep Tutar" userId="d9d1c894097c761c" providerId="LiveId" clId="{2A5476DD-5B7C-4A9C-BA67-83B8752F949B}" dt="2024-07-11T14:37:59.500" v="375" actId="1076"/>
-          <ac:spMkLst>
-            <pc:docMk/>
-            <pc:sldMk cId="4150390644" sldId="280"/>
-            <ac:spMk id="21" creationId="{4D4908C6-3A51-B7CF-A061-7D5292AFA8D2}"/>
-          </ac:spMkLst>
-        </pc:spChg>
-        <pc:spChg chg="mod">
-          <ac:chgData name="Zeynep Tutar" userId="d9d1c894097c761c" providerId="LiveId" clId="{2A5476DD-5B7C-4A9C-BA67-83B8752F949B}" dt="2024-07-11T14:37:59.500" v="375" actId="1076"/>
-          <ac:spMkLst>
-            <pc:docMk/>
-            <pc:sldMk cId="4150390644" sldId="280"/>
-            <ac:spMk id="47" creationId="{4E817E52-E6F0-B1EB-082F-9425EC567B65}"/>
-          </ac:spMkLst>
-        </pc:spChg>
-        <pc:picChg chg="add mod">
-          <ac:chgData name="Zeynep Tutar" userId="d9d1c894097c761c" providerId="LiveId" clId="{2A5476DD-5B7C-4A9C-BA67-83B8752F949B}" dt="2024-07-11T14:38:21.148" v="379" actId="1076"/>
-          <ac:picMkLst>
-            <pc:docMk/>
-            <pc:sldMk cId="4150390644" sldId="280"/>
-            <ac:picMk id="5" creationId="{F84E18CD-058B-D179-75E8-6458C3035247}"/>
-          </ac:picMkLst>
-        </pc:picChg>
-        <pc:picChg chg="mod ord modCrop">
-          <ac:chgData name="Zeynep Tutar" userId="d9d1c894097c761c" providerId="LiveId" clId="{2A5476DD-5B7C-4A9C-BA67-83B8752F949B}" dt="2024-07-11T14:38:06.233" v="376" actId="1076"/>
-          <ac:picMkLst>
-            <pc:docMk/>
-            <pc:sldMk cId="4150390644" sldId="280"/>
-            <ac:picMk id="6" creationId="{2131B295-410E-094C-13E8-FE84B0E01383}"/>
-          </ac:picMkLst>
-        </pc:picChg>
-        <pc:picChg chg="add mod">
-          <ac:chgData name="Zeynep Tutar" userId="d9d1c894097c761c" providerId="LiveId" clId="{2A5476DD-5B7C-4A9C-BA67-83B8752F949B}" dt="2024-07-11T14:38:29.889" v="380" actId="1076"/>
-          <ac:picMkLst>
-            <pc:docMk/>
-            <pc:sldMk cId="4150390644" sldId="280"/>
-            <ac:picMk id="8" creationId="{C59C15E4-7E3C-F717-7D7E-F1C4BA8BB9CB}"/>
-          </ac:picMkLst>
-        </pc:picChg>
-        <pc:picChg chg="add mod">
-          <ac:chgData name="Zeynep Tutar" userId="d9d1c894097c761c" providerId="LiveId" clId="{2A5476DD-5B7C-4A9C-BA67-83B8752F949B}" dt="2024-07-11T14:38:29.889" v="380" actId="1076"/>
-          <ac:picMkLst>
-            <pc:docMk/>
-            <pc:sldMk cId="4150390644" sldId="280"/>
-            <ac:picMk id="9" creationId="{3F795AA3-81F1-F783-A5FE-40A740BAA21E}"/>
-          </ac:picMkLst>
-        </pc:picChg>
-        <pc:picChg chg="add mod modCrop">
-          <ac:chgData name="Zeynep Tutar" userId="d9d1c894097c761c" providerId="LiveId" clId="{2A5476DD-5B7C-4A9C-BA67-83B8752F949B}" dt="2024-07-11T14:38:21.148" v="379" actId="1076"/>
-          <ac:picMkLst>
-            <pc:docMk/>
-            <pc:sldMk cId="4150390644" sldId="280"/>
-            <ac:picMk id="10" creationId="{55B7994E-296B-DBBE-10BC-1E3065317753}"/>
-          </ac:picMkLst>
-        </pc:picChg>
-      </pc:sldChg>
-      <pc:sldChg chg="add del modNotesTx">
-        <pc:chgData name="Zeynep Tutar" userId="d9d1c894097c761c" providerId="LiveId" clId="{2A5476DD-5B7C-4A9C-BA67-83B8752F949B}" dt="2024-07-11T14:39:58.241" v="388" actId="47"/>
-        <pc:sldMkLst>
-          <pc:docMk/>
-          <pc:sldMk cId="481437715" sldId="281"/>
-        </pc:sldMkLst>
-      </pc:sldChg>
-      <pc:sldChg chg="modSp add del mod">
-        <pc:chgData name="Zeynep Tutar" userId="d9d1c894097c761c" providerId="LiveId" clId="{2A5476DD-5B7C-4A9C-BA67-83B8752F949B}" dt="2024-07-11T14:42:16.045" v="390" actId="20577"/>
-        <pc:sldMkLst>
-          <pc:docMk/>
-          <pc:sldMk cId="1240072374" sldId="282"/>
-        </pc:sldMkLst>
-        <pc:spChg chg="mod">
-          <ac:chgData name="Zeynep Tutar" userId="d9d1c894097c761c" providerId="LiveId" clId="{2A5476DD-5B7C-4A9C-BA67-83B8752F949B}" dt="2024-07-11T13:50:43.601" v="92" actId="14100"/>
-          <ac:spMkLst>
-            <pc:docMk/>
-            <pc:sldMk cId="1240072374" sldId="282"/>
-            <ac:spMk id="5" creationId="{EF275E82-8D43-A110-810A-F04DFC17A989}"/>
-          </ac:spMkLst>
-        </pc:spChg>
-        <pc:spChg chg="mod">
-          <ac:chgData name="Zeynep Tutar" userId="d9d1c894097c761c" providerId="LiveId" clId="{2A5476DD-5B7C-4A9C-BA67-83B8752F949B}" dt="2024-07-11T14:42:16.045" v="390" actId="20577"/>
-          <ac:spMkLst>
-            <pc:docMk/>
-            <pc:sldMk cId="1240072374" sldId="282"/>
-            <ac:spMk id="9" creationId="{00000000-0000-0000-0000-000000000000}"/>
-          </ac:spMkLst>
-        </pc:spChg>
-      </pc:sldChg>
-      <pc:sldChg chg="add del">
-        <pc:chgData name="Zeynep Tutar" userId="d9d1c894097c761c" providerId="LiveId" clId="{2A5476DD-5B7C-4A9C-BA67-83B8752F949B}" dt="2024-07-11T12:54:18.265" v="1"/>
-        <pc:sldMkLst>
-          <pc:docMk/>
-          <pc:sldMk cId="811411929" sldId="283"/>
-        </pc:sldMkLst>
-      </pc:sldChg>
-      <pc:sldChg chg="addSp delSp modSp add del mod modNotesTx">
-        <pc:chgData name="Zeynep Tutar" userId="d9d1c894097c761c" providerId="LiveId" clId="{2A5476DD-5B7C-4A9C-BA67-83B8752F949B}" dt="2024-07-11T14:52:51.068" v="439" actId="1076"/>
+        <pc:chgData name="Zeynep Tutar" userId="d9d1c894097c761c" providerId="LiveId" clId="{B22B19B4-5AA7-4555-9B30-938CA60154F8}" dt="2024-07-10T04:12:23.975" v="10" actId="20577"/>
         <pc:sldMkLst>
           <pc:docMk/>
           <pc:sldMk cId="2527608240" sldId="285"/>
         </pc:sldMkLst>
-        <pc:spChg chg="del mod">
-          <ac:chgData name="Zeynep Tutar" userId="d9d1c894097c761c" providerId="LiveId" clId="{2A5476DD-5B7C-4A9C-BA67-83B8752F949B}" dt="2024-07-11T13:51:50.760" v="100" actId="478"/>
-          <ac:spMkLst>
-            <pc:docMk/>
-            <pc:sldMk cId="2527608240" sldId="285"/>
-            <ac:spMk id="6" creationId="{BFB085B7-742F-8030-7D4C-77018B0573B7}"/>
-          </ac:spMkLst>
-        </pc:spChg>
         <pc:spChg chg="mod">
-          <ac:chgData name="Zeynep Tutar" userId="d9d1c894097c761c" providerId="LiveId" clId="{2A5476DD-5B7C-4A9C-BA67-83B8752F949B}" dt="2024-07-11T13:48:17.103" v="90" actId="1076"/>
+          <ac:chgData name="Zeynep Tutar" userId="d9d1c894097c761c" providerId="LiveId" clId="{B22B19B4-5AA7-4555-9B30-938CA60154F8}" dt="2024-07-10T04:12:23.975" v="10" actId="20577"/>
           <ac:spMkLst>
             <pc:docMk/>
             <pc:sldMk cId="2527608240" sldId="285"/>
             <ac:spMk id="7" creationId="{81D92FC0-CD5F-7A85-CE53-4F67F9711374}"/>
           </ac:spMkLst>
         </pc:spChg>
-        <pc:spChg chg="mod">
-          <ac:chgData name="Zeynep Tutar" userId="d9d1c894097c761c" providerId="LiveId" clId="{2A5476DD-5B7C-4A9C-BA67-83B8752F949B}" dt="2024-07-11T14:43:01.275" v="394" actId="207"/>
-          <ac:spMkLst>
-            <pc:docMk/>
-            <pc:sldMk cId="2527608240" sldId="285"/>
-            <ac:spMk id="8" creationId="{89AE960C-07DF-BD12-8479-6CBA8236814B}"/>
-          </ac:spMkLst>
-        </pc:spChg>
-        <pc:spChg chg="del mod">
-          <ac:chgData name="Zeynep Tutar" userId="d9d1c894097c761c" providerId="LiveId" clId="{2A5476DD-5B7C-4A9C-BA67-83B8752F949B}" dt="2024-07-11T13:51:50.192" v="99" actId="478"/>
-          <ac:spMkLst>
-            <pc:docMk/>
-            <pc:sldMk cId="2527608240" sldId="285"/>
-            <ac:spMk id="10" creationId="{6114EF28-7E5A-2CC3-BE4A-90CE020A550C}"/>
-          </ac:spMkLst>
-        </pc:spChg>
-        <pc:spChg chg="del mod">
-          <ac:chgData name="Zeynep Tutar" userId="d9d1c894097c761c" providerId="LiveId" clId="{2A5476DD-5B7C-4A9C-BA67-83B8752F949B}" dt="2024-07-11T14:43:04.586" v="395" actId="478"/>
-          <ac:spMkLst>
-            <pc:docMk/>
-            <pc:sldMk cId="2527608240" sldId="285"/>
-            <ac:spMk id="11" creationId="{FA074D44-4BF6-2F32-8884-9E727CA46F20}"/>
-          </ac:spMkLst>
-        </pc:spChg>
-        <pc:spChg chg="add del mod">
-          <ac:chgData name="Zeynep Tutar" userId="d9d1c894097c761c" providerId="LiveId" clId="{2A5476DD-5B7C-4A9C-BA67-83B8752F949B}" dt="2024-07-11T13:51:28.376" v="98" actId="478"/>
-          <ac:spMkLst>
-            <pc:docMk/>
-            <pc:sldMk cId="2527608240" sldId="285"/>
-            <ac:spMk id="12" creationId="{23A8B9BB-2EAF-EC39-1F54-B632054CCEF6}"/>
-          </ac:spMkLst>
-        </pc:spChg>
-        <pc:spChg chg="add mod">
-          <ac:chgData name="Zeynep Tutar" userId="d9d1c894097c761c" providerId="LiveId" clId="{2A5476DD-5B7C-4A9C-BA67-83B8752F949B}" dt="2024-07-11T14:43:10.922" v="397" actId="1076"/>
-          <ac:spMkLst>
-            <pc:docMk/>
-            <pc:sldMk cId="2527608240" sldId="285"/>
-            <ac:spMk id="14" creationId="{AD631A9B-1071-5930-CFCC-122AB3DB8F98}"/>
-          </ac:spMkLst>
-        </pc:spChg>
-        <pc:spChg chg="add mod">
-          <ac:chgData name="Zeynep Tutar" userId="d9d1c894097c761c" providerId="LiveId" clId="{2A5476DD-5B7C-4A9C-BA67-83B8752F949B}" dt="2024-07-11T14:52:46.902" v="437" actId="1076"/>
-          <ac:spMkLst>
-            <pc:docMk/>
-            <pc:sldMk cId="2527608240" sldId="285"/>
-            <ac:spMk id="15" creationId="{603C3CE6-04BC-8DEC-6551-FEB99A8F8E17}"/>
-          </ac:spMkLst>
-        </pc:spChg>
-        <pc:spChg chg="add mod">
-          <ac:chgData name="Zeynep Tutar" userId="d9d1c894097c761c" providerId="LiveId" clId="{2A5476DD-5B7C-4A9C-BA67-83B8752F949B}" dt="2024-07-11T14:52:51.068" v="439" actId="1076"/>
-          <ac:spMkLst>
-            <pc:docMk/>
-            <pc:sldMk cId="2527608240" sldId="285"/>
-            <ac:spMk id="16" creationId="{E29A69E0-1F85-EFF4-D7BD-D10E9B2F355F}"/>
-          </ac:spMkLst>
-        </pc:spChg>
-        <pc:picChg chg="mod">
-          <ac:chgData name="Zeynep Tutar" userId="d9d1c894097c761c" providerId="LiveId" clId="{2A5476DD-5B7C-4A9C-BA67-83B8752F949B}" dt="2024-07-11T13:46:33.083" v="82" actId="1076"/>
-          <ac:picMkLst>
-            <pc:docMk/>
-            <pc:sldMk cId="2527608240" sldId="285"/>
-            <ac:picMk id="9" creationId="{A0BE9C71-E712-D7FD-8B94-06BA2062A5DB}"/>
-          </ac:picMkLst>
-        </pc:picChg>
       </pc:sldChg>
     </pc:docChg>
   </pc:docChgLst>
@@ -2025,7 +1265,7 @@
           <a:p>
             <a:fld id="{D51D2287-EC81-4AD7-8BE1-0A74222B7D84}" type="datetimeFigureOut">
               <a:rPr lang="tr-TR" smtClean="0"/>
-              <a:t>11.07.2024</a:t>
+              <a:t>10.07.2024</a:t>
             </a:fld>
             <a:endParaRPr lang="tr-TR"/>
           </a:p>
@@ -2337,7 +1577,7 @@
           <a:bodyPr/>
           <a:lstStyle/>
           <a:p>
-            <a:endParaRPr lang="en-US"/>
+            <a:endParaRPr lang="tr-TR" dirty="0"/>
           </a:p>
         </p:txBody>
       </p:sp>
@@ -2358,185 +1598,6 @@
           <a:p>
             <a:fld id="{28328521-71C5-4FF4-A309-290FBEE7AB2C}" type="slidenum">
               <a:rPr lang="tr-TR" smtClean="0"/>
-              <a:t>1</a:t>
-            </a:fld>
-            <a:endParaRPr lang="tr-TR"/>
-          </a:p>
-        </p:txBody>
-      </p:sp>
-    </p:spTree>
-    <p:extLst>
-      <p:ext uri="{BB962C8B-B14F-4D97-AF65-F5344CB8AC3E}">
-        <p14:creationId xmlns:p14="http://schemas.microsoft.com/office/powerpoint/2010/main" val="398253862"/>
-      </p:ext>
-    </p:extLst>
-  </p:cSld>
-  <p:clrMapOvr>
-    <a:masterClrMapping/>
-  </p:clrMapOvr>
-</p:notes>
-</file>
-
-<file path=ppt/notesSlides/notesSlide10.xml><?xml version="1.0" encoding="utf-8"?>
-<p:notes xmlns:a="http://schemas.openxmlformats.org/drawingml/2006/main" xmlns:r="http://schemas.openxmlformats.org/officeDocument/2006/relationships" xmlns:p="http://schemas.openxmlformats.org/presentationml/2006/main">
-  <p:cSld>
-    <p:spTree>
-      <p:nvGrpSpPr>
-        <p:cNvPr id="1" name=""/>
-        <p:cNvGrpSpPr/>
-        <p:nvPr/>
-      </p:nvGrpSpPr>
-      <p:grpSpPr>
-        <a:xfrm>
-          <a:off x="0" y="0"/>
-          <a:ext cx="0" cy="0"/>
-          <a:chOff x="0" y="0"/>
-          <a:chExt cx="0" cy="0"/>
-        </a:xfrm>
-      </p:grpSpPr>
-      <p:sp>
-        <p:nvSpPr>
-          <p:cNvPr id="2" name="Slide Image Placeholder 1"/>
-          <p:cNvSpPr>
-            <a:spLocks noGrp="1" noRot="1" noChangeAspect="1"/>
-          </p:cNvSpPr>
-          <p:nvPr>
-            <p:ph type="sldImg"/>
-          </p:nvPr>
-        </p:nvSpPr>
-        <p:spPr/>
-      </p:sp>
-      <p:sp>
-        <p:nvSpPr>
-          <p:cNvPr id="3" name="Notes Placeholder 2"/>
-          <p:cNvSpPr>
-            <a:spLocks noGrp="1"/>
-          </p:cNvSpPr>
-          <p:nvPr>
-            <p:ph type="body" idx="1"/>
-          </p:nvPr>
-        </p:nvSpPr>
-        <p:spPr/>
-        <p:txBody>
-          <a:bodyPr/>
-          <a:lstStyle/>
-          <a:p>
-            <a:pPr algn="l"/>
-            <a:r>
-              <a:rPr lang="en-US" sz="1800" b="0" i="0" u="none" strike="noStrike" baseline="0" dirty="0">
-                <a:latin typeface="SourceSansPro-Regular-Identity-H"/>
-              </a:rPr>
-              <a:t>Although the AUC values were same, to better analyze the differences between the model performances we compared the evaluation metrics.</a:t>
-            </a:r>
-          </a:p>
-          <a:p>
-            <a:pPr marL="0" marR="0" lvl="0" indent="0" algn="l" defTabSz="914400" rtl="0" eaLnBrk="1" fontAlgn="auto" latinLnBrk="0" hangingPunct="1">
-              <a:lnSpc>
-                <a:spcPct val="100000"/>
-              </a:lnSpc>
-              <a:spcBef>
-                <a:spcPts val="0"/>
-              </a:spcBef>
-              <a:spcAft>
-                <a:spcPts val="0"/>
-              </a:spcAft>
-              <a:buClrTx/>
-              <a:buSzTx/>
-              <a:buFontTx/>
-              <a:buNone/>
-              <a:tabLst/>
-              <a:defRPr/>
-            </a:pPr>
-            <a:r>
-              <a:rPr lang="en-US" sz="1200" b="0" i="0" u="none" strike="noStrike" baseline="0" dirty="0">
-                <a:latin typeface="SourceSansPro-Regular-Identity-H"/>
-              </a:rPr>
-              <a:t>All of the models have the highest F1 score at threshold level 0.4. </a:t>
-            </a:r>
-          </a:p>
-          <a:p>
-            <a:pPr marL="0" marR="0" lvl="0" indent="0" algn="l" defTabSz="914400" rtl="0" eaLnBrk="1" fontAlgn="auto" latinLnBrk="0" hangingPunct="1">
-              <a:lnSpc>
-                <a:spcPct val="100000"/>
-              </a:lnSpc>
-              <a:spcBef>
-                <a:spcPts val="0"/>
-              </a:spcBef>
-              <a:spcAft>
-                <a:spcPts val="0"/>
-              </a:spcAft>
-              <a:buClrTx/>
-              <a:buSzTx/>
-              <a:buFontTx/>
-              <a:buNone/>
-              <a:tabLst/>
-              <a:defRPr/>
-            </a:pPr>
-            <a:r>
-              <a:rPr lang="en-US" sz="1200" b="0" i="0" u="none" strike="noStrike" baseline="0" dirty="0">
-                <a:latin typeface="SourceSansPro-Regular-Identity-H"/>
-              </a:rPr>
-              <a:t>And a</a:t>
-            </a:r>
-            <a:r>
-              <a:rPr lang="en-US" sz="1200" dirty="0"/>
-              <a:t>mong the models, Elastic Net Regularization emerged as the best performer on the test set</a:t>
-            </a:r>
-            <a:r>
-              <a:rPr lang="tr-TR" sz="1200" dirty="0"/>
-              <a:t> </a:t>
-            </a:r>
-            <a:r>
-              <a:rPr lang="it-IT" sz="1200" dirty="0"/>
-              <a:t>in means of F1.Score and Recall. </a:t>
-            </a:r>
-          </a:p>
-          <a:p>
-            <a:pPr marL="0" marR="0" lvl="0" indent="0" algn="l" defTabSz="914400" rtl="0" eaLnBrk="1" fontAlgn="auto" latinLnBrk="0" hangingPunct="1">
-              <a:lnSpc>
-                <a:spcPct val="100000"/>
-              </a:lnSpc>
-              <a:spcBef>
-                <a:spcPts val="0"/>
-              </a:spcBef>
-              <a:spcAft>
-                <a:spcPts val="0"/>
-              </a:spcAft>
-              <a:buClrTx/>
-              <a:buSzTx/>
-              <a:buFontTx/>
-              <a:buNone/>
-              <a:tabLst/>
-              <a:defRPr/>
-            </a:pPr>
-            <a:r>
-              <a:rPr lang="en-US" sz="1000" dirty="0"/>
-              <a:t>For employee attrition, If retaining employees is a high priority and the cost of missing a potential leaver is significant, focusing on recall or the F1 score would be the best approach.</a:t>
-            </a:r>
-          </a:p>
-          <a:p>
-            <a:pPr algn="l"/>
-            <a:endParaRPr lang="tr-TR" dirty="0"/>
-          </a:p>
-        </p:txBody>
-      </p:sp>
-      <p:sp>
-        <p:nvSpPr>
-          <p:cNvPr id="4" name="Slide Number Placeholder 3"/>
-          <p:cNvSpPr>
-            <a:spLocks noGrp="1"/>
-          </p:cNvSpPr>
-          <p:nvPr>
-            <p:ph type="sldNum" sz="quarter" idx="5"/>
-          </p:nvPr>
-        </p:nvSpPr>
-        <p:spPr/>
-        <p:txBody>
-          <a:bodyPr/>
-          <a:lstStyle/>
-          <a:p>
-            <a:fld id="{28328521-71C5-4FF4-A309-290FBEE7AB2C}" type="slidenum">
-              <a:rPr lang="tr-TR" smtClean="0"/>
               <a:t>21</a:t>
             </a:fld>
             <a:endParaRPr lang="tr-TR"/>
@@ -2547,1358 +1608,6 @@
     <p:extLst>
       <p:ext uri="{BB962C8B-B14F-4D97-AF65-F5344CB8AC3E}">
         <p14:creationId xmlns:p14="http://schemas.microsoft.com/office/powerpoint/2010/main" val="1329697007"/>
-      </p:ext>
-    </p:extLst>
-  </p:cSld>
-  <p:clrMapOvr>
-    <a:masterClrMapping/>
-  </p:clrMapOvr>
-</p:notes>
-</file>
-
-<file path=ppt/notesSlides/notesSlide11.xml><?xml version="1.0" encoding="utf-8"?>
-<p:notes xmlns:a="http://schemas.openxmlformats.org/drawingml/2006/main" xmlns:r="http://schemas.openxmlformats.org/officeDocument/2006/relationships" xmlns:p="http://schemas.openxmlformats.org/presentationml/2006/main">
-  <p:cSld>
-    <p:spTree>
-      <p:nvGrpSpPr>
-        <p:cNvPr id="1" name=""/>
-        <p:cNvGrpSpPr/>
-        <p:nvPr/>
-      </p:nvGrpSpPr>
-      <p:grpSpPr>
-        <a:xfrm>
-          <a:off x="0" y="0"/>
-          <a:ext cx="0" cy="0"/>
-          <a:chOff x="0" y="0"/>
-          <a:chExt cx="0" cy="0"/>
-        </a:xfrm>
-      </p:grpSpPr>
-      <p:sp>
-        <p:nvSpPr>
-          <p:cNvPr id="2" name="Slide Image Placeholder 1"/>
-          <p:cNvSpPr>
-            <a:spLocks noGrp="1" noRot="1" noChangeAspect="1"/>
-          </p:cNvSpPr>
-          <p:nvPr>
-            <p:ph type="sldImg"/>
-          </p:nvPr>
-        </p:nvSpPr>
-        <p:spPr/>
-      </p:sp>
-      <p:sp>
-        <p:nvSpPr>
-          <p:cNvPr id="3" name="Notes Placeholder 2"/>
-          <p:cNvSpPr>
-            <a:spLocks noGrp="1"/>
-          </p:cNvSpPr>
-          <p:nvPr>
-            <p:ph type="body" idx="1"/>
-          </p:nvPr>
-        </p:nvSpPr>
-        <p:spPr/>
-        <p:txBody>
-          <a:bodyPr/>
-          <a:lstStyle/>
-          <a:p>
-            <a:r>
-              <a:rPr lang="en-US" dirty="0"/>
-              <a:t>We also implemented LDA and QDA to classify employee attrition. LDA assumes common mean and variance for all classes and tries to find linear combinations of features that best separate the classes.</a:t>
-            </a:r>
-          </a:p>
-        </p:txBody>
-      </p:sp>
-      <p:sp>
-        <p:nvSpPr>
-          <p:cNvPr id="4" name="Slide Number Placeholder 3"/>
-          <p:cNvSpPr>
-            <a:spLocks noGrp="1"/>
-          </p:cNvSpPr>
-          <p:nvPr>
-            <p:ph type="sldNum" sz="quarter" idx="5"/>
-          </p:nvPr>
-        </p:nvSpPr>
-        <p:spPr/>
-        <p:txBody>
-          <a:bodyPr/>
-          <a:lstStyle/>
-          <a:p>
-            <a:fld id="{28328521-71C5-4FF4-A309-290FBEE7AB2C}" type="slidenum">
-              <a:rPr lang="tr-TR" smtClean="0"/>
-              <a:t>22</a:t>
-            </a:fld>
-            <a:endParaRPr lang="tr-TR"/>
-          </a:p>
-        </p:txBody>
-      </p:sp>
-    </p:spTree>
-    <p:extLst>
-      <p:ext uri="{BB962C8B-B14F-4D97-AF65-F5344CB8AC3E}">
-        <p14:creationId xmlns:p14="http://schemas.microsoft.com/office/powerpoint/2010/main" val="3666673493"/>
-      </p:ext>
-    </p:extLst>
-  </p:cSld>
-  <p:clrMapOvr>
-    <a:masterClrMapping/>
-  </p:clrMapOvr>
-</p:notes>
-</file>
-
-<file path=ppt/notesSlides/notesSlide12.xml><?xml version="1.0" encoding="utf-8"?>
-<p:notes xmlns:a="http://schemas.openxmlformats.org/drawingml/2006/main" xmlns:r="http://schemas.openxmlformats.org/officeDocument/2006/relationships" xmlns:p="http://schemas.openxmlformats.org/presentationml/2006/main">
-  <p:cSld>
-    <p:spTree>
-      <p:nvGrpSpPr>
-        <p:cNvPr id="1" name=""/>
-        <p:cNvGrpSpPr/>
-        <p:nvPr/>
-      </p:nvGrpSpPr>
-      <p:grpSpPr>
-        <a:xfrm>
-          <a:off x="0" y="0"/>
-          <a:ext cx="0" cy="0"/>
-          <a:chOff x="0" y="0"/>
-          <a:chExt cx="0" cy="0"/>
-        </a:xfrm>
-      </p:grpSpPr>
-      <p:sp>
-        <p:nvSpPr>
-          <p:cNvPr id="2" name="Slide Image Placeholder 1"/>
-          <p:cNvSpPr>
-            <a:spLocks noGrp="1" noRot="1" noChangeAspect="1"/>
-          </p:cNvSpPr>
-          <p:nvPr>
-            <p:ph type="sldImg"/>
-          </p:nvPr>
-        </p:nvSpPr>
-        <p:spPr/>
-      </p:sp>
-      <p:sp>
-        <p:nvSpPr>
-          <p:cNvPr id="3" name="Notes Placeholder 2"/>
-          <p:cNvSpPr>
-            <a:spLocks noGrp="1"/>
-          </p:cNvSpPr>
-          <p:nvPr>
-            <p:ph type="body" idx="1"/>
-          </p:nvPr>
-        </p:nvSpPr>
-        <p:spPr/>
-        <p:txBody>
-          <a:bodyPr/>
-          <a:lstStyle/>
-          <a:p>
-            <a:r>
-              <a:rPr lang="en-US" dirty="0">
-                <a:solidFill>
-                  <a:srgbClr val="2B2D3D"/>
-                </a:solidFill>
-                <a:latin typeface="Georgia"/>
-                <a:cs typeface="+mj-cs"/>
-              </a:rPr>
-              <a:t>QDA is similar to LDA, but </a:t>
-            </a:r>
-            <a:r>
-              <a:rPr lang="en-US" dirty="0"/>
-              <a:t>QDA allows for different means and variances for each class, resulting in quadratic decision boundaries. </a:t>
-            </a:r>
-          </a:p>
-          <a:p>
-            <a:pPr algn="l"/>
-            <a:r>
-              <a:rPr lang="en-US" sz="1800" b="0" i="0" u="none" strike="noStrike" baseline="0" dirty="0">
-                <a:latin typeface="SourceSansPro-Regular-Identity-H"/>
-              </a:rPr>
-              <a:t>QDA had an Accuracy of 0.71 and an F1 Score of 0.69. Its higher complexity likely led to overfitting, resulting in lower performance compared to LDA and LR models.</a:t>
-            </a:r>
-            <a:endParaRPr lang="en-US" dirty="0"/>
-          </a:p>
-        </p:txBody>
-      </p:sp>
-      <p:sp>
-        <p:nvSpPr>
-          <p:cNvPr id="4" name="Slide Number Placeholder 3"/>
-          <p:cNvSpPr>
-            <a:spLocks noGrp="1"/>
-          </p:cNvSpPr>
-          <p:nvPr>
-            <p:ph type="sldNum" sz="quarter" idx="5"/>
-          </p:nvPr>
-        </p:nvSpPr>
-        <p:spPr/>
-        <p:txBody>
-          <a:bodyPr/>
-          <a:lstStyle/>
-          <a:p>
-            <a:fld id="{28328521-71C5-4FF4-A309-290FBEE7AB2C}" type="slidenum">
-              <a:rPr lang="tr-TR" smtClean="0"/>
-              <a:t>23</a:t>
-            </a:fld>
-            <a:endParaRPr lang="tr-TR"/>
-          </a:p>
-        </p:txBody>
-      </p:sp>
-    </p:spTree>
-    <p:extLst>
-      <p:ext uri="{BB962C8B-B14F-4D97-AF65-F5344CB8AC3E}">
-        <p14:creationId xmlns:p14="http://schemas.microsoft.com/office/powerpoint/2010/main" val="3315336170"/>
-      </p:ext>
-    </p:extLst>
-  </p:cSld>
-  <p:clrMapOvr>
-    <a:masterClrMapping/>
-  </p:clrMapOvr>
-</p:notes>
-</file>
-
-<file path=ppt/notesSlides/notesSlide13.xml><?xml version="1.0" encoding="utf-8"?>
-<p:notes xmlns:a="http://schemas.openxmlformats.org/drawingml/2006/main" xmlns:r="http://schemas.openxmlformats.org/officeDocument/2006/relationships" xmlns:p="http://schemas.openxmlformats.org/presentationml/2006/main">
-  <p:cSld>
-    <p:spTree>
-      <p:nvGrpSpPr>
-        <p:cNvPr id="1" name=""/>
-        <p:cNvGrpSpPr/>
-        <p:nvPr/>
-      </p:nvGrpSpPr>
-      <p:grpSpPr>
-        <a:xfrm>
-          <a:off x="0" y="0"/>
-          <a:ext cx="0" cy="0"/>
-          <a:chOff x="0" y="0"/>
-          <a:chExt cx="0" cy="0"/>
-        </a:xfrm>
-      </p:grpSpPr>
-      <p:sp>
-        <p:nvSpPr>
-          <p:cNvPr id="2" name="Slide Image Placeholder 1"/>
-          <p:cNvSpPr>
-            <a:spLocks noGrp="1" noRot="1" noChangeAspect="1"/>
-          </p:cNvSpPr>
-          <p:nvPr>
-            <p:ph type="sldImg"/>
-          </p:nvPr>
-        </p:nvSpPr>
-        <p:spPr/>
-      </p:sp>
-      <p:sp>
-        <p:nvSpPr>
-          <p:cNvPr id="3" name="Notes Placeholder 2"/>
-          <p:cNvSpPr>
-            <a:spLocks noGrp="1"/>
-          </p:cNvSpPr>
-          <p:nvPr>
-            <p:ph type="body" idx="1"/>
-          </p:nvPr>
-        </p:nvSpPr>
-        <p:spPr/>
-        <p:txBody>
-          <a:bodyPr/>
-          <a:lstStyle/>
-          <a:p>
-            <a:r>
-              <a:rPr lang="en-US" sz="2800" dirty="0"/>
-              <a:t>For employee attrition, If retaining employees is a high priority and the cost of missing a potential leaver is significant, focusing on recall or the F1 score would be the best approach.</a:t>
-            </a:r>
-          </a:p>
-          <a:p>
-            <a:endParaRPr lang="en-US" sz="2800" dirty="0"/>
-          </a:p>
-          <a:p>
-            <a:pPr>
-              <a:buFont typeface="Arial" panose="020B0604020202020204" pitchFamily="34" charset="0"/>
-              <a:buChar char="•"/>
-            </a:pPr>
-            <a:r>
-              <a:rPr lang="en-US" sz="2800" b="1" dirty="0"/>
-              <a:t>Recall</a:t>
-            </a:r>
-            <a:r>
-              <a:rPr lang="en-US" sz="2800" dirty="0"/>
-              <a:t>: It's crucial to identify as many employees who are likely to leave as possible. Missing out on an employee who is at risk of leaving (false negative) could mean losing valuable talent without taking any preventive measures.</a:t>
-            </a:r>
-          </a:p>
-          <a:p>
-            <a:pPr>
-              <a:buFont typeface="Arial" panose="020B0604020202020204" pitchFamily="34" charset="0"/>
-              <a:buChar char="•"/>
-            </a:pPr>
-            <a:r>
-              <a:rPr lang="en-US" sz="2800" b="1" dirty="0"/>
-              <a:t>F1 Score</a:t>
-            </a:r>
-            <a:r>
-              <a:rPr lang="en-US" sz="2800" dirty="0"/>
-              <a:t>: Since F1 score balances both precision and recall, it is useful when you want a balance between catching as many leavers as possible and ensuring the predictions are accurate. This helps in making sure that the efforts to retain employees are both efficient and effective.</a:t>
-            </a:r>
-          </a:p>
-          <a:p>
-            <a:r>
-              <a:rPr lang="en-US" sz="2800" dirty="0"/>
-              <a:t>If retaining employees is a high priority and the cost of missing a potential leaver is significant, focusing on recall or the F1 score would be the best approach.</a:t>
-            </a:r>
-          </a:p>
-          <a:p>
-            <a:pPr algn="l"/>
-            <a:endParaRPr lang="en-US" sz="1800" b="0" i="0" u="none" strike="noStrike" baseline="0" dirty="0">
-              <a:solidFill>
-                <a:srgbClr val="000000"/>
-              </a:solidFill>
-              <a:latin typeface="SourceSansPro-Regular-Identity-H"/>
-            </a:endParaRPr>
-          </a:p>
-          <a:p>
-            <a:pPr algn="l"/>
-            <a:endParaRPr lang="en-US" sz="1800" b="0" i="0" u="none" strike="noStrike" baseline="0" dirty="0">
-              <a:solidFill>
-                <a:srgbClr val="000000"/>
-              </a:solidFill>
-              <a:latin typeface="SourceSansPro-Regular-Identity-H"/>
-            </a:endParaRPr>
-          </a:p>
-          <a:p>
-            <a:pPr algn="l"/>
-            <a:endParaRPr lang="en-US" sz="1800" b="0" i="0" u="none" strike="noStrike" baseline="0" dirty="0">
-              <a:solidFill>
-                <a:srgbClr val="000000"/>
-              </a:solidFill>
-              <a:latin typeface="SourceSansPro-Regular-Identity-H"/>
-            </a:endParaRPr>
-          </a:p>
-        </p:txBody>
-      </p:sp>
-      <p:sp>
-        <p:nvSpPr>
-          <p:cNvPr id="4" name="Slide Number Placeholder 3"/>
-          <p:cNvSpPr>
-            <a:spLocks noGrp="1"/>
-          </p:cNvSpPr>
-          <p:nvPr>
-            <p:ph type="sldNum" sz="quarter" idx="5"/>
-          </p:nvPr>
-        </p:nvSpPr>
-        <p:spPr/>
-        <p:txBody>
-          <a:bodyPr/>
-          <a:lstStyle/>
-          <a:p>
-            <a:fld id="{28328521-71C5-4FF4-A309-290FBEE7AB2C}" type="slidenum">
-              <a:rPr lang="tr-TR" smtClean="0"/>
-              <a:t>24</a:t>
-            </a:fld>
-            <a:endParaRPr lang="tr-TR"/>
-          </a:p>
-        </p:txBody>
-      </p:sp>
-    </p:spTree>
-    <p:extLst>
-      <p:ext uri="{BB962C8B-B14F-4D97-AF65-F5344CB8AC3E}">
-        <p14:creationId xmlns:p14="http://schemas.microsoft.com/office/powerpoint/2010/main" val="3966175355"/>
-      </p:ext>
-    </p:extLst>
-  </p:cSld>
-  <p:clrMapOvr>
-    <a:masterClrMapping/>
-  </p:clrMapOvr>
-</p:notes>
-</file>
-
-<file path=ppt/notesSlides/notesSlide14.xml><?xml version="1.0" encoding="utf-8"?>
-<p:notes xmlns:a="http://schemas.openxmlformats.org/drawingml/2006/main" xmlns:r="http://schemas.openxmlformats.org/officeDocument/2006/relationships" xmlns:p="http://schemas.openxmlformats.org/presentationml/2006/main">
-  <p:cSld>
-    <p:spTree>
-      <p:nvGrpSpPr>
-        <p:cNvPr id="1" name=""/>
-        <p:cNvGrpSpPr/>
-        <p:nvPr/>
-      </p:nvGrpSpPr>
-      <p:grpSpPr>
-        <a:xfrm>
-          <a:off x="0" y="0"/>
-          <a:ext cx="0" cy="0"/>
-          <a:chOff x="0" y="0"/>
-          <a:chExt cx="0" cy="0"/>
-        </a:xfrm>
-      </p:grpSpPr>
-      <p:sp>
-        <p:nvSpPr>
-          <p:cNvPr id="2" name="Slide Image Placeholder 1"/>
-          <p:cNvSpPr>
-            <a:spLocks noGrp="1" noRot="1" noChangeAspect="1"/>
-          </p:cNvSpPr>
-          <p:nvPr>
-            <p:ph type="sldImg"/>
-          </p:nvPr>
-        </p:nvSpPr>
-        <p:spPr/>
-      </p:sp>
-      <p:sp>
-        <p:nvSpPr>
-          <p:cNvPr id="3" name="Notes Placeholder 2"/>
-          <p:cNvSpPr>
-            <a:spLocks noGrp="1"/>
-          </p:cNvSpPr>
-          <p:nvPr>
-            <p:ph type="body" idx="1"/>
-          </p:nvPr>
-        </p:nvSpPr>
-        <p:spPr/>
-        <p:txBody>
-          <a:bodyPr/>
-          <a:lstStyle/>
-          <a:p>
-            <a:endParaRPr lang="en-US"/>
-          </a:p>
-        </p:txBody>
-      </p:sp>
-      <p:sp>
-        <p:nvSpPr>
-          <p:cNvPr id="4" name="Slide Number Placeholder 3"/>
-          <p:cNvSpPr>
-            <a:spLocks noGrp="1"/>
-          </p:cNvSpPr>
-          <p:nvPr>
-            <p:ph type="sldNum" sz="quarter" idx="5"/>
-          </p:nvPr>
-        </p:nvSpPr>
-        <p:spPr/>
-        <p:txBody>
-          <a:bodyPr/>
-          <a:lstStyle/>
-          <a:p>
-            <a:fld id="{28328521-71C5-4FF4-A309-290FBEE7AB2C}" type="slidenum">
-              <a:rPr lang="tr-TR" smtClean="0"/>
-              <a:t>25</a:t>
-            </a:fld>
-            <a:endParaRPr lang="tr-TR"/>
-          </a:p>
-        </p:txBody>
-      </p:sp>
-    </p:spTree>
-    <p:extLst>
-      <p:ext uri="{BB962C8B-B14F-4D97-AF65-F5344CB8AC3E}">
-        <p14:creationId xmlns:p14="http://schemas.microsoft.com/office/powerpoint/2010/main" val="1833487156"/>
-      </p:ext>
-    </p:extLst>
-  </p:cSld>
-  <p:clrMapOvr>
-    <a:masterClrMapping/>
-  </p:clrMapOvr>
-</p:notes>
-</file>
-
-<file path=ppt/notesSlides/notesSlide2.xml><?xml version="1.0" encoding="utf-8"?>
-<p:notes xmlns:a="http://schemas.openxmlformats.org/drawingml/2006/main" xmlns:r="http://schemas.openxmlformats.org/officeDocument/2006/relationships" xmlns:p="http://schemas.openxmlformats.org/presentationml/2006/main">
-  <p:cSld>
-    <p:spTree>
-      <p:nvGrpSpPr>
-        <p:cNvPr id="1" name=""/>
-        <p:cNvGrpSpPr/>
-        <p:nvPr/>
-      </p:nvGrpSpPr>
-      <p:grpSpPr>
-        <a:xfrm>
-          <a:off x="0" y="0"/>
-          <a:ext cx="0" cy="0"/>
-          <a:chOff x="0" y="0"/>
-          <a:chExt cx="0" cy="0"/>
-        </a:xfrm>
-      </p:grpSpPr>
-      <p:sp>
-        <p:nvSpPr>
-          <p:cNvPr id="2" name="Slide Image Placeholder 1"/>
-          <p:cNvSpPr>
-            <a:spLocks noGrp="1" noRot="1" noChangeAspect="1"/>
-          </p:cNvSpPr>
-          <p:nvPr>
-            <p:ph type="sldImg"/>
-          </p:nvPr>
-        </p:nvSpPr>
-        <p:spPr/>
-      </p:sp>
-      <p:sp>
-        <p:nvSpPr>
-          <p:cNvPr id="3" name="Notes Placeholder 2"/>
-          <p:cNvSpPr>
-            <a:spLocks noGrp="1"/>
-          </p:cNvSpPr>
-          <p:nvPr>
-            <p:ph type="body" idx="1"/>
-          </p:nvPr>
-        </p:nvSpPr>
-        <p:spPr/>
-        <p:txBody>
-          <a:bodyPr/>
-          <a:lstStyle/>
-          <a:p>
-            <a:r>
-              <a:rPr lang="en-US" dirty="0"/>
-              <a:t>Data Preparation: </a:t>
-            </a:r>
-          </a:p>
-          <a:p>
-            <a:r>
-              <a:rPr lang="en-US" dirty="0"/>
-              <a:t>In our project, we began the data preparation process by handling categorical features. To effectively use these features in our model, we converted them to numeric representations, both ordinal and nominal. For ordinal features, such as Work-Life Balance, Job Satisfaction, and Performance Rating, we assigned numeric values based on their levels. For nominal features, we created dummy variables to represent the categorical data.</a:t>
-            </a:r>
-          </a:p>
-          <a:p>
-            <a:endParaRPr lang="en-US" dirty="0"/>
-          </a:p>
-          <a:p>
-            <a:r>
-              <a:rPr lang="en-US" dirty="0"/>
-              <a:t>Next, we performed normalization to scale our data values between 0 and 1. This step is crucial as it helps the features contribute equally to the model's learning process.</a:t>
-            </a:r>
-          </a:p>
-          <a:p>
-            <a:endParaRPr lang="en-US" dirty="0"/>
-          </a:p>
-          <a:p>
-            <a:r>
-              <a:rPr lang="en-US" dirty="0"/>
-              <a:t>Following normalization, we split our dataset into training and test sets in order to evaluate the performance of our predictive models accurately.</a:t>
-            </a:r>
-          </a:p>
-        </p:txBody>
-      </p:sp>
-      <p:sp>
-        <p:nvSpPr>
-          <p:cNvPr id="4" name="Slide Number Placeholder 3"/>
-          <p:cNvSpPr>
-            <a:spLocks noGrp="1"/>
-          </p:cNvSpPr>
-          <p:nvPr>
-            <p:ph type="sldNum" sz="quarter" idx="5"/>
-          </p:nvPr>
-        </p:nvSpPr>
-        <p:spPr/>
-        <p:txBody>
-          <a:bodyPr/>
-          <a:lstStyle/>
-          <a:p>
-            <a:fld id="{28328521-71C5-4FF4-A309-290FBEE7AB2C}" type="slidenum">
-              <a:rPr lang="tr-TR" smtClean="0"/>
-              <a:t>13</a:t>
-            </a:fld>
-            <a:endParaRPr lang="tr-TR"/>
-          </a:p>
-        </p:txBody>
-      </p:sp>
-    </p:spTree>
-    <p:extLst>
-      <p:ext uri="{BB962C8B-B14F-4D97-AF65-F5344CB8AC3E}">
-        <p14:creationId xmlns:p14="http://schemas.microsoft.com/office/powerpoint/2010/main" val="481404415"/>
-      </p:ext>
-    </p:extLst>
-  </p:cSld>
-  <p:clrMapOvr>
-    <a:masterClrMapping/>
-  </p:clrMapOvr>
-</p:notes>
-</file>
-
-<file path=ppt/notesSlides/notesSlide3.xml><?xml version="1.0" encoding="utf-8"?>
-<p:notes xmlns:a="http://schemas.openxmlformats.org/drawingml/2006/main" xmlns:r="http://schemas.openxmlformats.org/officeDocument/2006/relationships" xmlns:p="http://schemas.openxmlformats.org/presentationml/2006/main">
-  <p:cSld>
-    <p:spTree>
-      <p:nvGrpSpPr>
-        <p:cNvPr id="1" name=""/>
-        <p:cNvGrpSpPr/>
-        <p:nvPr/>
-      </p:nvGrpSpPr>
-      <p:grpSpPr>
-        <a:xfrm>
-          <a:off x="0" y="0"/>
-          <a:ext cx="0" cy="0"/>
-          <a:chOff x="0" y="0"/>
-          <a:chExt cx="0" cy="0"/>
-        </a:xfrm>
-      </p:grpSpPr>
-      <p:sp>
-        <p:nvSpPr>
-          <p:cNvPr id="2" name="Slide Image Placeholder 1"/>
-          <p:cNvSpPr>
-            <a:spLocks noGrp="1" noRot="1" noChangeAspect="1"/>
-          </p:cNvSpPr>
-          <p:nvPr>
-            <p:ph type="sldImg"/>
-          </p:nvPr>
-        </p:nvSpPr>
-        <p:spPr/>
-      </p:sp>
-      <p:sp>
-        <p:nvSpPr>
-          <p:cNvPr id="3" name="Notes Placeholder 2"/>
-          <p:cNvSpPr>
-            <a:spLocks noGrp="1"/>
-          </p:cNvSpPr>
-          <p:nvPr>
-            <p:ph type="body" idx="1"/>
-          </p:nvPr>
-        </p:nvSpPr>
-        <p:spPr/>
-        <p:txBody>
-          <a:bodyPr/>
-          <a:lstStyle/>
-          <a:p>
-            <a:r>
-              <a:rPr lang="en-US" dirty="0"/>
-              <a:t>Before moving further, we ensured that both training and test sets maintained a balance in the proportion of employees who stayed vs those who left, ensuring representative samples for both sets. So as we can see, the data sets maintained the balance.</a:t>
-            </a:r>
-          </a:p>
-        </p:txBody>
-      </p:sp>
-      <p:sp>
-        <p:nvSpPr>
-          <p:cNvPr id="4" name="Slide Number Placeholder 3"/>
-          <p:cNvSpPr>
-            <a:spLocks noGrp="1"/>
-          </p:cNvSpPr>
-          <p:nvPr>
-            <p:ph type="sldNum" sz="quarter" idx="5"/>
-          </p:nvPr>
-        </p:nvSpPr>
-        <p:spPr/>
-        <p:txBody>
-          <a:bodyPr/>
-          <a:lstStyle/>
-          <a:p>
-            <a:fld id="{28328521-71C5-4FF4-A309-290FBEE7AB2C}" type="slidenum">
-              <a:rPr lang="tr-TR" smtClean="0"/>
-              <a:t>14</a:t>
-            </a:fld>
-            <a:endParaRPr lang="tr-TR"/>
-          </a:p>
-        </p:txBody>
-      </p:sp>
-    </p:spTree>
-    <p:extLst>
-      <p:ext uri="{BB962C8B-B14F-4D97-AF65-F5344CB8AC3E}">
-        <p14:creationId xmlns:p14="http://schemas.microsoft.com/office/powerpoint/2010/main" val="2251997725"/>
-      </p:ext>
-    </p:extLst>
-  </p:cSld>
-  <p:clrMapOvr>
-    <a:masterClrMapping/>
-  </p:clrMapOvr>
-</p:notes>
-</file>
-
-<file path=ppt/notesSlides/notesSlide4.xml><?xml version="1.0" encoding="utf-8"?>
-<p:notes xmlns:a="http://schemas.openxmlformats.org/drawingml/2006/main" xmlns:r="http://schemas.openxmlformats.org/officeDocument/2006/relationships" xmlns:p="http://schemas.openxmlformats.org/presentationml/2006/main">
-  <p:cSld>
-    <p:spTree>
-      <p:nvGrpSpPr>
-        <p:cNvPr id="1" name=""/>
-        <p:cNvGrpSpPr/>
-        <p:nvPr/>
-      </p:nvGrpSpPr>
-      <p:grpSpPr>
-        <a:xfrm>
-          <a:off x="0" y="0"/>
-          <a:ext cx="0" cy="0"/>
-          <a:chOff x="0" y="0"/>
-          <a:chExt cx="0" cy="0"/>
-        </a:xfrm>
-      </p:grpSpPr>
-      <p:sp>
-        <p:nvSpPr>
-          <p:cNvPr id="2" name="Slide Image Placeholder 1"/>
-          <p:cNvSpPr>
-            <a:spLocks noGrp="1" noRot="1" noChangeAspect="1"/>
-          </p:cNvSpPr>
-          <p:nvPr>
-            <p:ph type="sldImg"/>
-          </p:nvPr>
-        </p:nvSpPr>
-        <p:spPr/>
-      </p:sp>
-      <p:sp>
-        <p:nvSpPr>
-          <p:cNvPr id="3" name="Notes Placeholder 2"/>
-          <p:cNvSpPr>
-            <a:spLocks noGrp="1"/>
-          </p:cNvSpPr>
-          <p:nvPr>
-            <p:ph type="body" idx="1"/>
-          </p:nvPr>
-        </p:nvSpPr>
-        <p:spPr/>
-        <p:txBody>
-          <a:bodyPr/>
-          <a:lstStyle/>
-          <a:p>
-            <a:r>
-              <a:rPr lang="en-US" dirty="0"/>
-              <a:t>Predictive Classification Models:</a:t>
-            </a:r>
-          </a:p>
-          <a:p>
-            <a:r>
-              <a:rPr lang="en-US" dirty="0"/>
-              <a:t>We developed several predictive classification models, starting with logistic regression. </a:t>
-            </a:r>
-          </a:p>
-          <a:p>
-            <a:r>
-              <a:rPr lang="en-US" dirty="0"/>
-              <a:t>Our initial model, the Basic Logistic Classifier, included all features and provided insights into the significance of each feature. Despite identifying some features with high p-values, we retained all features initially to apply feature selection later.</a:t>
-            </a:r>
-          </a:p>
-        </p:txBody>
-      </p:sp>
-      <p:sp>
-        <p:nvSpPr>
-          <p:cNvPr id="4" name="Slide Number Placeholder 3"/>
-          <p:cNvSpPr>
-            <a:spLocks noGrp="1"/>
-          </p:cNvSpPr>
-          <p:nvPr>
-            <p:ph type="sldNum" sz="quarter" idx="5"/>
-          </p:nvPr>
-        </p:nvSpPr>
-        <p:spPr/>
-        <p:txBody>
-          <a:bodyPr/>
-          <a:lstStyle/>
-          <a:p>
-            <a:fld id="{28328521-71C5-4FF4-A309-290FBEE7AB2C}" type="slidenum">
-              <a:rPr lang="tr-TR" smtClean="0"/>
-              <a:t>15</a:t>
-            </a:fld>
-            <a:endParaRPr lang="tr-TR"/>
-          </a:p>
-        </p:txBody>
-      </p:sp>
-    </p:spTree>
-    <p:extLst>
-      <p:ext uri="{BB962C8B-B14F-4D97-AF65-F5344CB8AC3E}">
-        <p14:creationId xmlns:p14="http://schemas.microsoft.com/office/powerpoint/2010/main" val="2815543676"/>
-      </p:ext>
-    </p:extLst>
-  </p:cSld>
-  <p:clrMapOvr>
-    <a:masterClrMapping/>
-  </p:clrMapOvr>
-</p:notes>
-</file>
-
-<file path=ppt/notesSlides/notesSlide5.xml><?xml version="1.0" encoding="utf-8"?>
-<p:notes xmlns:a="http://schemas.openxmlformats.org/drawingml/2006/main" xmlns:r="http://schemas.openxmlformats.org/officeDocument/2006/relationships" xmlns:p="http://schemas.openxmlformats.org/presentationml/2006/main">
-  <p:cSld>
-    <p:spTree>
-      <p:nvGrpSpPr>
-        <p:cNvPr id="1" name=""/>
-        <p:cNvGrpSpPr/>
-        <p:nvPr/>
-      </p:nvGrpSpPr>
-      <p:grpSpPr>
-        <a:xfrm>
-          <a:off x="0" y="0"/>
-          <a:ext cx="0" cy="0"/>
-          <a:chOff x="0" y="0"/>
-          <a:chExt cx="0" cy="0"/>
-        </a:xfrm>
-      </p:grpSpPr>
-      <p:sp>
-        <p:nvSpPr>
-          <p:cNvPr id="2" name="Slide Image Placeholder 1"/>
-          <p:cNvSpPr>
-            <a:spLocks noGrp="1" noRot="1" noChangeAspect="1"/>
-          </p:cNvSpPr>
-          <p:nvPr>
-            <p:ph type="sldImg"/>
-          </p:nvPr>
-        </p:nvSpPr>
-        <p:spPr/>
-      </p:sp>
-      <p:sp>
-        <p:nvSpPr>
-          <p:cNvPr id="3" name="Notes Placeholder 2"/>
-          <p:cNvSpPr>
-            <a:spLocks noGrp="1"/>
-          </p:cNvSpPr>
-          <p:nvPr>
-            <p:ph type="body" idx="1"/>
-          </p:nvPr>
-        </p:nvSpPr>
-        <p:spPr/>
-        <p:txBody>
-          <a:bodyPr/>
-          <a:lstStyle/>
-          <a:p>
-            <a:r>
-              <a:rPr lang="en-US" dirty="0"/>
-              <a:t>To evaluate how well our model fits the data, we used the 𝑅2 statistic. This statistic provides an indication of how much of the variance in the dependent variable can be explained by the independent variables in the model. A higher 𝑅2 value suggests a better fit. In our case, the 𝑅2 value was approximately 24.25%</a:t>
-            </a:r>
-          </a:p>
-        </p:txBody>
-      </p:sp>
-      <p:sp>
-        <p:nvSpPr>
-          <p:cNvPr id="4" name="Slide Number Placeholder 3"/>
-          <p:cNvSpPr>
-            <a:spLocks noGrp="1"/>
-          </p:cNvSpPr>
-          <p:nvPr>
-            <p:ph type="sldNum" sz="quarter" idx="5"/>
-          </p:nvPr>
-        </p:nvSpPr>
-        <p:spPr/>
-        <p:txBody>
-          <a:bodyPr/>
-          <a:lstStyle/>
-          <a:p>
-            <a:fld id="{28328521-71C5-4FF4-A309-290FBEE7AB2C}" type="slidenum">
-              <a:rPr lang="tr-TR" smtClean="0"/>
-              <a:t>16</a:t>
-            </a:fld>
-            <a:endParaRPr lang="tr-TR"/>
-          </a:p>
-        </p:txBody>
-      </p:sp>
-    </p:spTree>
-    <p:extLst>
-      <p:ext uri="{BB962C8B-B14F-4D97-AF65-F5344CB8AC3E}">
-        <p14:creationId xmlns:p14="http://schemas.microsoft.com/office/powerpoint/2010/main" val="365120972"/>
-      </p:ext>
-    </p:extLst>
-  </p:cSld>
-  <p:clrMapOvr>
-    <a:masterClrMapping/>
-  </p:clrMapOvr>
-</p:notes>
-</file>
-
-<file path=ppt/notesSlides/notesSlide6.xml><?xml version="1.0" encoding="utf-8"?>
-<p:notes xmlns:a="http://schemas.openxmlformats.org/drawingml/2006/main" xmlns:r="http://schemas.openxmlformats.org/officeDocument/2006/relationships" xmlns:p="http://schemas.openxmlformats.org/presentationml/2006/main">
-  <p:cSld>
-    <p:spTree>
-      <p:nvGrpSpPr>
-        <p:cNvPr id="1" name=""/>
-        <p:cNvGrpSpPr/>
-        <p:nvPr/>
-      </p:nvGrpSpPr>
-      <p:grpSpPr>
-        <a:xfrm>
-          <a:off x="0" y="0"/>
-          <a:ext cx="0" cy="0"/>
-          <a:chOff x="0" y="0"/>
-          <a:chExt cx="0" cy="0"/>
-        </a:xfrm>
-      </p:grpSpPr>
-      <p:sp>
-        <p:nvSpPr>
-          <p:cNvPr id="2" name="Slide Image Placeholder 1"/>
-          <p:cNvSpPr>
-            <a:spLocks noGrp="1" noRot="1" noChangeAspect="1"/>
-          </p:cNvSpPr>
-          <p:nvPr>
-            <p:ph type="sldImg"/>
-          </p:nvPr>
-        </p:nvSpPr>
-        <p:spPr/>
-      </p:sp>
-      <p:sp>
-        <p:nvSpPr>
-          <p:cNvPr id="3" name="Notes Placeholder 2"/>
-          <p:cNvSpPr>
-            <a:spLocks noGrp="1"/>
-          </p:cNvSpPr>
-          <p:nvPr>
-            <p:ph type="body" idx="1"/>
-          </p:nvPr>
-        </p:nvSpPr>
-        <p:spPr/>
-        <p:txBody>
-          <a:bodyPr/>
-          <a:lstStyle/>
-          <a:p>
-            <a:pPr algn="l"/>
-            <a:r>
-              <a:rPr lang="en-US" dirty="0"/>
-              <a:t>We also evaluated multicollinearity among the features using Variance Inflation Factor (VIF) values. Multicollinearity occurs when features are highly correlated, which can lead to unreliable coefficient estimates. </a:t>
-            </a:r>
-          </a:p>
-          <a:p>
-            <a:pPr algn="l"/>
-            <a:endParaRPr lang="en-US" dirty="0"/>
-          </a:p>
-          <a:p>
-            <a:pPr algn="l"/>
-            <a:r>
-              <a:rPr lang="en-US" dirty="0"/>
-              <a:t>Most of our features had VIF values close to 1. However, a few variables had VIF values between 1 and 5, suggesting moderate multicollinearity. </a:t>
-            </a:r>
-          </a:p>
-          <a:p>
-            <a:pPr algn="l"/>
-            <a:r>
-              <a:rPr lang="en-US" dirty="0"/>
-              <a:t>These variables included Job Role and Marital Status, which are </a:t>
-            </a:r>
-            <a:r>
-              <a:rPr lang="en-US" sz="1800" b="0" i="0" u="none" strike="noStrike" baseline="0" dirty="0">
-                <a:latin typeface="SourceSansPro-Regular-Identity-H"/>
-              </a:rPr>
-              <a:t>mostly dummy features of nominal variables and dummy variables are often correlated because they represent categories of the same nominal variable.</a:t>
-            </a:r>
-            <a:endParaRPr lang="en-US" dirty="0"/>
-          </a:p>
-        </p:txBody>
-      </p:sp>
-      <p:sp>
-        <p:nvSpPr>
-          <p:cNvPr id="4" name="Slide Number Placeholder 3"/>
-          <p:cNvSpPr>
-            <a:spLocks noGrp="1"/>
-          </p:cNvSpPr>
-          <p:nvPr>
-            <p:ph type="sldNum" sz="quarter" idx="5"/>
-          </p:nvPr>
-        </p:nvSpPr>
-        <p:spPr/>
-        <p:txBody>
-          <a:bodyPr/>
-          <a:lstStyle/>
-          <a:p>
-            <a:fld id="{28328521-71C5-4FF4-A309-290FBEE7AB2C}" type="slidenum">
-              <a:rPr lang="tr-TR" smtClean="0"/>
-              <a:t>17</a:t>
-            </a:fld>
-            <a:endParaRPr lang="tr-TR"/>
-          </a:p>
-        </p:txBody>
-      </p:sp>
-    </p:spTree>
-    <p:extLst>
-      <p:ext uri="{BB962C8B-B14F-4D97-AF65-F5344CB8AC3E}">
-        <p14:creationId xmlns:p14="http://schemas.microsoft.com/office/powerpoint/2010/main" val="648406434"/>
-      </p:ext>
-    </p:extLst>
-  </p:cSld>
-  <p:clrMapOvr>
-    <a:masterClrMapping/>
-  </p:clrMapOvr>
-</p:notes>
-</file>
-
-<file path=ppt/notesSlides/notesSlide7.xml><?xml version="1.0" encoding="utf-8"?>
-<p:notes xmlns:a="http://schemas.openxmlformats.org/drawingml/2006/main" xmlns:r="http://schemas.openxmlformats.org/officeDocument/2006/relationships" xmlns:p="http://schemas.openxmlformats.org/presentationml/2006/main">
-  <p:cSld>
-    <p:spTree>
-      <p:nvGrpSpPr>
-        <p:cNvPr id="1" name=""/>
-        <p:cNvGrpSpPr/>
-        <p:nvPr/>
-      </p:nvGrpSpPr>
-      <p:grpSpPr>
-        <a:xfrm>
-          <a:off x="0" y="0"/>
-          <a:ext cx="0" cy="0"/>
-          <a:chOff x="0" y="0"/>
-          <a:chExt cx="0" cy="0"/>
-        </a:xfrm>
-      </p:grpSpPr>
-      <p:sp>
-        <p:nvSpPr>
-          <p:cNvPr id="2" name="Slide Image Placeholder 1"/>
-          <p:cNvSpPr>
-            <a:spLocks noGrp="1" noRot="1" noChangeAspect="1"/>
-          </p:cNvSpPr>
-          <p:nvPr>
-            <p:ph type="sldImg"/>
-          </p:nvPr>
-        </p:nvSpPr>
-        <p:spPr/>
-      </p:sp>
-      <p:sp>
-        <p:nvSpPr>
-          <p:cNvPr id="3" name="Notes Placeholder 2"/>
-          <p:cNvSpPr>
-            <a:spLocks noGrp="1"/>
-          </p:cNvSpPr>
-          <p:nvPr>
-            <p:ph type="body" idx="1"/>
-          </p:nvPr>
-        </p:nvSpPr>
-        <p:spPr/>
-        <p:txBody>
-          <a:bodyPr/>
-          <a:lstStyle/>
-          <a:p>
-            <a:r>
-              <a:rPr lang="en-US" dirty="0"/>
-              <a:t>To improve our model, we performed a backward stepwise search, iteratively removing the least significant features. </a:t>
-            </a:r>
-          </a:p>
-          <a:p>
-            <a:r>
-              <a:rPr lang="en-US" dirty="0"/>
-              <a:t>This process helped us identify the best subset of features that contribute to the model's performance. </a:t>
-            </a:r>
-          </a:p>
-          <a:p>
-            <a:r>
-              <a:rPr lang="en-US" dirty="0"/>
-              <a:t>We used the Bayesian Information Criterion (BIC) to guide our selection.</a:t>
-            </a:r>
-          </a:p>
-          <a:p>
-            <a:endParaRPr lang="en-US" dirty="0"/>
-          </a:p>
-          <a:p>
-            <a:r>
-              <a:rPr lang="en-US" dirty="0"/>
-              <a:t>The model ended up removing the features with high p-values which are the dummy variables created for Job roles, all dummy variables created for education levels except </a:t>
-            </a:r>
-            <a:r>
-              <a:rPr lang="en-US" dirty="0" err="1"/>
-              <a:t>Phd</a:t>
-            </a:r>
-            <a:r>
-              <a:rPr lang="en-US" dirty="0"/>
-              <a:t>, employee recognition and interestingly Monthly income. </a:t>
-            </a:r>
-          </a:p>
-        </p:txBody>
-      </p:sp>
-      <p:sp>
-        <p:nvSpPr>
-          <p:cNvPr id="4" name="Slide Number Placeholder 3"/>
-          <p:cNvSpPr>
-            <a:spLocks noGrp="1"/>
-          </p:cNvSpPr>
-          <p:nvPr>
-            <p:ph type="sldNum" sz="quarter" idx="5"/>
-          </p:nvPr>
-        </p:nvSpPr>
-        <p:spPr/>
-        <p:txBody>
-          <a:bodyPr/>
-          <a:lstStyle/>
-          <a:p>
-            <a:fld id="{28328521-71C5-4FF4-A309-290FBEE7AB2C}" type="slidenum">
-              <a:rPr lang="tr-TR" smtClean="0"/>
-              <a:t>18</a:t>
-            </a:fld>
-            <a:endParaRPr lang="tr-TR"/>
-          </a:p>
-        </p:txBody>
-      </p:sp>
-    </p:spTree>
-    <p:extLst>
-      <p:ext uri="{BB962C8B-B14F-4D97-AF65-F5344CB8AC3E}">
-        <p14:creationId xmlns:p14="http://schemas.microsoft.com/office/powerpoint/2010/main" val="607295091"/>
-      </p:ext>
-    </p:extLst>
-  </p:cSld>
-  <p:clrMapOvr>
-    <a:masterClrMapping/>
-  </p:clrMapOvr>
-</p:notes>
-</file>
-
-<file path=ppt/notesSlides/notesSlide8.xml><?xml version="1.0" encoding="utf-8"?>
-<p:notes xmlns:a="http://schemas.openxmlformats.org/drawingml/2006/main" xmlns:r="http://schemas.openxmlformats.org/officeDocument/2006/relationships" xmlns:p="http://schemas.openxmlformats.org/presentationml/2006/main">
-  <p:cSld>
-    <p:spTree>
-      <p:nvGrpSpPr>
-        <p:cNvPr id="1" name=""/>
-        <p:cNvGrpSpPr/>
-        <p:nvPr/>
-      </p:nvGrpSpPr>
-      <p:grpSpPr>
-        <a:xfrm>
-          <a:off x="0" y="0"/>
-          <a:ext cx="0" cy="0"/>
-          <a:chOff x="0" y="0"/>
-          <a:chExt cx="0" cy="0"/>
-        </a:xfrm>
-      </p:grpSpPr>
-      <p:sp>
-        <p:nvSpPr>
-          <p:cNvPr id="2" name="Slide Image Placeholder 1"/>
-          <p:cNvSpPr>
-            <a:spLocks noGrp="1" noRot="1" noChangeAspect="1"/>
-          </p:cNvSpPr>
-          <p:nvPr>
-            <p:ph type="sldImg"/>
-          </p:nvPr>
-        </p:nvSpPr>
-        <p:spPr/>
-      </p:sp>
-      <p:sp>
-        <p:nvSpPr>
-          <p:cNvPr id="3" name="Notes Placeholder 2"/>
-          <p:cNvSpPr>
-            <a:spLocks noGrp="1"/>
-          </p:cNvSpPr>
-          <p:nvPr>
-            <p:ph type="body" idx="1"/>
-          </p:nvPr>
-        </p:nvSpPr>
-        <p:spPr/>
-        <p:txBody>
-          <a:bodyPr/>
-          <a:lstStyle/>
-          <a:p>
-            <a:pPr algn="l"/>
-            <a:r>
-              <a:rPr lang="en-US" sz="1800" b="0" i="0" u="none" strike="noStrike" baseline="0" dirty="0">
-                <a:solidFill>
-                  <a:srgbClr val="000000"/>
-                </a:solidFill>
-                <a:latin typeface="SourceSansPro-Regular-Identity-H"/>
-              </a:rPr>
-              <a:t>With backward feature selection we were able to decrease the VIF scores, p‑values and AIC score. Although </a:t>
-            </a:r>
-            <a:r>
-              <a:rPr lang="en-US" sz="1800" b="0" i="0" u="none" strike="noStrike" baseline="0" dirty="0">
-                <a:solidFill>
-                  <a:srgbClr val="000000"/>
-                </a:solidFill>
-                <a:latin typeface="LatinModernMath-Regular-Identity-H"/>
-              </a:rPr>
-              <a:t>𝑅2 </a:t>
-            </a:r>
-            <a:r>
-              <a:rPr lang="en-US" sz="1800" b="0" i="0" u="none" strike="noStrike" baseline="0" dirty="0">
-                <a:solidFill>
-                  <a:srgbClr val="000000"/>
-                </a:solidFill>
-                <a:latin typeface="SourceSansPro-Regular-Identity-H"/>
-              </a:rPr>
-              <a:t>slightly decreased to </a:t>
-            </a:r>
-            <a:r>
-              <a:rPr lang="en-US" sz="1800" b="1" dirty="0">
-                <a:solidFill>
-                  <a:srgbClr val="262836"/>
-                </a:solidFill>
-                <a:latin typeface="Georgia"/>
-                <a:cs typeface="+mj-cs"/>
-              </a:rPr>
-              <a:t>24</a:t>
-            </a:r>
-            <a:r>
-              <a:rPr lang="tr-TR" sz="1800" b="1" dirty="0">
-                <a:solidFill>
-                  <a:srgbClr val="262836"/>
-                </a:solidFill>
-                <a:latin typeface="Georgia"/>
-                <a:cs typeface="+mj-cs"/>
-              </a:rPr>
-              <a:t>.</a:t>
-            </a:r>
-            <a:r>
-              <a:rPr lang="en-US" sz="1800" b="1" dirty="0">
-                <a:solidFill>
-                  <a:srgbClr val="262836"/>
-                </a:solidFill>
-                <a:latin typeface="Georgia"/>
-                <a:cs typeface="+mj-cs"/>
-              </a:rPr>
-              <a:t>23</a:t>
-            </a:r>
-            <a:r>
-              <a:rPr lang="tr-TR" sz="1800" b="1" dirty="0">
-                <a:solidFill>
-                  <a:srgbClr val="262836"/>
-                </a:solidFill>
-                <a:latin typeface="Georgia"/>
-                <a:cs typeface="+mj-cs"/>
-              </a:rPr>
-              <a:t>%</a:t>
-            </a:r>
-            <a:r>
-              <a:rPr lang="en-US" sz="1800" b="0" i="0" u="none" strike="noStrike" baseline="0" dirty="0">
-                <a:solidFill>
-                  <a:srgbClr val="000000"/>
-                </a:solidFill>
-                <a:latin typeface="SourceSansPro-Regular-Identity-H"/>
-              </a:rPr>
-              <a:t>, this is expectable since the number of features in the model decreased. But most importantly we decreased the VIF score so the model is more stable.</a:t>
-            </a:r>
-          </a:p>
-        </p:txBody>
-      </p:sp>
-      <p:sp>
-        <p:nvSpPr>
-          <p:cNvPr id="4" name="Slide Number Placeholder 3"/>
-          <p:cNvSpPr>
-            <a:spLocks noGrp="1"/>
-          </p:cNvSpPr>
-          <p:nvPr>
-            <p:ph type="sldNum" sz="quarter" idx="5"/>
-          </p:nvPr>
-        </p:nvSpPr>
-        <p:spPr/>
-        <p:txBody>
-          <a:bodyPr/>
-          <a:lstStyle/>
-          <a:p>
-            <a:fld id="{28328521-71C5-4FF4-A309-290FBEE7AB2C}" type="slidenum">
-              <a:rPr lang="tr-TR" smtClean="0"/>
-              <a:t>19</a:t>
-            </a:fld>
-            <a:endParaRPr lang="tr-TR"/>
-          </a:p>
-        </p:txBody>
-      </p:sp>
-    </p:spTree>
-    <p:extLst>
-      <p:ext uri="{BB962C8B-B14F-4D97-AF65-F5344CB8AC3E}">
-        <p14:creationId xmlns:p14="http://schemas.microsoft.com/office/powerpoint/2010/main" val="3927894842"/>
-      </p:ext>
-    </p:extLst>
-  </p:cSld>
-  <p:clrMapOvr>
-    <a:masterClrMapping/>
-  </p:clrMapOvr>
-</p:notes>
-</file>
-
-<file path=ppt/notesSlides/notesSlide9.xml><?xml version="1.0" encoding="utf-8"?>
-<p:notes xmlns:a="http://schemas.openxmlformats.org/drawingml/2006/main" xmlns:r="http://schemas.openxmlformats.org/officeDocument/2006/relationships" xmlns:p="http://schemas.openxmlformats.org/presentationml/2006/main">
-  <p:cSld>
-    <p:spTree>
-      <p:nvGrpSpPr>
-        <p:cNvPr id="1" name=""/>
-        <p:cNvGrpSpPr/>
-        <p:nvPr/>
-      </p:nvGrpSpPr>
-      <p:grpSpPr>
-        <a:xfrm>
-          <a:off x="0" y="0"/>
-          <a:ext cx="0" cy="0"/>
-          <a:chOff x="0" y="0"/>
-          <a:chExt cx="0" cy="0"/>
-        </a:xfrm>
-      </p:grpSpPr>
-      <p:sp>
-        <p:nvSpPr>
-          <p:cNvPr id="2" name="Slide Image Placeholder 1"/>
-          <p:cNvSpPr>
-            <a:spLocks noGrp="1" noRot="1" noChangeAspect="1"/>
-          </p:cNvSpPr>
-          <p:nvPr>
-            <p:ph type="sldImg"/>
-          </p:nvPr>
-        </p:nvSpPr>
-        <p:spPr/>
-      </p:sp>
-      <p:sp>
-        <p:nvSpPr>
-          <p:cNvPr id="3" name="Notes Placeholder 2"/>
-          <p:cNvSpPr>
-            <a:spLocks noGrp="1"/>
-          </p:cNvSpPr>
-          <p:nvPr>
-            <p:ph type="body" idx="1"/>
-          </p:nvPr>
-        </p:nvSpPr>
-        <p:spPr/>
-        <p:txBody>
-          <a:bodyPr/>
-          <a:lstStyle/>
-          <a:p>
-            <a:pPr algn="l"/>
-            <a:r>
-              <a:rPr lang="en-US" dirty="0"/>
-              <a:t>Additionally, we explored logistic regression with shrinkage methods </a:t>
-            </a:r>
-            <a:r>
-              <a:rPr lang="en-US" sz="1800" b="0" i="0" u="none" strike="noStrike" baseline="0" dirty="0">
-                <a:latin typeface="LMRoman10-Regular"/>
-              </a:rPr>
-              <a:t>such as Ridge and Lasso regression, which are used to control model complexity and reduce overfitting. Instead of selecting a subset of predictors or setting some coefficients to zero, these methods regularize the feature coefficients to </a:t>
-            </a:r>
-            <a:r>
-              <a:rPr lang="en-US" dirty="0"/>
-              <a:t>improve model generalizability. In our case we made use of the hybrid method called Elastic Net which combines Lasso and Ridge </a:t>
-            </a:r>
-            <a:r>
-              <a:rPr lang="en-US" sz="1200" dirty="0">
-                <a:solidFill>
-                  <a:srgbClr val="2B2D3D"/>
-                </a:solidFill>
-                <a:latin typeface="Georgia"/>
-                <a:cs typeface="+mj-cs"/>
-              </a:rPr>
-              <a:t>leveraging the strengths of both methods. </a:t>
-            </a:r>
-          </a:p>
-          <a:p>
-            <a:pPr algn="l"/>
-            <a:endParaRPr lang="en-US" sz="1200" dirty="0">
-              <a:solidFill>
-                <a:srgbClr val="2B2D3D"/>
-              </a:solidFill>
-              <a:latin typeface="Georgia"/>
-              <a:cs typeface="+mj-cs"/>
-            </a:endParaRPr>
-          </a:p>
-          <a:p>
-            <a:pPr algn="l"/>
-            <a:r>
-              <a:rPr lang="en-US" dirty="0" err="1"/>
-              <a:t>Employee.Recognition</a:t>
-            </a:r>
-            <a:r>
-              <a:rPr lang="en-US" sz="1200" dirty="0">
-                <a:solidFill>
-                  <a:srgbClr val="2B2D3D"/>
-                </a:solidFill>
-                <a:latin typeface="Georgia"/>
-                <a:cs typeface="+mj-cs"/>
-              </a:rPr>
-              <a:t> and </a:t>
-            </a:r>
-            <a:r>
-              <a:rPr lang="en-US" dirty="0" err="1"/>
-              <a:t>Education.LevelHigh.School</a:t>
-            </a:r>
-            <a:r>
-              <a:rPr lang="en-US" sz="1200" dirty="0">
-                <a:solidFill>
-                  <a:srgbClr val="2B2D3D"/>
-                </a:solidFill>
-                <a:latin typeface="Georgia"/>
-                <a:cs typeface="+mj-cs"/>
-              </a:rPr>
-              <a:t> dropped.</a:t>
-            </a:r>
-            <a:endParaRPr lang="en-US" dirty="0"/>
-          </a:p>
-        </p:txBody>
-      </p:sp>
-      <p:sp>
-        <p:nvSpPr>
-          <p:cNvPr id="4" name="Slide Number Placeholder 3"/>
-          <p:cNvSpPr>
-            <a:spLocks noGrp="1"/>
-          </p:cNvSpPr>
-          <p:nvPr>
-            <p:ph type="sldNum" sz="quarter" idx="5"/>
-          </p:nvPr>
-        </p:nvSpPr>
-        <p:spPr/>
-        <p:txBody>
-          <a:bodyPr/>
-          <a:lstStyle/>
-          <a:p>
-            <a:fld id="{28328521-71C5-4FF4-A309-290FBEE7AB2C}" type="slidenum">
-              <a:rPr lang="tr-TR" smtClean="0"/>
-              <a:t>20</a:t>
-            </a:fld>
-            <a:endParaRPr lang="tr-TR"/>
-          </a:p>
-        </p:txBody>
-      </p:sp>
-    </p:spTree>
-    <p:extLst>
-      <p:ext uri="{BB962C8B-B14F-4D97-AF65-F5344CB8AC3E}">
-        <p14:creationId xmlns:p14="http://schemas.microsoft.com/office/powerpoint/2010/main" val="4027288697"/>
       </p:ext>
     </p:extLst>
   </p:cSld>
@@ -4039,7 +1748,7 @@
           <a:p>
             <a:fld id="{1D8BD707-D9CF-40AE-B4C6-C98DA3205C09}" type="datetimeFigureOut">
               <a:rPr lang="en-US" smtClean="0"/>
-              <a:t>7/11/2024</a:t>
+              <a:t>7/10/2024</a:t>
             </a:fld>
             <a:endParaRPr lang="en-US"/>
           </a:p>
@@ -4209,7 +1918,7 @@
           <a:p>
             <a:fld id="{1D8BD707-D9CF-40AE-B4C6-C98DA3205C09}" type="datetimeFigureOut">
               <a:rPr lang="en-US" smtClean="0"/>
-              <a:t>7/11/2024</a:t>
+              <a:t>7/10/2024</a:t>
             </a:fld>
             <a:endParaRPr lang="en-US"/>
           </a:p>
@@ -4389,7 +2098,7 @@
           <a:p>
             <a:fld id="{1D8BD707-D9CF-40AE-B4C6-C98DA3205C09}" type="datetimeFigureOut">
               <a:rPr lang="en-US" smtClean="0"/>
-              <a:t>7/11/2024</a:t>
+              <a:t>7/10/2024</a:t>
             </a:fld>
             <a:endParaRPr lang="en-US"/>
           </a:p>
@@ -4559,7 +2268,7 @@
           <a:p>
             <a:fld id="{1D8BD707-D9CF-40AE-B4C6-C98DA3205C09}" type="datetimeFigureOut">
               <a:rPr lang="en-US" smtClean="0"/>
-              <a:t>7/11/2024</a:t>
+              <a:t>7/10/2024</a:t>
             </a:fld>
             <a:endParaRPr lang="en-US"/>
           </a:p>
@@ -4805,7 +2514,7 @@
           <a:p>
             <a:fld id="{1D8BD707-D9CF-40AE-B4C6-C98DA3205C09}" type="datetimeFigureOut">
               <a:rPr lang="en-US" smtClean="0"/>
-              <a:t>7/11/2024</a:t>
+              <a:t>7/10/2024</a:t>
             </a:fld>
             <a:endParaRPr lang="en-US"/>
           </a:p>
@@ -5037,7 +2746,7 @@
           <a:p>
             <a:fld id="{1D8BD707-D9CF-40AE-B4C6-C98DA3205C09}" type="datetimeFigureOut">
               <a:rPr lang="en-US" smtClean="0"/>
-              <a:t>7/11/2024</a:t>
+              <a:t>7/10/2024</a:t>
             </a:fld>
             <a:endParaRPr lang="en-US"/>
           </a:p>
@@ -5404,7 +3113,7 @@
           <a:p>
             <a:fld id="{1D8BD707-D9CF-40AE-B4C6-C98DA3205C09}" type="datetimeFigureOut">
               <a:rPr lang="en-US" smtClean="0"/>
-              <a:t>7/11/2024</a:t>
+              <a:t>7/10/2024</a:t>
             </a:fld>
             <a:endParaRPr lang="en-US"/>
           </a:p>
@@ -5522,7 +3231,7 @@
           <a:p>
             <a:fld id="{1D8BD707-D9CF-40AE-B4C6-C98DA3205C09}" type="datetimeFigureOut">
               <a:rPr lang="en-US" smtClean="0"/>
-              <a:t>7/11/2024</a:t>
+              <a:t>7/10/2024</a:t>
             </a:fld>
             <a:endParaRPr lang="en-US"/>
           </a:p>
@@ -5617,7 +3326,7 @@
           <a:p>
             <a:fld id="{1D8BD707-D9CF-40AE-B4C6-C98DA3205C09}" type="datetimeFigureOut">
               <a:rPr lang="en-US" smtClean="0"/>
-              <a:t>7/11/2024</a:t>
+              <a:t>7/10/2024</a:t>
             </a:fld>
             <a:endParaRPr lang="en-US"/>
           </a:p>
@@ -5894,7 +3603,7 @@
           <a:p>
             <a:fld id="{1D8BD707-D9CF-40AE-B4C6-C98DA3205C09}" type="datetimeFigureOut">
               <a:rPr lang="en-US" smtClean="0"/>
-              <a:t>7/11/2024</a:t>
+              <a:t>7/10/2024</a:t>
             </a:fld>
             <a:endParaRPr lang="en-US"/>
           </a:p>
@@ -6151,7 +3860,7 @@
           <a:p>
             <a:fld id="{1D8BD707-D9CF-40AE-B4C6-C98DA3205C09}" type="datetimeFigureOut">
               <a:rPr lang="en-US" smtClean="0"/>
-              <a:t>7/11/2024</a:t>
+              <a:t>7/10/2024</a:t>
             </a:fld>
             <a:endParaRPr lang="en-US"/>
           </a:p>
@@ -6364,7 +4073,7 @@
           <a:p>
             <a:fld id="{1D8BD707-D9CF-40AE-B4C6-C98DA3205C09}" type="datetimeFigureOut">
               <a:rPr lang="en-US" smtClean="0"/>
-              <a:t>7/11/2024</a:t>
+              <a:t>7/10/2024</a:t>
             </a:fld>
             <a:endParaRPr lang="en-US"/>
           </a:p>
@@ -7053,7 +4762,7 @@
           <p:nvPr/>
         </p:nvPicPr>
         <p:blipFill>
-          <a:blip r:embed="rId3" cstate="print"/>
+          <a:blip r:embed="rId2" cstate="print"/>
           <a:stretch>
             <a:fillRect/>
           </a:stretch>
@@ -7291,6 +5000,419 @@
 </file>
 
 <file path=ppt/slides/slide10.xml><?xml version="1.0" encoding="utf-8"?>
+<p:sld xmlns:a="http://schemas.openxmlformats.org/drawingml/2006/main" xmlns:r="http://schemas.openxmlformats.org/officeDocument/2006/relationships" xmlns:p="http://schemas.openxmlformats.org/presentationml/2006/main">
+  <p:cSld>
+    <p:spTree>
+      <p:nvGrpSpPr>
+        <p:cNvPr id="1" name=""/>
+        <p:cNvGrpSpPr/>
+        <p:nvPr/>
+      </p:nvGrpSpPr>
+      <p:grpSpPr>
+        <a:xfrm>
+          <a:off x="0" y="0"/>
+          <a:ext cx="0" cy="0"/>
+          <a:chOff x="0" y="0"/>
+          <a:chExt cx="0" cy="0"/>
+        </a:xfrm>
+      </p:grpSpPr>
+      <p:pic>
+        <p:nvPicPr>
+          <p:cNvPr id="34" name="Picture 33">
+            <a:extLst>
+              <a:ext uri="{FF2B5EF4-FFF2-40B4-BE49-F238E27FC236}">
+                <a16:creationId xmlns:a16="http://schemas.microsoft.com/office/drawing/2014/main" id="{5F37E37C-611C-EE28-5EC1-062F39EA7BA9}"/>
+              </a:ext>
+            </a:extLst>
+          </p:cNvPr>
+          <p:cNvPicPr>
+            <a:picLocks noChangeAspect="1"/>
+          </p:cNvPicPr>
+          <p:nvPr/>
+        </p:nvPicPr>
+        <p:blipFill>
+          <a:blip r:embed="rId2"/>
+          <a:stretch>
+            <a:fillRect/>
+          </a:stretch>
+        </p:blipFill>
+        <p:spPr>
+          <a:xfrm>
+            <a:off x="18923" y="2310573"/>
+            <a:ext cx="13803735" cy="6858000"/>
+          </a:xfrm>
+          <a:prstGeom prst="rect">
+            <a:avLst/>
+          </a:prstGeom>
+        </p:spPr>
+      </p:pic>
+      <p:grpSp>
+        <p:nvGrpSpPr>
+          <p:cNvPr id="2" name="object 2"/>
+          <p:cNvGrpSpPr/>
+          <p:nvPr/>
+        </p:nvGrpSpPr>
+        <p:grpSpPr>
+          <a:xfrm>
+            <a:off x="11371783" y="0"/>
+            <a:ext cx="3476625" cy="1929764"/>
+            <a:chOff x="11371783" y="0"/>
+            <a:chExt cx="3476625" cy="1929764"/>
+          </a:xfrm>
+        </p:grpSpPr>
+        <p:sp>
+          <p:nvSpPr>
+            <p:cNvPr id="3" name="object 3"/>
+            <p:cNvSpPr/>
+            <p:nvPr/>
+          </p:nvSpPr>
+          <p:spPr>
+            <a:xfrm>
+              <a:off x="11907024" y="0"/>
+              <a:ext cx="2941955" cy="1929764"/>
+            </a:xfrm>
+            <a:custGeom>
+              <a:avLst/>
+              <a:gdLst/>
+              <a:ahLst/>
+              <a:cxnLst/>
+              <a:rect l="l" t="t" r="r" b="b"/>
+              <a:pathLst>
+                <a:path w="2941955" h="1929764">
+                  <a:moveTo>
+                    <a:pt x="2749660" y="0"/>
+                  </a:moveTo>
+                  <a:lnTo>
+                    <a:pt x="729140" y="0"/>
+                  </a:lnTo>
+                  <a:lnTo>
+                    <a:pt x="0" y="729118"/>
+                  </a:lnTo>
+                  <a:lnTo>
+                    <a:pt x="1203058" y="1929688"/>
+                  </a:lnTo>
+                  <a:lnTo>
+                    <a:pt x="2941382" y="191427"/>
+                  </a:lnTo>
+                  <a:lnTo>
+                    <a:pt x="2749660" y="0"/>
+                  </a:lnTo>
+                  <a:close/>
+                </a:path>
+              </a:pathLst>
+            </a:custGeom>
+            <a:solidFill>
+              <a:srgbClr val="484C68"/>
+            </a:solidFill>
+          </p:spPr>
+          <p:txBody>
+            <a:bodyPr wrap="square" lIns="0" tIns="0" rIns="0" bIns="0" rtlCol="0"/>
+            <a:lstStyle/>
+            <a:p>
+              <a:endParaRPr/>
+            </a:p>
+          </p:txBody>
+        </p:sp>
+        <p:sp>
+          <p:nvSpPr>
+            <p:cNvPr id="4" name="object 4"/>
+            <p:cNvSpPr/>
+            <p:nvPr/>
+          </p:nvSpPr>
+          <p:spPr>
+            <a:xfrm>
+              <a:off x="11371783" y="0"/>
+              <a:ext cx="1454785" cy="824230"/>
+            </a:xfrm>
+            <a:custGeom>
+              <a:avLst/>
+              <a:gdLst/>
+              <a:ahLst/>
+              <a:cxnLst/>
+              <a:rect l="l" t="t" r="r" b="b"/>
+              <a:pathLst>
+                <a:path w="1454784" h="824230">
+                  <a:moveTo>
+                    <a:pt x="1454454" y="0"/>
+                  </a:moveTo>
+                  <a:lnTo>
+                    <a:pt x="191374" y="0"/>
+                  </a:lnTo>
+                  <a:lnTo>
+                    <a:pt x="0" y="191375"/>
+                  </a:lnTo>
+                  <a:lnTo>
+                    <a:pt x="630288" y="824165"/>
+                  </a:lnTo>
+                  <a:lnTo>
+                    <a:pt x="1454454" y="0"/>
+                  </a:lnTo>
+                  <a:close/>
+                </a:path>
+              </a:pathLst>
+            </a:custGeom>
+            <a:solidFill>
+              <a:srgbClr val="70B1DA"/>
+            </a:solidFill>
+          </p:spPr>
+          <p:txBody>
+            <a:bodyPr wrap="square" lIns="0" tIns="0" rIns="0" bIns="0" rtlCol="0"/>
+            <a:lstStyle/>
+            <a:p>
+              <a:endParaRPr/>
+            </a:p>
+          </p:txBody>
+        </p:sp>
+      </p:grpSp>
+      <p:sp>
+        <p:nvSpPr>
+          <p:cNvPr id="9" name="object 9"/>
+          <p:cNvSpPr/>
+          <p:nvPr/>
+        </p:nvSpPr>
+        <p:spPr>
+          <a:xfrm>
+            <a:off x="13284327" y="0"/>
+            <a:ext cx="5003800" cy="5329555"/>
+          </a:xfrm>
+          <a:custGeom>
+            <a:avLst/>
+            <a:gdLst/>
+            <a:ahLst/>
+            <a:cxnLst/>
+            <a:rect l="l" t="t" r="r" b="b"/>
+            <a:pathLst>
+              <a:path w="5003800" h="5329555">
+                <a:moveTo>
+                  <a:pt x="4344879" y="0"/>
+                </a:moveTo>
+                <a:lnTo>
+                  <a:pt x="2105120" y="0"/>
+                </a:lnTo>
+                <a:lnTo>
+                  <a:pt x="0" y="2103512"/>
+                </a:lnTo>
+                <a:lnTo>
+                  <a:pt x="3225419" y="5328982"/>
+                </a:lnTo>
+                <a:lnTo>
+                  <a:pt x="5003722" y="3549320"/>
+                </a:lnTo>
+                <a:lnTo>
+                  <a:pt x="5003722" y="658832"/>
+                </a:lnTo>
+                <a:lnTo>
+                  <a:pt x="4344879" y="0"/>
+                </a:lnTo>
+                <a:close/>
+              </a:path>
+            </a:pathLst>
+          </a:custGeom>
+          <a:solidFill>
+            <a:srgbClr val="484C68"/>
+          </a:solidFill>
+        </p:spPr>
+        <p:txBody>
+          <a:bodyPr wrap="square" lIns="0" tIns="0" rIns="0" bIns="0" rtlCol="0"/>
+          <a:lstStyle/>
+          <a:p>
+            <a:endParaRPr/>
+          </a:p>
+        </p:txBody>
+      </p:sp>
+      <p:sp>
+        <p:nvSpPr>
+          <p:cNvPr id="29" name="TextBox 28">
+            <a:extLst>
+              <a:ext uri="{FF2B5EF4-FFF2-40B4-BE49-F238E27FC236}">
+                <a16:creationId xmlns:a16="http://schemas.microsoft.com/office/drawing/2014/main" id="{3F2A7245-C3F8-F5D5-1331-ACDDAFEF6A59}"/>
+              </a:ext>
+            </a:extLst>
+          </p:cNvPr>
+          <p:cNvSpPr txBox="1"/>
+          <p:nvPr/>
+        </p:nvSpPr>
+        <p:spPr>
+          <a:xfrm>
+            <a:off x="9607550" y="9264650"/>
+            <a:ext cx="9150350" cy="584775"/>
+          </a:xfrm>
+          <a:prstGeom prst="rect">
+            <a:avLst/>
+          </a:prstGeom>
+          <a:noFill/>
+        </p:spPr>
+        <p:txBody>
+          <a:bodyPr wrap="square">
+            <a:spAutoFit/>
+          </a:bodyPr>
+          <a:lstStyle/>
+          <a:p>
+            <a:pPr marL="12700" marR="902335" algn="just">
+              <a:lnSpc>
+                <a:spcPct val="100000"/>
+              </a:lnSpc>
+              <a:spcBef>
+                <a:spcPts val="1195"/>
+              </a:spcBef>
+            </a:pPr>
+            <a:r>
+              <a:rPr lang="en-US" sz="1600" dirty="0">
+                <a:solidFill>
+                  <a:srgbClr val="262836"/>
+                </a:solidFill>
+                <a:latin typeface="Georgia"/>
+                <a:cs typeface="+mj-cs"/>
+              </a:rPr>
+              <a:t>This methodology effectively transforms continuous numeric variables into categorical bins, facilitating better</a:t>
+            </a:r>
+            <a:r>
+              <a:rPr lang="tr-TR" sz="1600" dirty="0">
+                <a:solidFill>
+                  <a:srgbClr val="262836"/>
+                </a:solidFill>
+                <a:latin typeface="Georgia"/>
+                <a:cs typeface="+mj-cs"/>
+              </a:rPr>
+              <a:t> </a:t>
+            </a:r>
+            <a:r>
+              <a:rPr lang="en-US" sz="1600" dirty="0">
+                <a:solidFill>
+                  <a:srgbClr val="262836"/>
+                </a:solidFill>
+                <a:latin typeface="Georgia"/>
+                <a:cs typeface="+mj-cs"/>
+              </a:rPr>
+              <a:t>visualization and comparative analysis of attrition. </a:t>
+            </a:r>
+            <a:endParaRPr lang="tr-TR" sz="1600" dirty="0">
+              <a:solidFill>
+                <a:srgbClr val="262836"/>
+              </a:solidFill>
+              <a:latin typeface="Georgia"/>
+              <a:cs typeface="+mj-cs"/>
+            </a:endParaRPr>
+          </a:p>
+        </p:txBody>
+      </p:sp>
+      <p:sp>
+        <p:nvSpPr>
+          <p:cNvPr id="30" name="object 13">
+            <a:extLst>
+              <a:ext uri="{FF2B5EF4-FFF2-40B4-BE49-F238E27FC236}">
+                <a16:creationId xmlns:a16="http://schemas.microsoft.com/office/drawing/2014/main" id="{9D6F8EED-BA6A-7252-A212-7DF7948E9A5B}"/>
+              </a:ext>
+            </a:extLst>
+          </p:cNvPr>
+          <p:cNvSpPr txBox="1">
+            <a:spLocks noGrp="1"/>
+          </p:cNvSpPr>
+          <p:nvPr>
+            <p:ph type="title"/>
+          </p:nvPr>
+        </p:nvSpPr>
+        <p:spPr>
+          <a:xfrm>
+            <a:off x="820974" y="549121"/>
+            <a:ext cx="8310326" cy="1000915"/>
+          </a:xfrm>
+          <a:prstGeom prst="rect">
+            <a:avLst/>
+          </a:prstGeom>
+        </p:spPr>
+        <p:txBody>
+          <a:bodyPr vert="horz" wrap="square" lIns="0" tIns="15875" rIns="0" bIns="0" rtlCol="0">
+            <a:spAutoFit/>
+          </a:bodyPr>
+          <a:lstStyle/>
+          <a:p>
+            <a:pPr marL="12700" marR="902335" algn="r" defTabSz="457200">
+              <a:lnSpc>
+                <a:spcPct val="100000"/>
+              </a:lnSpc>
+              <a:spcBef>
+                <a:spcPts val="1195"/>
+              </a:spcBef>
+            </a:pPr>
+            <a:r>
+              <a:rPr lang="en-US" sz="3200" dirty="0">
+                <a:solidFill>
+                  <a:srgbClr val="2B2D3D"/>
+                </a:solidFill>
+                <a:latin typeface="Georgia"/>
+                <a:ea typeface="+mn-ea"/>
+              </a:rPr>
+              <a:t>Transforming Numerical Variables into Categorical Variables</a:t>
+            </a:r>
+          </a:p>
+        </p:txBody>
+      </p:sp>
+      <p:sp>
+        <p:nvSpPr>
+          <p:cNvPr id="35" name="object 17">
+            <a:extLst>
+              <a:ext uri="{FF2B5EF4-FFF2-40B4-BE49-F238E27FC236}">
+                <a16:creationId xmlns:a16="http://schemas.microsoft.com/office/drawing/2014/main" id="{D5497F42-E25B-74AE-69CA-C809066BD6BA}"/>
+              </a:ext>
+            </a:extLst>
+          </p:cNvPr>
+          <p:cNvSpPr/>
+          <p:nvPr/>
+        </p:nvSpPr>
+        <p:spPr>
+          <a:xfrm>
+            <a:off x="4121150" y="1787429"/>
+            <a:ext cx="4048125" cy="95250"/>
+          </a:xfrm>
+          <a:custGeom>
+            <a:avLst/>
+            <a:gdLst/>
+            <a:ahLst/>
+            <a:cxnLst/>
+            <a:rect l="l" t="t" r="r" b="b"/>
+            <a:pathLst>
+              <a:path w="4048125" h="95250">
+                <a:moveTo>
+                  <a:pt x="4048125" y="0"/>
+                </a:moveTo>
+                <a:lnTo>
+                  <a:pt x="0" y="0"/>
+                </a:lnTo>
+                <a:lnTo>
+                  <a:pt x="0" y="95250"/>
+                </a:lnTo>
+                <a:lnTo>
+                  <a:pt x="4048125" y="95250"/>
+                </a:lnTo>
+                <a:lnTo>
+                  <a:pt x="4048125" y="0"/>
+                </a:lnTo>
+                <a:close/>
+              </a:path>
+            </a:pathLst>
+          </a:custGeom>
+          <a:solidFill>
+            <a:srgbClr val="70B1DA"/>
+          </a:solidFill>
+        </p:spPr>
+        <p:txBody>
+          <a:bodyPr wrap="square" lIns="0" tIns="0" rIns="0" bIns="0" rtlCol="0"/>
+          <a:lstStyle/>
+          <a:p>
+            <a:endParaRPr/>
+          </a:p>
+        </p:txBody>
+      </p:sp>
+    </p:spTree>
+  </p:cSld>
+  <p:clrMapOvr>
+    <a:masterClrMapping/>
+  </p:clrMapOvr>
+</p:sld>
+</file>
+
+<file path=ppt/slides/slide11.xml><?xml version="1.0" encoding="utf-8"?>
 <p:sld xmlns:a="http://schemas.openxmlformats.org/drawingml/2006/main" xmlns:r="http://schemas.openxmlformats.org/officeDocument/2006/relationships" xmlns:p="http://schemas.openxmlformats.org/presentationml/2006/main">
   <p:cSld>
     <p:spTree>
@@ -7366,896 +5488,12 @@
           </a:prstGeom>
         </p:spPr>
       </p:pic>
-      <p:sp>
-        <p:nvSpPr>
-          <p:cNvPr id="5" name="TextBox 4">
-            <a:extLst>
-              <a:ext uri="{FF2B5EF4-FFF2-40B4-BE49-F238E27FC236}">
-                <a16:creationId xmlns:a16="http://schemas.microsoft.com/office/drawing/2014/main" id="{4E101EA3-8055-5A94-5EA2-BFEE46B6CB0C}"/>
-              </a:ext>
-            </a:extLst>
-          </p:cNvPr>
-          <p:cNvSpPr txBox="1"/>
-          <p:nvPr/>
-        </p:nvSpPr>
-        <p:spPr>
-          <a:xfrm flipH="1">
-            <a:off x="13950950" y="555129"/>
-            <a:ext cx="3883025" cy="5940088"/>
-          </a:xfrm>
-          <a:prstGeom prst="rect">
-            <a:avLst/>
-          </a:prstGeom>
-          <a:noFill/>
-        </p:spPr>
-        <p:txBody>
-          <a:bodyPr wrap="square">
-            <a:spAutoFit/>
-          </a:bodyPr>
-          <a:lstStyle/>
-          <a:p>
-            <a:endParaRPr lang="en-US" sz="1600" dirty="0">
-              <a:solidFill>
-                <a:srgbClr val="262836"/>
-              </a:solidFill>
-              <a:latin typeface="Georgia"/>
-              <a:cs typeface="+mj-cs"/>
-            </a:endParaRPr>
-          </a:p>
-          <a:p>
-            <a:r>
-              <a:rPr lang="en-US" sz="2000" b="1" dirty="0">
-                <a:solidFill>
-                  <a:srgbClr val="262836"/>
-                </a:solidFill>
-                <a:latin typeface="Georgia"/>
-                <a:cs typeface="+mj-cs"/>
-              </a:rPr>
-              <a:t>43% </a:t>
-            </a:r>
-            <a:r>
-              <a:rPr lang="en-US" sz="1600" dirty="0">
-                <a:solidFill>
-                  <a:srgbClr val="262836"/>
-                </a:solidFill>
-                <a:latin typeface="Georgia"/>
-                <a:cs typeface="+mj-cs"/>
-              </a:rPr>
-              <a:t>of employees who did not have a remote work option left the company.</a:t>
-            </a:r>
-          </a:p>
-          <a:p>
-            <a:endParaRPr lang="en-US" sz="1600" dirty="0">
-              <a:solidFill>
-                <a:srgbClr val="262836"/>
-              </a:solidFill>
-              <a:latin typeface="Georgia"/>
-              <a:cs typeface="+mj-cs"/>
-            </a:endParaRPr>
-          </a:p>
-          <a:p>
-            <a:r>
-              <a:rPr lang="en-US" sz="1600" dirty="0">
-                <a:solidFill>
-                  <a:srgbClr val="262836"/>
-                </a:solidFill>
-                <a:latin typeface="Georgia"/>
-                <a:cs typeface="+mj-cs"/>
-              </a:rPr>
-              <a:t>Employees who did not have a remote work option and  do overtime work take place </a:t>
-            </a:r>
-            <a:r>
-              <a:rPr lang="en-US" sz="2000" b="1" dirty="0">
-                <a:solidFill>
-                  <a:srgbClr val="262836"/>
-                </a:solidFill>
-                <a:latin typeface="Georgia"/>
-                <a:cs typeface="+mj-cs"/>
-              </a:rPr>
-              <a:t>26%</a:t>
-            </a:r>
-            <a:r>
-              <a:rPr lang="en-US" sz="1600" b="1" dirty="0">
-                <a:solidFill>
-                  <a:srgbClr val="262836"/>
-                </a:solidFill>
-                <a:latin typeface="Georgia"/>
-                <a:cs typeface="+mj-cs"/>
-              </a:rPr>
-              <a:t> </a:t>
-            </a:r>
-            <a:r>
-              <a:rPr lang="en-US" sz="1600" dirty="0">
-                <a:solidFill>
-                  <a:srgbClr val="262836"/>
-                </a:solidFill>
-                <a:latin typeface="Georgia"/>
-                <a:cs typeface="+mj-cs"/>
-              </a:rPr>
-              <a:t>of the data. </a:t>
-            </a:r>
-          </a:p>
-          <a:p>
-            <a:endParaRPr lang="en-US" sz="1600" dirty="0">
-              <a:solidFill>
-                <a:srgbClr val="262836"/>
-              </a:solidFill>
-              <a:latin typeface="Georgia"/>
-              <a:cs typeface="+mj-cs"/>
-            </a:endParaRPr>
-          </a:p>
-          <a:p>
-            <a:r>
-              <a:rPr lang="en-US" sz="1600" dirty="0">
-                <a:solidFill>
-                  <a:srgbClr val="262836"/>
-                </a:solidFill>
-                <a:latin typeface="Georgia"/>
-                <a:cs typeface="+mj-cs"/>
-              </a:rPr>
-              <a:t>Among these </a:t>
-            </a:r>
-            <a:r>
-              <a:rPr lang="en-US" sz="2000" b="1" dirty="0">
-                <a:solidFill>
-                  <a:srgbClr val="262836"/>
-                </a:solidFill>
-                <a:latin typeface="Georgia"/>
-                <a:cs typeface="+mj-cs"/>
-              </a:rPr>
-              <a:t>57%</a:t>
-            </a:r>
-            <a:r>
-              <a:rPr lang="en-US" sz="1600" b="1" dirty="0">
-                <a:solidFill>
-                  <a:srgbClr val="262836"/>
-                </a:solidFill>
-                <a:latin typeface="Georgia"/>
-                <a:cs typeface="+mj-cs"/>
-              </a:rPr>
-              <a:t> </a:t>
-            </a:r>
-            <a:r>
-              <a:rPr lang="en-US" sz="1600" dirty="0">
-                <a:solidFill>
-                  <a:srgbClr val="262836"/>
-                </a:solidFill>
-                <a:latin typeface="Georgia"/>
-                <a:cs typeface="+mj-cs"/>
-              </a:rPr>
-              <a:t>left the company.</a:t>
-            </a:r>
-          </a:p>
-          <a:p>
-            <a:endParaRPr lang="en-US" sz="1600" b="1" dirty="0">
-              <a:solidFill>
-                <a:srgbClr val="262836"/>
-              </a:solidFill>
-              <a:latin typeface="Georgia"/>
-              <a:cs typeface="+mj-cs"/>
-            </a:endParaRPr>
-          </a:p>
-          <a:p>
-            <a:r>
-              <a:rPr lang="en-US" sz="2000" b="1" dirty="0">
-                <a:solidFill>
-                  <a:srgbClr val="262836"/>
-                </a:solidFill>
-                <a:latin typeface="Georgia"/>
-                <a:cs typeface="+mj-cs"/>
-              </a:rPr>
-              <a:t>36% </a:t>
-            </a:r>
-            <a:r>
-              <a:rPr lang="en-US" sz="1600" dirty="0">
-                <a:solidFill>
-                  <a:srgbClr val="262836"/>
-                </a:solidFill>
-                <a:latin typeface="Georgia"/>
-                <a:cs typeface="+mj-cs"/>
-              </a:rPr>
-              <a:t>of employees with monthly income between 3000-9000 left the company.</a:t>
-            </a:r>
-          </a:p>
-          <a:p>
-            <a:endParaRPr lang="en-US" sz="1600" dirty="0">
-              <a:solidFill>
-                <a:srgbClr val="262836"/>
-              </a:solidFill>
-              <a:latin typeface="Georgia"/>
-              <a:cs typeface="+mj-cs"/>
-            </a:endParaRPr>
-          </a:p>
-          <a:p>
-            <a:r>
-              <a:rPr lang="en-US" sz="2000" b="1" dirty="0">
-                <a:solidFill>
-                  <a:srgbClr val="262836"/>
-                </a:solidFill>
-                <a:latin typeface="Georgia"/>
-                <a:cs typeface="+mj-cs"/>
-              </a:rPr>
-              <a:t>45% </a:t>
-            </a:r>
-            <a:r>
-              <a:rPr lang="en-US" sz="1600" dirty="0">
-                <a:solidFill>
-                  <a:srgbClr val="262836"/>
-                </a:solidFill>
-                <a:latin typeface="Georgia"/>
-                <a:cs typeface="+mj-cs"/>
-              </a:rPr>
-              <a:t>of those who worked in a job without leadership opportunities left the company.</a:t>
-            </a:r>
-          </a:p>
-          <a:p>
-            <a:endParaRPr lang="en-US" sz="1600" dirty="0">
-              <a:solidFill>
-                <a:srgbClr val="262836"/>
-              </a:solidFill>
-              <a:latin typeface="Georgia"/>
-              <a:cs typeface="+mj-cs"/>
-            </a:endParaRPr>
-          </a:p>
-          <a:p>
-            <a:r>
-              <a:rPr lang="en-US" sz="1600" dirty="0">
-                <a:solidFill>
-                  <a:srgbClr val="262836"/>
-                </a:solidFill>
-                <a:latin typeface="Georgia"/>
-                <a:cs typeface="+mj-cs"/>
-              </a:rPr>
-              <a:t>Employees at the entry level with low employee recognition take place of </a:t>
-            </a:r>
-            <a:r>
-              <a:rPr lang="en-US" sz="2000" b="1" dirty="0">
-                <a:solidFill>
-                  <a:srgbClr val="262836"/>
-                </a:solidFill>
-                <a:latin typeface="Georgia"/>
-                <a:cs typeface="+mj-cs"/>
-              </a:rPr>
-              <a:t>16% </a:t>
-            </a:r>
-            <a:r>
-              <a:rPr lang="en-US" sz="1600" dirty="0">
-                <a:solidFill>
-                  <a:srgbClr val="262836"/>
-                </a:solidFill>
-                <a:latin typeface="Georgia"/>
-                <a:cs typeface="+mj-cs"/>
-              </a:rPr>
-              <a:t>of the data. Among these </a:t>
-            </a:r>
-            <a:r>
-              <a:rPr lang="en-US" sz="2000" b="1" dirty="0">
-                <a:solidFill>
-                  <a:srgbClr val="262836"/>
-                </a:solidFill>
-                <a:latin typeface="Georgia"/>
-                <a:cs typeface="+mj-cs"/>
-              </a:rPr>
-              <a:t>64% </a:t>
-            </a:r>
-            <a:r>
-              <a:rPr lang="en-US" sz="1600" dirty="0">
-                <a:solidFill>
-                  <a:srgbClr val="262836"/>
-                </a:solidFill>
-                <a:latin typeface="Georgia"/>
-                <a:cs typeface="+mj-cs"/>
-              </a:rPr>
-              <a:t>left the company.</a:t>
-            </a:r>
-            <a:endParaRPr lang="tr-TR" sz="1600" dirty="0">
-              <a:solidFill>
-                <a:srgbClr val="262836"/>
-              </a:solidFill>
-              <a:latin typeface="Georgia"/>
-              <a:cs typeface="+mj-cs"/>
-            </a:endParaRPr>
-          </a:p>
-        </p:txBody>
-      </p:sp>
     </p:spTree>
     <p:extLst>
       <p:ext uri="{BB962C8B-B14F-4D97-AF65-F5344CB8AC3E}">
         <p14:creationId xmlns:p14="http://schemas.microsoft.com/office/powerpoint/2010/main" val="1912918366"/>
       </p:ext>
     </p:extLst>
-  </p:cSld>
-  <p:clrMapOvr>
-    <a:masterClrMapping/>
-  </p:clrMapOvr>
-</p:sld>
-</file>
-
-<file path=ppt/slides/slide11.xml><?xml version="1.0" encoding="utf-8"?>
-<p:sld xmlns:a="http://schemas.openxmlformats.org/drawingml/2006/main" xmlns:r="http://schemas.openxmlformats.org/officeDocument/2006/relationships" xmlns:p="http://schemas.openxmlformats.org/presentationml/2006/main">
-  <p:cSld>
-    <p:spTree>
-      <p:nvGrpSpPr>
-        <p:cNvPr id="1" name=""/>
-        <p:cNvGrpSpPr/>
-        <p:nvPr/>
-      </p:nvGrpSpPr>
-      <p:grpSpPr>
-        <a:xfrm>
-          <a:off x="0" y="0"/>
-          <a:ext cx="0" cy="0"/>
-          <a:chOff x="0" y="0"/>
-          <a:chExt cx="0" cy="0"/>
-        </a:xfrm>
-      </p:grpSpPr>
-      <p:grpSp>
-        <p:nvGrpSpPr>
-          <p:cNvPr id="2" name="object 2"/>
-          <p:cNvGrpSpPr/>
-          <p:nvPr/>
-        </p:nvGrpSpPr>
-        <p:grpSpPr>
-          <a:xfrm>
-            <a:off x="12640783" y="0"/>
-            <a:ext cx="5647690" cy="5734685"/>
-            <a:chOff x="12640783" y="0"/>
-            <a:chExt cx="5647690" cy="5734685"/>
-          </a:xfrm>
-        </p:grpSpPr>
-        <p:sp>
-          <p:nvSpPr>
-            <p:cNvPr id="3" name="object 3"/>
-            <p:cNvSpPr/>
-            <p:nvPr/>
-          </p:nvSpPr>
-          <p:spPr>
-            <a:xfrm>
-              <a:off x="16373094" y="2795257"/>
-              <a:ext cx="1915160" cy="2939415"/>
-            </a:xfrm>
-            <a:custGeom>
-              <a:avLst/>
-              <a:gdLst/>
-              <a:ahLst/>
-              <a:cxnLst/>
-              <a:rect l="l" t="t" r="r" b="b"/>
-              <a:pathLst>
-                <a:path w="1915159" h="2939415">
-                  <a:moveTo>
-                    <a:pt x="1739646" y="0"/>
-                  </a:moveTo>
-                  <a:lnTo>
-                    <a:pt x="0" y="1738312"/>
-                  </a:lnTo>
-                  <a:lnTo>
-                    <a:pt x="1201420" y="2938868"/>
-                  </a:lnTo>
-                  <a:lnTo>
-                    <a:pt x="1914942" y="2225893"/>
-                  </a:lnTo>
-                  <a:lnTo>
-                    <a:pt x="1914942" y="175170"/>
-                  </a:lnTo>
-                  <a:lnTo>
-                    <a:pt x="1739646" y="0"/>
-                  </a:lnTo>
-                  <a:close/>
-                </a:path>
-              </a:pathLst>
-            </a:custGeom>
-            <a:solidFill>
-              <a:srgbClr val="484C68"/>
-            </a:solidFill>
-          </p:spPr>
-          <p:txBody>
-            <a:bodyPr wrap="square" lIns="0" tIns="0" rIns="0" bIns="0" rtlCol="0"/>
-            <a:lstStyle/>
-            <a:p>
-              <a:endParaRPr/>
-            </a:p>
-          </p:txBody>
-        </p:sp>
-        <p:sp>
-          <p:nvSpPr>
-            <p:cNvPr id="4" name="object 4"/>
-            <p:cNvSpPr/>
-            <p:nvPr/>
-          </p:nvSpPr>
-          <p:spPr>
-            <a:xfrm>
-              <a:off x="12640780" y="12"/>
-              <a:ext cx="5647690" cy="4629150"/>
-            </a:xfrm>
-            <a:custGeom>
-              <a:avLst/>
-              <a:gdLst/>
-              <a:ahLst/>
-              <a:cxnLst/>
-              <a:rect l="l" t="t" r="r" b="b"/>
-              <a:pathLst>
-                <a:path w="5647690" h="4629150">
-                  <a:moveTo>
-                    <a:pt x="5567083" y="2890278"/>
-                  </a:moveTo>
-                  <a:lnTo>
-                    <a:pt x="4936274" y="2257488"/>
-                  </a:lnTo>
-                  <a:lnTo>
-                    <a:pt x="3196755" y="3995801"/>
-                  </a:lnTo>
-                  <a:lnTo>
-                    <a:pt x="3827437" y="4628591"/>
-                  </a:lnTo>
-                  <a:lnTo>
-                    <a:pt x="5567083" y="2890278"/>
-                  </a:lnTo>
-                  <a:close/>
-                </a:path>
-                <a:path w="5647690" h="4629150">
-                  <a:moveTo>
-                    <a:pt x="5647207" y="0"/>
-                  </a:moveTo>
-                  <a:lnTo>
-                    <a:pt x="0" y="0"/>
-                  </a:lnTo>
-                  <a:lnTo>
-                    <a:pt x="3075978" y="3075914"/>
-                  </a:lnTo>
-                  <a:lnTo>
-                    <a:pt x="5647207" y="504634"/>
-                  </a:lnTo>
-                  <a:lnTo>
-                    <a:pt x="5647207" y="0"/>
-                  </a:lnTo>
-                  <a:close/>
-                </a:path>
-              </a:pathLst>
-            </a:custGeom>
-            <a:solidFill>
-              <a:srgbClr val="70B1DA"/>
-            </a:solidFill>
-          </p:spPr>
-          <p:txBody>
-            <a:bodyPr wrap="square" lIns="0" tIns="0" rIns="0" bIns="0" rtlCol="0"/>
-            <a:lstStyle/>
-            <a:p>
-              <a:endParaRPr/>
-            </a:p>
-          </p:txBody>
-        </p:sp>
-      </p:grpSp>
-      <p:sp>
-        <p:nvSpPr>
-          <p:cNvPr id="5" name="object 5"/>
-          <p:cNvSpPr/>
-          <p:nvPr/>
-        </p:nvSpPr>
-        <p:spPr>
-          <a:xfrm>
-            <a:off x="15062454" y="6675004"/>
-            <a:ext cx="3225800" cy="3612515"/>
-          </a:xfrm>
-          <a:custGeom>
-            <a:avLst/>
-            <a:gdLst/>
-            <a:ahLst/>
-            <a:cxnLst/>
-            <a:rect l="l" t="t" r="r" b="b"/>
-            <a:pathLst>
-              <a:path w="3225800" h="3612515">
-                <a:moveTo>
-                  <a:pt x="3224287" y="0"/>
-                </a:moveTo>
-                <a:lnTo>
-                  <a:pt x="0" y="3225457"/>
-                </a:lnTo>
-                <a:lnTo>
-                  <a:pt x="386694" y="3611994"/>
-                </a:lnTo>
-                <a:lnTo>
-                  <a:pt x="3225506" y="3611994"/>
-                </a:lnTo>
-                <a:lnTo>
-                  <a:pt x="3225506" y="1219"/>
-                </a:lnTo>
-                <a:lnTo>
-                  <a:pt x="3224287" y="0"/>
-                </a:lnTo>
-                <a:close/>
-              </a:path>
-            </a:pathLst>
-          </a:custGeom>
-          <a:solidFill>
-            <a:srgbClr val="70B1DA"/>
-          </a:solidFill>
-        </p:spPr>
-        <p:txBody>
-          <a:bodyPr wrap="square" lIns="0" tIns="0" rIns="0" bIns="0" rtlCol="0"/>
-          <a:lstStyle/>
-          <a:p>
-            <a:endParaRPr/>
-          </a:p>
-        </p:txBody>
-      </p:sp>
-      <p:sp>
-        <p:nvSpPr>
-          <p:cNvPr id="7" name="object 7"/>
-          <p:cNvSpPr/>
-          <p:nvPr/>
-        </p:nvSpPr>
-        <p:spPr>
-          <a:xfrm>
-            <a:off x="15857474" y="815687"/>
-            <a:ext cx="2430780" cy="2623185"/>
-          </a:xfrm>
-          <a:custGeom>
-            <a:avLst/>
-            <a:gdLst/>
-            <a:ahLst/>
-            <a:cxnLst/>
-            <a:rect l="l" t="t" r="r" b="b"/>
-            <a:pathLst>
-              <a:path w="2430780" h="2623185">
-                <a:moveTo>
-                  <a:pt x="2430499" y="0"/>
-                </a:moveTo>
-                <a:lnTo>
-                  <a:pt x="0" y="2430433"/>
-                </a:lnTo>
-                <a:lnTo>
-                  <a:pt x="194818" y="2622660"/>
-                </a:lnTo>
-                <a:lnTo>
-                  <a:pt x="2430499" y="386907"/>
-                </a:lnTo>
-                <a:lnTo>
-                  <a:pt x="2430499" y="0"/>
-                </a:lnTo>
-                <a:close/>
-              </a:path>
-            </a:pathLst>
-          </a:custGeom>
-          <a:solidFill>
-            <a:srgbClr val="70B1DA"/>
-          </a:solidFill>
-        </p:spPr>
-        <p:txBody>
-          <a:bodyPr wrap="square" lIns="0" tIns="0" rIns="0" bIns="0" rtlCol="0"/>
-          <a:lstStyle/>
-          <a:p>
-            <a:endParaRPr/>
-          </a:p>
-        </p:txBody>
-      </p:sp>
-      <p:sp>
-        <p:nvSpPr>
-          <p:cNvPr id="9" name="object 9"/>
-          <p:cNvSpPr txBox="1">
-            <a:spLocks noGrp="1"/>
-          </p:cNvSpPr>
-          <p:nvPr>
-            <p:ph type="title"/>
-          </p:nvPr>
-        </p:nvSpPr>
-        <p:spPr>
-          <a:xfrm>
-            <a:off x="8076058" y="808618"/>
-            <a:ext cx="5189092" cy="618118"/>
-          </a:xfrm>
-          <a:prstGeom prst="rect">
-            <a:avLst/>
-          </a:prstGeom>
-        </p:spPr>
-        <p:txBody>
-          <a:bodyPr vert="horz" wrap="square" lIns="0" tIns="124460" rIns="0" bIns="0" rtlCol="0">
-            <a:spAutoFit/>
-          </a:bodyPr>
-          <a:lstStyle/>
-          <a:p>
-            <a:pPr marL="12700" marR="902335" algn="r" defTabSz="457200">
-              <a:lnSpc>
-                <a:spcPct val="100000"/>
-              </a:lnSpc>
-              <a:spcBef>
-                <a:spcPts val="1195"/>
-              </a:spcBef>
-            </a:pPr>
-            <a:r>
-              <a:rPr lang="tr-TR" sz="3200" dirty="0" err="1">
-                <a:solidFill>
-                  <a:srgbClr val="2B2D3D"/>
-                </a:solidFill>
-                <a:latin typeface="Georgia"/>
-                <a:ea typeface="+mn-ea"/>
-              </a:rPr>
-              <a:t>Outlier</a:t>
-            </a:r>
-            <a:r>
-              <a:rPr lang="tr-TR" sz="3200" dirty="0">
-                <a:solidFill>
-                  <a:srgbClr val="2B2D3D"/>
-                </a:solidFill>
-                <a:latin typeface="Georgia"/>
-                <a:ea typeface="+mn-ea"/>
-              </a:rPr>
-              <a:t> Analysis</a:t>
-            </a:r>
-          </a:p>
-        </p:txBody>
-      </p:sp>
-      <p:pic>
-        <p:nvPicPr>
-          <p:cNvPr id="10" name="object 10"/>
-          <p:cNvPicPr/>
-          <p:nvPr/>
-        </p:nvPicPr>
-        <p:blipFill>
-          <a:blip r:embed="rId2" cstate="print"/>
-          <a:stretch>
-            <a:fillRect/>
-          </a:stretch>
-        </p:blipFill>
-        <p:spPr>
-          <a:xfrm>
-            <a:off x="8064068" y="2902546"/>
-            <a:ext cx="1490319" cy="309016"/>
-          </a:xfrm>
-          <a:prstGeom prst="rect">
-            <a:avLst/>
-          </a:prstGeom>
-        </p:spPr>
-      </p:pic>
-      <p:pic>
-        <p:nvPicPr>
-          <p:cNvPr id="11" name="object 11"/>
-          <p:cNvPicPr/>
-          <p:nvPr/>
-        </p:nvPicPr>
-        <p:blipFill>
-          <a:blip r:embed="rId3" cstate="print"/>
-          <a:stretch>
-            <a:fillRect/>
-          </a:stretch>
-        </p:blipFill>
-        <p:spPr>
-          <a:xfrm>
-            <a:off x="4609693" y="3359746"/>
-            <a:ext cx="2256421" cy="309016"/>
-          </a:xfrm>
-          <a:prstGeom prst="rect">
-            <a:avLst/>
-          </a:prstGeom>
-        </p:spPr>
-      </p:pic>
-      <p:pic>
-        <p:nvPicPr>
-          <p:cNvPr id="12" name="object 12"/>
-          <p:cNvPicPr/>
-          <p:nvPr/>
-        </p:nvPicPr>
-        <p:blipFill>
-          <a:blip r:embed="rId4" cstate="print"/>
-          <a:stretch>
-            <a:fillRect/>
-          </a:stretch>
-        </p:blipFill>
-        <p:spPr>
-          <a:xfrm>
-            <a:off x="8376043" y="3816946"/>
-            <a:ext cx="1165517" cy="309016"/>
-          </a:xfrm>
-          <a:prstGeom prst="rect">
-            <a:avLst/>
-          </a:prstGeom>
-        </p:spPr>
-      </p:pic>
-      <p:pic>
-        <p:nvPicPr>
-          <p:cNvPr id="13" name="object 13"/>
-          <p:cNvPicPr/>
-          <p:nvPr/>
-        </p:nvPicPr>
-        <p:blipFill>
-          <a:blip r:embed="rId5" cstate="print"/>
-          <a:stretch>
-            <a:fillRect/>
-          </a:stretch>
-        </p:blipFill>
-        <p:spPr>
-          <a:xfrm>
-            <a:off x="4978336" y="4274146"/>
-            <a:ext cx="2102751" cy="396455"/>
-          </a:xfrm>
-          <a:prstGeom prst="rect">
-            <a:avLst/>
-          </a:prstGeom>
-        </p:spPr>
-      </p:pic>
-      <p:pic>
-        <p:nvPicPr>
-          <p:cNvPr id="14" name="object 14"/>
-          <p:cNvPicPr/>
-          <p:nvPr/>
-        </p:nvPicPr>
-        <p:blipFill>
-          <a:blip r:embed="rId6" cstate="print"/>
-          <a:stretch>
-            <a:fillRect/>
-          </a:stretch>
-        </p:blipFill>
-        <p:spPr>
-          <a:xfrm>
-            <a:off x="5085562" y="4729315"/>
-            <a:ext cx="4457776" cy="398856"/>
-          </a:xfrm>
-          <a:prstGeom prst="rect">
-            <a:avLst/>
-          </a:prstGeom>
-        </p:spPr>
-      </p:pic>
-      <p:pic>
-        <p:nvPicPr>
-          <p:cNvPr id="15" name="object 15"/>
-          <p:cNvPicPr/>
-          <p:nvPr/>
-        </p:nvPicPr>
-        <p:blipFill>
-          <a:blip r:embed="rId7" cstate="print"/>
-          <a:stretch>
-            <a:fillRect/>
-          </a:stretch>
-        </p:blipFill>
-        <p:spPr>
-          <a:xfrm>
-            <a:off x="7155434" y="5188546"/>
-            <a:ext cx="3091345" cy="309016"/>
-          </a:xfrm>
-          <a:prstGeom prst="rect">
-            <a:avLst/>
-          </a:prstGeom>
-        </p:spPr>
-      </p:pic>
-      <p:sp>
-        <p:nvSpPr>
-          <p:cNvPr id="17" name="object 17"/>
-          <p:cNvSpPr/>
-          <p:nvPr/>
-        </p:nvSpPr>
-        <p:spPr>
-          <a:xfrm>
-            <a:off x="8704617" y="1613282"/>
-            <a:ext cx="4048125" cy="95250"/>
-          </a:xfrm>
-          <a:custGeom>
-            <a:avLst/>
-            <a:gdLst/>
-            <a:ahLst/>
-            <a:cxnLst/>
-            <a:rect l="l" t="t" r="r" b="b"/>
-            <a:pathLst>
-              <a:path w="4048125" h="95250">
-                <a:moveTo>
-                  <a:pt x="4048125" y="0"/>
-                </a:moveTo>
-                <a:lnTo>
-                  <a:pt x="0" y="0"/>
-                </a:lnTo>
-                <a:lnTo>
-                  <a:pt x="0" y="95250"/>
-                </a:lnTo>
-                <a:lnTo>
-                  <a:pt x="4048125" y="95250"/>
-                </a:lnTo>
-                <a:lnTo>
-                  <a:pt x="4048125" y="0"/>
-                </a:lnTo>
-                <a:close/>
-              </a:path>
-            </a:pathLst>
-          </a:custGeom>
-          <a:solidFill>
-            <a:srgbClr val="70B1DA"/>
-          </a:solidFill>
-        </p:spPr>
-        <p:txBody>
-          <a:bodyPr wrap="square" lIns="0" tIns="0" rIns="0" bIns="0" rtlCol="0"/>
-          <a:lstStyle/>
-          <a:p>
-            <a:endParaRPr/>
-          </a:p>
-        </p:txBody>
-      </p:sp>
-      <p:pic>
-        <p:nvPicPr>
-          <p:cNvPr id="8" name="Picture 7">
-            <a:extLst>
-              <a:ext uri="{FF2B5EF4-FFF2-40B4-BE49-F238E27FC236}">
-                <a16:creationId xmlns:a16="http://schemas.microsoft.com/office/drawing/2014/main" id="{3EAF8BF9-A6F4-1F85-BCB5-1B5371C07DCA}"/>
-              </a:ext>
-            </a:extLst>
-          </p:cNvPr>
-          <p:cNvPicPr>
-            <a:picLocks noChangeAspect="1"/>
-          </p:cNvPicPr>
-          <p:nvPr/>
-        </p:nvPicPr>
-        <p:blipFill>
-          <a:blip r:embed="rId8"/>
-          <a:stretch>
-            <a:fillRect/>
-          </a:stretch>
-        </p:blipFill>
-        <p:spPr>
-          <a:xfrm>
-            <a:off x="747005" y="997143"/>
-            <a:ext cx="7102014" cy="3847512"/>
-          </a:xfrm>
-          <a:prstGeom prst="rect">
-            <a:avLst/>
-          </a:prstGeom>
-        </p:spPr>
-      </p:pic>
-      <p:pic>
-        <p:nvPicPr>
-          <p:cNvPr id="21" name="Picture 20">
-            <a:extLst>
-              <a:ext uri="{FF2B5EF4-FFF2-40B4-BE49-F238E27FC236}">
-                <a16:creationId xmlns:a16="http://schemas.microsoft.com/office/drawing/2014/main" id="{B2308846-3A76-CF41-D786-3F2873627575}"/>
-              </a:ext>
-            </a:extLst>
-          </p:cNvPr>
-          <p:cNvPicPr>
-            <a:picLocks noChangeAspect="1"/>
-          </p:cNvPicPr>
-          <p:nvPr/>
-        </p:nvPicPr>
-        <p:blipFill>
-          <a:blip r:embed="rId9"/>
-          <a:stretch>
-            <a:fillRect/>
-          </a:stretch>
-        </p:blipFill>
-        <p:spPr>
-          <a:xfrm>
-            <a:off x="8495626" y="2314587"/>
-            <a:ext cx="9582150" cy="7429500"/>
-          </a:xfrm>
-          <a:prstGeom prst="rect">
-            <a:avLst/>
-          </a:prstGeom>
-        </p:spPr>
-      </p:pic>
-      <p:pic>
-        <p:nvPicPr>
-          <p:cNvPr id="23" name="Picture 22">
-            <a:extLst>
-              <a:ext uri="{FF2B5EF4-FFF2-40B4-BE49-F238E27FC236}">
-                <a16:creationId xmlns:a16="http://schemas.microsoft.com/office/drawing/2014/main" id="{FF70547D-3C1A-1085-2BBC-241741CA00D9}"/>
-              </a:ext>
-            </a:extLst>
-          </p:cNvPr>
-          <p:cNvPicPr>
-            <a:picLocks noChangeAspect="1"/>
-          </p:cNvPicPr>
-          <p:nvPr/>
-        </p:nvPicPr>
-        <p:blipFill>
-          <a:blip r:embed="rId10"/>
-          <a:stretch>
-            <a:fillRect/>
-          </a:stretch>
-        </p:blipFill>
-        <p:spPr>
-          <a:xfrm>
-            <a:off x="1029118" y="5031244"/>
-            <a:ext cx="7046939" cy="4869737"/>
-          </a:xfrm>
-          <a:prstGeom prst="rect">
-            <a:avLst/>
-          </a:prstGeom>
-        </p:spPr>
-      </p:pic>
-    </p:spTree>
   </p:cSld>
   <p:clrMapOvr>
     <a:masterClrMapping/>
@@ -9937,7 +7175,7 @@
                 <a:avLst/>
               </a:prstGeom>
               <a:blipFill>
-                <a:blip r:embed="rId3"/>
+                <a:blip r:embed="rId2"/>
                 <a:stretch>
                   <a:fillRect l="-807" t="-1266"/>
                 </a:stretch>
@@ -10763,7 +8001,7 @@
           <p:nvPr/>
         </p:nvPicPr>
         <p:blipFill>
-          <a:blip r:embed="rId3"/>
+          <a:blip r:embed="rId2"/>
           <a:stretch>
             <a:fillRect/>
           </a:stretch>
@@ -10793,7 +8031,7 @@
           <p:nvPr/>
         </p:nvPicPr>
         <p:blipFill>
-          <a:blip r:embed="rId4"/>
+          <a:blip r:embed="rId3"/>
           <a:stretch>
             <a:fillRect/>
           </a:stretch>
@@ -10837,26 +8075,6 @@
           <a:lstStyle/>
           <a:p>
             <a:r>
-              <a:rPr lang="tr-TR" sz="2000" dirty="0">
-                <a:solidFill>
-                  <a:srgbClr val="2B2D3D"/>
-                </a:solidFill>
-                <a:latin typeface="Georgia"/>
-                <a:cs typeface="+mj-cs"/>
-              </a:rPr>
-              <a:t>y</a:t>
-            </a:r>
-            <a:r>
-              <a:rPr lang="it-IT" sz="2000" dirty="0">
-                <a:solidFill>
-                  <a:srgbClr val="2B2D3D"/>
-                </a:solidFill>
-                <a:latin typeface="Georgia"/>
-                <a:cs typeface="+mj-cs"/>
-              </a:rPr>
-              <a:t>.</a:t>
-            </a:r>
-            <a:r>
               <a:rPr lang="tr-TR" sz="2000" dirty="0" err="1">
                 <a:solidFill>
                   <a:srgbClr val="2B2D3D"/>
@@ -10864,7 +8082,7 @@
                 <a:latin typeface="Georgia"/>
                 <a:cs typeface="+mj-cs"/>
               </a:rPr>
-              <a:t>train</a:t>
+              <a:t>y_train</a:t>
             </a:r>
             <a:endParaRPr lang="en-US" sz="2000" dirty="0">
               <a:solidFill>
@@ -10905,34 +8123,14 @@
           <a:lstStyle/>
           <a:p>
             <a:r>
-              <a:rPr lang="tr-TR" sz="2000" dirty="0">
-                <a:solidFill>
-                  <a:srgbClr val="2B2D3D"/>
-                </a:solidFill>
-                <a:latin typeface="Georgia"/>
-                <a:cs typeface="+mj-cs"/>
-              </a:rPr>
-              <a:t>y</a:t>
-            </a:r>
-            <a:r>
-              <a:rPr lang="it-IT" sz="2000" dirty="0">
-                <a:solidFill>
-                  <a:srgbClr val="2B2D3D"/>
-                </a:solidFill>
-                <a:latin typeface="Georgia"/>
-                <a:cs typeface="+mj-cs"/>
-              </a:rPr>
-              <a:t>.</a:t>
-            </a:r>
-            <a:r>
-              <a:rPr lang="tr-TR" sz="2000" dirty="0">
-                <a:solidFill>
-                  <a:srgbClr val="2B2D3D"/>
-                </a:solidFill>
-                <a:latin typeface="Georgia"/>
-                <a:cs typeface="+mj-cs"/>
-              </a:rPr>
-              <a:t>test</a:t>
+              <a:rPr lang="tr-TR" sz="2000" dirty="0" err="1">
+                <a:solidFill>
+                  <a:srgbClr val="2B2D3D"/>
+                </a:solidFill>
+                <a:latin typeface="Georgia"/>
+                <a:cs typeface="+mj-cs"/>
+              </a:rPr>
+              <a:t>y_test</a:t>
             </a:r>
             <a:endParaRPr lang="en-US" sz="2000" dirty="0">
               <a:solidFill>
@@ -10988,15 +8186,16 @@
           </p:cNvPicPr>
           <p:nvPr/>
         </p:nvPicPr>
-        <p:blipFill rotWithShape="1">
-          <a:blip r:embed="rId3"/>
-          <a:srcRect b="5472"/>
-          <a:stretch/>
+        <p:blipFill>
+          <a:blip r:embed="rId2"/>
+          <a:stretch>
+            <a:fillRect/>
+          </a:stretch>
         </p:blipFill>
         <p:spPr>
           <a:xfrm>
-            <a:off x="7152878" y="1831689"/>
-            <a:ext cx="10212302" cy="8343711"/>
+            <a:off x="8468084" y="2297273"/>
+            <a:ext cx="9004114" cy="7782454"/>
           </a:xfrm>
           <a:prstGeom prst="rect">
             <a:avLst/>
@@ -11352,7 +8551,7 @@
         </p:nvSpPr>
         <p:spPr>
           <a:xfrm>
-            <a:off x="465584" y="2297273"/>
+            <a:off x="1235018" y="3168650"/>
             <a:ext cx="6505632" cy="2431435"/>
           </a:xfrm>
           <a:prstGeom prst="rect">
@@ -11432,7 +8631,7 @@
         </p:nvSpPr>
         <p:spPr>
           <a:xfrm>
-            <a:off x="3615928" y="9446743"/>
+            <a:off x="4978336" y="9416587"/>
             <a:ext cx="3505200" cy="461665"/>
           </a:xfrm>
           <a:prstGeom prst="rect">
@@ -11456,168 +8655,6 @@
               </a:rPr>
               <a:t>Basic Logistic Classifier</a:t>
             </a:r>
-          </a:p>
-        </p:txBody>
-      </p:sp>
-      <p:sp>
-        <p:nvSpPr>
-          <p:cNvPr id="12" name="Rectangle 11">
-            <a:extLst>
-              <a:ext uri="{FF2B5EF4-FFF2-40B4-BE49-F238E27FC236}">
-                <a16:creationId xmlns:a16="http://schemas.microsoft.com/office/drawing/2014/main" id="{5795ED87-E963-9FF6-94D2-43D3C3194C70}"/>
-              </a:ext>
-            </a:extLst>
-          </p:cNvPr>
-          <p:cNvSpPr/>
-          <p:nvPr/>
-        </p:nvSpPr>
-        <p:spPr>
-          <a:xfrm>
-            <a:off x="7152878" y="3602483"/>
-            <a:ext cx="7910775" cy="1010317"/>
-          </a:xfrm>
-          <a:prstGeom prst="rect">
-            <a:avLst/>
-          </a:prstGeom>
-          <a:solidFill>
-            <a:schemeClr val="accent1">
-              <a:lumMod val="40000"/>
-              <a:lumOff val="60000"/>
-              <a:alpha val="30196"/>
-            </a:schemeClr>
-          </a:solidFill>
-          <a:ln>
-            <a:noFill/>
-          </a:ln>
-        </p:spPr>
-        <p:style>
-          <a:lnRef idx="0">
-            <a:scrgbClr r="0" g="0" b="0"/>
-          </a:lnRef>
-          <a:fillRef idx="0">
-            <a:scrgbClr r="0" g="0" b="0"/>
-          </a:fillRef>
-          <a:effectRef idx="0">
-            <a:scrgbClr r="0" g="0" b="0"/>
-          </a:effectRef>
-          <a:fontRef idx="minor">
-            <a:schemeClr val="lt1"/>
-          </a:fontRef>
-        </p:style>
-        <p:txBody>
-          <a:bodyPr rtlCol="0" anchor="ctr"/>
-          <a:lstStyle/>
-          <a:p>
-            <a:pPr algn="ctr"/>
-            <a:endParaRPr lang="en-US"/>
-          </a:p>
-        </p:txBody>
-      </p:sp>
-      <p:sp>
-        <p:nvSpPr>
-          <p:cNvPr id="13" name="Rectangle 12">
-            <a:extLst>
-              <a:ext uri="{FF2B5EF4-FFF2-40B4-BE49-F238E27FC236}">
-                <a16:creationId xmlns:a16="http://schemas.microsoft.com/office/drawing/2014/main" id="{5F9A97CD-13D1-D306-F280-A3E2C26B89F6}"/>
-              </a:ext>
-            </a:extLst>
-          </p:cNvPr>
-          <p:cNvSpPr/>
-          <p:nvPr/>
-        </p:nvSpPr>
-        <p:spPr>
-          <a:xfrm>
-            <a:off x="7152878" y="5793937"/>
-            <a:ext cx="7910775" cy="589657"/>
-          </a:xfrm>
-          <a:prstGeom prst="rect">
-            <a:avLst/>
-          </a:prstGeom>
-          <a:solidFill>
-            <a:schemeClr val="accent1">
-              <a:lumMod val="40000"/>
-              <a:lumOff val="60000"/>
-              <a:alpha val="30196"/>
-            </a:schemeClr>
-          </a:solidFill>
-          <a:ln>
-            <a:noFill/>
-          </a:ln>
-        </p:spPr>
-        <p:style>
-          <a:lnRef idx="0">
-            <a:scrgbClr r="0" g="0" b="0"/>
-          </a:lnRef>
-          <a:fillRef idx="0">
-            <a:scrgbClr r="0" g="0" b="0"/>
-          </a:fillRef>
-          <a:effectRef idx="0">
-            <a:scrgbClr r="0" g="0" b="0"/>
-          </a:effectRef>
-          <a:fontRef idx="minor">
-            <a:schemeClr val="lt1"/>
-          </a:fontRef>
-        </p:style>
-        <p:txBody>
-          <a:bodyPr rtlCol="0" anchor="ctr"/>
-          <a:lstStyle/>
-          <a:p>
-            <a:pPr algn="ctr"/>
-            <a:endParaRPr lang="en-US"/>
-          </a:p>
-        </p:txBody>
-      </p:sp>
-      <p:sp>
-        <p:nvSpPr>
-          <p:cNvPr id="14" name="Rectangle 13">
-            <a:extLst>
-              <a:ext uri="{FF2B5EF4-FFF2-40B4-BE49-F238E27FC236}">
-                <a16:creationId xmlns:a16="http://schemas.microsoft.com/office/drawing/2014/main" id="{1D4AD6BA-8AEE-3D5F-31DE-4A626EE8D7A5}"/>
-              </a:ext>
-            </a:extLst>
-          </p:cNvPr>
-          <p:cNvSpPr/>
-          <p:nvPr/>
-        </p:nvSpPr>
-        <p:spPr>
-          <a:xfrm>
-            <a:off x="7152878" y="8382872"/>
-            <a:ext cx="7910775" cy="230240"/>
-          </a:xfrm>
-          <a:prstGeom prst="rect">
-            <a:avLst/>
-          </a:prstGeom>
-          <a:solidFill>
-            <a:schemeClr val="accent1">
-              <a:lumMod val="40000"/>
-              <a:lumOff val="60000"/>
-              <a:alpha val="30196"/>
-            </a:schemeClr>
-          </a:solidFill>
-          <a:ln>
-            <a:noFill/>
-          </a:ln>
-        </p:spPr>
-        <p:style>
-          <a:lnRef idx="0">
-            <a:scrgbClr r="0" g="0" b="0"/>
-          </a:lnRef>
-          <a:fillRef idx="0">
-            <a:scrgbClr r="0" g="0" b="0"/>
-          </a:fillRef>
-          <a:effectRef idx="0">
-            <a:scrgbClr r="0" g="0" b="0"/>
-          </a:effectRef>
-          <a:fontRef idx="minor">
-            <a:schemeClr val="lt1"/>
-          </a:fontRef>
-        </p:style>
-        <p:txBody>
-          <a:bodyPr rtlCol="0" anchor="ctr"/>
-          <a:lstStyle/>
-          <a:p>
-            <a:pPr algn="ctr"/>
-            <a:endParaRPr lang="en-US"/>
           </a:p>
         </p:txBody>
       </p:sp>
@@ -12370,8 +9407,8 @@
         </p:nvSpPr>
         <p:spPr>
           <a:xfrm>
-            <a:off x="10809758" y="7282633"/>
-            <a:ext cx="7027392" cy="1631216"/>
+            <a:off x="4900614" y="8637874"/>
+            <a:ext cx="12192000" cy="1015663"/>
           </a:xfrm>
           <a:prstGeom prst="rect">
             <a:avLst/>
@@ -12421,6 +9458,36 @@
           <p:nvPr/>
         </p:nvPicPr>
         <p:blipFill>
+          <a:blip r:embed="rId2"/>
+          <a:stretch>
+            <a:fillRect/>
+          </a:stretch>
+        </p:blipFill>
+        <p:spPr>
+          <a:xfrm>
+            <a:off x="3740150" y="1541318"/>
+            <a:ext cx="6259983" cy="6462790"/>
+          </a:xfrm>
+          <a:prstGeom prst="rect">
+            <a:avLst/>
+          </a:prstGeom>
+        </p:spPr>
+      </p:pic>
+      <p:pic>
+        <p:nvPicPr>
+          <p:cNvPr id="7" name="Picture 6">
+            <a:extLst>
+              <a:ext uri="{FF2B5EF4-FFF2-40B4-BE49-F238E27FC236}">
+                <a16:creationId xmlns:a16="http://schemas.microsoft.com/office/drawing/2014/main" id="{8EEEBCCC-EAA2-98CD-82FE-5AB2F3112170}"/>
+              </a:ext>
+            </a:extLst>
+          </p:cNvPr>
+          <p:cNvPicPr>
+            <a:picLocks noChangeAspect="1"/>
+          </p:cNvPicPr>
+          <p:nvPr/>
+        </p:nvPicPr>
+        <p:blipFill>
           <a:blip r:embed="rId3"/>
           <a:stretch>
             <a:fillRect/>
@@ -12428,68 +9495,14 @@
         </p:blipFill>
         <p:spPr>
           <a:xfrm>
-            <a:off x="3358328" y="1554884"/>
-            <a:ext cx="7163622" cy="7395704"/>
+            <a:off x="10521950" y="3149693"/>
+            <a:ext cx="6979866" cy="3396773"/>
           </a:xfrm>
           <a:prstGeom prst="rect">
             <a:avLst/>
           </a:prstGeom>
         </p:spPr>
       </p:pic>
-      <p:sp>
-        <p:nvSpPr>
-          <p:cNvPr id="2" name="Rectangle 1">
-            <a:extLst>
-              <a:ext uri="{FF2B5EF4-FFF2-40B4-BE49-F238E27FC236}">
-                <a16:creationId xmlns:a16="http://schemas.microsoft.com/office/drawing/2014/main" id="{CB1E84BA-67BD-302A-F124-B9596322CE24}"/>
-              </a:ext>
-            </a:extLst>
-          </p:cNvPr>
-          <p:cNvSpPr/>
-          <p:nvPr/>
-        </p:nvSpPr>
-        <p:spPr>
-          <a:xfrm>
-            <a:off x="3549239" y="2254250"/>
-            <a:ext cx="6781800" cy="2057400"/>
-          </a:xfrm>
-          <a:prstGeom prst="rect">
-            <a:avLst/>
-          </a:prstGeom>
-          <a:solidFill>
-            <a:schemeClr val="accent1">
-              <a:lumMod val="40000"/>
-              <a:lumOff val="60000"/>
-              <a:alpha val="30196"/>
-            </a:schemeClr>
-          </a:solidFill>
-          <a:ln>
-            <a:noFill/>
-          </a:ln>
-        </p:spPr>
-        <p:style>
-          <a:lnRef idx="0">
-            <a:scrgbClr r="0" g="0" b="0"/>
-          </a:lnRef>
-          <a:fillRef idx="0">
-            <a:scrgbClr r="0" g="0" b="0"/>
-          </a:fillRef>
-          <a:effectRef idx="0">
-            <a:scrgbClr r="0" g="0" b="0"/>
-          </a:effectRef>
-          <a:fontRef idx="minor">
-            <a:schemeClr val="lt1"/>
-          </a:fontRef>
-        </p:style>
-        <p:txBody>
-          <a:bodyPr rtlCol="0" anchor="ctr"/>
-          <a:lstStyle/>
-          <a:p>
-            <a:pPr algn="ctr"/>
-            <a:endParaRPr lang="en-US"/>
-          </a:p>
-        </p:txBody>
-      </p:sp>
     </p:spTree>
     <p:extLst>
       <p:ext uri="{BB962C8B-B14F-4D97-AF65-F5344CB8AC3E}">
@@ -12652,8 +9665,8 @@
         </p:nvSpPr>
         <p:spPr>
           <a:xfrm>
-            <a:off x="1077597" y="7969250"/>
-            <a:ext cx="7797080" cy="830997"/>
+            <a:off x="972270" y="8694851"/>
+            <a:ext cx="9150350" cy="830997"/>
           </a:xfrm>
           <a:prstGeom prst="rect">
             <a:avLst/>
@@ -12817,7 +9830,7 @@
           <p:nvPr/>
         </p:nvPicPr>
         <p:blipFill>
-          <a:blip r:embed="rId3"/>
+          <a:blip r:embed="rId2"/>
           <a:stretch>
             <a:fillRect/>
           </a:stretch>
@@ -12847,15 +9860,15 @@
           <p:nvPr/>
         </p:nvPicPr>
         <p:blipFill>
-          <a:blip r:embed="rId4"/>
+          <a:blip r:embed="rId3"/>
           <a:stretch>
             <a:fillRect/>
           </a:stretch>
         </p:blipFill>
         <p:spPr>
           <a:xfrm>
-            <a:off x="9836150" y="2330450"/>
-            <a:ext cx="8229600" cy="6741897"/>
+            <a:off x="10064750" y="2025649"/>
+            <a:ext cx="7162800" cy="5867947"/>
           </a:xfrm>
           <a:prstGeom prst="rect">
             <a:avLst/>
@@ -13239,7 +10252,7 @@
           <p:nvPr/>
         </p:nvPicPr>
         <p:blipFill>
-          <a:blip r:embed="rId3"/>
+          <a:blip r:embed="rId2"/>
           <a:stretch>
             <a:fillRect/>
           </a:stretch>
@@ -13827,7 +10840,7 @@
                 <a:latin typeface="Georgia"/>
                 <a:cs typeface="+mj-cs"/>
               </a:rPr>
-              <a:t> 23 </a:t>
+              <a:t> 22 </a:t>
             </a:r>
             <a:r>
               <a:rPr lang="tr-TR" dirty="0" err="1">
@@ -14432,7 +11445,7 @@
           <p:nvPr/>
         </p:nvPicPr>
         <p:blipFill>
-          <a:blip r:embed="rId3"/>
+          <a:blip r:embed="rId2"/>
           <a:stretch>
             <a:fillRect/>
           </a:stretch>
@@ -14491,15 +11504,16 @@
           </p:cNvPicPr>
           <p:nvPr/>
         </p:nvPicPr>
-        <p:blipFill rotWithShape="1">
+        <p:blipFill>
           <a:blip r:embed="rId3"/>
-          <a:srcRect l="16704" t="6666" r="17290"/>
-          <a:stretch/>
+          <a:stretch>
+            <a:fillRect/>
+          </a:stretch>
         </p:blipFill>
         <p:spPr>
           <a:xfrm>
-            <a:off x="2698617" y="1699293"/>
-            <a:ext cx="4974132" cy="4809657"/>
+            <a:off x="4091504" y="1735047"/>
+            <a:ext cx="9056633" cy="6193056"/>
           </a:xfrm>
           <a:prstGeom prst="rect">
             <a:avLst/>
@@ -14753,7 +11767,7 @@
         </p:nvSpPr>
         <p:spPr>
           <a:xfrm>
-            <a:off x="7047253" y="1114518"/>
+            <a:off x="6635750" y="717291"/>
             <a:ext cx="7543800" cy="584775"/>
           </a:xfrm>
           <a:prstGeom prst="rect">
@@ -14859,7 +11873,7 @@
         </p:nvSpPr>
         <p:spPr>
           <a:xfrm>
-            <a:off x="9511515" y="1775661"/>
+            <a:off x="9100012" y="1378434"/>
             <a:ext cx="4048125" cy="95250"/>
           </a:xfrm>
           <a:custGeom>
@@ -14901,130 +11915,12 @@
           </a:p>
         </p:txBody>
       </p:sp>
-      <p:pic>
-        <p:nvPicPr>
-          <p:cNvPr id="5" name="Picture 4">
+      <p:sp>
+        <p:nvSpPr>
+          <p:cNvPr id="20" name="TextBox 19">
             <a:extLst>
               <a:ext uri="{FF2B5EF4-FFF2-40B4-BE49-F238E27FC236}">
-                <a16:creationId xmlns:a16="http://schemas.microsoft.com/office/drawing/2014/main" id="{F84E18CD-058B-D179-75E8-6458C3035247}"/>
-              </a:ext>
-            </a:extLst>
-          </p:cNvPr>
-          <p:cNvPicPr>
-            <a:picLocks noChangeAspect="1"/>
-          </p:cNvPicPr>
-          <p:nvPr/>
-        </p:nvPicPr>
-        <p:blipFill rotWithShape="1">
-          <a:blip r:embed="rId4"/>
-          <a:srcRect t="37751"/>
-          <a:stretch/>
-        </p:blipFill>
-        <p:spPr>
-          <a:xfrm>
-            <a:off x="9253919" y="4681562"/>
-            <a:ext cx="5522351" cy="1150789"/>
-          </a:xfrm>
-          <a:prstGeom prst="rect">
-            <a:avLst/>
-          </a:prstGeom>
-        </p:spPr>
-      </p:pic>
-      <p:pic>
-        <p:nvPicPr>
-          <p:cNvPr id="8" name="Picture 7">
-            <a:extLst>
-              <a:ext uri="{FF2B5EF4-FFF2-40B4-BE49-F238E27FC236}">
-                <a16:creationId xmlns:a16="http://schemas.microsoft.com/office/drawing/2014/main" id="{C59C15E4-7E3C-F717-7D7E-F1C4BA8BB9CB}"/>
-              </a:ext>
-            </a:extLst>
-          </p:cNvPr>
-          <p:cNvPicPr>
-            <a:picLocks noChangeAspect="1"/>
-          </p:cNvPicPr>
-          <p:nvPr/>
-        </p:nvPicPr>
-        <p:blipFill>
-          <a:blip r:embed="rId5"/>
-          <a:stretch>
-            <a:fillRect/>
-          </a:stretch>
-        </p:blipFill>
-        <p:spPr>
-          <a:xfrm>
-            <a:off x="3549997" y="6643764"/>
-            <a:ext cx="5696109" cy="2981011"/>
-          </a:xfrm>
-          <a:prstGeom prst="rect">
-            <a:avLst/>
-          </a:prstGeom>
-        </p:spPr>
-      </p:pic>
-      <p:pic>
-        <p:nvPicPr>
-          <p:cNvPr id="9" name="Picture 8">
-            <a:extLst>
-              <a:ext uri="{FF2B5EF4-FFF2-40B4-BE49-F238E27FC236}">
-                <a16:creationId xmlns:a16="http://schemas.microsoft.com/office/drawing/2014/main" id="{3F795AA3-81F1-F783-A5FE-40A740BAA21E}"/>
-              </a:ext>
-            </a:extLst>
-          </p:cNvPr>
-          <p:cNvPicPr>
-            <a:picLocks noChangeAspect="1"/>
-          </p:cNvPicPr>
-          <p:nvPr/>
-        </p:nvPicPr>
-        <p:blipFill>
-          <a:blip r:embed="rId6"/>
-          <a:stretch>
-            <a:fillRect/>
-          </a:stretch>
-        </p:blipFill>
-        <p:spPr>
-          <a:xfrm>
-            <a:off x="9025972" y="6560352"/>
-            <a:ext cx="5565081" cy="3064423"/>
-          </a:xfrm>
-          <a:prstGeom prst="rect">
-            <a:avLst/>
-          </a:prstGeom>
-        </p:spPr>
-      </p:pic>
-      <p:pic>
-        <p:nvPicPr>
-          <p:cNvPr id="10" name="Picture 9">
-            <a:extLst>
-              <a:ext uri="{FF2B5EF4-FFF2-40B4-BE49-F238E27FC236}">
-                <a16:creationId xmlns:a16="http://schemas.microsoft.com/office/drawing/2014/main" id="{55B7994E-296B-DBBE-10BC-1E3065317753}"/>
-              </a:ext>
-            </a:extLst>
-          </p:cNvPr>
-          <p:cNvPicPr>
-            <a:picLocks noChangeAspect="1"/>
-          </p:cNvPicPr>
-          <p:nvPr/>
-        </p:nvPicPr>
-        <p:blipFill rotWithShape="1">
-          <a:blip r:embed="rId7"/>
-          <a:srcRect l="3316" r="2999" b="16997"/>
-          <a:stretch/>
-        </p:blipFill>
-        <p:spPr>
-          <a:xfrm>
-            <a:off x="9299740" y="2783096"/>
-            <a:ext cx="5476532" cy="1965096"/>
-          </a:xfrm>
-          <a:prstGeom prst="rect">
-            <a:avLst/>
-          </a:prstGeom>
-        </p:spPr>
-      </p:pic>
-      <p:sp>
-        <p:nvSpPr>
-          <p:cNvPr id="11" name="TextBox 10">
-            <a:extLst>
-              <a:ext uri="{FF2B5EF4-FFF2-40B4-BE49-F238E27FC236}">
-                <a16:creationId xmlns:a16="http://schemas.microsoft.com/office/drawing/2014/main" id="{4962A022-FBEC-B813-0EDF-D171C5AEAB32}"/>
+                <a16:creationId xmlns:a16="http://schemas.microsoft.com/office/drawing/2014/main" id="{49EBE1F7-E095-01C4-2C7A-3AF738321340}"/>
               </a:ext>
             </a:extLst>
           </p:cNvPr>
@@ -15033,8 +11929,8 @@
         </p:nvSpPr>
         <p:spPr>
           <a:xfrm>
-            <a:off x="10762286" y="5762553"/>
-            <a:ext cx="3105415" cy="338554"/>
+            <a:off x="751632" y="8189466"/>
+            <a:ext cx="12573000" cy="1703864"/>
           </a:xfrm>
           <a:prstGeom prst="rect">
             <a:avLst/>
@@ -15047,38 +11943,23 @@
           </a:bodyPr>
           <a:lstStyle/>
           <a:p>
-            <a:r>
-              <a:rPr lang="tr-TR" sz="1600" dirty="0" err="1">
-                <a:solidFill>
-                  <a:srgbClr val="2B2D3D"/>
-                </a:solidFill>
-                <a:latin typeface="Georgia"/>
-                <a:cs typeface="+mj-cs"/>
-              </a:rPr>
-              <a:t>Elastic</a:t>
-            </a:r>
-            <a:r>
-              <a:rPr lang="tr-TR" sz="1600" dirty="0">
-                <a:solidFill>
-                  <a:srgbClr val="2B2D3D"/>
-                </a:solidFill>
-                <a:latin typeface="Georgia"/>
-                <a:cs typeface="+mj-cs"/>
-              </a:rPr>
-              <a:t> Net </a:t>
-            </a:r>
-            <a:r>
-              <a:rPr lang="tr-TR" sz="1600" dirty="0" err="1">
-                <a:solidFill>
-                  <a:srgbClr val="2B2D3D"/>
-                </a:solidFill>
-                <a:latin typeface="Georgia"/>
-                <a:cs typeface="+mj-cs"/>
-              </a:rPr>
-              <a:t>Shrinkage</a:t>
-            </a:r>
-            <a:r>
-              <a:rPr lang="tr-TR" sz="1600" dirty="0">
+            <a:pPr fontAlgn="base">
+              <a:lnSpc>
+                <a:spcPct val="150000"/>
+              </a:lnSpc>
+            </a:pPr>
+            <a:r>
+              <a:rPr lang="en-US" sz="1800" dirty="0">
+                <a:solidFill>
+                  <a:srgbClr val="2B2D3D"/>
+                </a:solidFill>
+                <a:latin typeface="Georgia"/>
+                <a:cs typeface="+mj-cs"/>
+              </a:rPr>
+              <a:t>The ROC curve is a tool for assessing the performance of binary</a:t>
+            </a:r>
+            <a:r>
+              <a:rPr lang="tr-TR" sz="1800" dirty="0">
                 <a:solidFill>
                   <a:srgbClr val="2B2D3D"/>
                 </a:solidFill>
@@ -15088,16 +11969,16 @@
               <a:t> </a:t>
             </a:r>
             <a:r>
-              <a:rPr lang="tr-TR" sz="1600" dirty="0" err="1">
-                <a:solidFill>
-                  <a:srgbClr val="2B2D3D"/>
-                </a:solidFill>
-                <a:latin typeface="Georgia"/>
-                <a:cs typeface="+mj-cs"/>
-              </a:rPr>
-              <a:t>Method</a:t>
-            </a:r>
-            <a:endParaRPr lang="tr-TR" sz="1600" dirty="0">
+              <a:rPr lang="en-US" sz="1800" dirty="0">
+                <a:solidFill>
+                  <a:srgbClr val="2B2D3D"/>
+                </a:solidFill>
+                <a:latin typeface="Georgia"/>
+                <a:cs typeface="+mj-cs"/>
+              </a:rPr>
+              <a:t>classification models, plotting true positive rate against false positive rate at various thresholds. </a:t>
+            </a:r>
+            <a:endParaRPr lang="tr-TR" sz="1800" dirty="0">
               <a:solidFill>
                 <a:srgbClr val="2B2D3D"/>
               </a:solidFill>
@@ -15105,58 +11986,24 @@
               <a:cs typeface="+mj-cs"/>
             </a:endParaRPr>
           </a:p>
-        </p:txBody>
-      </p:sp>
-      <p:sp>
-        <p:nvSpPr>
-          <p:cNvPr id="12" name="TextBox 11">
-            <a:extLst>
-              <a:ext uri="{FF2B5EF4-FFF2-40B4-BE49-F238E27FC236}">
-                <a16:creationId xmlns:a16="http://schemas.microsoft.com/office/drawing/2014/main" id="{8D4E3ADE-0B42-2C2B-27E9-C72ED1D79DB6}"/>
-              </a:ext>
-            </a:extLst>
-          </p:cNvPr>
-          <p:cNvSpPr txBox="1"/>
-          <p:nvPr/>
-        </p:nvSpPr>
-        <p:spPr>
-          <a:xfrm>
-            <a:off x="5251664" y="9429748"/>
-            <a:ext cx="2639841" cy="338554"/>
-          </a:xfrm>
-          <a:prstGeom prst="rect">
-            <a:avLst/>
-          </a:prstGeom>
-          <a:noFill/>
-        </p:spPr>
-        <p:txBody>
-          <a:bodyPr wrap="square">
-            <a:spAutoFit/>
-          </a:bodyPr>
-          <a:lstStyle/>
-          <a:p>
-            <a:r>
-              <a:rPr lang="tr-TR" sz="1600" dirty="0">
-                <a:solidFill>
-                  <a:srgbClr val="2B2D3D"/>
-                </a:solidFill>
-                <a:latin typeface="Georgia"/>
-                <a:cs typeface="+mj-cs"/>
-              </a:rPr>
-              <a:t>Basic </a:t>
-            </a:r>
-            <a:r>
-              <a:rPr lang="tr-TR" sz="1600" dirty="0" err="1">
-                <a:solidFill>
-                  <a:srgbClr val="2B2D3D"/>
-                </a:solidFill>
-                <a:latin typeface="Georgia"/>
-                <a:cs typeface="+mj-cs"/>
-              </a:rPr>
-              <a:t>Logistic</a:t>
-            </a:r>
-            <a:r>
-              <a:rPr lang="tr-TR" sz="1600" dirty="0">
+          <a:p>
+            <a:pPr fontAlgn="base">
+              <a:lnSpc>
+                <a:spcPct val="150000"/>
+              </a:lnSpc>
+            </a:pPr>
+            <a:r>
+              <a:rPr lang="en-US" sz="1800" dirty="0">
+                <a:solidFill>
+                  <a:srgbClr val="2B2D3D"/>
+                </a:solidFill>
+                <a:latin typeface="Georgia"/>
+                <a:cs typeface="+mj-cs"/>
+              </a:rPr>
+              <a:t>The Area Under the Curve (AUC)</a:t>
+            </a:r>
+            <a:r>
+              <a:rPr lang="tr-TR" sz="1800" dirty="0">
                 <a:solidFill>
                   <a:srgbClr val="2B2D3D"/>
                 </a:solidFill>
@@ -15166,65 +12013,17 @@
               <a:t> </a:t>
             </a:r>
             <a:r>
-              <a:rPr lang="tr-TR" sz="1600" dirty="0" err="1">
-                <a:solidFill>
-                  <a:srgbClr val="2B2D3D"/>
-                </a:solidFill>
-                <a:latin typeface="Georgia"/>
-                <a:cs typeface="+mj-cs"/>
-              </a:rPr>
-              <a:t>Classifier</a:t>
-            </a:r>
-            <a:endParaRPr lang="tr-TR" sz="1600" dirty="0">
-              <a:solidFill>
-                <a:srgbClr val="2B2D3D"/>
-              </a:solidFill>
-              <a:latin typeface="Georgia"/>
-              <a:cs typeface="+mj-cs"/>
-            </a:endParaRPr>
-          </a:p>
-        </p:txBody>
-      </p:sp>
-      <p:sp>
-        <p:nvSpPr>
-          <p:cNvPr id="13" name="TextBox 12">
-            <a:extLst>
-              <a:ext uri="{FF2B5EF4-FFF2-40B4-BE49-F238E27FC236}">
-                <a16:creationId xmlns:a16="http://schemas.microsoft.com/office/drawing/2014/main" id="{1BE3DA93-3D1F-A5C5-0926-16F09D918E12}"/>
-              </a:ext>
-            </a:extLst>
-          </p:cNvPr>
-          <p:cNvSpPr txBox="1"/>
-          <p:nvPr/>
-        </p:nvSpPr>
-        <p:spPr>
-          <a:xfrm>
-            <a:off x="10030886" y="9382876"/>
-            <a:ext cx="3555252" cy="584775"/>
-          </a:xfrm>
-          <a:prstGeom prst="rect">
-            <a:avLst/>
-          </a:prstGeom>
-          <a:noFill/>
-        </p:spPr>
-        <p:txBody>
-          <a:bodyPr wrap="square">
-            <a:spAutoFit/>
-          </a:bodyPr>
-          <a:lstStyle/>
-          <a:p>
-            <a:r>
-              <a:rPr lang="tr-TR" sz="1600" dirty="0" err="1">
-                <a:solidFill>
-                  <a:srgbClr val="2B2D3D"/>
-                </a:solidFill>
-                <a:latin typeface="Georgia"/>
-                <a:cs typeface="+mj-cs"/>
-              </a:rPr>
-              <a:t>Feature</a:t>
-            </a:r>
-            <a:r>
-              <a:rPr lang="tr-TR" sz="1600" dirty="0">
+              <a:rPr lang="en-US" sz="1800" dirty="0">
+                <a:solidFill>
+                  <a:srgbClr val="2B2D3D"/>
+                </a:solidFill>
+                <a:latin typeface="Georgia"/>
+                <a:cs typeface="+mj-cs"/>
+              </a:rPr>
+              <a:t>provides a measure</a:t>
+            </a:r>
+            <a:r>
+              <a:rPr lang="tr-TR" sz="1800" dirty="0">
                 <a:solidFill>
                   <a:srgbClr val="2B2D3D"/>
                 </a:solidFill>
@@ -15234,17 +12033,17 @@
               <a:t> </a:t>
             </a:r>
             <a:r>
-              <a:rPr lang="tr-TR" sz="1600" dirty="0" err="1">
-                <a:solidFill>
-                  <a:srgbClr val="2B2D3D"/>
-                </a:solidFill>
-                <a:latin typeface="Georgia"/>
-                <a:cs typeface="+mj-cs"/>
-              </a:rPr>
-              <a:t>Selection</a:t>
-            </a:r>
-            <a:r>
-              <a:rPr lang="tr-TR" sz="1600" dirty="0">
+              <a:rPr lang="en-US" sz="1800" dirty="0">
+                <a:solidFill>
+                  <a:srgbClr val="2B2D3D"/>
+                </a:solidFill>
+                <a:latin typeface="Georgia"/>
+                <a:cs typeface="+mj-cs"/>
+              </a:rPr>
+              <a:t>of</a:t>
+            </a:r>
+            <a:r>
+              <a:rPr lang="tr-TR" sz="1800" dirty="0">
                 <a:solidFill>
                   <a:srgbClr val="2B2D3D"/>
                 </a:solidFill>
@@ -15254,17 +12053,17 @@
               <a:t> </a:t>
             </a:r>
             <a:r>
-              <a:rPr lang="tr-TR" sz="1600" dirty="0" err="1">
-                <a:solidFill>
-                  <a:srgbClr val="2B2D3D"/>
-                </a:solidFill>
-                <a:latin typeface="Georgia"/>
-                <a:cs typeface="+mj-cs"/>
-              </a:rPr>
-              <a:t>with</a:t>
-            </a:r>
-            <a:r>
-              <a:rPr lang="tr-TR" sz="1600" dirty="0">
+              <a:rPr lang="en-US" sz="1800" dirty="0">
+                <a:solidFill>
+                  <a:srgbClr val="2B2D3D"/>
+                </a:solidFill>
+                <a:latin typeface="Georgia"/>
+                <a:cs typeface="+mj-cs"/>
+              </a:rPr>
+              <a:t>the</a:t>
+            </a:r>
+            <a:r>
+              <a:rPr lang="tr-TR" sz="1800" dirty="0">
                 <a:solidFill>
                   <a:srgbClr val="2B2D3D"/>
                 </a:solidFill>
@@ -15274,17 +12073,17 @@
               <a:t> </a:t>
             </a:r>
             <a:r>
-              <a:rPr lang="tr-TR" sz="1600" dirty="0" err="1">
-                <a:solidFill>
-                  <a:srgbClr val="2B2D3D"/>
-                </a:solidFill>
-                <a:latin typeface="Georgia"/>
-                <a:cs typeface="+mj-cs"/>
-              </a:rPr>
-              <a:t>Backward</a:t>
-            </a:r>
-            <a:r>
-              <a:rPr lang="tr-TR" sz="1600" dirty="0">
+              <a:rPr lang="en-US" sz="1800" dirty="0">
+                <a:solidFill>
+                  <a:srgbClr val="2B2D3D"/>
+                </a:solidFill>
+                <a:latin typeface="Georgia"/>
+                <a:cs typeface="+mj-cs"/>
+              </a:rPr>
+              <a:t>model’s</a:t>
+            </a:r>
+            <a:r>
+              <a:rPr lang="tr-TR" sz="1800" dirty="0">
                 <a:solidFill>
                   <a:srgbClr val="2B2D3D"/>
                 </a:solidFill>
@@ -15294,241 +12093,15 @@
               <a:t> </a:t>
             </a:r>
             <a:r>
-              <a:rPr lang="tr-TR" sz="1600" dirty="0" err="1">
-                <a:solidFill>
-                  <a:srgbClr val="2B2D3D"/>
-                </a:solidFill>
-                <a:latin typeface="Georgia"/>
-                <a:cs typeface="+mj-cs"/>
-              </a:rPr>
-              <a:t>Stepwise</a:t>
-            </a:r>
-            <a:r>
-              <a:rPr lang="tr-TR" sz="1600" dirty="0">
-                <a:solidFill>
-                  <a:srgbClr val="2B2D3D"/>
-                </a:solidFill>
-                <a:latin typeface="Georgia"/>
-                <a:cs typeface="+mj-cs"/>
-              </a:rPr>
-              <a:t> </a:t>
-            </a:r>
-            <a:r>
-              <a:rPr lang="tr-TR" sz="1600" dirty="0" err="1">
-                <a:solidFill>
-                  <a:srgbClr val="2B2D3D"/>
-                </a:solidFill>
-                <a:latin typeface="Georgia"/>
-                <a:cs typeface="+mj-cs"/>
-              </a:rPr>
-              <a:t>Search</a:t>
-            </a:r>
-            <a:endParaRPr lang="tr-TR" sz="1600" dirty="0">
-              <a:solidFill>
-                <a:srgbClr val="2B2D3D"/>
-              </a:solidFill>
-              <a:latin typeface="Georgia"/>
-              <a:cs typeface="+mj-cs"/>
-            </a:endParaRPr>
-          </a:p>
-        </p:txBody>
-      </p:sp>
-      <p:sp>
-        <p:nvSpPr>
-          <p:cNvPr id="14" name="Rectangle 13">
-            <a:extLst>
-              <a:ext uri="{FF2B5EF4-FFF2-40B4-BE49-F238E27FC236}">
-                <a16:creationId xmlns:a16="http://schemas.microsoft.com/office/drawing/2014/main" id="{94ABA77A-284C-0B0E-1DE3-0B2059B754E5}"/>
-              </a:ext>
-            </a:extLst>
-          </p:cNvPr>
-          <p:cNvSpPr/>
-          <p:nvPr/>
-        </p:nvSpPr>
-        <p:spPr>
-          <a:xfrm>
-            <a:off x="9299550" y="4366710"/>
-            <a:ext cx="5476720" cy="422130"/>
-          </a:xfrm>
-          <a:prstGeom prst="rect">
-            <a:avLst/>
-          </a:prstGeom>
-          <a:solidFill>
-            <a:srgbClr val="70AD47">
-              <a:alpha val="30196"/>
-            </a:srgbClr>
-          </a:solidFill>
-          <a:ln>
-            <a:noFill/>
-          </a:ln>
-        </p:spPr>
-        <p:style>
-          <a:lnRef idx="0">
-            <a:scrgbClr r="0" g="0" b="0"/>
-          </a:lnRef>
-          <a:fillRef idx="0">
-            <a:scrgbClr r="0" g="0" b="0"/>
-          </a:fillRef>
-          <a:effectRef idx="0">
-            <a:scrgbClr r="0" g="0" b="0"/>
-          </a:effectRef>
-          <a:fontRef idx="minor">
-            <a:schemeClr val="lt1"/>
-          </a:fontRef>
-        </p:style>
-        <p:txBody>
-          <a:bodyPr rtlCol="0" anchor="ctr"/>
-          <a:lstStyle/>
-          <a:p>
-            <a:pPr algn="ctr"/>
-            <a:endParaRPr lang="en-US" b="1">
-              <a:ln w="22225">
-                <a:solidFill>
-                  <a:schemeClr val="accent2"/>
-                </a:solidFill>
-                <a:prstDash val="solid"/>
-              </a:ln>
-              <a:solidFill>
-                <a:schemeClr val="accent2">
-                  <a:lumMod val="40000"/>
-                  <a:lumOff val="60000"/>
-                </a:schemeClr>
-              </a:solidFill>
-            </a:endParaRPr>
-          </a:p>
-        </p:txBody>
-      </p:sp>
-      <p:sp>
-        <p:nvSpPr>
-          <p:cNvPr id="15" name="Rectangle 14">
-            <a:extLst>
-              <a:ext uri="{FF2B5EF4-FFF2-40B4-BE49-F238E27FC236}">
-                <a16:creationId xmlns:a16="http://schemas.microsoft.com/office/drawing/2014/main" id="{A04723AD-AEF7-46D3-FF81-3091CBAC5501}"/>
-              </a:ext>
-            </a:extLst>
-          </p:cNvPr>
-          <p:cNvSpPr/>
-          <p:nvPr/>
-        </p:nvSpPr>
-        <p:spPr>
-          <a:xfrm>
-            <a:off x="3933750" y="8201838"/>
-            <a:ext cx="4929296" cy="344135"/>
-          </a:xfrm>
-          <a:prstGeom prst="rect">
-            <a:avLst/>
-          </a:prstGeom>
-          <a:noFill/>
-          <a:ln w="38100" cap="flat" cmpd="sng" algn="ctr">
-            <a:solidFill>
-              <a:schemeClr val="accent6"/>
-            </a:solidFill>
-            <a:prstDash val="solid"/>
-            <a:round/>
-            <a:headEnd type="none" w="med" len="med"/>
-            <a:tailEnd type="none" w="med" len="med"/>
-          </a:ln>
-        </p:spPr>
-        <p:style>
-          <a:lnRef idx="0">
-            <a:scrgbClr r="0" g="0" b="0"/>
-          </a:lnRef>
-          <a:fillRef idx="0">
-            <a:scrgbClr r="0" g="0" b="0"/>
-          </a:fillRef>
-          <a:effectRef idx="0">
-            <a:scrgbClr r="0" g="0" b="0"/>
-          </a:effectRef>
-          <a:fontRef idx="minor">
-            <a:schemeClr val="accent6"/>
-          </a:fontRef>
-        </p:style>
-        <p:txBody>
-          <a:bodyPr rtlCol="0" anchor="ctr"/>
-          <a:lstStyle/>
-          <a:p>
-            <a:pPr algn="ctr"/>
-            <a:endParaRPr lang="en-US" b="1">
-              <a:ln w="22225">
-                <a:solidFill>
-                  <a:schemeClr val="accent2"/>
-                </a:solidFill>
-                <a:prstDash val="solid"/>
-              </a:ln>
-              <a:solidFill>
-                <a:schemeClr val="accent2">
-                  <a:lumMod val="40000"/>
-                  <a:lumOff val="60000"/>
-                </a:schemeClr>
-              </a:solidFill>
-            </a:endParaRPr>
-          </a:p>
-        </p:txBody>
-      </p:sp>
-      <p:sp>
-        <p:nvSpPr>
-          <p:cNvPr id="16" name="Rectangle 15">
-            <a:extLst>
-              <a:ext uri="{FF2B5EF4-FFF2-40B4-BE49-F238E27FC236}">
-                <a16:creationId xmlns:a16="http://schemas.microsoft.com/office/drawing/2014/main" id="{638A8FDF-DF0C-A7D6-32FE-568C61B80550}"/>
-              </a:ext>
-            </a:extLst>
-          </p:cNvPr>
-          <p:cNvSpPr/>
-          <p:nvPr/>
-        </p:nvSpPr>
-        <p:spPr>
-          <a:xfrm>
-            <a:off x="9545545" y="8201838"/>
-            <a:ext cx="4682801" cy="344135"/>
-          </a:xfrm>
-          <a:prstGeom prst="rect">
-            <a:avLst/>
-          </a:prstGeom>
-          <a:noFill/>
-          <a:ln w="38100" cap="flat" cmpd="sng" algn="ctr">
-            <a:solidFill>
-              <a:schemeClr val="accent6"/>
-            </a:solidFill>
-            <a:prstDash val="solid"/>
-            <a:round/>
-            <a:headEnd type="none" w="med" len="med"/>
-            <a:tailEnd type="none" w="med" len="med"/>
-          </a:ln>
-        </p:spPr>
-        <p:style>
-          <a:lnRef idx="0">
-            <a:scrgbClr r="0" g="0" b="0"/>
-          </a:lnRef>
-          <a:fillRef idx="0">
-            <a:scrgbClr r="0" g="0" b="0"/>
-          </a:fillRef>
-          <a:effectRef idx="0">
-            <a:scrgbClr r="0" g="0" b="0"/>
-          </a:effectRef>
-          <a:fontRef idx="minor">
-            <a:schemeClr val="accent6"/>
-          </a:fontRef>
-        </p:style>
-        <p:txBody>
-          <a:bodyPr rtlCol="0" anchor="ctr"/>
-          <a:lstStyle/>
-          <a:p>
-            <a:pPr algn="ctr"/>
-            <a:endParaRPr lang="en-US" b="1">
-              <a:ln w="22225">
-                <a:solidFill>
-                  <a:schemeClr val="accent2"/>
-                </a:solidFill>
-                <a:prstDash val="solid"/>
-              </a:ln>
-              <a:solidFill>
-                <a:schemeClr val="accent2">
-                  <a:lumMod val="40000"/>
-                  <a:lumOff val="60000"/>
-                </a:schemeClr>
-              </a:solidFill>
-            </a:endParaRPr>
+              <a:rPr lang="en-US" sz="1800" dirty="0">
+                <a:solidFill>
+                  <a:srgbClr val="2B2D3D"/>
+                </a:solidFill>
+                <a:latin typeface="Georgia"/>
+                <a:cs typeface="+mj-cs"/>
+              </a:rPr>
+              <a:t>ability to predict the target values, with higher values indicating better performance.</a:t>
+            </a:r>
           </a:p>
         </p:txBody>
       </p:sp>
@@ -15562,6 +12135,35 @@
           <a:chExt cx="0" cy="0"/>
         </a:xfrm>
       </p:grpSpPr>
+      <p:pic>
+        <p:nvPicPr>
+          <p:cNvPr id="16" name="Picture 15">
+            <a:extLst>
+              <a:ext uri="{FF2B5EF4-FFF2-40B4-BE49-F238E27FC236}">
+                <a16:creationId xmlns:a16="http://schemas.microsoft.com/office/drawing/2014/main" id="{D264455E-8910-6721-F463-6FADE35692BE}"/>
+              </a:ext>
+            </a:extLst>
+          </p:cNvPr>
+          <p:cNvPicPr>
+            <a:picLocks noChangeAspect="1"/>
+          </p:cNvPicPr>
+          <p:nvPr/>
+        </p:nvPicPr>
+        <p:blipFill rotWithShape="1">
+          <a:blip r:embed="rId2"/>
+          <a:srcRect t="37751"/>
+          <a:stretch/>
+        </p:blipFill>
+        <p:spPr>
+          <a:xfrm>
+            <a:off x="3769504" y="8465474"/>
+            <a:ext cx="6523845" cy="1305771"/>
+          </a:xfrm>
+          <a:prstGeom prst="rect">
+            <a:avLst/>
+          </a:prstGeom>
+        </p:spPr>
+      </p:pic>
       <p:grpSp>
         <p:nvGrpSpPr>
           <p:cNvPr id="6" name="object 6"/>
@@ -15718,7 +12320,7 @@
                 <a:latin typeface="Georgia"/>
                 <a:ea typeface="+mn-ea"/>
               </a:rPr>
-              <a:t>Linear</a:t>
+              <a:t>Logistic</a:t>
             </a:r>
             <a:r>
               <a:rPr lang="tr-TR" sz="3200" dirty="0">
@@ -15731,32 +12333,15 @@
               <a:t> </a:t>
             </a:r>
             <a:r>
-              <a:rPr lang="tr-TR" sz="3200" dirty="0" err="1">
+              <a:rPr lang="en-US" sz="3200" dirty="0">
                 <a:solidFill>
                   <a:srgbClr val="2B2D3D"/>
                 </a:solidFill>
                 <a:latin typeface="Georgia"/>
                 <a:ea typeface="+mn-ea"/>
               </a:rPr>
-              <a:t>Discriminant</a:t>
-            </a:r>
-            <a:r>
-              <a:rPr lang="tr-TR" sz="3200" dirty="0">
-                <a:solidFill>
-                  <a:srgbClr val="2B2D3D"/>
-                </a:solidFill>
-                <a:latin typeface="Georgia"/>
-                <a:ea typeface="+mn-ea"/>
-              </a:rPr>
-              <a:t> Analysis (LDA)</a:t>
-            </a:r>
-            <a:endParaRPr lang="en-US" sz="3200" dirty="0">
-              <a:solidFill>
-                <a:srgbClr val="2B2D3D"/>
-              </a:solidFill>
-              <a:latin typeface="Georgia"/>
-              <a:ea typeface="+mn-ea"/>
-            </a:endParaRPr>
+              <a:t>Model Performance Metrics at Different Thresholds</a:t>
+            </a:r>
           </a:p>
         </p:txBody>
       </p:sp>
@@ -15869,109 +12454,12 @@
           </a:p>
         </p:txBody>
       </p:sp>
-      <p:sp>
-        <p:nvSpPr>
-          <p:cNvPr id="5" name="TextBox 4">
+      <p:pic>
+        <p:nvPicPr>
+          <p:cNvPr id="3" name="Picture 2">
             <a:extLst>
               <a:ext uri="{FF2B5EF4-FFF2-40B4-BE49-F238E27FC236}">
-                <a16:creationId xmlns:a16="http://schemas.microsoft.com/office/drawing/2014/main" id="{EF275E82-8D43-A110-810A-F04DFC17A989}"/>
-              </a:ext>
-            </a:extLst>
-          </p:cNvPr>
-          <p:cNvSpPr txBox="1"/>
-          <p:nvPr/>
-        </p:nvSpPr>
-        <p:spPr>
-          <a:xfrm>
-            <a:off x="2602280" y="2708231"/>
-            <a:ext cx="9150350" cy="1703864"/>
-          </a:xfrm>
-          <a:prstGeom prst="rect">
-            <a:avLst/>
-          </a:prstGeom>
-          <a:noFill/>
-        </p:spPr>
-        <p:txBody>
-          <a:bodyPr wrap="square">
-            <a:spAutoFit/>
-          </a:bodyPr>
-          <a:lstStyle/>
-          <a:p>
-            <a:pPr fontAlgn="base">
-              <a:lnSpc>
-                <a:spcPct val="150000"/>
-              </a:lnSpc>
-            </a:pPr>
-            <a:r>
-              <a:rPr lang="en-US" dirty="0">
-                <a:solidFill>
-                  <a:srgbClr val="2B2D3D"/>
-                </a:solidFill>
-                <a:latin typeface="Georgia"/>
-                <a:cs typeface="+mj-cs"/>
-              </a:rPr>
-              <a:t>LDA</a:t>
-            </a:r>
-            <a:r>
-              <a:rPr lang="tr-TR" dirty="0">
-                <a:solidFill>
-                  <a:srgbClr val="2B2D3D"/>
-                </a:solidFill>
-                <a:latin typeface="Georgia"/>
-                <a:cs typeface="+mj-cs"/>
-              </a:rPr>
-              <a:t> </a:t>
-            </a:r>
-            <a:r>
-              <a:rPr lang="en-US" dirty="0">
-                <a:solidFill>
-                  <a:srgbClr val="2B2D3D"/>
-                </a:solidFill>
-                <a:latin typeface="Georgia"/>
-                <a:cs typeface="+mj-cs"/>
-              </a:rPr>
-              <a:t>is a classification algorithm that finds a linear combination of features that best separates two or more classes.</a:t>
-            </a:r>
-            <a:endParaRPr lang="tr-TR" dirty="0">
-              <a:solidFill>
-                <a:srgbClr val="2B2D3D"/>
-              </a:solidFill>
-              <a:latin typeface="Georgia"/>
-              <a:cs typeface="+mj-cs"/>
-            </a:endParaRPr>
-          </a:p>
-          <a:p>
-            <a:pPr fontAlgn="base">
-              <a:lnSpc>
-                <a:spcPct val="150000"/>
-              </a:lnSpc>
-            </a:pPr>
-            <a:r>
-              <a:rPr lang="en-US" dirty="0">
-                <a:solidFill>
-                  <a:srgbClr val="2B2D3D"/>
-                </a:solidFill>
-                <a:latin typeface="Georgia"/>
-                <a:cs typeface="+mj-cs"/>
-              </a:rPr>
-              <a:t>It assumes that the features follow a multivariate normal distribution with a common mean and variance for all classes. </a:t>
-            </a:r>
-            <a:endParaRPr lang="tr-TR" dirty="0">
-              <a:solidFill>
-                <a:srgbClr val="2B2D3D"/>
-              </a:solidFill>
-              <a:latin typeface="Georgia"/>
-              <a:cs typeface="+mj-cs"/>
-            </a:endParaRPr>
-          </a:p>
-        </p:txBody>
-      </p:sp>
-      <p:pic>
-        <p:nvPicPr>
-          <p:cNvPr id="12" name="Picture 11">
-            <a:extLst>
-              <a:ext uri="{FF2B5EF4-FFF2-40B4-BE49-F238E27FC236}">
-                <a16:creationId xmlns:a16="http://schemas.microsoft.com/office/drawing/2014/main" id="{B2861515-57AC-AA80-7BEA-C3EAFFED84B0}"/>
+                <a16:creationId xmlns:a16="http://schemas.microsoft.com/office/drawing/2014/main" id="{3918F709-4384-5640-8F51-60BB38D612F5}"/>
               </a:ext>
             </a:extLst>
           </p:cNvPr>
@@ -15988,8 +12476,67 @@
         </p:blipFill>
         <p:spPr>
           <a:xfrm>
-            <a:off x="6210910" y="4457813"/>
-            <a:ext cx="5878880" cy="2267020"/>
+            <a:off x="3575049" y="2426380"/>
+            <a:ext cx="6808604" cy="3563226"/>
+          </a:xfrm>
+          <a:prstGeom prst="rect">
+            <a:avLst/>
+          </a:prstGeom>
+        </p:spPr>
+      </p:pic>
+      <p:pic>
+        <p:nvPicPr>
+          <p:cNvPr id="11" name="Picture 10">
+            <a:extLst>
+              <a:ext uri="{FF2B5EF4-FFF2-40B4-BE49-F238E27FC236}">
+                <a16:creationId xmlns:a16="http://schemas.microsoft.com/office/drawing/2014/main" id="{B067AE2E-422D-90B0-57A6-A7CA34BEF59A}"/>
+              </a:ext>
+            </a:extLst>
+          </p:cNvPr>
+          <p:cNvPicPr>
+            <a:picLocks noChangeAspect="1"/>
+          </p:cNvPicPr>
+          <p:nvPr/>
+        </p:nvPicPr>
+        <p:blipFill>
+          <a:blip r:embed="rId4"/>
+          <a:stretch>
+            <a:fillRect/>
+          </a:stretch>
+        </p:blipFill>
+        <p:spPr>
+          <a:xfrm>
+            <a:off x="10293349" y="2330450"/>
+            <a:ext cx="6734643" cy="3708445"/>
+          </a:xfrm>
+          <a:prstGeom prst="rect">
+            <a:avLst/>
+          </a:prstGeom>
+        </p:spPr>
+      </p:pic>
+      <p:pic>
+        <p:nvPicPr>
+          <p:cNvPr id="13" name="Picture 12">
+            <a:extLst>
+              <a:ext uri="{FF2B5EF4-FFF2-40B4-BE49-F238E27FC236}">
+                <a16:creationId xmlns:a16="http://schemas.microsoft.com/office/drawing/2014/main" id="{FD7B4618-70CD-33D5-ED9F-F8A2D52FC937}"/>
+              </a:ext>
+            </a:extLst>
+          </p:cNvPr>
+          <p:cNvPicPr>
+            <a:picLocks noChangeAspect="1"/>
+          </p:cNvPicPr>
+          <p:nvPr/>
+        </p:nvPicPr>
+        <p:blipFill rotWithShape="1">
+          <a:blip r:embed="rId5"/>
+          <a:srcRect b="16997"/>
+          <a:stretch/>
+        </p:blipFill>
+        <p:spPr>
+          <a:xfrm>
+            <a:off x="3594099" y="6208019"/>
+            <a:ext cx="6788801" cy="2282138"/>
           </a:xfrm>
           <a:prstGeom prst="rect">
             <a:avLst/>
@@ -16010,8 +12557,8 @@
         </p:nvSpPr>
         <p:spPr>
           <a:xfrm>
-            <a:off x="8299475" y="6601274"/>
-            <a:ext cx="1701750" cy="338554"/>
+            <a:off x="5645150" y="9601968"/>
+            <a:ext cx="3225800" cy="338554"/>
           </a:xfrm>
           <a:prstGeom prst="rect">
             <a:avLst/>
@@ -16025,6 +12572,16 @@
           <a:lstStyle/>
           <a:p>
             <a:r>
+              <a:rPr lang="tr-TR" sz="1600" dirty="0" err="1">
+                <a:solidFill>
+                  <a:srgbClr val="2B2D3D"/>
+                </a:solidFill>
+                <a:latin typeface="Georgia"/>
+                <a:cs typeface="+mj-cs"/>
+              </a:rPr>
+              <a:t>Elastic</a:t>
+            </a:r>
+            <a:r>
               <a:rPr lang="tr-TR" sz="1600" dirty="0">
                 <a:solidFill>
                   <a:srgbClr val="2B2D3D"/>
@@ -16032,7 +12589,7 @@
                 <a:latin typeface="Georgia"/>
                 <a:cs typeface="+mj-cs"/>
               </a:rPr>
-              <a:t>LDA </a:t>
+              <a:t> Net </a:t>
             </a:r>
             <a:r>
               <a:rPr lang="tr-TR" sz="1600" dirty="0" err="1">
@@ -16042,7 +12599,27 @@
                 <a:latin typeface="Georgia"/>
                 <a:cs typeface="+mj-cs"/>
               </a:rPr>
-              <a:t>Results</a:t>
+              <a:t>Shrinkage</a:t>
+            </a:r>
+            <a:r>
+              <a:rPr lang="tr-TR" sz="1600" dirty="0">
+                <a:solidFill>
+                  <a:srgbClr val="2B2D3D"/>
+                </a:solidFill>
+                <a:latin typeface="Georgia"/>
+                <a:cs typeface="+mj-cs"/>
+              </a:rPr>
+              <a:t> </a:t>
+            </a:r>
+            <a:r>
+              <a:rPr lang="tr-TR" sz="1600" dirty="0" err="1">
+                <a:solidFill>
+                  <a:srgbClr val="2B2D3D"/>
+                </a:solidFill>
+                <a:latin typeface="Georgia"/>
+                <a:cs typeface="+mj-cs"/>
+              </a:rPr>
+              <a:t>Method</a:t>
             </a:r>
             <a:endParaRPr lang="tr-TR" sz="1600" dirty="0">
               <a:solidFill>
@@ -16054,10 +12631,236 @@
           </a:p>
         </p:txBody>
       </p:sp>
+      <p:sp>
+        <p:nvSpPr>
+          <p:cNvPr id="19" name="TextBox 18">
+            <a:extLst>
+              <a:ext uri="{FF2B5EF4-FFF2-40B4-BE49-F238E27FC236}">
+                <a16:creationId xmlns:a16="http://schemas.microsoft.com/office/drawing/2014/main" id="{7B2FA661-1D43-09E6-8143-D200C79FBE18}"/>
+              </a:ext>
+            </a:extLst>
+          </p:cNvPr>
+          <p:cNvSpPr txBox="1"/>
+          <p:nvPr/>
+        </p:nvSpPr>
+        <p:spPr>
+          <a:xfrm>
+            <a:off x="5645150" y="5887905"/>
+            <a:ext cx="3225800" cy="338554"/>
+          </a:xfrm>
+          <a:prstGeom prst="rect">
+            <a:avLst/>
+          </a:prstGeom>
+          <a:noFill/>
+        </p:spPr>
+        <p:txBody>
+          <a:bodyPr wrap="square">
+            <a:spAutoFit/>
+          </a:bodyPr>
+          <a:lstStyle/>
+          <a:p>
+            <a:r>
+              <a:rPr lang="tr-TR" sz="1600" dirty="0">
+                <a:solidFill>
+                  <a:srgbClr val="2B2D3D"/>
+                </a:solidFill>
+                <a:latin typeface="Georgia"/>
+                <a:cs typeface="+mj-cs"/>
+              </a:rPr>
+              <a:t>Basic </a:t>
+            </a:r>
+            <a:r>
+              <a:rPr lang="tr-TR" sz="1600" dirty="0" err="1">
+                <a:solidFill>
+                  <a:srgbClr val="2B2D3D"/>
+                </a:solidFill>
+                <a:latin typeface="Georgia"/>
+                <a:cs typeface="+mj-cs"/>
+              </a:rPr>
+              <a:t>Logistic</a:t>
+            </a:r>
+            <a:r>
+              <a:rPr lang="tr-TR" sz="1600" dirty="0">
+                <a:solidFill>
+                  <a:srgbClr val="2B2D3D"/>
+                </a:solidFill>
+                <a:latin typeface="Georgia"/>
+                <a:cs typeface="+mj-cs"/>
+              </a:rPr>
+              <a:t> </a:t>
+            </a:r>
+            <a:r>
+              <a:rPr lang="tr-TR" sz="1600" dirty="0" err="1">
+                <a:solidFill>
+                  <a:srgbClr val="2B2D3D"/>
+                </a:solidFill>
+                <a:latin typeface="Georgia"/>
+                <a:cs typeface="+mj-cs"/>
+              </a:rPr>
+              <a:t>Classifier</a:t>
+            </a:r>
+            <a:endParaRPr lang="tr-TR" sz="1600" dirty="0">
+              <a:solidFill>
+                <a:srgbClr val="2B2D3D"/>
+              </a:solidFill>
+              <a:latin typeface="Georgia"/>
+              <a:cs typeface="+mj-cs"/>
+            </a:endParaRPr>
+          </a:p>
+        </p:txBody>
+      </p:sp>
+      <p:sp>
+        <p:nvSpPr>
+          <p:cNvPr id="20" name="TextBox 19">
+            <a:extLst>
+              <a:ext uri="{FF2B5EF4-FFF2-40B4-BE49-F238E27FC236}">
+                <a16:creationId xmlns:a16="http://schemas.microsoft.com/office/drawing/2014/main" id="{BABA42C2-4646-966E-EC2C-D7ECBE518608}"/>
+              </a:ext>
+            </a:extLst>
+          </p:cNvPr>
+          <p:cNvSpPr txBox="1"/>
+          <p:nvPr/>
+        </p:nvSpPr>
+        <p:spPr>
+          <a:xfrm>
+            <a:off x="11512550" y="5923090"/>
+            <a:ext cx="5816600" cy="338554"/>
+          </a:xfrm>
+          <a:prstGeom prst="rect">
+            <a:avLst/>
+          </a:prstGeom>
+          <a:noFill/>
+        </p:spPr>
+        <p:txBody>
+          <a:bodyPr wrap="square">
+            <a:spAutoFit/>
+          </a:bodyPr>
+          <a:lstStyle/>
+          <a:p>
+            <a:r>
+              <a:rPr lang="tr-TR" sz="1600" dirty="0" err="1">
+                <a:solidFill>
+                  <a:srgbClr val="2B2D3D"/>
+                </a:solidFill>
+                <a:latin typeface="Georgia"/>
+                <a:cs typeface="+mj-cs"/>
+              </a:rPr>
+              <a:t>Feature</a:t>
+            </a:r>
+            <a:r>
+              <a:rPr lang="tr-TR" sz="1600" dirty="0">
+                <a:solidFill>
+                  <a:srgbClr val="2B2D3D"/>
+                </a:solidFill>
+                <a:latin typeface="Georgia"/>
+                <a:cs typeface="+mj-cs"/>
+              </a:rPr>
+              <a:t> </a:t>
+            </a:r>
+            <a:r>
+              <a:rPr lang="tr-TR" sz="1600" dirty="0" err="1">
+                <a:solidFill>
+                  <a:srgbClr val="2B2D3D"/>
+                </a:solidFill>
+                <a:latin typeface="Georgia"/>
+                <a:cs typeface="+mj-cs"/>
+              </a:rPr>
+              <a:t>Selection</a:t>
+            </a:r>
+            <a:r>
+              <a:rPr lang="tr-TR" sz="1600" dirty="0">
+                <a:solidFill>
+                  <a:srgbClr val="2B2D3D"/>
+                </a:solidFill>
+                <a:latin typeface="Georgia"/>
+                <a:cs typeface="+mj-cs"/>
+              </a:rPr>
+              <a:t> </a:t>
+            </a:r>
+            <a:r>
+              <a:rPr lang="tr-TR" sz="1600" dirty="0" err="1">
+                <a:solidFill>
+                  <a:srgbClr val="2B2D3D"/>
+                </a:solidFill>
+                <a:latin typeface="Georgia"/>
+                <a:cs typeface="+mj-cs"/>
+              </a:rPr>
+              <a:t>with</a:t>
+            </a:r>
+            <a:r>
+              <a:rPr lang="tr-TR" sz="1600" dirty="0">
+                <a:solidFill>
+                  <a:srgbClr val="2B2D3D"/>
+                </a:solidFill>
+                <a:latin typeface="Georgia"/>
+                <a:cs typeface="+mj-cs"/>
+              </a:rPr>
+              <a:t> </a:t>
+            </a:r>
+            <a:r>
+              <a:rPr lang="tr-TR" sz="1600" dirty="0" err="1">
+                <a:solidFill>
+                  <a:srgbClr val="2B2D3D"/>
+                </a:solidFill>
+                <a:latin typeface="Georgia"/>
+                <a:cs typeface="+mj-cs"/>
+              </a:rPr>
+              <a:t>Backward</a:t>
+            </a:r>
+            <a:r>
+              <a:rPr lang="tr-TR" sz="1600" dirty="0">
+                <a:solidFill>
+                  <a:srgbClr val="2B2D3D"/>
+                </a:solidFill>
+                <a:latin typeface="Georgia"/>
+                <a:cs typeface="+mj-cs"/>
+              </a:rPr>
+              <a:t> </a:t>
+            </a:r>
+            <a:r>
+              <a:rPr lang="tr-TR" sz="1600" dirty="0" err="1">
+                <a:solidFill>
+                  <a:srgbClr val="2B2D3D"/>
+                </a:solidFill>
+                <a:latin typeface="Georgia"/>
+                <a:cs typeface="+mj-cs"/>
+              </a:rPr>
+              <a:t>Stepwise</a:t>
+            </a:r>
+            <a:r>
+              <a:rPr lang="tr-TR" sz="1600" dirty="0">
+                <a:solidFill>
+                  <a:srgbClr val="2B2D3D"/>
+                </a:solidFill>
+                <a:latin typeface="Georgia"/>
+                <a:cs typeface="+mj-cs"/>
+              </a:rPr>
+              <a:t> </a:t>
+            </a:r>
+            <a:r>
+              <a:rPr lang="tr-TR" sz="1600" dirty="0" err="1">
+                <a:solidFill>
+                  <a:srgbClr val="2B2D3D"/>
+                </a:solidFill>
+                <a:latin typeface="Georgia"/>
+                <a:cs typeface="+mj-cs"/>
+              </a:rPr>
+              <a:t>Search</a:t>
+            </a:r>
+            <a:endParaRPr lang="tr-TR" sz="1600" dirty="0">
+              <a:solidFill>
+                <a:srgbClr val="2B2D3D"/>
+              </a:solidFill>
+              <a:latin typeface="Georgia"/>
+              <a:cs typeface="+mj-cs"/>
+            </a:endParaRPr>
+          </a:p>
+        </p:txBody>
+      </p:sp>
     </p:spTree>
     <p:extLst>
       <p:ext uri="{BB962C8B-B14F-4D97-AF65-F5344CB8AC3E}">
-        <p14:creationId xmlns:p14="http://schemas.microsoft.com/office/powerpoint/2010/main" val="1240072374"/>
+        <p14:creationId xmlns:p14="http://schemas.microsoft.com/office/powerpoint/2010/main" val="481437715"/>
       </p:ext>
     </p:extLst>
   </p:cSld>
@@ -16233,15 +13036,52 @@
               </a:spcBef>
             </a:pPr>
             <a:r>
-              <a:rPr lang="en-US" sz="3200" dirty="0">
+              <a:rPr lang="tr-TR" sz="3200" dirty="0" err="1">
                 <a:solidFill>
                   <a:srgbClr val="2B2D3D"/>
                 </a:solidFill>
                 <a:latin typeface="Georgia"/>
                 <a:ea typeface="+mn-ea"/>
               </a:rPr>
-              <a:t>Quadratic Discriminant Analysis (QDA)</a:t>
-            </a:r>
+              <a:t>Linear</a:t>
+            </a:r>
+            <a:r>
+              <a:rPr lang="tr-TR" sz="3200" dirty="0">
+                <a:solidFill>
+                  <a:srgbClr val="2B2D3D"/>
+                </a:solidFill>
+                <a:latin typeface="Georgia"/>
+                <a:ea typeface="+mn-ea"/>
+              </a:rPr>
+              <a:t> </a:t>
+            </a:r>
+            <a:r>
+              <a:rPr lang="tr-TR" sz="3200" dirty="0" err="1">
+                <a:solidFill>
+                  <a:srgbClr val="2B2D3D"/>
+                </a:solidFill>
+                <a:latin typeface="Georgia"/>
+                <a:ea typeface="+mn-ea"/>
+              </a:rPr>
+              <a:t>Discriminant</a:t>
+            </a:r>
+            <a:r>
+              <a:rPr lang="tr-TR" sz="3200" dirty="0">
+                <a:solidFill>
+                  <a:srgbClr val="2B2D3D"/>
+                </a:solidFill>
+                <a:latin typeface="Georgia"/>
+                <a:ea typeface="+mn-ea"/>
+              </a:rPr>
+              <a:t> Analysis (LDA)</a:t>
+            </a:r>
+            <a:endParaRPr lang="en-US" sz="3200" dirty="0">
+              <a:solidFill>
+                <a:srgbClr val="2B2D3D"/>
+              </a:solidFill>
+              <a:latin typeface="Georgia"/>
+              <a:ea typeface="+mn-ea"/>
+            </a:endParaRPr>
           </a:p>
         </p:txBody>
       </p:sp>
@@ -16356,6 +13196,491 @@
       </p:sp>
       <p:sp>
         <p:nvSpPr>
+          <p:cNvPr id="5" name="TextBox 4">
+            <a:extLst>
+              <a:ext uri="{FF2B5EF4-FFF2-40B4-BE49-F238E27FC236}">
+                <a16:creationId xmlns:a16="http://schemas.microsoft.com/office/drawing/2014/main" id="{EF275E82-8D43-A110-810A-F04DFC17A989}"/>
+              </a:ext>
+            </a:extLst>
+          </p:cNvPr>
+          <p:cNvSpPr txBox="1"/>
+          <p:nvPr/>
+        </p:nvSpPr>
+        <p:spPr>
+          <a:xfrm>
+            <a:off x="2602280" y="2708231"/>
+            <a:ext cx="9150350" cy="1703864"/>
+          </a:xfrm>
+          <a:prstGeom prst="rect">
+            <a:avLst/>
+          </a:prstGeom>
+          <a:noFill/>
+        </p:spPr>
+        <p:txBody>
+          <a:bodyPr wrap="square">
+            <a:spAutoFit/>
+          </a:bodyPr>
+          <a:lstStyle/>
+          <a:p>
+            <a:pPr fontAlgn="base">
+              <a:lnSpc>
+                <a:spcPct val="150000"/>
+              </a:lnSpc>
+            </a:pPr>
+            <a:r>
+              <a:rPr lang="en-US" dirty="0">
+                <a:solidFill>
+                  <a:srgbClr val="2B2D3D"/>
+                </a:solidFill>
+                <a:latin typeface="Georgia"/>
+                <a:cs typeface="+mj-cs"/>
+              </a:rPr>
+              <a:t>LDA</a:t>
+            </a:r>
+            <a:r>
+              <a:rPr lang="tr-TR" dirty="0">
+                <a:solidFill>
+                  <a:srgbClr val="2B2D3D"/>
+                </a:solidFill>
+                <a:latin typeface="Georgia"/>
+                <a:cs typeface="+mj-cs"/>
+              </a:rPr>
+              <a:t> </a:t>
+            </a:r>
+            <a:r>
+              <a:rPr lang="en-US" dirty="0">
+                <a:solidFill>
+                  <a:srgbClr val="2B2D3D"/>
+                </a:solidFill>
+                <a:latin typeface="Georgia"/>
+                <a:cs typeface="+mj-cs"/>
+              </a:rPr>
+              <a:t>is a classification algorithm that finds a linear combination of features that best separates two or more classes.</a:t>
+            </a:r>
+            <a:endParaRPr lang="tr-TR" dirty="0">
+              <a:solidFill>
+                <a:srgbClr val="2B2D3D"/>
+              </a:solidFill>
+              <a:latin typeface="Georgia"/>
+              <a:cs typeface="+mj-cs"/>
+            </a:endParaRPr>
+          </a:p>
+          <a:p>
+            <a:pPr fontAlgn="base">
+              <a:lnSpc>
+                <a:spcPct val="150000"/>
+              </a:lnSpc>
+            </a:pPr>
+            <a:r>
+              <a:rPr lang="en-US" dirty="0">
+                <a:solidFill>
+                  <a:srgbClr val="2B2D3D"/>
+                </a:solidFill>
+                <a:latin typeface="Georgia"/>
+                <a:cs typeface="+mj-cs"/>
+              </a:rPr>
+              <a:t>It assumes that the features follow a multivariate normal distribution with a common mean and variance for all classes. </a:t>
+            </a:r>
+            <a:endParaRPr lang="tr-TR" dirty="0">
+              <a:solidFill>
+                <a:srgbClr val="2B2D3D"/>
+              </a:solidFill>
+              <a:latin typeface="Georgia"/>
+              <a:cs typeface="+mj-cs"/>
+            </a:endParaRPr>
+          </a:p>
+        </p:txBody>
+      </p:sp>
+      <p:pic>
+        <p:nvPicPr>
+          <p:cNvPr id="12" name="Picture 11">
+            <a:extLst>
+              <a:ext uri="{FF2B5EF4-FFF2-40B4-BE49-F238E27FC236}">
+                <a16:creationId xmlns:a16="http://schemas.microsoft.com/office/drawing/2014/main" id="{B2861515-57AC-AA80-7BEA-C3EAFFED84B0}"/>
+              </a:ext>
+            </a:extLst>
+          </p:cNvPr>
+          <p:cNvPicPr>
+            <a:picLocks noChangeAspect="1"/>
+          </p:cNvPicPr>
+          <p:nvPr/>
+        </p:nvPicPr>
+        <p:blipFill>
+          <a:blip r:embed="rId2"/>
+          <a:stretch>
+            <a:fillRect/>
+          </a:stretch>
+        </p:blipFill>
+        <p:spPr>
+          <a:xfrm>
+            <a:off x="6210910" y="4457813"/>
+            <a:ext cx="5878880" cy="2267020"/>
+          </a:xfrm>
+          <a:prstGeom prst="rect">
+            <a:avLst/>
+          </a:prstGeom>
+        </p:spPr>
+      </p:pic>
+      <p:sp>
+        <p:nvSpPr>
+          <p:cNvPr id="18" name="TextBox 17">
+            <a:extLst>
+              <a:ext uri="{FF2B5EF4-FFF2-40B4-BE49-F238E27FC236}">
+                <a16:creationId xmlns:a16="http://schemas.microsoft.com/office/drawing/2014/main" id="{448CC414-7944-49E3-F93A-ED14491C7A41}"/>
+              </a:ext>
+            </a:extLst>
+          </p:cNvPr>
+          <p:cNvSpPr txBox="1"/>
+          <p:nvPr/>
+        </p:nvSpPr>
+        <p:spPr>
+          <a:xfrm>
+            <a:off x="8299475" y="6601274"/>
+            <a:ext cx="1701750" cy="338554"/>
+          </a:xfrm>
+          <a:prstGeom prst="rect">
+            <a:avLst/>
+          </a:prstGeom>
+          <a:noFill/>
+        </p:spPr>
+        <p:txBody>
+          <a:bodyPr wrap="square">
+            <a:spAutoFit/>
+          </a:bodyPr>
+          <a:lstStyle/>
+          <a:p>
+            <a:r>
+              <a:rPr lang="tr-TR" sz="1600" dirty="0">
+                <a:solidFill>
+                  <a:srgbClr val="2B2D3D"/>
+                </a:solidFill>
+                <a:latin typeface="Georgia"/>
+                <a:cs typeface="+mj-cs"/>
+              </a:rPr>
+              <a:t>LDA </a:t>
+            </a:r>
+            <a:r>
+              <a:rPr lang="tr-TR" sz="1600" dirty="0" err="1">
+                <a:solidFill>
+                  <a:srgbClr val="2B2D3D"/>
+                </a:solidFill>
+                <a:latin typeface="Georgia"/>
+                <a:cs typeface="+mj-cs"/>
+              </a:rPr>
+              <a:t>Results</a:t>
+            </a:r>
+            <a:endParaRPr lang="tr-TR" sz="1600" dirty="0">
+              <a:solidFill>
+                <a:srgbClr val="2B2D3D"/>
+              </a:solidFill>
+              <a:latin typeface="Georgia"/>
+              <a:cs typeface="+mj-cs"/>
+            </a:endParaRPr>
+          </a:p>
+        </p:txBody>
+      </p:sp>
+    </p:spTree>
+    <p:extLst>
+      <p:ext uri="{BB962C8B-B14F-4D97-AF65-F5344CB8AC3E}">
+        <p14:creationId xmlns:p14="http://schemas.microsoft.com/office/powerpoint/2010/main" val="1240072374"/>
+      </p:ext>
+    </p:extLst>
+  </p:cSld>
+  <p:clrMapOvr>
+    <a:masterClrMapping/>
+  </p:clrMapOvr>
+</p:sld>
+</file>
+
+<file path=ppt/slides/slide24.xml><?xml version="1.0" encoding="utf-8"?>
+<p:sld xmlns:a="http://schemas.openxmlformats.org/drawingml/2006/main" xmlns:r="http://schemas.openxmlformats.org/officeDocument/2006/relationships" xmlns:p="http://schemas.openxmlformats.org/presentationml/2006/main">
+  <p:cSld>
+    <p:spTree>
+      <p:nvGrpSpPr>
+        <p:cNvPr id="1" name=""/>
+        <p:cNvGrpSpPr/>
+        <p:nvPr/>
+      </p:nvGrpSpPr>
+      <p:grpSpPr>
+        <a:xfrm>
+          <a:off x="0" y="0"/>
+          <a:ext cx="0" cy="0"/>
+          <a:chOff x="0" y="0"/>
+          <a:chExt cx="0" cy="0"/>
+        </a:xfrm>
+      </p:grpSpPr>
+      <p:grpSp>
+        <p:nvGrpSpPr>
+          <p:cNvPr id="6" name="object 6"/>
+          <p:cNvGrpSpPr/>
+          <p:nvPr/>
+        </p:nvGrpSpPr>
+        <p:grpSpPr>
+          <a:xfrm>
+            <a:off x="0" y="4062768"/>
+            <a:ext cx="4617085" cy="6224270"/>
+            <a:chOff x="0" y="4062768"/>
+            <a:chExt cx="4617085" cy="6224270"/>
+          </a:xfrm>
+        </p:grpSpPr>
+        <p:sp>
+          <p:nvSpPr>
+            <p:cNvPr id="7" name="object 7"/>
+            <p:cNvSpPr/>
+            <p:nvPr/>
+          </p:nvSpPr>
+          <p:spPr>
+            <a:xfrm>
+              <a:off x="0" y="6801866"/>
+              <a:ext cx="4617085" cy="3485515"/>
+            </a:xfrm>
+            <a:custGeom>
+              <a:avLst/>
+              <a:gdLst/>
+              <a:ahLst/>
+              <a:cxnLst/>
+              <a:rect l="l" t="t" r="r" b="b"/>
+              <a:pathLst>
+                <a:path w="4617085" h="3485515">
+                  <a:moveTo>
+                    <a:pt x="1392351" y="0"/>
+                  </a:moveTo>
+                  <a:lnTo>
+                    <a:pt x="0" y="1391813"/>
+                  </a:lnTo>
+                  <a:lnTo>
+                    <a:pt x="0" y="3485132"/>
+                  </a:lnTo>
+                  <a:lnTo>
+                    <a:pt x="4354500" y="3485132"/>
+                  </a:lnTo>
+                  <a:lnTo>
+                    <a:pt x="4616551" y="3222979"/>
+                  </a:lnTo>
+                  <a:lnTo>
+                    <a:pt x="1392351" y="0"/>
+                  </a:lnTo>
+                  <a:close/>
+                </a:path>
+              </a:pathLst>
+            </a:custGeom>
+            <a:solidFill>
+              <a:srgbClr val="484C68"/>
+            </a:solidFill>
+          </p:spPr>
+          <p:txBody>
+            <a:bodyPr wrap="square" lIns="0" tIns="0" rIns="0" bIns="0" rtlCol="0"/>
+            <a:lstStyle/>
+            <a:p>
+              <a:endParaRPr/>
+            </a:p>
+          </p:txBody>
+        </p:sp>
+        <p:sp>
+          <p:nvSpPr>
+            <p:cNvPr id="8" name="object 8"/>
+            <p:cNvSpPr/>
+            <p:nvPr/>
+          </p:nvSpPr>
+          <p:spPr>
+            <a:xfrm>
+              <a:off x="0" y="4062768"/>
+              <a:ext cx="1925955" cy="3851910"/>
+            </a:xfrm>
+            <a:custGeom>
+              <a:avLst/>
+              <a:gdLst/>
+              <a:ahLst/>
+              <a:cxnLst/>
+              <a:rect l="l" t="t" r="r" b="b"/>
+              <a:pathLst>
+                <a:path w="1925955" h="3851909">
+                  <a:moveTo>
+                    <a:pt x="0" y="0"/>
+                  </a:moveTo>
+                  <a:lnTo>
+                    <a:pt x="0" y="3851856"/>
+                  </a:lnTo>
+                  <a:lnTo>
+                    <a:pt x="1925929" y="1925929"/>
+                  </a:lnTo>
+                  <a:lnTo>
+                    <a:pt x="0" y="0"/>
+                  </a:lnTo>
+                  <a:close/>
+                </a:path>
+              </a:pathLst>
+            </a:custGeom>
+            <a:solidFill>
+              <a:srgbClr val="70B1DA"/>
+            </a:solidFill>
+          </p:spPr>
+          <p:txBody>
+            <a:bodyPr wrap="square" lIns="0" tIns="0" rIns="0" bIns="0" rtlCol="0"/>
+            <a:lstStyle/>
+            <a:p>
+              <a:endParaRPr/>
+            </a:p>
+          </p:txBody>
+        </p:sp>
+      </p:grpSp>
+      <p:sp>
+        <p:nvSpPr>
+          <p:cNvPr id="9" name="object 9"/>
+          <p:cNvSpPr txBox="1">
+            <a:spLocks noGrp="1"/>
+          </p:cNvSpPr>
+          <p:nvPr>
+            <p:ph type="title"/>
+          </p:nvPr>
+        </p:nvSpPr>
+        <p:spPr>
+          <a:xfrm>
+            <a:off x="4425950" y="901036"/>
+            <a:ext cx="11963400" cy="582339"/>
+          </a:xfrm>
+          <a:prstGeom prst="rect">
+            <a:avLst/>
+          </a:prstGeom>
+        </p:spPr>
+        <p:txBody>
+          <a:bodyPr vert="horz" wrap="square" lIns="0" tIns="15875" rIns="0" bIns="0" rtlCol="0">
+            <a:spAutoFit/>
+          </a:bodyPr>
+          <a:lstStyle/>
+          <a:p>
+            <a:pPr marL="12700" marR="902335" algn="r" defTabSz="457200">
+              <a:lnSpc>
+                <a:spcPts val="4850"/>
+              </a:lnSpc>
+              <a:spcBef>
+                <a:spcPts val="1195"/>
+              </a:spcBef>
+            </a:pPr>
+            <a:r>
+              <a:rPr lang="en-US" sz="3200" dirty="0">
+                <a:solidFill>
+                  <a:srgbClr val="2B2D3D"/>
+                </a:solidFill>
+                <a:latin typeface="Georgia"/>
+                <a:ea typeface="+mn-ea"/>
+              </a:rPr>
+              <a:t>Quadratic Discriminant Analysis (QDA)</a:t>
+            </a:r>
+          </a:p>
+        </p:txBody>
+      </p:sp>
+      <p:sp>
+        <p:nvSpPr>
+          <p:cNvPr id="15" name="object 15"/>
+          <p:cNvSpPr/>
+          <p:nvPr/>
+        </p:nvSpPr>
+        <p:spPr>
+          <a:xfrm>
+            <a:off x="11512550" y="1577747"/>
+            <a:ext cx="4048125" cy="95250"/>
+          </a:xfrm>
+          <a:custGeom>
+            <a:avLst/>
+            <a:gdLst/>
+            <a:ahLst/>
+            <a:cxnLst/>
+            <a:rect l="l" t="t" r="r" b="b"/>
+            <a:pathLst>
+              <a:path w="4048125" h="95250">
+                <a:moveTo>
+                  <a:pt x="4048125" y="0"/>
+                </a:moveTo>
+                <a:lnTo>
+                  <a:pt x="0" y="0"/>
+                </a:lnTo>
+                <a:lnTo>
+                  <a:pt x="0" y="95250"/>
+                </a:lnTo>
+                <a:lnTo>
+                  <a:pt x="4048125" y="95250"/>
+                </a:lnTo>
+                <a:lnTo>
+                  <a:pt x="4048125" y="0"/>
+                </a:lnTo>
+                <a:close/>
+              </a:path>
+            </a:pathLst>
+          </a:custGeom>
+          <a:solidFill>
+            <a:srgbClr val="70B1DA"/>
+          </a:solidFill>
+        </p:spPr>
+        <p:txBody>
+          <a:bodyPr wrap="square" lIns="0" tIns="0" rIns="0" bIns="0" rtlCol="0"/>
+          <a:lstStyle/>
+          <a:p>
+            <a:endParaRPr/>
+          </a:p>
+        </p:txBody>
+      </p:sp>
+      <p:sp>
+        <p:nvSpPr>
+          <p:cNvPr id="4" name="object 5">
+            <a:extLst>
+              <a:ext uri="{FF2B5EF4-FFF2-40B4-BE49-F238E27FC236}">
+                <a16:creationId xmlns:a16="http://schemas.microsoft.com/office/drawing/2014/main" id="{14047E5D-091E-28E3-E740-CC689EA48228}"/>
+              </a:ext>
+            </a:extLst>
+          </p:cNvPr>
+          <p:cNvSpPr/>
+          <p:nvPr/>
+        </p:nvSpPr>
+        <p:spPr>
+          <a:xfrm>
+            <a:off x="15062454" y="6675004"/>
+            <a:ext cx="3225800" cy="3612515"/>
+          </a:xfrm>
+          <a:custGeom>
+            <a:avLst/>
+            <a:gdLst/>
+            <a:ahLst/>
+            <a:cxnLst/>
+            <a:rect l="l" t="t" r="r" b="b"/>
+            <a:pathLst>
+              <a:path w="3225800" h="3612515">
+                <a:moveTo>
+                  <a:pt x="3224287" y="0"/>
+                </a:moveTo>
+                <a:lnTo>
+                  <a:pt x="0" y="3225457"/>
+                </a:lnTo>
+                <a:lnTo>
+                  <a:pt x="386694" y="3611994"/>
+                </a:lnTo>
+                <a:lnTo>
+                  <a:pt x="3225506" y="3611994"/>
+                </a:lnTo>
+                <a:lnTo>
+                  <a:pt x="3225506" y="1219"/>
+                </a:lnTo>
+                <a:lnTo>
+                  <a:pt x="3224287" y="0"/>
+                </a:lnTo>
+                <a:close/>
+              </a:path>
+            </a:pathLst>
+          </a:custGeom>
+          <a:solidFill>
+            <a:srgbClr val="70B1DA"/>
+          </a:solidFill>
+        </p:spPr>
+        <p:txBody>
+          <a:bodyPr wrap="square" lIns="0" tIns="0" rIns="0" bIns="0" rtlCol="0"/>
+          <a:lstStyle/>
+          <a:p>
+            <a:endParaRPr/>
+          </a:p>
+        </p:txBody>
+      </p:sp>
+      <p:sp>
+        <p:nvSpPr>
           <p:cNvPr id="17" name="TextBox 16">
             <a:extLst>
               <a:ext uri="{FF2B5EF4-FFF2-40B4-BE49-F238E27FC236}">
@@ -16442,7 +13767,7 @@
           <p:nvPr/>
         </p:nvPicPr>
         <p:blipFill>
-          <a:blip r:embed="rId3"/>
+          <a:blip r:embed="rId2"/>
           <a:stretch>
             <a:fillRect/>
           </a:stretch>
@@ -16538,7 +13863,7 @@
 </p:sld>
 </file>
 
-<file path=ppt/slides/slide24.xml><?xml version="1.0" encoding="utf-8"?>
+<file path=ppt/slides/slide25.xml><?xml version="1.0" encoding="utf-8"?>
 <p:sld xmlns:a="http://schemas.openxmlformats.org/drawingml/2006/main" xmlns:r="http://schemas.openxmlformats.org/officeDocument/2006/relationships" xmlns:p="http://schemas.openxmlformats.org/presentationml/2006/main">
   <p:cSld>
     <p:spTree>
@@ -16861,8 +14186,8 @@
         </p:nvSpPr>
         <p:spPr>
           <a:xfrm>
-            <a:off x="1127707" y="3649514"/>
-            <a:ext cx="9150350" cy="646331"/>
+            <a:off x="1377950" y="2997939"/>
+            <a:ext cx="9150350" cy="3139321"/>
           </a:xfrm>
           <a:prstGeom prst="rect">
             <a:avLst/>
@@ -16883,7 +14208,103 @@
                 <a:latin typeface="Georgia"/>
                 <a:cs typeface="+mj-cs"/>
               </a:rPr>
-              <a:t>This study compares the performance of multiple predictive models for employee attrition classification, focusing on Logistic Regression , LDA, and QDA. </a:t>
+              <a:t>This study compares the performance of multiple predictive models for employee attrition classification, focusing on Logistic Regression , LDA, and QDA. Each model was evaluated using Accuracy, F1 Score, Precision, and Recall.  </a:t>
+            </a:r>
+            <a:endParaRPr lang="tr-TR" dirty="0">
+              <a:solidFill>
+                <a:srgbClr val="2B2D3D"/>
+              </a:solidFill>
+              <a:latin typeface="Georgia"/>
+              <a:cs typeface="+mj-cs"/>
+            </a:endParaRPr>
+          </a:p>
+          <a:p>
+            <a:endParaRPr lang="tr-TR" dirty="0">
+              <a:solidFill>
+                <a:srgbClr val="2B2D3D"/>
+              </a:solidFill>
+              <a:latin typeface="Georgia"/>
+              <a:cs typeface="+mj-cs"/>
+            </a:endParaRPr>
+          </a:p>
+          <a:p>
+            <a:r>
+              <a:rPr lang="en-US" dirty="0">
+                <a:solidFill>
+                  <a:srgbClr val="2B2D3D"/>
+                </a:solidFill>
+                <a:latin typeface="Georgia"/>
+                <a:cs typeface="+mj-cs"/>
+              </a:rPr>
+              <a:t>Three variations were examined: Basic Logistic Classifier, Logistic Regression with Backward Stepwise Search, and Logistic Regression with Elastic Net Regularization. </a:t>
+            </a:r>
+            <a:endParaRPr lang="tr-TR" dirty="0">
+              <a:solidFill>
+                <a:srgbClr val="2B2D3D"/>
+              </a:solidFill>
+              <a:latin typeface="Georgia"/>
+              <a:cs typeface="+mj-cs"/>
+            </a:endParaRPr>
+          </a:p>
+          <a:p>
+            <a:endParaRPr lang="tr-TR" dirty="0">
+              <a:solidFill>
+                <a:srgbClr val="2B2D3D"/>
+              </a:solidFill>
+              <a:latin typeface="Georgia"/>
+              <a:cs typeface="+mj-cs"/>
+            </a:endParaRPr>
+          </a:p>
+          <a:p>
+            <a:r>
+              <a:rPr lang="en-US" dirty="0">
+                <a:solidFill>
+                  <a:srgbClr val="2B2D3D"/>
+                </a:solidFill>
+                <a:latin typeface="Georgia"/>
+                <a:cs typeface="+mj-cs"/>
+              </a:rPr>
+              <a:t>In conclusion, </a:t>
+            </a:r>
+            <a:r>
+              <a:rPr lang="en-US" b="1" dirty="0">
+                <a:solidFill>
+                  <a:srgbClr val="2B2D3D"/>
+                </a:solidFill>
+                <a:latin typeface="Georgia"/>
+                <a:cs typeface="+mj-cs"/>
+              </a:rPr>
+              <a:t>the Elastic Net regularization approach in logistic regression (</a:t>
+            </a:r>
+            <a:r>
+              <a:rPr lang="en-US" b="1" dirty="0" err="1">
+                <a:solidFill>
+                  <a:srgbClr val="2B2D3D"/>
+                </a:solidFill>
+                <a:latin typeface="Georgia"/>
+                <a:cs typeface="+mj-cs"/>
+              </a:rPr>
+              <a:t>gml.ELNET</a:t>
+            </a:r>
+            <a:r>
+              <a:rPr lang="en-US" b="1" dirty="0">
+                <a:solidFill>
+                  <a:srgbClr val="2B2D3D"/>
+                </a:solidFill>
+                <a:latin typeface="Georgia"/>
+                <a:cs typeface="+mj-cs"/>
+              </a:rPr>
+              <a:t>) </a:t>
+            </a:r>
+            <a:r>
+              <a:rPr lang="en-US" dirty="0">
+                <a:solidFill>
+                  <a:srgbClr val="2B2D3D"/>
+                </a:solidFill>
+                <a:latin typeface="Georgia"/>
+                <a:cs typeface="+mj-cs"/>
+              </a:rPr>
+              <a:t>emerged as the best performer due to its optimal balance of generalization, precision, and recall. This model is recommended for practical applications in predicting employee attrition and devising targeted retention strategies.</a:t>
             </a:r>
             <a:endParaRPr lang="tr-TR" dirty="0">
               <a:solidFill>
@@ -16910,14 +14331,14 @@
           <p:nvPr/>
         </p:nvPicPr>
         <p:blipFill>
-          <a:blip r:embed="rId3"/>
+          <a:blip r:embed="rId2"/>
           <a:stretch>
             <a:fillRect/>
           </a:stretch>
         </p:blipFill>
         <p:spPr>
           <a:xfrm>
-            <a:off x="1127707" y="4557982"/>
+            <a:off x="844550" y="6137260"/>
             <a:ext cx="15431205" cy="3931990"/>
           </a:xfrm>
           <a:prstGeom prst="rect">
@@ -16925,266 +14346,6 @@
           </a:prstGeom>
         </p:spPr>
       </p:pic>
-      <p:sp>
-        <p:nvSpPr>
-          <p:cNvPr id="8" name="Rectangle 7">
-            <a:extLst>
-              <a:ext uri="{FF2B5EF4-FFF2-40B4-BE49-F238E27FC236}">
-                <a16:creationId xmlns:a16="http://schemas.microsoft.com/office/drawing/2014/main" id="{89AE960C-07DF-BD12-8479-6CBA8236814B}"/>
-              </a:ext>
-            </a:extLst>
-          </p:cNvPr>
-          <p:cNvSpPr/>
-          <p:nvPr/>
-        </p:nvSpPr>
-        <p:spPr>
-          <a:xfrm>
-            <a:off x="11948106" y="6615493"/>
-            <a:ext cx="1240843" cy="568101"/>
-          </a:xfrm>
-          <a:prstGeom prst="rect">
-            <a:avLst/>
-          </a:prstGeom>
-          <a:solidFill>
-            <a:srgbClr val="70AD47">
-              <a:alpha val="30196"/>
-            </a:srgbClr>
-          </a:solidFill>
-          <a:ln>
-            <a:noFill/>
-          </a:ln>
-        </p:spPr>
-        <p:style>
-          <a:lnRef idx="0">
-            <a:scrgbClr r="0" g="0" b="0"/>
-          </a:lnRef>
-          <a:fillRef idx="0">
-            <a:scrgbClr r="0" g="0" b="0"/>
-          </a:fillRef>
-          <a:effectRef idx="0">
-            <a:scrgbClr r="0" g="0" b="0"/>
-          </a:effectRef>
-          <a:fontRef idx="minor">
-            <a:schemeClr val="lt1"/>
-          </a:fontRef>
-        </p:style>
-        <p:txBody>
-          <a:bodyPr rtlCol="0" anchor="ctr"/>
-          <a:lstStyle/>
-          <a:p>
-            <a:pPr algn="ctr"/>
-            <a:endParaRPr lang="en-US" b="1">
-              <a:ln w="22225">
-                <a:solidFill>
-                  <a:schemeClr val="accent2"/>
-                </a:solidFill>
-                <a:prstDash val="solid"/>
-              </a:ln>
-              <a:solidFill>
-                <a:schemeClr val="accent2">
-                  <a:lumMod val="40000"/>
-                  <a:lumOff val="60000"/>
-                </a:schemeClr>
-              </a:solidFill>
-            </a:endParaRPr>
-          </a:p>
-        </p:txBody>
-      </p:sp>
-      <p:sp>
-        <p:nvSpPr>
-          <p:cNvPr id="14" name="Rectangle 13">
-            <a:extLst>
-              <a:ext uri="{FF2B5EF4-FFF2-40B4-BE49-F238E27FC236}">
-                <a16:creationId xmlns:a16="http://schemas.microsoft.com/office/drawing/2014/main" id="{AD631A9B-1071-5930-CFCC-122AB3DB8F98}"/>
-              </a:ext>
-            </a:extLst>
-          </p:cNvPr>
-          <p:cNvSpPr/>
-          <p:nvPr/>
-        </p:nvSpPr>
-        <p:spPr>
-          <a:xfrm>
-            <a:off x="15294176" y="6615492"/>
-            <a:ext cx="1240843" cy="568101"/>
-          </a:xfrm>
-          <a:prstGeom prst="rect">
-            <a:avLst/>
-          </a:prstGeom>
-          <a:solidFill>
-            <a:srgbClr val="70AD47">
-              <a:alpha val="30196"/>
-            </a:srgbClr>
-          </a:solidFill>
-          <a:ln>
-            <a:noFill/>
-          </a:ln>
-        </p:spPr>
-        <p:style>
-          <a:lnRef idx="0">
-            <a:scrgbClr r="0" g="0" b="0"/>
-          </a:lnRef>
-          <a:fillRef idx="0">
-            <a:scrgbClr r="0" g="0" b="0"/>
-          </a:fillRef>
-          <a:effectRef idx="0">
-            <a:scrgbClr r="0" g="0" b="0"/>
-          </a:effectRef>
-          <a:fontRef idx="minor">
-            <a:schemeClr val="lt1"/>
-          </a:fontRef>
-        </p:style>
-        <p:txBody>
-          <a:bodyPr rtlCol="0" anchor="ctr"/>
-          <a:lstStyle/>
-          <a:p>
-            <a:pPr algn="ctr"/>
-            <a:endParaRPr lang="en-US" b="1">
-              <a:ln w="22225">
-                <a:solidFill>
-                  <a:schemeClr val="accent2"/>
-                </a:solidFill>
-                <a:prstDash val="solid"/>
-              </a:ln>
-              <a:solidFill>
-                <a:schemeClr val="accent2">
-                  <a:lumMod val="40000"/>
-                  <a:lumOff val="60000"/>
-                </a:schemeClr>
-              </a:solidFill>
-            </a:endParaRPr>
-          </a:p>
-        </p:txBody>
-      </p:sp>
-      <p:sp>
-        <p:nvSpPr>
-          <p:cNvPr id="15" name="Rectangle 14">
-            <a:extLst>
-              <a:ext uri="{FF2B5EF4-FFF2-40B4-BE49-F238E27FC236}">
-                <a16:creationId xmlns:a16="http://schemas.microsoft.com/office/drawing/2014/main" id="{603C3CE6-04BC-8DEC-6551-FEB99A8F8E17}"/>
-              </a:ext>
-            </a:extLst>
-          </p:cNvPr>
-          <p:cNvSpPr/>
-          <p:nvPr/>
-        </p:nvSpPr>
-        <p:spPr>
-          <a:xfrm>
-            <a:off x="10056040" y="7108004"/>
-            <a:ext cx="1240843" cy="568101"/>
-          </a:xfrm>
-          <a:prstGeom prst="rect">
-            <a:avLst/>
-          </a:prstGeom>
-          <a:solidFill>
-            <a:srgbClr val="70AD47">
-              <a:alpha val="30196"/>
-            </a:srgbClr>
-          </a:solidFill>
-          <a:ln>
-            <a:noFill/>
-          </a:ln>
-        </p:spPr>
-        <p:style>
-          <a:lnRef idx="0">
-            <a:scrgbClr r="0" g="0" b="0"/>
-          </a:lnRef>
-          <a:fillRef idx="0">
-            <a:scrgbClr r="0" g="0" b="0"/>
-          </a:fillRef>
-          <a:effectRef idx="0">
-            <a:scrgbClr r="0" g="0" b="0"/>
-          </a:effectRef>
-          <a:fontRef idx="minor">
-            <a:schemeClr val="lt1"/>
-          </a:fontRef>
-        </p:style>
-        <p:txBody>
-          <a:bodyPr rtlCol="0" anchor="ctr"/>
-          <a:lstStyle/>
-          <a:p>
-            <a:pPr algn="ctr"/>
-            <a:endParaRPr lang="en-US" b="1">
-              <a:ln w="22225">
-                <a:solidFill>
-                  <a:schemeClr val="accent2"/>
-                </a:solidFill>
-                <a:prstDash val="solid"/>
-              </a:ln>
-              <a:solidFill>
-                <a:schemeClr val="accent2">
-                  <a:lumMod val="40000"/>
-                  <a:lumOff val="60000"/>
-                </a:schemeClr>
-              </a:solidFill>
-            </a:endParaRPr>
-          </a:p>
-        </p:txBody>
-      </p:sp>
-      <p:sp>
-        <p:nvSpPr>
-          <p:cNvPr id="16" name="Rectangle 15">
-            <a:extLst>
-              <a:ext uri="{FF2B5EF4-FFF2-40B4-BE49-F238E27FC236}">
-                <a16:creationId xmlns:a16="http://schemas.microsoft.com/office/drawing/2014/main" id="{E29A69E0-1F85-EFF4-D7BD-D10E9B2F355F}"/>
-              </a:ext>
-            </a:extLst>
-          </p:cNvPr>
-          <p:cNvSpPr/>
-          <p:nvPr/>
-        </p:nvSpPr>
-        <p:spPr>
-          <a:xfrm>
-            <a:off x="13835636" y="7136054"/>
-            <a:ext cx="1240843" cy="568101"/>
-          </a:xfrm>
-          <a:prstGeom prst="rect">
-            <a:avLst/>
-          </a:prstGeom>
-          <a:solidFill>
-            <a:srgbClr val="70AD47">
-              <a:alpha val="30196"/>
-            </a:srgbClr>
-          </a:solidFill>
-          <a:ln>
-            <a:noFill/>
-          </a:ln>
-        </p:spPr>
-        <p:style>
-          <a:lnRef idx="0">
-            <a:scrgbClr r="0" g="0" b="0"/>
-          </a:lnRef>
-          <a:fillRef idx="0">
-            <a:scrgbClr r="0" g="0" b="0"/>
-          </a:fillRef>
-          <a:effectRef idx="0">
-            <a:scrgbClr r="0" g="0" b="0"/>
-          </a:effectRef>
-          <a:fontRef idx="minor">
-            <a:schemeClr val="lt1"/>
-          </a:fontRef>
-        </p:style>
-        <p:txBody>
-          <a:bodyPr rtlCol="0" anchor="ctr"/>
-          <a:lstStyle/>
-          <a:p>
-            <a:pPr algn="ctr"/>
-            <a:endParaRPr lang="en-US" b="1">
-              <a:ln w="22225">
-                <a:solidFill>
-                  <a:schemeClr val="accent2"/>
-                </a:solidFill>
-                <a:prstDash val="solid"/>
-              </a:ln>
-              <a:solidFill>
-                <a:schemeClr val="accent2">
-                  <a:lumMod val="40000"/>
-                  <a:lumOff val="60000"/>
-                </a:schemeClr>
-              </a:solidFill>
-            </a:endParaRPr>
-          </a:p>
-        </p:txBody>
-      </p:sp>
     </p:spTree>
     <p:extLst>
       <p:ext uri="{BB962C8B-B14F-4D97-AF65-F5344CB8AC3E}">
@@ -17198,7 +14359,7 @@
 </p:sld>
 </file>
 
-<file path=ppt/slides/slide25.xml><?xml version="1.0" encoding="utf-8"?>
+<file path=ppt/slides/slide26.xml><?xml version="1.0" encoding="utf-8"?>
 <p:sld xmlns:a="http://schemas.openxmlformats.org/drawingml/2006/main" xmlns:r="http://schemas.openxmlformats.org/officeDocument/2006/relationships" xmlns:p="http://schemas.openxmlformats.org/presentationml/2006/main">
   <p:cSld>
     <p:spTree>
@@ -18078,7 +15239,7 @@
             <p:nvPr/>
           </p:nvPicPr>
           <p:blipFill>
-            <a:blip r:embed="rId3" cstate="print"/>
+            <a:blip r:embed="rId2" cstate="print"/>
             <a:stretch>
               <a:fillRect/>
             </a:stretch>
@@ -18992,7 +16153,7 @@
             <p:nvPr/>
           </p:nvPicPr>
           <p:blipFill>
-            <a:blip r:embed="rId4" cstate="print"/>
+            <a:blip r:embed="rId3" cstate="print"/>
             <a:stretch>
               <a:fillRect/>
             </a:stretch>
@@ -19295,7 +16456,7 @@
           <p:nvPr/>
         </p:nvPicPr>
         <p:blipFill>
-          <a:blip r:embed="rId5" cstate="print"/>
+          <a:blip r:embed="rId4" cstate="print"/>
           <a:stretch>
             <a:fillRect/>
           </a:stretch>
@@ -19887,7 +17048,7 @@
         </p:nvSpPr>
         <p:spPr>
           <a:xfrm>
-            <a:off x="578485" y="686598"/>
+            <a:off x="4083050" y="876186"/>
             <a:ext cx="8077200" cy="1210716"/>
           </a:xfrm>
           <a:prstGeom prst="rect">
@@ -19909,6 +17070,16 @@
               </a:spcBef>
             </a:pPr>
             <a:r>
+              <a:rPr lang="en-US" sz="3200" dirty="0" err="1">
+                <a:solidFill>
+                  <a:srgbClr val="2B2D3D"/>
+                </a:solidFill>
+                <a:latin typeface="Georgia"/>
+                <a:ea typeface="+mn-ea"/>
+              </a:rPr>
+              <a:t>Exploraty</a:t>
+            </a:r>
+            <a:r>
               <a:rPr lang="en-US" sz="3200" dirty="0">
                 <a:solidFill>
                   <a:srgbClr val="2B2D3D"/>
@@ -19916,7 +17087,27 @@
                 <a:latin typeface="Georgia"/>
                 <a:ea typeface="+mn-ea"/>
               </a:rPr>
-              <a:t>Exploratory Data Analysis (EDA) </a:t>
+              <a:t> Data </a:t>
+            </a:r>
+            <a:r>
+              <a:rPr lang="en-US" sz="3200" dirty="0" err="1">
+                <a:solidFill>
+                  <a:srgbClr val="2B2D3D"/>
+                </a:solidFill>
+                <a:latin typeface="Georgia"/>
+                <a:ea typeface="+mn-ea"/>
+              </a:rPr>
+              <a:t>Anlaysis</a:t>
+            </a:r>
+            <a:r>
+              <a:rPr lang="en-US" sz="3200" dirty="0">
+                <a:solidFill>
+                  <a:srgbClr val="2B2D3D"/>
+                </a:solidFill>
+                <a:latin typeface="Georgia"/>
+                <a:ea typeface="+mn-ea"/>
+              </a:rPr>
+              <a:t> (EDA) </a:t>
             </a:r>
             <a:br>
               <a:rPr lang="tr-TR" sz="3200" dirty="0">
@@ -19948,7 +17139,7 @@
         </p:nvSpPr>
         <p:spPr>
           <a:xfrm>
-            <a:off x="3740150" y="2096209"/>
+            <a:off x="7496175" y="2178050"/>
             <a:ext cx="4048125" cy="95250"/>
           </a:xfrm>
           <a:custGeom>
@@ -20004,8 +17195,8 @@
         </p:nvSpPr>
         <p:spPr>
           <a:xfrm>
-            <a:off x="2937510" y="3457424"/>
-            <a:ext cx="9701530" cy="4377480"/>
+            <a:off x="4064000" y="3159394"/>
+            <a:ext cx="8286750" cy="5885586"/>
           </a:xfrm>
           <a:prstGeom prst="rect">
             <a:avLst/>
@@ -20026,7 +17217,7 @@
               </a:spcBef>
             </a:pPr>
             <a:r>
-              <a:rPr dirty="0">
+              <a:rPr sz="2400" dirty="0">
                 <a:solidFill>
                   <a:srgbClr val="2B2D3D"/>
                 </a:solidFill>
@@ -20046,46 +17237,16 @@
               </a:spcBef>
             </a:pPr>
             <a:r>
-              <a:rPr dirty="0">
-                <a:solidFill>
-                  <a:srgbClr val="2B2D3D"/>
-                </a:solidFill>
-                <a:latin typeface="Georgia"/>
-                <a:cs typeface="+mj-cs"/>
-              </a:rPr>
-              <a:t>Employee.ID and Company.Tenure dropped as they are not useful for predictive modeling.</a:t>
-            </a:r>
-            <a:r>
-              <a:rPr lang="tr-TR" dirty="0">
-                <a:solidFill>
-                  <a:srgbClr val="2B2D3D"/>
-                </a:solidFill>
-                <a:latin typeface="Georgia"/>
-                <a:cs typeface="+mj-cs"/>
-              </a:rPr>
-              <a:t> </a:t>
-            </a:r>
-            <a:r>
-              <a:rPr dirty="0" err="1">
-                <a:solidFill>
-                  <a:srgbClr val="2B2D3D"/>
-                </a:solidFill>
-                <a:latin typeface="Georgia"/>
-                <a:cs typeface="+mj-cs"/>
-              </a:rPr>
-              <a:t>Company.Tenure</a:t>
-            </a:r>
-            <a:r>
-              <a:rPr dirty="0">
-                <a:solidFill>
-                  <a:srgbClr val="2B2D3D"/>
-                </a:solidFill>
-                <a:latin typeface="Georgia"/>
-                <a:cs typeface="+mj-cs"/>
-              </a:rPr>
-              <a:t>  column gives logically incorrect numerical values.</a:t>
-            </a:r>
-            <a:endParaRPr lang="tr-TR" dirty="0">
+              <a:rPr sz="2000" dirty="0">
+                <a:solidFill>
+                  <a:srgbClr val="2B2D3D"/>
+                </a:solidFill>
+                <a:latin typeface="Georgia"/>
+                <a:cs typeface="+mj-cs"/>
+              </a:rPr>
+              <a:t>Employee.ID and Company.Tenure dropped as they are not useful for predictive modeling.Company.Tenure  column gives logically incorrect numerical values.</a:t>
+            </a:r>
+            <a:endParaRPr lang="tr-TR" sz="2000" dirty="0">
               <a:solidFill>
                 <a:srgbClr val="2B2D3D"/>
               </a:solidFill>
@@ -20102,7 +17263,7 @@
                 <a:spcPts val="1165"/>
               </a:spcBef>
             </a:pPr>
-            <a:endParaRPr lang="tr-TR" dirty="0">
+            <a:endParaRPr lang="tr-TR" sz="2400" dirty="0">
               <a:solidFill>
                 <a:srgbClr val="2B2D3D"/>
               </a:solidFill>
@@ -20117,7 +17278,7 @@
               </a:spcBef>
             </a:pPr>
             <a:r>
-              <a:rPr lang="en-US" dirty="0">
+              <a:rPr lang="en-US" sz="2400" dirty="0">
                 <a:solidFill>
                   <a:srgbClr val="2B2D3D"/>
                 </a:solidFill>
@@ -20134,7 +17295,7 @@
               </a:spcBef>
             </a:pPr>
             <a:r>
-              <a:rPr lang="en-US" dirty="0">
+              <a:rPr lang="en-US" sz="2000" dirty="0">
                 <a:solidFill>
                   <a:srgbClr val="2B2D3D"/>
                 </a:solidFill>
@@ -20144,7 +17305,7 @@
               <a:t>Some numeric columns are converted that represent categories (</a:t>
             </a:r>
             <a:r>
-              <a:rPr lang="en-US" dirty="0" err="1">
+              <a:rPr lang="en-US" sz="2000" dirty="0" err="1">
                 <a:solidFill>
                   <a:srgbClr val="2B2D3D"/>
                 </a:solidFill>
@@ -20154,7 +17315,7 @@
               <a:t>Number.of.Promotions</a:t>
             </a:r>
             <a:r>
-              <a:rPr lang="en-US" dirty="0">
+              <a:rPr lang="en-US" sz="2000" dirty="0">
                 <a:solidFill>
                   <a:srgbClr val="2B2D3D"/>
                 </a:solidFill>
@@ -20164,7 +17325,7 @@
               <a:t>, </a:t>
             </a:r>
             <a:r>
-              <a:rPr lang="en-US" dirty="0" err="1">
+              <a:rPr lang="en-US" sz="2000" dirty="0" err="1">
                 <a:solidFill>
                   <a:srgbClr val="2B2D3D"/>
                 </a:solidFill>
@@ -20174,7 +17335,7 @@
               <a:t>Number.of.Dependents</a:t>
             </a:r>
             <a:r>
-              <a:rPr lang="en-US" dirty="0">
+              <a:rPr lang="en-US" sz="2000" dirty="0">
                 <a:solidFill>
                   <a:srgbClr val="2B2D3D"/>
                 </a:solidFill>
@@ -20183,7 +17344,7 @@
               </a:rPr>
               <a:t>) to factors to treat them appropriately in analyses and visualizations.</a:t>
             </a:r>
-            <a:endParaRPr lang="tr-TR" dirty="0">
+            <a:endParaRPr lang="tr-TR" sz="2000" dirty="0">
               <a:solidFill>
                 <a:srgbClr val="2B2D3D"/>
               </a:solidFill>
@@ -20200,7 +17361,7 @@
                 <a:spcPts val="1165"/>
               </a:spcBef>
             </a:pPr>
-            <a:endParaRPr lang="tr-TR" dirty="0">
+            <a:endParaRPr lang="tr-TR" sz="2000" dirty="0">
               <a:solidFill>
                 <a:srgbClr val="2B2D3D"/>
               </a:solidFill>
@@ -20215,7 +17376,7 @@
               </a:spcBef>
             </a:pPr>
             <a:r>
-              <a:rPr lang="en-US" dirty="0">
+              <a:rPr lang="en-US" sz="2400" dirty="0">
                 <a:solidFill>
                   <a:srgbClr val="2B2D3D"/>
                 </a:solidFill>
@@ -20235,7 +17396,7 @@
               </a:spcBef>
             </a:pPr>
             <a:r>
-              <a:rPr lang="en-US" dirty="0">
+              <a:rPr lang="en-US" sz="2000" dirty="0">
                 <a:solidFill>
                   <a:srgbClr val="2B2D3D"/>
                 </a:solidFill>
@@ -20282,195 +17443,8 @@
         </p:blipFill>
         <p:spPr>
           <a:xfrm>
-            <a:off x="14560550" y="3668138"/>
-            <a:ext cx="3223260" cy="6243656"/>
-          </a:xfrm>
-          <a:prstGeom prst="rect">
-            <a:avLst/>
-          </a:prstGeom>
-        </p:spPr>
-      </p:pic>
-      <p:pic>
-        <p:nvPicPr>
-          <p:cNvPr id="3" name="Picture 2">
-            <a:extLst>
-              <a:ext uri="{FF2B5EF4-FFF2-40B4-BE49-F238E27FC236}">
-                <a16:creationId xmlns:a16="http://schemas.microsoft.com/office/drawing/2014/main" id="{D4F1BE3A-542A-C0E9-4401-815E07976F0D}"/>
-              </a:ext>
-            </a:extLst>
-          </p:cNvPr>
-          <p:cNvPicPr>
-            <a:picLocks noChangeAspect="1"/>
-          </p:cNvPicPr>
-          <p:nvPr/>
-        </p:nvPicPr>
-        <p:blipFill rotWithShape="1">
-          <a:blip r:embed="rId3"/>
-          <a:srcRect r="52845" b="42066"/>
-          <a:stretch/>
-        </p:blipFill>
-        <p:spPr>
-          <a:xfrm>
-            <a:off x="9378950" y="733830"/>
-            <a:ext cx="8077200" cy="2915258"/>
-          </a:xfrm>
-          <a:prstGeom prst="rect">
-            <a:avLst/>
-          </a:prstGeom>
-        </p:spPr>
-      </p:pic>
-      <p:sp>
-        <p:nvSpPr>
-          <p:cNvPr id="10" name="TextBox 9">
-            <a:extLst>
-              <a:ext uri="{FF2B5EF4-FFF2-40B4-BE49-F238E27FC236}">
-                <a16:creationId xmlns:a16="http://schemas.microsoft.com/office/drawing/2014/main" id="{A05A39AE-E7C6-9DFB-0756-71EBDEB172FF}"/>
-              </a:ext>
-            </a:extLst>
-          </p:cNvPr>
-          <p:cNvSpPr txBox="1"/>
-          <p:nvPr/>
-        </p:nvSpPr>
-        <p:spPr>
-          <a:xfrm>
-            <a:off x="8902701" y="2941305"/>
-            <a:ext cx="9251950" cy="523220"/>
-          </a:xfrm>
-          <a:prstGeom prst="rect">
-            <a:avLst/>
-          </a:prstGeom>
-          <a:noFill/>
-        </p:spPr>
-        <p:txBody>
-          <a:bodyPr wrap="square">
-            <a:spAutoFit/>
-          </a:bodyPr>
-          <a:lstStyle/>
-          <a:p>
-            <a:r>
-              <a:rPr lang="en-US" dirty="0">
-                <a:solidFill>
-                  <a:srgbClr val="2B2D3D"/>
-                </a:solidFill>
-                <a:latin typeface="Georgia"/>
-                <a:cs typeface="+mj-cs"/>
-              </a:rPr>
-              <a:t> "The number of rows where </a:t>
-            </a:r>
-            <a:r>
-              <a:rPr lang="en-US" dirty="0" err="1">
-                <a:solidFill>
-                  <a:srgbClr val="2B2D3D"/>
-                </a:solidFill>
-                <a:latin typeface="Georgia"/>
-                <a:cs typeface="+mj-cs"/>
-              </a:rPr>
-              <a:t>Company.Tenure</a:t>
-            </a:r>
-            <a:r>
-              <a:rPr lang="en-US" dirty="0">
-                <a:solidFill>
-                  <a:srgbClr val="2B2D3D"/>
-                </a:solidFill>
-                <a:latin typeface="Georgia"/>
-                <a:cs typeface="+mj-cs"/>
-              </a:rPr>
-              <a:t> is &gt;= 60 : </a:t>
-            </a:r>
-            <a:r>
-              <a:rPr lang="en-US" sz="2800" b="1" dirty="0">
-                <a:solidFill>
-                  <a:srgbClr val="2B2D3D"/>
-                </a:solidFill>
-                <a:latin typeface="Georgia"/>
-                <a:cs typeface="+mj-cs"/>
-              </a:rPr>
-              <a:t>45.16</a:t>
-            </a:r>
-            <a:r>
-              <a:rPr lang="tr-TR" sz="2800" b="1" dirty="0">
-                <a:solidFill>
-                  <a:srgbClr val="2B2D3D"/>
-                </a:solidFill>
-                <a:latin typeface="Georgia"/>
-                <a:cs typeface="+mj-cs"/>
-              </a:rPr>
-              <a:t>%</a:t>
-            </a:r>
-            <a:r>
-              <a:rPr lang="en-US" dirty="0">
-                <a:solidFill>
-                  <a:srgbClr val="2B2D3D"/>
-                </a:solidFill>
-                <a:latin typeface="Georgia"/>
-                <a:cs typeface="+mj-cs"/>
-              </a:rPr>
-              <a:t>"</a:t>
-            </a:r>
-            <a:endParaRPr lang="tr-TR" dirty="0">
-              <a:solidFill>
-                <a:srgbClr val="2B2D3D"/>
-              </a:solidFill>
-              <a:latin typeface="Georgia"/>
-              <a:cs typeface="+mj-cs"/>
-            </a:endParaRPr>
-          </a:p>
-        </p:txBody>
-      </p:sp>
-      <p:pic>
-        <p:nvPicPr>
-          <p:cNvPr id="13" name="Picture 12">
-            <a:extLst>
-              <a:ext uri="{FF2B5EF4-FFF2-40B4-BE49-F238E27FC236}">
-                <a16:creationId xmlns:a16="http://schemas.microsoft.com/office/drawing/2014/main" id="{D0B442DC-285D-4F19-3299-8910DB0CA368}"/>
-              </a:ext>
-            </a:extLst>
-          </p:cNvPr>
-          <p:cNvPicPr>
-            <a:picLocks noChangeAspect="1"/>
-          </p:cNvPicPr>
-          <p:nvPr/>
-        </p:nvPicPr>
-        <p:blipFill>
-          <a:blip r:embed="rId4"/>
-          <a:stretch>
-            <a:fillRect/>
-          </a:stretch>
-        </p:blipFill>
-        <p:spPr>
-          <a:xfrm>
-            <a:off x="4838107" y="7505655"/>
-            <a:ext cx="4617085" cy="2617329"/>
-          </a:xfrm>
-          <a:prstGeom prst="rect">
-            <a:avLst/>
-          </a:prstGeom>
-        </p:spPr>
-      </p:pic>
-      <p:pic>
-        <p:nvPicPr>
-          <p:cNvPr id="16" name="Picture 15">
-            <a:extLst>
-              <a:ext uri="{FF2B5EF4-FFF2-40B4-BE49-F238E27FC236}">
-                <a16:creationId xmlns:a16="http://schemas.microsoft.com/office/drawing/2014/main" id="{90520305-B54E-B95D-9C4F-AA8A34D4CFAD}"/>
-              </a:ext>
-            </a:extLst>
-          </p:cNvPr>
-          <p:cNvPicPr>
-            <a:picLocks noChangeAspect="1"/>
-          </p:cNvPicPr>
-          <p:nvPr/>
-        </p:nvPicPr>
-        <p:blipFill>
-          <a:blip r:embed="rId5"/>
-          <a:stretch>
-            <a:fillRect/>
-          </a:stretch>
-        </p:blipFill>
-        <p:spPr>
-          <a:xfrm>
-            <a:off x="9695264" y="7643433"/>
-            <a:ext cx="4419600" cy="2341771"/>
+            <a:off x="13188950" y="1644650"/>
+            <a:ext cx="3909060" cy="7572095"/>
           </a:xfrm>
           <a:prstGeom prst="rect">
             <a:avLst/>
@@ -20812,7 +17786,7 @@
         </p:blipFill>
         <p:spPr>
           <a:xfrm>
-            <a:off x="3164578" y="3031013"/>
+            <a:off x="4121150" y="3255933"/>
             <a:ext cx="12952618" cy="3083239"/>
           </a:xfrm>
           <a:prstGeom prst="rect">
@@ -20893,376 +17867,6 @@
 </file>
 
 <file path=ppt/slides/slide6.xml><?xml version="1.0" encoding="utf-8"?>
-<p:sld xmlns:a="http://schemas.openxmlformats.org/drawingml/2006/main" xmlns:r="http://schemas.openxmlformats.org/officeDocument/2006/relationships" xmlns:p="http://schemas.openxmlformats.org/presentationml/2006/main">
-  <p:cSld>
-    <p:spTree>
-      <p:nvGrpSpPr>
-        <p:cNvPr id="1" name=""/>
-        <p:cNvGrpSpPr/>
-        <p:nvPr/>
-      </p:nvGrpSpPr>
-      <p:grpSpPr>
-        <a:xfrm>
-          <a:off x="0" y="0"/>
-          <a:ext cx="0" cy="0"/>
-          <a:chOff x="0" y="0"/>
-          <a:chExt cx="0" cy="0"/>
-        </a:xfrm>
-      </p:grpSpPr>
-      <p:grpSp>
-        <p:nvGrpSpPr>
-          <p:cNvPr id="2" name="object 2"/>
-          <p:cNvGrpSpPr/>
-          <p:nvPr/>
-        </p:nvGrpSpPr>
-        <p:grpSpPr>
-          <a:xfrm>
-            <a:off x="10667504" y="0"/>
-            <a:ext cx="7620634" cy="5420995"/>
-            <a:chOff x="10667504" y="0"/>
-            <a:chExt cx="7620634" cy="5420995"/>
-          </a:xfrm>
-        </p:grpSpPr>
-        <p:sp>
-          <p:nvSpPr>
-            <p:cNvPr id="3" name="object 3"/>
-            <p:cNvSpPr/>
-            <p:nvPr/>
-          </p:nvSpPr>
-          <p:spPr>
-            <a:xfrm>
-              <a:off x="11205248" y="12"/>
-              <a:ext cx="7082790" cy="5093970"/>
-            </a:xfrm>
-            <a:custGeom>
-              <a:avLst/>
-              <a:gdLst/>
-              <a:ahLst/>
-              <a:cxnLst/>
-              <a:rect l="l" t="t" r="r" b="b"/>
-              <a:pathLst>
-                <a:path w="7082790" h="5093970">
-                  <a:moveTo>
-                    <a:pt x="2938869" y="3168307"/>
-                  </a:moveTo>
-                  <a:lnTo>
-                    <a:pt x="1738325" y="1965236"/>
-                  </a:lnTo>
-                  <a:lnTo>
-                    <a:pt x="0" y="3703548"/>
-                  </a:lnTo>
-                  <a:lnTo>
-                    <a:pt x="1200569" y="4906632"/>
-                  </a:lnTo>
-                  <a:lnTo>
-                    <a:pt x="2938869" y="3168307"/>
-                  </a:lnTo>
-                  <a:close/>
-                </a:path>
-                <a:path w="7082790" h="5093970">
-                  <a:moveTo>
-                    <a:pt x="7082701" y="558749"/>
-                  </a:moveTo>
-                  <a:lnTo>
-                    <a:pt x="6523952" y="0"/>
-                  </a:lnTo>
-                  <a:lnTo>
-                    <a:pt x="3813949" y="0"/>
-                  </a:lnTo>
-                  <a:lnTo>
-                    <a:pt x="1944712" y="1869198"/>
-                  </a:lnTo>
-                  <a:lnTo>
-                    <a:pt x="5168989" y="5093411"/>
-                  </a:lnTo>
-                  <a:lnTo>
-                    <a:pt x="7082701" y="3179661"/>
-                  </a:lnTo>
-                  <a:lnTo>
-                    <a:pt x="7082701" y="558749"/>
-                  </a:lnTo>
-                  <a:close/>
-                </a:path>
-              </a:pathLst>
-            </a:custGeom>
-            <a:solidFill>
-              <a:srgbClr val="70B1DA"/>
-            </a:solidFill>
-          </p:spPr>
-          <p:txBody>
-            <a:bodyPr wrap="square" lIns="0" tIns="0" rIns="0" bIns="0" rtlCol="0"/>
-            <a:lstStyle/>
-            <a:p>
-              <a:endParaRPr/>
-            </a:p>
-          </p:txBody>
-        </p:sp>
-        <p:sp>
-          <p:nvSpPr>
-            <p:cNvPr id="4" name="object 4"/>
-            <p:cNvSpPr/>
-            <p:nvPr/>
-          </p:nvSpPr>
-          <p:spPr>
-            <a:xfrm>
-              <a:off x="10667504" y="1430007"/>
-              <a:ext cx="2371090" cy="2371725"/>
-            </a:xfrm>
-            <a:custGeom>
-              <a:avLst/>
-              <a:gdLst/>
-              <a:ahLst/>
-              <a:cxnLst/>
-              <a:rect l="l" t="t" r="r" b="b"/>
-              <a:pathLst>
-                <a:path w="2371090" h="2371725">
-                  <a:moveTo>
-                    <a:pt x="1738312" y="0"/>
-                  </a:moveTo>
-                  <a:lnTo>
-                    <a:pt x="0" y="1738312"/>
-                  </a:lnTo>
-                  <a:lnTo>
-                    <a:pt x="632790" y="2371102"/>
-                  </a:lnTo>
-                  <a:lnTo>
-                    <a:pt x="2371077" y="630288"/>
-                  </a:lnTo>
-                  <a:lnTo>
-                    <a:pt x="1738312" y="0"/>
-                  </a:lnTo>
-                  <a:close/>
-                </a:path>
-              </a:pathLst>
-            </a:custGeom>
-            <a:solidFill>
-              <a:srgbClr val="484C68"/>
-            </a:solidFill>
-          </p:spPr>
-          <p:txBody>
-            <a:bodyPr wrap="square" lIns="0" tIns="0" rIns="0" bIns="0" rtlCol="0"/>
-            <a:lstStyle/>
-            <a:p>
-              <a:endParaRPr/>
-            </a:p>
-          </p:txBody>
-        </p:sp>
-        <p:sp>
-          <p:nvSpPr>
-            <p:cNvPr id="5" name="object 5"/>
-            <p:cNvSpPr/>
-            <p:nvPr/>
-          </p:nvSpPr>
-          <p:spPr>
-            <a:xfrm>
-              <a:off x="16535019" y="3474669"/>
-              <a:ext cx="1753235" cy="1946275"/>
-            </a:xfrm>
-            <a:custGeom>
-              <a:avLst/>
-              <a:gdLst/>
-              <a:ahLst/>
-              <a:cxnLst/>
-              <a:rect l="l" t="t" r="r" b="b"/>
-              <a:pathLst>
-                <a:path w="1753234" h="1946275">
-                  <a:moveTo>
-                    <a:pt x="1752992" y="0"/>
-                  </a:moveTo>
-                  <a:lnTo>
-                    <a:pt x="0" y="1751456"/>
-                  </a:lnTo>
-                  <a:lnTo>
-                    <a:pt x="194691" y="1946186"/>
-                  </a:lnTo>
-                  <a:lnTo>
-                    <a:pt x="1752992" y="386511"/>
-                  </a:lnTo>
-                  <a:lnTo>
-                    <a:pt x="1752992" y="0"/>
-                  </a:lnTo>
-                  <a:close/>
-                </a:path>
-              </a:pathLst>
-            </a:custGeom>
-            <a:solidFill>
-              <a:srgbClr val="70B1DA"/>
-            </a:solidFill>
-          </p:spPr>
-          <p:txBody>
-            <a:bodyPr wrap="square" lIns="0" tIns="0" rIns="0" bIns="0" rtlCol="0"/>
-            <a:lstStyle/>
-            <a:p>
-              <a:endParaRPr/>
-            </a:p>
-          </p:txBody>
-        </p:sp>
-      </p:grpSp>
-      <p:sp>
-        <p:nvSpPr>
-          <p:cNvPr id="13" name="object 13"/>
-          <p:cNvSpPr txBox="1">
-            <a:spLocks noGrp="1"/>
-          </p:cNvSpPr>
-          <p:nvPr>
-            <p:ph type="title"/>
-          </p:nvPr>
-        </p:nvSpPr>
-        <p:spPr>
-          <a:xfrm>
-            <a:off x="2199120" y="2410474"/>
-            <a:ext cx="6175450" cy="508473"/>
-          </a:xfrm>
-          <a:prstGeom prst="rect">
-            <a:avLst/>
-          </a:prstGeom>
-        </p:spPr>
-        <p:txBody>
-          <a:bodyPr vert="horz" wrap="square" lIns="0" tIns="15875" rIns="0" bIns="0" rtlCol="0">
-            <a:spAutoFit/>
-          </a:bodyPr>
-          <a:lstStyle/>
-          <a:p>
-            <a:pPr marL="12700" algn="just">
-              <a:lnSpc>
-                <a:spcPct val="100000"/>
-              </a:lnSpc>
-              <a:spcBef>
-                <a:spcPts val="95"/>
-              </a:spcBef>
-            </a:pPr>
-            <a:r>
-              <a:rPr lang="tr-TR" sz="3200" dirty="0" err="1">
-                <a:solidFill>
-                  <a:srgbClr val="2B2D3D"/>
-                </a:solidFill>
-                <a:latin typeface="Georgia"/>
-                <a:ea typeface="+mn-ea"/>
-              </a:rPr>
-              <a:t>Numerical</a:t>
-            </a:r>
-            <a:r>
-              <a:rPr lang="tr-TR" sz="3200" dirty="0">
-                <a:solidFill>
-                  <a:srgbClr val="2B2D3D"/>
-                </a:solidFill>
-                <a:latin typeface="Georgia"/>
-                <a:ea typeface="+mn-ea"/>
-              </a:rPr>
-              <a:t> </a:t>
-            </a:r>
-            <a:r>
-              <a:rPr lang="tr-TR" sz="3200" dirty="0" err="1">
-                <a:solidFill>
-                  <a:srgbClr val="2B2D3D"/>
-                </a:solidFill>
-                <a:latin typeface="Georgia"/>
-                <a:ea typeface="+mn-ea"/>
-              </a:rPr>
-              <a:t>Variables</a:t>
-            </a:r>
-            <a:r>
-              <a:rPr lang="tr-TR" sz="3200" dirty="0">
-                <a:solidFill>
-                  <a:srgbClr val="2B2D3D"/>
-                </a:solidFill>
-                <a:latin typeface="Georgia"/>
-                <a:ea typeface="+mn-ea"/>
-              </a:rPr>
-              <a:t> Distribution</a:t>
-            </a:r>
-          </a:p>
-        </p:txBody>
-      </p:sp>
-      <p:sp>
-        <p:nvSpPr>
-          <p:cNvPr id="17" name="object 17"/>
-          <p:cNvSpPr/>
-          <p:nvPr/>
-        </p:nvSpPr>
-        <p:spPr>
-          <a:xfrm>
-            <a:off x="4326445" y="3022065"/>
-            <a:ext cx="4048125" cy="95250"/>
-          </a:xfrm>
-          <a:custGeom>
-            <a:avLst/>
-            <a:gdLst/>
-            <a:ahLst/>
-            <a:cxnLst/>
-            <a:rect l="l" t="t" r="r" b="b"/>
-            <a:pathLst>
-              <a:path w="4048125" h="95250">
-                <a:moveTo>
-                  <a:pt x="4048125" y="0"/>
-                </a:moveTo>
-                <a:lnTo>
-                  <a:pt x="0" y="0"/>
-                </a:lnTo>
-                <a:lnTo>
-                  <a:pt x="0" y="95250"/>
-                </a:lnTo>
-                <a:lnTo>
-                  <a:pt x="4048125" y="95250"/>
-                </a:lnTo>
-                <a:lnTo>
-                  <a:pt x="4048125" y="0"/>
-                </a:lnTo>
-                <a:close/>
-              </a:path>
-            </a:pathLst>
-          </a:custGeom>
-          <a:solidFill>
-            <a:srgbClr val="70B1DA"/>
-          </a:solidFill>
-        </p:spPr>
-        <p:txBody>
-          <a:bodyPr wrap="square" lIns="0" tIns="0" rIns="0" bIns="0" rtlCol="0"/>
-          <a:lstStyle/>
-          <a:p>
-            <a:endParaRPr/>
-          </a:p>
-        </p:txBody>
-      </p:sp>
-      <p:pic>
-        <p:nvPicPr>
-          <p:cNvPr id="20" name="Picture 19">
-            <a:extLst>
-              <a:ext uri="{FF2B5EF4-FFF2-40B4-BE49-F238E27FC236}">
-                <a16:creationId xmlns:a16="http://schemas.microsoft.com/office/drawing/2014/main" id="{51A81468-06CF-349A-DB21-E265A9837BC0}"/>
-              </a:ext>
-            </a:extLst>
-          </p:cNvPr>
-          <p:cNvPicPr>
-            <a:picLocks noChangeAspect="1"/>
-          </p:cNvPicPr>
-          <p:nvPr/>
-        </p:nvPicPr>
-        <p:blipFill>
-          <a:blip r:embed="rId2"/>
-          <a:stretch>
-            <a:fillRect/>
-          </a:stretch>
-        </p:blipFill>
-        <p:spPr>
-          <a:xfrm>
-            <a:off x="816482" y="3474669"/>
-            <a:ext cx="9582150" cy="5191125"/>
-          </a:xfrm>
-          <a:prstGeom prst="rect">
-            <a:avLst/>
-          </a:prstGeom>
-        </p:spPr>
-      </p:pic>
-    </p:spTree>
-  </p:cSld>
-  <p:clrMapOvr>
-    <a:masterClrMapping/>
-  </p:clrMapOvr>
-</p:sld>
-</file>
-
-<file path=ppt/slides/slide7.xml><?xml version="1.0" encoding="utf-8"?>
 <p:sld xmlns:a="http://schemas.openxmlformats.org/drawingml/2006/main" xmlns:r="http://schemas.openxmlformats.org/officeDocument/2006/relationships" xmlns:p="http://schemas.openxmlformats.org/presentationml/2006/main">
   <p:cSld>
     <p:spTree>
@@ -21673,8 +18277,8 @@
         </p:blipFill>
         <p:spPr>
           <a:xfrm>
-            <a:off x="6807987" y="6247527"/>
-            <a:ext cx="6159634" cy="3370737"/>
+            <a:off x="6807987" y="6052159"/>
+            <a:ext cx="6516648" cy="3566106"/>
           </a:xfrm>
           <a:prstGeom prst="rect">
             <a:avLst/>
@@ -21703,8 +18307,8 @@
         </p:blipFill>
         <p:spPr>
           <a:xfrm>
-            <a:off x="13163826" y="6356084"/>
-            <a:ext cx="5122154" cy="2774924"/>
+            <a:off x="13503089" y="6356083"/>
+            <a:ext cx="4718851" cy="2556435"/>
           </a:xfrm>
           <a:prstGeom prst="rect">
             <a:avLst/>
@@ -21767,6 +18371,376 @@
           </a:p>
         </p:txBody>
       </p:sp>
+    </p:spTree>
+  </p:cSld>
+  <p:clrMapOvr>
+    <a:masterClrMapping/>
+  </p:clrMapOvr>
+</p:sld>
+</file>
+
+<file path=ppt/slides/slide7.xml><?xml version="1.0" encoding="utf-8"?>
+<p:sld xmlns:a="http://schemas.openxmlformats.org/drawingml/2006/main" xmlns:r="http://schemas.openxmlformats.org/officeDocument/2006/relationships" xmlns:p="http://schemas.openxmlformats.org/presentationml/2006/main">
+  <p:cSld>
+    <p:spTree>
+      <p:nvGrpSpPr>
+        <p:cNvPr id="1" name=""/>
+        <p:cNvGrpSpPr/>
+        <p:nvPr/>
+      </p:nvGrpSpPr>
+      <p:grpSpPr>
+        <a:xfrm>
+          <a:off x="0" y="0"/>
+          <a:ext cx="0" cy="0"/>
+          <a:chOff x="0" y="0"/>
+          <a:chExt cx="0" cy="0"/>
+        </a:xfrm>
+      </p:grpSpPr>
+      <p:grpSp>
+        <p:nvGrpSpPr>
+          <p:cNvPr id="2" name="object 2"/>
+          <p:cNvGrpSpPr/>
+          <p:nvPr/>
+        </p:nvGrpSpPr>
+        <p:grpSpPr>
+          <a:xfrm>
+            <a:off x="10667504" y="0"/>
+            <a:ext cx="7620634" cy="5420995"/>
+            <a:chOff x="10667504" y="0"/>
+            <a:chExt cx="7620634" cy="5420995"/>
+          </a:xfrm>
+        </p:grpSpPr>
+        <p:sp>
+          <p:nvSpPr>
+            <p:cNvPr id="3" name="object 3"/>
+            <p:cNvSpPr/>
+            <p:nvPr/>
+          </p:nvSpPr>
+          <p:spPr>
+            <a:xfrm>
+              <a:off x="11205248" y="12"/>
+              <a:ext cx="7082790" cy="5093970"/>
+            </a:xfrm>
+            <a:custGeom>
+              <a:avLst/>
+              <a:gdLst/>
+              <a:ahLst/>
+              <a:cxnLst/>
+              <a:rect l="l" t="t" r="r" b="b"/>
+              <a:pathLst>
+                <a:path w="7082790" h="5093970">
+                  <a:moveTo>
+                    <a:pt x="2938869" y="3168307"/>
+                  </a:moveTo>
+                  <a:lnTo>
+                    <a:pt x="1738325" y="1965236"/>
+                  </a:lnTo>
+                  <a:lnTo>
+                    <a:pt x="0" y="3703548"/>
+                  </a:lnTo>
+                  <a:lnTo>
+                    <a:pt x="1200569" y="4906632"/>
+                  </a:lnTo>
+                  <a:lnTo>
+                    <a:pt x="2938869" y="3168307"/>
+                  </a:lnTo>
+                  <a:close/>
+                </a:path>
+                <a:path w="7082790" h="5093970">
+                  <a:moveTo>
+                    <a:pt x="7082701" y="558749"/>
+                  </a:moveTo>
+                  <a:lnTo>
+                    <a:pt x="6523952" y="0"/>
+                  </a:lnTo>
+                  <a:lnTo>
+                    <a:pt x="3813949" y="0"/>
+                  </a:lnTo>
+                  <a:lnTo>
+                    <a:pt x="1944712" y="1869198"/>
+                  </a:lnTo>
+                  <a:lnTo>
+                    <a:pt x="5168989" y="5093411"/>
+                  </a:lnTo>
+                  <a:lnTo>
+                    <a:pt x="7082701" y="3179661"/>
+                  </a:lnTo>
+                  <a:lnTo>
+                    <a:pt x="7082701" y="558749"/>
+                  </a:lnTo>
+                  <a:close/>
+                </a:path>
+              </a:pathLst>
+            </a:custGeom>
+            <a:solidFill>
+              <a:srgbClr val="70B1DA"/>
+            </a:solidFill>
+          </p:spPr>
+          <p:txBody>
+            <a:bodyPr wrap="square" lIns="0" tIns="0" rIns="0" bIns="0" rtlCol="0"/>
+            <a:lstStyle/>
+            <a:p>
+              <a:endParaRPr/>
+            </a:p>
+          </p:txBody>
+        </p:sp>
+        <p:sp>
+          <p:nvSpPr>
+            <p:cNvPr id="4" name="object 4"/>
+            <p:cNvSpPr/>
+            <p:nvPr/>
+          </p:nvSpPr>
+          <p:spPr>
+            <a:xfrm>
+              <a:off x="10667504" y="1430007"/>
+              <a:ext cx="2371090" cy="2371725"/>
+            </a:xfrm>
+            <a:custGeom>
+              <a:avLst/>
+              <a:gdLst/>
+              <a:ahLst/>
+              <a:cxnLst/>
+              <a:rect l="l" t="t" r="r" b="b"/>
+              <a:pathLst>
+                <a:path w="2371090" h="2371725">
+                  <a:moveTo>
+                    <a:pt x="1738312" y="0"/>
+                  </a:moveTo>
+                  <a:lnTo>
+                    <a:pt x="0" y="1738312"/>
+                  </a:lnTo>
+                  <a:lnTo>
+                    <a:pt x="632790" y="2371102"/>
+                  </a:lnTo>
+                  <a:lnTo>
+                    <a:pt x="2371077" y="630288"/>
+                  </a:lnTo>
+                  <a:lnTo>
+                    <a:pt x="1738312" y="0"/>
+                  </a:lnTo>
+                  <a:close/>
+                </a:path>
+              </a:pathLst>
+            </a:custGeom>
+            <a:solidFill>
+              <a:srgbClr val="484C68"/>
+            </a:solidFill>
+          </p:spPr>
+          <p:txBody>
+            <a:bodyPr wrap="square" lIns="0" tIns="0" rIns="0" bIns="0" rtlCol="0"/>
+            <a:lstStyle/>
+            <a:p>
+              <a:endParaRPr/>
+            </a:p>
+          </p:txBody>
+        </p:sp>
+        <p:sp>
+          <p:nvSpPr>
+            <p:cNvPr id="5" name="object 5"/>
+            <p:cNvSpPr/>
+            <p:nvPr/>
+          </p:nvSpPr>
+          <p:spPr>
+            <a:xfrm>
+              <a:off x="16535019" y="3474669"/>
+              <a:ext cx="1753235" cy="1946275"/>
+            </a:xfrm>
+            <a:custGeom>
+              <a:avLst/>
+              <a:gdLst/>
+              <a:ahLst/>
+              <a:cxnLst/>
+              <a:rect l="l" t="t" r="r" b="b"/>
+              <a:pathLst>
+                <a:path w="1753234" h="1946275">
+                  <a:moveTo>
+                    <a:pt x="1752992" y="0"/>
+                  </a:moveTo>
+                  <a:lnTo>
+                    <a:pt x="0" y="1751456"/>
+                  </a:lnTo>
+                  <a:lnTo>
+                    <a:pt x="194691" y="1946186"/>
+                  </a:lnTo>
+                  <a:lnTo>
+                    <a:pt x="1752992" y="386511"/>
+                  </a:lnTo>
+                  <a:lnTo>
+                    <a:pt x="1752992" y="0"/>
+                  </a:lnTo>
+                  <a:close/>
+                </a:path>
+              </a:pathLst>
+            </a:custGeom>
+            <a:solidFill>
+              <a:srgbClr val="70B1DA"/>
+            </a:solidFill>
+          </p:spPr>
+          <p:txBody>
+            <a:bodyPr wrap="square" lIns="0" tIns="0" rIns="0" bIns="0" rtlCol="0"/>
+            <a:lstStyle/>
+            <a:p>
+              <a:endParaRPr/>
+            </a:p>
+          </p:txBody>
+        </p:sp>
+      </p:grpSp>
+      <p:sp>
+        <p:nvSpPr>
+          <p:cNvPr id="13" name="object 13"/>
+          <p:cNvSpPr txBox="1">
+            <a:spLocks noGrp="1"/>
+          </p:cNvSpPr>
+          <p:nvPr>
+            <p:ph type="title"/>
+          </p:nvPr>
+        </p:nvSpPr>
+        <p:spPr>
+          <a:xfrm>
+            <a:off x="2199120" y="2410474"/>
+            <a:ext cx="6175450" cy="508473"/>
+          </a:xfrm>
+          <a:prstGeom prst="rect">
+            <a:avLst/>
+          </a:prstGeom>
+        </p:spPr>
+        <p:txBody>
+          <a:bodyPr vert="horz" wrap="square" lIns="0" tIns="15875" rIns="0" bIns="0" rtlCol="0">
+            <a:spAutoFit/>
+          </a:bodyPr>
+          <a:lstStyle/>
+          <a:p>
+            <a:pPr marL="12700" algn="just">
+              <a:lnSpc>
+                <a:spcPct val="100000"/>
+              </a:lnSpc>
+              <a:spcBef>
+                <a:spcPts val="95"/>
+              </a:spcBef>
+            </a:pPr>
+            <a:r>
+              <a:rPr lang="tr-TR" sz="3200" dirty="0" err="1">
+                <a:solidFill>
+                  <a:srgbClr val="2B2D3D"/>
+                </a:solidFill>
+                <a:latin typeface="Georgia"/>
+                <a:ea typeface="+mn-ea"/>
+              </a:rPr>
+              <a:t>Numerical</a:t>
+            </a:r>
+            <a:r>
+              <a:rPr lang="tr-TR" sz="3200" dirty="0">
+                <a:solidFill>
+                  <a:srgbClr val="2B2D3D"/>
+                </a:solidFill>
+                <a:latin typeface="Georgia"/>
+                <a:ea typeface="+mn-ea"/>
+              </a:rPr>
+              <a:t> </a:t>
+            </a:r>
+            <a:r>
+              <a:rPr lang="tr-TR" sz="3200" dirty="0" err="1">
+                <a:solidFill>
+                  <a:srgbClr val="2B2D3D"/>
+                </a:solidFill>
+                <a:latin typeface="Georgia"/>
+                <a:ea typeface="+mn-ea"/>
+              </a:rPr>
+              <a:t>Variables</a:t>
+            </a:r>
+            <a:r>
+              <a:rPr lang="tr-TR" sz="3200" dirty="0">
+                <a:solidFill>
+                  <a:srgbClr val="2B2D3D"/>
+                </a:solidFill>
+                <a:latin typeface="Georgia"/>
+                <a:ea typeface="+mn-ea"/>
+              </a:rPr>
+              <a:t> Distribution</a:t>
+            </a:r>
+          </a:p>
+        </p:txBody>
+      </p:sp>
+      <p:sp>
+        <p:nvSpPr>
+          <p:cNvPr id="17" name="object 17"/>
+          <p:cNvSpPr/>
+          <p:nvPr/>
+        </p:nvSpPr>
+        <p:spPr>
+          <a:xfrm>
+            <a:off x="4326445" y="3022065"/>
+            <a:ext cx="4048125" cy="95250"/>
+          </a:xfrm>
+          <a:custGeom>
+            <a:avLst/>
+            <a:gdLst/>
+            <a:ahLst/>
+            <a:cxnLst/>
+            <a:rect l="l" t="t" r="r" b="b"/>
+            <a:pathLst>
+              <a:path w="4048125" h="95250">
+                <a:moveTo>
+                  <a:pt x="4048125" y="0"/>
+                </a:moveTo>
+                <a:lnTo>
+                  <a:pt x="0" y="0"/>
+                </a:lnTo>
+                <a:lnTo>
+                  <a:pt x="0" y="95250"/>
+                </a:lnTo>
+                <a:lnTo>
+                  <a:pt x="4048125" y="95250"/>
+                </a:lnTo>
+                <a:lnTo>
+                  <a:pt x="4048125" y="0"/>
+                </a:lnTo>
+                <a:close/>
+              </a:path>
+            </a:pathLst>
+          </a:custGeom>
+          <a:solidFill>
+            <a:srgbClr val="70B1DA"/>
+          </a:solidFill>
+        </p:spPr>
+        <p:txBody>
+          <a:bodyPr wrap="square" lIns="0" tIns="0" rIns="0" bIns="0" rtlCol="0"/>
+          <a:lstStyle/>
+          <a:p>
+            <a:endParaRPr/>
+          </a:p>
+        </p:txBody>
+      </p:sp>
+      <p:pic>
+        <p:nvPicPr>
+          <p:cNvPr id="20" name="Picture 19">
+            <a:extLst>
+              <a:ext uri="{FF2B5EF4-FFF2-40B4-BE49-F238E27FC236}">
+                <a16:creationId xmlns:a16="http://schemas.microsoft.com/office/drawing/2014/main" id="{51A81468-06CF-349A-DB21-E265A9837BC0}"/>
+              </a:ext>
+            </a:extLst>
+          </p:cNvPr>
+          <p:cNvPicPr>
+            <a:picLocks noChangeAspect="1"/>
+          </p:cNvPicPr>
+          <p:nvPr/>
+        </p:nvPicPr>
+        <p:blipFill>
+          <a:blip r:embed="rId2"/>
+          <a:stretch>
+            <a:fillRect/>
+          </a:stretch>
+        </p:blipFill>
+        <p:spPr>
+          <a:xfrm>
+            <a:off x="816482" y="3474669"/>
+            <a:ext cx="9582150" cy="5191125"/>
+          </a:xfrm>
+          <a:prstGeom prst="rect">
+            <a:avLst/>
+          </a:prstGeom>
+        </p:spPr>
+      </p:pic>
     </p:spTree>
   </p:cSld>
   <p:clrMapOvr>
@@ -21957,6 +18931,36 @@
           </p:txBody>
         </p:sp>
       </p:grpSp>
+      <p:pic>
+        <p:nvPicPr>
+          <p:cNvPr id="7" name="Picture 6">
+            <a:extLst>
+              <a:ext uri="{FF2B5EF4-FFF2-40B4-BE49-F238E27FC236}">
+                <a16:creationId xmlns:a16="http://schemas.microsoft.com/office/drawing/2014/main" id="{1B003E2C-03EA-C18B-9991-76D8306E5889}"/>
+              </a:ext>
+            </a:extLst>
+          </p:cNvPr>
+          <p:cNvPicPr>
+            <a:picLocks noChangeAspect="1"/>
+          </p:cNvPicPr>
+          <p:nvPr/>
+        </p:nvPicPr>
+        <p:blipFill>
+          <a:blip r:embed="rId2"/>
+          <a:stretch>
+            <a:fillRect/>
+          </a:stretch>
+        </p:blipFill>
+        <p:spPr>
+          <a:xfrm>
+            <a:off x="2786530" y="3996148"/>
+            <a:ext cx="7855995" cy="4255981"/>
+          </a:xfrm>
+          <a:prstGeom prst="rect">
+            <a:avLst/>
+          </a:prstGeom>
+        </p:spPr>
+      </p:pic>
       <p:sp>
         <p:nvSpPr>
           <p:cNvPr id="13" name="object 13"/>
@@ -22028,7 +19032,7 @@
           <p:nvPr/>
         </p:nvPicPr>
         <p:blipFill>
-          <a:blip r:embed="rId2"/>
+          <a:blip r:embed="rId3"/>
           <a:stretch>
             <a:fillRect/>
           </a:stretch>
@@ -22045,40 +19049,10 @@
       </p:pic>
       <p:pic>
         <p:nvPicPr>
-          <p:cNvPr id="8" name="Picture 7">
+          <p:cNvPr id="18" name="Picture 17">
             <a:extLst>
               <a:ext uri="{FF2B5EF4-FFF2-40B4-BE49-F238E27FC236}">
-                <a16:creationId xmlns:a16="http://schemas.microsoft.com/office/drawing/2014/main" id="{7A55D238-849C-6E92-3AFB-5022E883CBB2}"/>
-              </a:ext>
-            </a:extLst>
-          </p:cNvPr>
-          <p:cNvPicPr>
-            <a:picLocks noChangeAspect="1"/>
-          </p:cNvPicPr>
-          <p:nvPr/>
-        </p:nvPicPr>
-        <p:blipFill>
-          <a:blip r:embed="rId3"/>
-          <a:stretch>
-            <a:fillRect/>
-          </a:stretch>
-        </p:blipFill>
-        <p:spPr>
-          <a:xfrm>
-            <a:off x="10863680" y="4055756"/>
-            <a:ext cx="6196815" cy="5153025"/>
-          </a:xfrm>
-          <a:prstGeom prst="rect">
-            <a:avLst/>
-          </a:prstGeom>
-        </p:spPr>
-      </p:pic>
-      <p:pic>
-        <p:nvPicPr>
-          <p:cNvPr id="10" name="Picture 9">
-            <a:extLst>
-              <a:ext uri="{FF2B5EF4-FFF2-40B4-BE49-F238E27FC236}">
-                <a16:creationId xmlns:a16="http://schemas.microsoft.com/office/drawing/2014/main" id="{9AA2CA9C-E046-078F-BE59-B134BB89F103}"/>
+                <a16:creationId xmlns:a16="http://schemas.microsoft.com/office/drawing/2014/main" id="{B59D85BB-A338-4348-6B1E-19F3447A3B4C}"/>
               </a:ext>
             </a:extLst>
           </p:cNvPr>
@@ -22095,8 +19069,8 @@
         </p:blipFill>
         <p:spPr>
           <a:xfrm>
-            <a:off x="4806950" y="3432425"/>
-            <a:ext cx="5954943" cy="5776356"/>
+            <a:off x="10381005" y="3778250"/>
+            <a:ext cx="6819900" cy="5162550"/>
           </a:xfrm>
           <a:prstGeom prst="rect">
             <a:avLst/>
@@ -22128,36 +19102,6 @@
           <a:chExt cx="0" cy="0"/>
         </a:xfrm>
       </p:grpSpPr>
-      <p:pic>
-        <p:nvPicPr>
-          <p:cNvPr id="34" name="Picture 33">
-            <a:extLst>
-              <a:ext uri="{FF2B5EF4-FFF2-40B4-BE49-F238E27FC236}">
-                <a16:creationId xmlns:a16="http://schemas.microsoft.com/office/drawing/2014/main" id="{5F37E37C-611C-EE28-5EC1-062F39EA7BA9}"/>
-              </a:ext>
-            </a:extLst>
-          </p:cNvPr>
-          <p:cNvPicPr>
-            <a:picLocks noChangeAspect="1"/>
-          </p:cNvPicPr>
-          <p:nvPr/>
-        </p:nvPicPr>
-        <p:blipFill>
-          <a:blip r:embed="rId2"/>
-          <a:stretch>
-            <a:fillRect/>
-          </a:stretch>
-        </p:blipFill>
-        <p:spPr>
-          <a:xfrm>
-            <a:off x="18923" y="2310573"/>
-            <a:ext cx="13803735" cy="6858000"/>
-          </a:xfrm>
-          <a:prstGeom prst="rect">
-            <a:avLst/>
-          </a:prstGeom>
-        </p:spPr>
-      </p:pic>
       <p:grpSp>
         <p:nvGrpSpPr>
           <p:cNvPr id="2" name="object 2"/>
@@ -22166,10 +19110,10 @@
         </p:nvGrpSpPr>
         <p:grpSpPr>
           <a:xfrm>
-            <a:off x="11371783" y="0"/>
-            <a:ext cx="3476625" cy="1929764"/>
-            <a:chOff x="11371783" y="0"/>
-            <a:chExt cx="3476625" cy="1929764"/>
+            <a:off x="12640783" y="0"/>
+            <a:ext cx="5647690" cy="5734685"/>
+            <a:chOff x="12640783" y="0"/>
+            <a:chExt cx="5647690" cy="5734685"/>
           </a:xfrm>
         </p:grpSpPr>
         <p:sp>
@@ -22180,8 +19124,8 @@
           </p:nvSpPr>
           <p:spPr>
             <a:xfrm>
-              <a:off x="11907024" y="0"/>
-              <a:ext cx="2941955" cy="1929764"/>
+              <a:off x="16373094" y="2795257"/>
+              <a:ext cx="1915160" cy="2939415"/>
             </a:xfrm>
             <a:custGeom>
               <a:avLst/>
@@ -22190,24 +19134,24 @@
               <a:cxnLst/>
               <a:rect l="l" t="t" r="r" b="b"/>
               <a:pathLst>
-                <a:path w="2941955" h="1929764">
+                <a:path w="1915159" h="2939415">
                   <a:moveTo>
-                    <a:pt x="2749660" y="0"/>
+                    <a:pt x="1739646" y="0"/>
                   </a:moveTo>
                   <a:lnTo>
-                    <a:pt x="729140" y="0"/>
-                  </a:lnTo>
-                  <a:lnTo>
-                    <a:pt x="0" y="729118"/>
-                  </a:lnTo>
-                  <a:lnTo>
-                    <a:pt x="1203058" y="1929688"/>
-                  </a:lnTo>
-                  <a:lnTo>
-                    <a:pt x="2941382" y="191427"/>
-                  </a:lnTo>
-                  <a:lnTo>
-                    <a:pt x="2749660" y="0"/>
+                    <a:pt x="0" y="1738312"/>
+                  </a:lnTo>
+                  <a:lnTo>
+                    <a:pt x="1201420" y="2938868"/>
+                  </a:lnTo>
+                  <a:lnTo>
+                    <a:pt x="1914942" y="2225893"/>
+                  </a:lnTo>
+                  <a:lnTo>
+                    <a:pt x="1914942" y="175170"/>
+                  </a:lnTo>
+                  <a:lnTo>
+                    <a:pt x="1739646" y="0"/>
                   </a:lnTo>
                   <a:close/>
                 </a:path>
@@ -22233,8 +19177,8 @@
           </p:nvSpPr>
           <p:spPr>
             <a:xfrm>
-              <a:off x="11371783" y="0"/>
-              <a:ext cx="1454785" cy="824230"/>
+              <a:off x="12640780" y="12"/>
+              <a:ext cx="5647690" cy="4629150"/>
             </a:xfrm>
             <a:custGeom>
               <a:avLst/>
@@ -22243,21 +19187,39 @@
               <a:cxnLst/>
               <a:rect l="l" t="t" r="r" b="b"/>
               <a:pathLst>
-                <a:path w="1454784" h="824230">
+                <a:path w="5647690" h="4629150">
                   <a:moveTo>
-                    <a:pt x="1454454" y="0"/>
+                    <a:pt x="5567083" y="2890278"/>
                   </a:moveTo>
                   <a:lnTo>
-                    <a:pt x="191374" y="0"/>
-                  </a:lnTo>
-                  <a:lnTo>
-                    <a:pt x="0" y="191375"/>
-                  </a:lnTo>
-                  <a:lnTo>
-                    <a:pt x="630288" y="824165"/>
-                  </a:lnTo>
-                  <a:lnTo>
-                    <a:pt x="1454454" y="0"/>
+                    <a:pt x="4936274" y="2257488"/>
+                  </a:lnTo>
+                  <a:lnTo>
+                    <a:pt x="3196755" y="3995801"/>
+                  </a:lnTo>
+                  <a:lnTo>
+                    <a:pt x="3827437" y="4628591"/>
+                  </a:lnTo>
+                  <a:lnTo>
+                    <a:pt x="5567083" y="2890278"/>
+                  </a:lnTo>
+                  <a:close/>
+                </a:path>
+                <a:path w="5647690" h="4629150">
+                  <a:moveTo>
+                    <a:pt x="5647207" y="0"/>
+                  </a:moveTo>
+                  <a:lnTo>
+                    <a:pt x="0" y="0"/>
+                  </a:lnTo>
+                  <a:lnTo>
+                    <a:pt x="3075978" y="3075914"/>
+                  </a:lnTo>
+                  <a:lnTo>
+                    <a:pt x="5647207" y="504634"/>
+                  </a:lnTo>
+                  <a:lnTo>
+                    <a:pt x="5647207" y="0"/>
                   </a:lnTo>
                   <a:close/>
                 </a:path>
@@ -22278,14 +19240,14 @@
       </p:grpSp>
       <p:sp>
         <p:nvSpPr>
-          <p:cNvPr id="9" name="object 9"/>
+          <p:cNvPr id="5" name="object 5"/>
           <p:cNvSpPr/>
           <p:nvPr/>
         </p:nvSpPr>
         <p:spPr>
           <a:xfrm>
-            <a:off x="13284327" y="0"/>
-            <a:ext cx="5003800" cy="5329555"/>
+            <a:off x="15062454" y="6675004"/>
+            <a:ext cx="3225800" cy="3612515"/>
           </a:xfrm>
           <a:custGeom>
             <a:avLst/>
@@ -22294,34 +19256,31 @@
             <a:cxnLst/>
             <a:rect l="l" t="t" r="r" b="b"/>
             <a:pathLst>
-              <a:path w="5003800" h="5329555">
+              <a:path w="3225800" h="3612515">
                 <a:moveTo>
-                  <a:pt x="4344879" y="0"/>
+                  <a:pt x="3224287" y="0"/>
                 </a:moveTo>
                 <a:lnTo>
-                  <a:pt x="2105120" y="0"/>
+                  <a:pt x="0" y="3225457"/>
                 </a:lnTo>
                 <a:lnTo>
-                  <a:pt x="0" y="2103512"/>
+                  <a:pt x="386694" y="3611994"/>
                 </a:lnTo>
                 <a:lnTo>
-                  <a:pt x="3225419" y="5328982"/>
+                  <a:pt x="3225506" y="3611994"/>
                 </a:lnTo>
                 <a:lnTo>
-                  <a:pt x="5003722" y="3549320"/>
+                  <a:pt x="3225506" y="1219"/>
                 </a:lnTo>
                 <a:lnTo>
-                  <a:pt x="5003722" y="658832"/>
-                </a:lnTo>
-                <a:lnTo>
-                  <a:pt x="4344879" y="0"/>
+                  <a:pt x="3224287" y="0"/>
                 </a:lnTo>
                 <a:close/>
               </a:path>
             </a:pathLst>
           </a:custGeom>
           <a:solidFill>
-            <a:srgbClr val="484C68"/>
+            <a:srgbClr val="70B1DA"/>
           </a:solidFill>
         </p:spPr>
         <p:txBody>
@@ -22334,89 +19293,57 @@
       </p:sp>
       <p:sp>
         <p:nvSpPr>
-          <p:cNvPr id="29" name="TextBox 28">
-            <a:extLst>
-              <a:ext uri="{FF2B5EF4-FFF2-40B4-BE49-F238E27FC236}">
-                <a16:creationId xmlns:a16="http://schemas.microsoft.com/office/drawing/2014/main" id="{3F2A7245-C3F8-F5D5-1331-ACDDAFEF6A59}"/>
-              </a:ext>
-            </a:extLst>
-          </p:cNvPr>
-          <p:cNvSpPr txBox="1"/>
+          <p:cNvPr id="7" name="object 7"/>
+          <p:cNvSpPr/>
           <p:nvPr/>
         </p:nvSpPr>
         <p:spPr>
           <a:xfrm>
-            <a:off x="9607550" y="9264650"/>
-            <a:ext cx="9150350" cy="584775"/>
+            <a:off x="15857474" y="815687"/>
+            <a:ext cx="2430780" cy="2623185"/>
           </a:xfrm>
-          <a:prstGeom prst="rect">
+          <a:custGeom>
             <a:avLst/>
-          </a:prstGeom>
-          <a:noFill/>
+            <a:gdLst/>
+            <a:ahLst/>
+            <a:cxnLst/>
+            <a:rect l="l" t="t" r="r" b="b"/>
+            <a:pathLst>
+              <a:path w="2430780" h="2623185">
+                <a:moveTo>
+                  <a:pt x="2430499" y="0"/>
+                </a:moveTo>
+                <a:lnTo>
+                  <a:pt x="0" y="2430433"/>
+                </a:lnTo>
+                <a:lnTo>
+                  <a:pt x="194818" y="2622660"/>
+                </a:lnTo>
+                <a:lnTo>
+                  <a:pt x="2430499" y="386907"/>
+                </a:lnTo>
+                <a:lnTo>
+                  <a:pt x="2430499" y="0"/>
+                </a:lnTo>
+                <a:close/>
+              </a:path>
+            </a:pathLst>
+          </a:custGeom>
+          <a:solidFill>
+            <a:srgbClr val="70B1DA"/>
+          </a:solidFill>
         </p:spPr>
         <p:txBody>
-          <a:bodyPr wrap="square">
-            <a:spAutoFit/>
-          </a:bodyPr>
+          <a:bodyPr wrap="square" lIns="0" tIns="0" rIns="0" bIns="0" rtlCol="0"/>
           <a:lstStyle/>
           <a:p>
-            <a:pPr marL="12700" marR="902335" algn="just">
-              <a:lnSpc>
-                <a:spcPct val="100000"/>
-              </a:lnSpc>
-              <a:spcBef>
-                <a:spcPts val="1195"/>
-              </a:spcBef>
-            </a:pPr>
-            <a:r>
-              <a:rPr lang="en-US" sz="1600" dirty="0">
-                <a:solidFill>
-                  <a:srgbClr val="262836"/>
-                </a:solidFill>
-                <a:latin typeface="Georgia"/>
-                <a:cs typeface="+mj-cs"/>
-              </a:rPr>
-              <a:t>This methodology effectively transforms continuous numeric variables into categorical bins, facilitating better</a:t>
-            </a:r>
-            <a:r>
-              <a:rPr lang="tr-TR" sz="1600" dirty="0">
-                <a:solidFill>
-                  <a:srgbClr val="262836"/>
-                </a:solidFill>
-                <a:latin typeface="Georgia"/>
-                <a:cs typeface="+mj-cs"/>
-              </a:rPr>
-              <a:t> </a:t>
-            </a:r>
-            <a:r>
-              <a:rPr lang="en-US" sz="1600" dirty="0">
-                <a:solidFill>
-                  <a:srgbClr val="262836"/>
-                </a:solidFill>
-                <a:latin typeface="Georgia"/>
-                <a:cs typeface="+mj-cs"/>
-              </a:rPr>
-              <a:t>visualization and comparative analysis of attrition. </a:t>
-            </a:r>
-            <a:endParaRPr lang="tr-TR" sz="1600" dirty="0">
-              <a:solidFill>
-                <a:srgbClr val="262836"/>
-              </a:solidFill>
-              <a:latin typeface="Georgia"/>
-              <a:cs typeface="+mj-cs"/>
-            </a:endParaRPr>
+            <a:endParaRPr/>
           </a:p>
         </p:txBody>
       </p:sp>
       <p:sp>
         <p:nvSpPr>
-          <p:cNvPr id="30" name="object 13">
-            <a:extLst>
-              <a:ext uri="{FF2B5EF4-FFF2-40B4-BE49-F238E27FC236}">
-                <a16:creationId xmlns:a16="http://schemas.microsoft.com/office/drawing/2014/main" id="{9D6F8EED-BA6A-7252-A212-7DF7948E9A5B}"/>
-              </a:ext>
-            </a:extLst>
-          </p:cNvPr>
+          <p:cNvPr id="9" name="object 9"/>
           <p:cNvSpPr txBox="1">
             <a:spLocks noGrp="1"/>
           </p:cNvSpPr>
@@ -22426,15 +19353,15 @@
         </p:nvSpPr>
         <p:spPr>
           <a:xfrm>
-            <a:off x="820974" y="549121"/>
-            <a:ext cx="8310326" cy="1000915"/>
+            <a:off x="8076058" y="808618"/>
+            <a:ext cx="5189092" cy="618118"/>
           </a:xfrm>
           <a:prstGeom prst="rect">
             <a:avLst/>
           </a:prstGeom>
         </p:spPr>
         <p:txBody>
-          <a:bodyPr vert="horz" wrap="square" lIns="0" tIns="15875" rIns="0" bIns="0" rtlCol="0">
+          <a:bodyPr vert="horz" wrap="square" lIns="0" tIns="124460" rIns="0" bIns="0" rtlCol="0">
             <a:spAutoFit/>
           </a:bodyPr>
           <a:lstStyle/>
@@ -22448,33 +19375,169 @@
               </a:spcBef>
             </a:pPr>
             <a:r>
-              <a:rPr lang="en-US" sz="3200" dirty="0">
+              <a:rPr lang="tr-TR" sz="3200" dirty="0" err="1">
                 <a:solidFill>
                   <a:srgbClr val="2B2D3D"/>
                 </a:solidFill>
                 <a:latin typeface="Georgia"/>
                 <a:ea typeface="+mn-ea"/>
               </a:rPr>
-              <a:t>Transforming Numerical Variables into Categorical Variables</a:t>
+              <a:t>Outlier</a:t>
+            </a:r>
+            <a:r>
+              <a:rPr lang="tr-TR" sz="3200" dirty="0">
+                <a:solidFill>
+                  <a:srgbClr val="2B2D3D"/>
+                </a:solidFill>
+                <a:latin typeface="Georgia"/>
+                <a:ea typeface="+mn-ea"/>
+              </a:rPr>
+              <a:t> Analysis</a:t>
             </a:r>
           </a:p>
         </p:txBody>
       </p:sp>
+      <p:pic>
+        <p:nvPicPr>
+          <p:cNvPr id="10" name="object 10"/>
+          <p:cNvPicPr/>
+          <p:nvPr/>
+        </p:nvPicPr>
+        <p:blipFill>
+          <a:blip r:embed="rId2" cstate="print"/>
+          <a:stretch>
+            <a:fillRect/>
+          </a:stretch>
+        </p:blipFill>
+        <p:spPr>
+          <a:xfrm>
+            <a:off x="8064068" y="2902546"/>
+            <a:ext cx="1490319" cy="309016"/>
+          </a:xfrm>
+          <a:prstGeom prst="rect">
+            <a:avLst/>
+          </a:prstGeom>
+        </p:spPr>
+      </p:pic>
+      <p:pic>
+        <p:nvPicPr>
+          <p:cNvPr id="11" name="object 11"/>
+          <p:cNvPicPr/>
+          <p:nvPr/>
+        </p:nvPicPr>
+        <p:blipFill>
+          <a:blip r:embed="rId3" cstate="print"/>
+          <a:stretch>
+            <a:fillRect/>
+          </a:stretch>
+        </p:blipFill>
+        <p:spPr>
+          <a:xfrm>
+            <a:off x="4609693" y="3359746"/>
+            <a:ext cx="2256421" cy="309016"/>
+          </a:xfrm>
+          <a:prstGeom prst="rect">
+            <a:avLst/>
+          </a:prstGeom>
+        </p:spPr>
+      </p:pic>
+      <p:pic>
+        <p:nvPicPr>
+          <p:cNvPr id="12" name="object 12"/>
+          <p:cNvPicPr/>
+          <p:nvPr/>
+        </p:nvPicPr>
+        <p:blipFill>
+          <a:blip r:embed="rId4" cstate="print"/>
+          <a:stretch>
+            <a:fillRect/>
+          </a:stretch>
+        </p:blipFill>
+        <p:spPr>
+          <a:xfrm>
+            <a:off x="8376043" y="3816946"/>
+            <a:ext cx="1165517" cy="309016"/>
+          </a:xfrm>
+          <a:prstGeom prst="rect">
+            <a:avLst/>
+          </a:prstGeom>
+        </p:spPr>
+      </p:pic>
+      <p:pic>
+        <p:nvPicPr>
+          <p:cNvPr id="13" name="object 13"/>
+          <p:cNvPicPr/>
+          <p:nvPr/>
+        </p:nvPicPr>
+        <p:blipFill>
+          <a:blip r:embed="rId5" cstate="print"/>
+          <a:stretch>
+            <a:fillRect/>
+          </a:stretch>
+        </p:blipFill>
+        <p:spPr>
+          <a:xfrm>
+            <a:off x="4978336" y="4274146"/>
+            <a:ext cx="2102751" cy="396455"/>
+          </a:xfrm>
+          <a:prstGeom prst="rect">
+            <a:avLst/>
+          </a:prstGeom>
+        </p:spPr>
+      </p:pic>
+      <p:pic>
+        <p:nvPicPr>
+          <p:cNvPr id="14" name="object 14"/>
+          <p:cNvPicPr/>
+          <p:nvPr/>
+        </p:nvPicPr>
+        <p:blipFill>
+          <a:blip r:embed="rId6" cstate="print"/>
+          <a:stretch>
+            <a:fillRect/>
+          </a:stretch>
+        </p:blipFill>
+        <p:spPr>
+          <a:xfrm>
+            <a:off x="5085562" y="4729315"/>
+            <a:ext cx="4457776" cy="398856"/>
+          </a:xfrm>
+          <a:prstGeom prst="rect">
+            <a:avLst/>
+          </a:prstGeom>
+        </p:spPr>
+      </p:pic>
+      <p:pic>
+        <p:nvPicPr>
+          <p:cNvPr id="15" name="object 15"/>
+          <p:cNvPicPr/>
+          <p:nvPr/>
+        </p:nvPicPr>
+        <p:blipFill>
+          <a:blip r:embed="rId7" cstate="print"/>
+          <a:stretch>
+            <a:fillRect/>
+          </a:stretch>
+        </p:blipFill>
+        <p:spPr>
+          <a:xfrm>
+            <a:off x="7155434" y="5188546"/>
+            <a:ext cx="3091345" cy="309016"/>
+          </a:xfrm>
+          <a:prstGeom prst="rect">
+            <a:avLst/>
+          </a:prstGeom>
+        </p:spPr>
+      </p:pic>
       <p:sp>
         <p:nvSpPr>
-          <p:cNvPr id="35" name="object 17">
-            <a:extLst>
-              <a:ext uri="{FF2B5EF4-FFF2-40B4-BE49-F238E27FC236}">
-                <a16:creationId xmlns:a16="http://schemas.microsoft.com/office/drawing/2014/main" id="{D5497F42-E25B-74AE-69CA-C809066BD6BA}"/>
-              </a:ext>
-            </a:extLst>
-          </p:cNvPr>
+          <p:cNvPr id="17" name="object 17"/>
           <p:cNvSpPr/>
           <p:nvPr/>
         </p:nvSpPr>
         <p:spPr>
           <a:xfrm>
-            <a:off x="4121150" y="1787429"/>
+            <a:off x="8704617" y="1613282"/>
             <a:ext cx="4048125" cy="95250"/>
           </a:xfrm>
           <a:custGeom>
@@ -22516,304 +19579,96 @@
           </a:p>
         </p:txBody>
       </p:sp>
-      <p:sp>
-        <p:nvSpPr>
-          <p:cNvPr id="8" name="TextBox 7">
+      <p:pic>
+        <p:nvPicPr>
+          <p:cNvPr id="8" name="Picture 7">
             <a:extLst>
               <a:ext uri="{FF2B5EF4-FFF2-40B4-BE49-F238E27FC236}">
-                <a16:creationId xmlns:a16="http://schemas.microsoft.com/office/drawing/2014/main" id="{340DB2C7-CB45-D1F6-1D7D-F9C5C274803A}"/>
+                <a16:creationId xmlns:a16="http://schemas.microsoft.com/office/drawing/2014/main" id="{3EAF8BF9-A6F4-1F85-BCB5-1B5371C07DCA}"/>
               </a:ext>
             </a:extLst>
           </p:cNvPr>
-          <p:cNvSpPr txBox="1"/>
+          <p:cNvPicPr>
+            <a:picLocks noChangeAspect="1"/>
+          </p:cNvPicPr>
           <p:nvPr/>
-        </p:nvSpPr>
+        </p:nvPicPr>
+        <p:blipFill>
+          <a:blip r:embed="rId8"/>
+          <a:stretch>
+            <a:fillRect/>
+          </a:stretch>
+        </p:blipFill>
         <p:spPr>
           <a:xfrm>
-            <a:off x="13898689" y="6064250"/>
-            <a:ext cx="3775075" cy="1661993"/>
+            <a:off x="747005" y="997143"/>
+            <a:ext cx="7102014" cy="3847512"/>
           </a:xfrm>
           <a:prstGeom prst="rect">
             <a:avLst/>
           </a:prstGeom>
-          <a:noFill/>
         </p:spPr>
-        <p:txBody>
-          <a:bodyPr wrap="square">
-            <a:spAutoFit/>
-          </a:bodyPr>
-          <a:lstStyle/>
-          <a:p>
-            <a:r>
-              <a:rPr lang="tr-TR" sz="1800" dirty="0" err="1">
-                <a:solidFill>
-                  <a:srgbClr val="262836"/>
-                </a:solidFill>
-                <a:latin typeface="Georgia"/>
-                <a:cs typeface="+mj-cs"/>
-              </a:rPr>
-              <a:t>Employees</a:t>
-            </a:r>
-            <a:r>
-              <a:rPr lang="tr-TR" sz="1800" dirty="0">
-                <a:solidFill>
-                  <a:srgbClr val="262836"/>
-                </a:solidFill>
-                <a:latin typeface="Georgia"/>
-                <a:cs typeface="+mj-cs"/>
-              </a:rPr>
-              <a:t> </a:t>
-            </a:r>
-            <a:r>
-              <a:rPr lang="tr-TR" sz="1800" dirty="0" err="1">
-                <a:solidFill>
-                  <a:srgbClr val="262836"/>
-                </a:solidFill>
-                <a:latin typeface="Georgia"/>
-                <a:cs typeface="+mj-cs"/>
-              </a:rPr>
-              <a:t>with</a:t>
-            </a:r>
-            <a:r>
-              <a:rPr lang="tr-TR" sz="1800" dirty="0">
-                <a:solidFill>
-                  <a:srgbClr val="262836"/>
-                </a:solidFill>
-                <a:latin typeface="Georgia"/>
-                <a:cs typeface="+mj-cs"/>
-              </a:rPr>
-              <a:t> </a:t>
-            </a:r>
-            <a:r>
-              <a:rPr lang="en-US" sz="1800" dirty="0">
-                <a:solidFill>
-                  <a:srgbClr val="262836"/>
-                </a:solidFill>
-                <a:latin typeface="Georgia"/>
-                <a:cs typeface="+mj-cs"/>
-              </a:rPr>
-              <a:t>high job satisfaction</a:t>
-            </a:r>
-            <a:r>
-              <a:rPr lang="tr-TR" sz="1800" dirty="0">
-                <a:solidFill>
-                  <a:srgbClr val="262836"/>
-                </a:solidFill>
-                <a:latin typeface="Georgia"/>
-                <a:cs typeface="+mj-cs"/>
-              </a:rPr>
-              <a:t> </a:t>
-            </a:r>
-            <a:r>
-              <a:rPr lang="en-US" sz="1800" dirty="0">
-                <a:solidFill>
-                  <a:srgbClr val="262836"/>
-                </a:solidFill>
-                <a:latin typeface="Georgia"/>
-                <a:cs typeface="+mj-cs"/>
-              </a:rPr>
-              <a:t>with low employee recognition</a:t>
-            </a:r>
-            <a:r>
-              <a:rPr lang="tr-TR" sz="1800" dirty="0">
-                <a:solidFill>
-                  <a:srgbClr val="262836"/>
-                </a:solidFill>
-                <a:latin typeface="Georgia"/>
-                <a:cs typeface="+mj-cs"/>
-              </a:rPr>
-              <a:t> </a:t>
-            </a:r>
-            <a:r>
-              <a:rPr lang="tr-TR" sz="1800" dirty="0" err="1">
-                <a:solidFill>
-                  <a:srgbClr val="262836"/>
-                </a:solidFill>
-                <a:latin typeface="Georgia"/>
-                <a:cs typeface="+mj-cs"/>
-              </a:rPr>
-              <a:t>take</a:t>
-            </a:r>
-            <a:r>
-              <a:rPr lang="tr-TR" sz="1800" dirty="0">
-                <a:solidFill>
-                  <a:srgbClr val="262836"/>
-                </a:solidFill>
-                <a:latin typeface="Georgia"/>
-                <a:cs typeface="+mj-cs"/>
-              </a:rPr>
-              <a:t> </a:t>
-            </a:r>
-            <a:r>
-              <a:rPr lang="tr-TR" sz="1800" dirty="0" err="1">
-                <a:solidFill>
-                  <a:srgbClr val="262836"/>
-                </a:solidFill>
-                <a:latin typeface="Georgia"/>
-                <a:cs typeface="+mj-cs"/>
-              </a:rPr>
-              <a:t>place</a:t>
-            </a:r>
-            <a:r>
-              <a:rPr lang="tr-TR" sz="1800" dirty="0">
-                <a:solidFill>
-                  <a:srgbClr val="262836"/>
-                </a:solidFill>
-                <a:latin typeface="Georgia"/>
-                <a:cs typeface="+mj-cs"/>
-              </a:rPr>
-              <a:t> of </a:t>
-            </a:r>
-            <a:r>
-              <a:rPr lang="tr-TR" sz="2400" b="1" dirty="0">
-                <a:solidFill>
-                  <a:srgbClr val="262836"/>
-                </a:solidFill>
-                <a:latin typeface="Georgia"/>
-                <a:cs typeface="+mj-cs"/>
-              </a:rPr>
-              <a:t>20% </a:t>
-            </a:r>
-            <a:r>
-              <a:rPr lang="tr-TR" sz="1800" dirty="0">
-                <a:solidFill>
-                  <a:srgbClr val="262836"/>
-                </a:solidFill>
-                <a:latin typeface="Georgia"/>
-                <a:cs typeface="+mj-cs"/>
-              </a:rPr>
-              <a:t>of </a:t>
-            </a:r>
-            <a:r>
-              <a:rPr lang="tr-TR" sz="1800" dirty="0" err="1">
-                <a:solidFill>
-                  <a:srgbClr val="262836"/>
-                </a:solidFill>
-                <a:latin typeface="Georgia"/>
-                <a:cs typeface="+mj-cs"/>
-              </a:rPr>
-              <a:t>the</a:t>
-            </a:r>
-            <a:r>
-              <a:rPr lang="tr-TR" sz="1800" dirty="0">
-                <a:solidFill>
-                  <a:srgbClr val="262836"/>
-                </a:solidFill>
-                <a:latin typeface="Georgia"/>
-                <a:cs typeface="+mj-cs"/>
-              </a:rPr>
-              <a:t> data. </a:t>
-            </a:r>
-            <a:r>
-              <a:rPr lang="tr-TR" sz="1800" dirty="0" err="1">
-                <a:solidFill>
-                  <a:srgbClr val="262836"/>
-                </a:solidFill>
-                <a:latin typeface="Georgia"/>
-                <a:cs typeface="+mj-cs"/>
-              </a:rPr>
-              <a:t>Among</a:t>
-            </a:r>
-            <a:r>
-              <a:rPr lang="tr-TR" sz="1800" dirty="0">
-                <a:solidFill>
-                  <a:srgbClr val="262836"/>
-                </a:solidFill>
-                <a:latin typeface="Georgia"/>
-                <a:cs typeface="+mj-cs"/>
-              </a:rPr>
-              <a:t> </a:t>
-            </a:r>
-            <a:r>
-              <a:rPr lang="tr-TR" sz="1800" dirty="0" err="1">
-                <a:solidFill>
-                  <a:srgbClr val="262836"/>
-                </a:solidFill>
-                <a:latin typeface="Georgia"/>
-                <a:cs typeface="+mj-cs"/>
-              </a:rPr>
-              <a:t>these</a:t>
-            </a:r>
-            <a:r>
-              <a:rPr lang="tr-TR" sz="1800" dirty="0">
-                <a:solidFill>
-                  <a:srgbClr val="262836"/>
-                </a:solidFill>
-                <a:latin typeface="Georgia"/>
-                <a:cs typeface="+mj-cs"/>
-              </a:rPr>
-              <a:t> </a:t>
-            </a:r>
-            <a:r>
-              <a:rPr lang="tr-TR" sz="2400" b="1" dirty="0">
-                <a:solidFill>
-                  <a:srgbClr val="262836"/>
-                </a:solidFill>
-                <a:latin typeface="Georgia"/>
-                <a:cs typeface="+mj-cs"/>
-              </a:rPr>
-              <a:t>45% </a:t>
-            </a:r>
-            <a:r>
-              <a:rPr lang="tr-TR" sz="1800" dirty="0" err="1">
-                <a:solidFill>
-                  <a:srgbClr val="262836"/>
-                </a:solidFill>
-                <a:latin typeface="Georgia"/>
-                <a:cs typeface="+mj-cs"/>
-              </a:rPr>
-              <a:t>left</a:t>
-            </a:r>
-            <a:r>
-              <a:rPr lang="tr-TR" sz="1800" dirty="0">
-                <a:solidFill>
-                  <a:srgbClr val="262836"/>
-                </a:solidFill>
-                <a:latin typeface="Georgia"/>
-                <a:cs typeface="+mj-cs"/>
-              </a:rPr>
-              <a:t> </a:t>
-            </a:r>
-            <a:r>
-              <a:rPr lang="tr-TR" sz="1800" dirty="0" err="1">
-                <a:solidFill>
-                  <a:srgbClr val="262836"/>
-                </a:solidFill>
-                <a:latin typeface="Georgia"/>
-                <a:cs typeface="+mj-cs"/>
-              </a:rPr>
-              <a:t>the</a:t>
-            </a:r>
-            <a:r>
-              <a:rPr lang="tr-TR" sz="1800" dirty="0">
-                <a:solidFill>
-                  <a:srgbClr val="262836"/>
-                </a:solidFill>
-                <a:latin typeface="Georgia"/>
-                <a:cs typeface="+mj-cs"/>
-              </a:rPr>
-              <a:t> </a:t>
-            </a:r>
-            <a:r>
-              <a:rPr lang="tr-TR" sz="1800" dirty="0" err="1">
-                <a:solidFill>
-                  <a:srgbClr val="262836"/>
-                </a:solidFill>
-                <a:latin typeface="Georgia"/>
-                <a:cs typeface="+mj-cs"/>
-              </a:rPr>
-              <a:t>company</a:t>
-            </a:r>
-            <a:endParaRPr lang="tr-TR" sz="1800" dirty="0">
-              <a:solidFill>
-                <a:srgbClr val="262836"/>
-              </a:solidFill>
-              <a:latin typeface="Georgia"/>
-              <a:cs typeface="+mj-cs"/>
-            </a:endParaRPr>
-          </a:p>
-        </p:txBody>
-      </p:sp>
+      </p:pic>
+      <p:pic>
+        <p:nvPicPr>
+          <p:cNvPr id="21" name="Picture 20">
+            <a:extLst>
+              <a:ext uri="{FF2B5EF4-FFF2-40B4-BE49-F238E27FC236}">
+                <a16:creationId xmlns:a16="http://schemas.microsoft.com/office/drawing/2014/main" id="{B2308846-3A76-CF41-D786-3F2873627575}"/>
+              </a:ext>
+            </a:extLst>
+          </p:cNvPr>
+          <p:cNvPicPr>
+            <a:picLocks noChangeAspect="1"/>
+          </p:cNvPicPr>
+          <p:nvPr/>
+        </p:nvPicPr>
+        <p:blipFill>
+          <a:blip r:embed="rId9"/>
+          <a:stretch>
+            <a:fillRect/>
+          </a:stretch>
+        </p:blipFill>
+        <p:spPr>
+          <a:xfrm>
+            <a:off x="8495626" y="2314587"/>
+            <a:ext cx="9582150" cy="7429500"/>
+          </a:xfrm>
+          <a:prstGeom prst="rect">
+            <a:avLst/>
+          </a:prstGeom>
+        </p:spPr>
+      </p:pic>
+      <p:pic>
+        <p:nvPicPr>
+          <p:cNvPr id="23" name="Picture 22">
+            <a:extLst>
+              <a:ext uri="{FF2B5EF4-FFF2-40B4-BE49-F238E27FC236}">
+                <a16:creationId xmlns:a16="http://schemas.microsoft.com/office/drawing/2014/main" id="{FF70547D-3C1A-1085-2BBC-241741CA00D9}"/>
+              </a:ext>
+            </a:extLst>
+          </p:cNvPr>
+          <p:cNvPicPr>
+            <a:picLocks noChangeAspect="1"/>
+          </p:cNvPicPr>
+          <p:nvPr/>
+        </p:nvPicPr>
+        <p:blipFill>
+          <a:blip r:embed="rId10"/>
+          <a:stretch>
+            <a:fillRect/>
+          </a:stretch>
+        </p:blipFill>
+        <p:spPr>
+          <a:xfrm>
+            <a:off x="1029118" y="5031244"/>
+            <a:ext cx="7046939" cy="4869737"/>
+          </a:xfrm>
+          <a:prstGeom prst="rect">
+            <a:avLst/>
+          </a:prstGeom>
+        </p:spPr>
+      </p:pic>
     </p:spTree>
   </p:cSld>
   <p:clrMapOvr>
